--- a/presentation/Misteli_Refactoring_in_Spoofax.pptx
+++ b/presentation/Misteli_Refactoring_in_Spoofax.pptx
@@ -5,16 +5,24 @@
     <p:sldMasterId id="2147483648" r:id="rId1"/>
     <p:sldMasterId id="2147483660" r:id="rId2"/>
   </p:sldMasterIdLst>
+  <p:notesMasterIdLst>
+    <p:notesMasterId r:id="rId14"/>
+  </p:notesMasterIdLst>
   <p:handoutMasterIdLst>
-    <p:handoutMasterId r:id="rId9"/>
+    <p:handoutMasterId r:id="rId15"/>
   </p:handoutMasterIdLst>
   <p:sldIdLst>
     <p:sldId id="256" r:id="rId3"/>
-    <p:sldId id="266" r:id="rId4"/>
-    <p:sldId id="270" r:id="rId5"/>
-    <p:sldId id="265" r:id="rId6"/>
-    <p:sldId id="268" r:id="rId7"/>
-    <p:sldId id="269" r:id="rId8"/>
+    <p:sldId id="270" r:id="rId4"/>
+    <p:sldId id="271" r:id="rId5"/>
+    <p:sldId id="272" r:id="rId6"/>
+    <p:sldId id="273" r:id="rId7"/>
+    <p:sldId id="274" r:id="rId8"/>
+    <p:sldId id="275" r:id="rId9"/>
+    <p:sldId id="279" r:id="rId10"/>
+    <p:sldId id="276" r:id="rId11"/>
+    <p:sldId id="277" r:id="rId12"/>
+    <p:sldId id="278" r:id="rId13"/>
   </p:sldIdLst>
   <p:sldSz cx="9144000" cy="5143500" type="screen16x9"/>
   <p:notesSz cx="6858000" cy="9144000"/>
@@ -132,6 +140,2639 @@
 </p:presentation>
 </file>
 
+<file path=ppt/commentAuthors.xml><?xml version="1.0" encoding="utf-8"?>
+<p:cmAuthorLst xmlns:a="http://schemas.openxmlformats.org/drawingml/2006/main" xmlns:r="http://schemas.openxmlformats.org/officeDocument/2006/relationships" xmlns:p="http://schemas.openxmlformats.org/presentationml/2006/main">
+  <p:cmAuthor id="1" name="Philippe Misteli" initials="PM" lastIdx="0" clrIdx="0">
+    <p:extLst>
+      <p:ext uri="{19B8F6BF-5375-455C-9EA6-DF929625EA0E}">
+        <p15:presenceInfo xmlns:p15="http://schemas.microsoft.com/office/powerpoint/2012/main" userId="Philippe Misteli" providerId="None"/>
+      </p:ext>
+    </p:extLst>
+  </p:cmAuthor>
+</p:cmAuthorLst>
+</file>
+
+<file path=ppt/diagrams/colors1.xml><?xml version="1.0" encoding="utf-8"?>
+<dgm:colorsDef xmlns:dgm="http://schemas.openxmlformats.org/drawingml/2006/diagram" xmlns:a="http://schemas.openxmlformats.org/drawingml/2006/main" uniqueId="urn:microsoft.com/office/officeart/2005/8/colors/accent0_3">
+  <dgm:title val=""/>
+  <dgm:desc val=""/>
+  <dgm:catLst>
+    <dgm:cat type="mainScheme" pri="10300"/>
+  </dgm:catLst>
+  <dgm:styleLbl name="node0">
+    <dgm:fillClrLst meth="repeat">
+      <a:schemeClr val="dk2"/>
+    </dgm:fillClrLst>
+    <dgm:linClrLst meth="repeat">
+      <a:schemeClr val="lt2"/>
+    </dgm:linClrLst>
+    <dgm:effectClrLst/>
+    <dgm:txLinClrLst/>
+    <dgm:txFillClrLst/>
+    <dgm:txEffectClrLst/>
+  </dgm:styleLbl>
+  <dgm:styleLbl name="alignNode1">
+    <dgm:fillClrLst meth="repeat">
+      <a:schemeClr val="dk2"/>
+    </dgm:fillClrLst>
+    <dgm:linClrLst meth="repeat">
+      <a:schemeClr val="dk2"/>
+    </dgm:linClrLst>
+    <dgm:effectClrLst/>
+    <dgm:txLinClrLst/>
+    <dgm:txFillClrLst/>
+    <dgm:txEffectClrLst/>
+  </dgm:styleLbl>
+  <dgm:styleLbl name="node1">
+    <dgm:fillClrLst meth="repeat">
+      <a:schemeClr val="dk2"/>
+    </dgm:fillClrLst>
+    <dgm:linClrLst meth="repeat">
+      <a:schemeClr val="lt2"/>
+    </dgm:linClrLst>
+    <dgm:effectClrLst/>
+    <dgm:txLinClrLst/>
+    <dgm:txFillClrLst/>
+    <dgm:txEffectClrLst/>
+  </dgm:styleLbl>
+  <dgm:styleLbl name="lnNode1">
+    <dgm:fillClrLst meth="repeat">
+      <a:schemeClr val="dk2"/>
+    </dgm:fillClrLst>
+    <dgm:linClrLst meth="repeat">
+      <a:schemeClr val="lt2"/>
+    </dgm:linClrLst>
+    <dgm:effectClrLst/>
+    <dgm:txLinClrLst/>
+    <dgm:txFillClrLst/>
+    <dgm:txEffectClrLst/>
+  </dgm:styleLbl>
+  <dgm:styleLbl name="vennNode1">
+    <dgm:fillClrLst meth="repeat">
+      <a:schemeClr val="dk2">
+        <a:alpha val="50000"/>
+      </a:schemeClr>
+    </dgm:fillClrLst>
+    <dgm:linClrLst meth="repeat">
+      <a:schemeClr val="lt2"/>
+    </dgm:linClrLst>
+    <dgm:effectClrLst/>
+    <dgm:txLinClrLst/>
+    <dgm:txFillClrLst/>
+    <dgm:txEffectClrLst/>
+  </dgm:styleLbl>
+  <dgm:styleLbl name="node2">
+    <dgm:fillClrLst meth="repeat">
+      <a:schemeClr val="dk2"/>
+    </dgm:fillClrLst>
+    <dgm:linClrLst meth="repeat">
+      <a:schemeClr val="lt2"/>
+    </dgm:linClrLst>
+    <dgm:effectClrLst/>
+    <dgm:txLinClrLst/>
+    <dgm:txFillClrLst/>
+    <dgm:txEffectClrLst/>
+  </dgm:styleLbl>
+  <dgm:styleLbl name="node3">
+    <dgm:fillClrLst meth="repeat">
+      <a:schemeClr val="dk2"/>
+    </dgm:fillClrLst>
+    <dgm:linClrLst meth="repeat">
+      <a:schemeClr val="lt2"/>
+    </dgm:linClrLst>
+    <dgm:effectClrLst/>
+    <dgm:txLinClrLst/>
+    <dgm:txFillClrLst/>
+    <dgm:txEffectClrLst/>
+  </dgm:styleLbl>
+  <dgm:styleLbl name="node4">
+    <dgm:fillClrLst meth="repeat">
+      <a:schemeClr val="dk2"/>
+    </dgm:fillClrLst>
+    <dgm:linClrLst meth="repeat">
+      <a:schemeClr val="lt2"/>
+    </dgm:linClrLst>
+    <dgm:effectClrLst/>
+    <dgm:txLinClrLst/>
+    <dgm:txFillClrLst/>
+    <dgm:txEffectClrLst/>
+  </dgm:styleLbl>
+  <dgm:styleLbl name="fgImgPlace1">
+    <dgm:fillClrLst meth="repeat">
+      <a:schemeClr val="dk2">
+        <a:tint val="50000"/>
+      </a:schemeClr>
+    </dgm:fillClrLst>
+    <dgm:linClrLst meth="repeat">
+      <a:schemeClr val="lt2"/>
+    </dgm:linClrLst>
+    <dgm:effectClrLst/>
+    <dgm:txLinClrLst/>
+    <dgm:txFillClrLst meth="repeat">
+      <a:schemeClr val="lt2"/>
+    </dgm:txFillClrLst>
+    <dgm:txEffectClrLst/>
+  </dgm:styleLbl>
+  <dgm:styleLbl name="alignImgPlace1">
+    <dgm:fillClrLst meth="repeat">
+      <a:schemeClr val="dk2">
+        <a:tint val="50000"/>
+      </a:schemeClr>
+    </dgm:fillClrLst>
+    <dgm:linClrLst meth="repeat">
+      <a:schemeClr val="dk2">
+        <a:shade val="80000"/>
+      </a:schemeClr>
+    </dgm:linClrLst>
+    <dgm:effectClrLst/>
+    <dgm:txLinClrLst/>
+    <dgm:txFillClrLst meth="repeat">
+      <a:schemeClr val="lt2"/>
+    </dgm:txFillClrLst>
+    <dgm:txEffectClrLst/>
+  </dgm:styleLbl>
+  <dgm:styleLbl name="bgImgPlace1">
+    <dgm:fillClrLst meth="repeat">
+      <a:schemeClr val="dk2">
+        <a:tint val="50000"/>
+      </a:schemeClr>
+    </dgm:fillClrLst>
+    <dgm:linClrLst meth="repeat">
+      <a:schemeClr val="dk2">
+        <a:shade val="80000"/>
+      </a:schemeClr>
+    </dgm:linClrLst>
+    <dgm:effectClrLst/>
+    <dgm:txLinClrLst/>
+    <dgm:txFillClrLst meth="repeat">
+      <a:schemeClr val="lt2"/>
+    </dgm:txFillClrLst>
+    <dgm:txEffectClrLst/>
+  </dgm:styleLbl>
+  <dgm:styleLbl name="sibTrans2D1">
+    <dgm:fillClrLst meth="repeat">
+      <a:schemeClr val="dk2">
+        <a:tint val="60000"/>
+      </a:schemeClr>
+    </dgm:fillClrLst>
+    <dgm:linClrLst meth="repeat">
+      <a:schemeClr val="dk2">
+        <a:tint val="60000"/>
+      </a:schemeClr>
+    </dgm:linClrLst>
+    <dgm:effectClrLst/>
+    <dgm:txLinClrLst/>
+    <dgm:txFillClrLst/>
+    <dgm:txEffectClrLst/>
+  </dgm:styleLbl>
+  <dgm:styleLbl name="fgSibTrans2D1">
+    <dgm:fillClrLst meth="repeat">
+      <a:schemeClr val="dk2">
+        <a:tint val="60000"/>
+      </a:schemeClr>
+    </dgm:fillClrLst>
+    <dgm:linClrLst meth="repeat">
+      <a:schemeClr val="dk2">
+        <a:tint val="60000"/>
+      </a:schemeClr>
+    </dgm:linClrLst>
+    <dgm:effectClrLst/>
+    <dgm:txLinClrLst/>
+    <dgm:txFillClrLst/>
+    <dgm:txEffectClrLst/>
+  </dgm:styleLbl>
+  <dgm:styleLbl name="bgSibTrans2D1">
+    <dgm:fillClrLst meth="repeat">
+      <a:schemeClr val="dk2">
+        <a:tint val="60000"/>
+      </a:schemeClr>
+    </dgm:fillClrLst>
+    <dgm:linClrLst meth="repeat">
+      <a:schemeClr val="dk2">
+        <a:tint val="60000"/>
+      </a:schemeClr>
+    </dgm:linClrLst>
+    <dgm:effectClrLst/>
+    <dgm:txLinClrLst/>
+    <dgm:txFillClrLst/>
+    <dgm:txEffectClrLst/>
+  </dgm:styleLbl>
+  <dgm:styleLbl name="sibTrans1D1">
+    <dgm:fillClrLst meth="repeat">
+      <a:schemeClr val="dk2"/>
+    </dgm:fillClrLst>
+    <dgm:linClrLst meth="repeat">
+      <a:schemeClr val="dk2"/>
+    </dgm:linClrLst>
+    <dgm:effectClrLst/>
+    <dgm:txLinClrLst/>
+    <dgm:txFillClrLst meth="repeat">
+      <a:schemeClr val="lt2"/>
+    </dgm:txFillClrLst>
+    <dgm:txEffectClrLst/>
+  </dgm:styleLbl>
+  <dgm:styleLbl name="callout">
+    <dgm:fillClrLst meth="repeat">
+      <a:schemeClr val="dk2"/>
+    </dgm:fillClrLst>
+    <dgm:linClrLst meth="repeat">
+      <a:schemeClr val="dk2">
+        <a:tint val="50000"/>
+      </a:schemeClr>
+    </dgm:linClrLst>
+    <dgm:effectClrLst/>
+    <dgm:txLinClrLst/>
+    <dgm:txFillClrLst meth="repeat">
+      <a:schemeClr val="lt2"/>
+    </dgm:txFillClrLst>
+    <dgm:txEffectClrLst/>
+  </dgm:styleLbl>
+  <dgm:styleLbl name="asst0">
+    <dgm:fillClrLst meth="repeat">
+      <a:schemeClr val="dk2"/>
+    </dgm:fillClrLst>
+    <dgm:linClrLst meth="repeat">
+      <a:schemeClr val="lt2"/>
+    </dgm:linClrLst>
+    <dgm:effectClrLst/>
+    <dgm:txLinClrLst/>
+    <dgm:txFillClrLst/>
+    <dgm:txEffectClrLst/>
+  </dgm:styleLbl>
+  <dgm:styleLbl name="asst1">
+    <dgm:fillClrLst meth="repeat">
+      <a:schemeClr val="dk2"/>
+    </dgm:fillClrLst>
+    <dgm:linClrLst meth="repeat">
+      <a:schemeClr val="lt2"/>
+    </dgm:linClrLst>
+    <dgm:effectClrLst/>
+    <dgm:txLinClrLst/>
+    <dgm:txFillClrLst/>
+    <dgm:txEffectClrLst/>
+  </dgm:styleLbl>
+  <dgm:styleLbl name="asst2">
+    <dgm:fillClrLst meth="repeat">
+      <a:schemeClr val="dk2"/>
+    </dgm:fillClrLst>
+    <dgm:linClrLst meth="repeat">
+      <a:schemeClr val="lt2"/>
+    </dgm:linClrLst>
+    <dgm:effectClrLst/>
+    <dgm:txLinClrLst/>
+    <dgm:txFillClrLst/>
+    <dgm:txEffectClrLst/>
+  </dgm:styleLbl>
+  <dgm:styleLbl name="asst3">
+    <dgm:fillClrLst meth="repeat">
+      <a:schemeClr val="dk2"/>
+    </dgm:fillClrLst>
+    <dgm:linClrLst meth="repeat">
+      <a:schemeClr val="lt2"/>
+    </dgm:linClrLst>
+    <dgm:effectClrLst/>
+    <dgm:txLinClrLst/>
+    <dgm:txFillClrLst/>
+    <dgm:txEffectClrLst/>
+  </dgm:styleLbl>
+  <dgm:styleLbl name="asst4">
+    <dgm:fillClrLst meth="repeat">
+      <a:schemeClr val="dk2"/>
+    </dgm:fillClrLst>
+    <dgm:linClrLst meth="repeat">
+      <a:schemeClr val="lt2"/>
+    </dgm:linClrLst>
+    <dgm:effectClrLst/>
+    <dgm:txLinClrLst/>
+    <dgm:txFillClrLst/>
+    <dgm:txEffectClrLst/>
+  </dgm:styleLbl>
+  <dgm:styleLbl name="parChTrans2D1">
+    <dgm:fillClrLst meth="repeat">
+      <a:schemeClr val="dk2">
+        <a:tint val="60000"/>
+      </a:schemeClr>
+    </dgm:fillClrLst>
+    <dgm:linClrLst meth="repeat">
+      <a:schemeClr val="dk2">
+        <a:tint val="60000"/>
+      </a:schemeClr>
+    </dgm:linClrLst>
+    <dgm:effectClrLst/>
+    <dgm:txLinClrLst/>
+    <dgm:txFillClrLst meth="repeat">
+      <a:schemeClr val="lt2"/>
+    </dgm:txFillClrLst>
+    <dgm:txEffectClrLst/>
+  </dgm:styleLbl>
+  <dgm:styleLbl name="parChTrans2D2">
+    <dgm:fillClrLst meth="repeat">
+      <a:schemeClr val="dk2"/>
+    </dgm:fillClrLst>
+    <dgm:linClrLst meth="repeat">
+      <a:schemeClr val="dk2"/>
+    </dgm:linClrLst>
+    <dgm:effectClrLst/>
+    <dgm:txLinClrLst/>
+    <dgm:txFillClrLst meth="repeat">
+      <a:schemeClr val="lt2"/>
+    </dgm:txFillClrLst>
+    <dgm:txEffectClrLst/>
+  </dgm:styleLbl>
+  <dgm:styleLbl name="parChTrans2D3">
+    <dgm:fillClrLst meth="repeat">
+      <a:schemeClr val="dk2"/>
+    </dgm:fillClrLst>
+    <dgm:linClrLst meth="repeat">
+      <a:schemeClr val="dk2"/>
+    </dgm:linClrLst>
+    <dgm:effectClrLst/>
+    <dgm:txLinClrLst/>
+    <dgm:txFillClrLst meth="repeat">
+      <a:schemeClr val="lt2"/>
+    </dgm:txFillClrLst>
+    <dgm:txEffectClrLst/>
+  </dgm:styleLbl>
+  <dgm:styleLbl name="parChTrans2D4">
+    <dgm:fillClrLst meth="repeat">
+      <a:schemeClr val="dk2"/>
+    </dgm:fillClrLst>
+    <dgm:linClrLst meth="repeat">
+      <a:schemeClr val="dk2"/>
+    </dgm:linClrLst>
+    <dgm:effectClrLst/>
+    <dgm:txLinClrLst/>
+    <dgm:txFillClrLst meth="repeat">
+      <a:schemeClr val="lt2"/>
+    </dgm:txFillClrLst>
+    <dgm:txEffectClrLst/>
+  </dgm:styleLbl>
+  <dgm:styleLbl name="parChTrans1D1">
+    <dgm:fillClrLst meth="repeat">
+      <a:schemeClr val="dk2"/>
+    </dgm:fillClrLst>
+    <dgm:linClrLst meth="repeat">
+      <a:schemeClr val="dk2">
+        <a:shade val="60000"/>
+      </a:schemeClr>
+    </dgm:linClrLst>
+    <dgm:effectClrLst/>
+    <dgm:txLinClrLst/>
+    <dgm:txFillClrLst meth="repeat">
+      <a:schemeClr val="tx1"/>
+    </dgm:txFillClrLst>
+    <dgm:txEffectClrLst/>
+  </dgm:styleLbl>
+  <dgm:styleLbl name="parChTrans1D2">
+    <dgm:fillClrLst meth="repeat">
+      <a:schemeClr val="dk2"/>
+    </dgm:fillClrLst>
+    <dgm:linClrLst meth="repeat">
+      <a:schemeClr val="dk2">
+        <a:shade val="60000"/>
+      </a:schemeClr>
+    </dgm:linClrLst>
+    <dgm:effectClrLst/>
+    <dgm:txLinClrLst/>
+    <dgm:txFillClrLst meth="repeat">
+      <a:schemeClr val="tx1"/>
+    </dgm:txFillClrLst>
+    <dgm:txEffectClrLst/>
+  </dgm:styleLbl>
+  <dgm:styleLbl name="parChTrans1D3">
+    <dgm:fillClrLst meth="repeat">
+      <a:schemeClr val="dk2"/>
+    </dgm:fillClrLst>
+    <dgm:linClrLst meth="repeat">
+      <a:schemeClr val="dk2">
+        <a:shade val="80000"/>
+      </a:schemeClr>
+    </dgm:linClrLst>
+    <dgm:effectClrLst/>
+    <dgm:txLinClrLst/>
+    <dgm:txFillClrLst meth="repeat">
+      <a:schemeClr val="tx1"/>
+    </dgm:txFillClrLst>
+    <dgm:txEffectClrLst/>
+  </dgm:styleLbl>
+  <dgm:styleLbl name="parChTrans1D4">
+    <dgm:fillClrLst meth="repeat">
+      <a:schemeClr val="dk2"/>
+    </dgm:fillClrLst>
+    <dgm:linClrLst meth="repeat">
+      <a:schemeClr val="dk2">
+        <a:shade val="80000"/>
+      </a:schemeClr>
+    </dgm:linClrLst>
+    <dgm:effectClrLst/>
+    <dgm:txLinClrLst/>
+    <dgm:txFillClrLst meth="repeat">
+      <a:schemeClr val="tx1"/>
+    </dgm:txFillClrLst>
+    <dgm:txEffectClrLst/>
+  </dgm:styleLbl>
+  <dgm:styleLbl name="fgAcc1">
+    <dgm:fillClrLst meth="repeat">
+      <a:schemeClr val="lt2">
+        <a:alpha val="90000"/>
+      </a:schemeClr>
+    </dgm:fillClrLst>
+    <dgm:linClrLst meth="repeat">
+      <a:schemeClr val="dk2"/>
+    </dgm:linClrLst>
+    <dgm:effectClrLst/>
+    <dgm:txLinClrLst/>
+    <dgm:txFillClrLst meth="repeat">
+      <a:schemeClr val="dk1"/>
+    </dgm:txFillClrLst>
+    <dgm:txEffectClrLst/>
+  </dgm:styleLbl>
+  <dgm:styleLbl name="conFgAcc1">
+    <dgm:fillClrLst meth="repeat">
+      <a:schemeClr val="lt2">
+        <a:alpha val="90000"/>
+      </a:schemeClr>
+    </dgm:fillClrLst>
+    <dgm:linClrLst meth="repeat">
+      <a:schemeClr val="dk2"/>
+    </dgm:linClrLst>
+    <dgm:effectClrLst/>
+    <dgm:txLinClrLst/>
+    <dgm:txFillClrLst meth="repeat">
+      <a:schemeClr val="dk1"/>
+    </dgm:txFillClrLst>
+    <dgm:txEffectClrLst/>
+  </dgm:styleLbl>
+  <dgm:styleLbl name="alignAcc1">
+    <dgm:fillClrLst meth="repeat">
+      <a:schemeClr val="lt2">
+        <a:alpha val="90000"/>
+      </a:schemeClr>
+    </dgm:fillClrLst>
+    <dgm:linClrLst meth="repeat">
+      <a:schemeClr val="dk2"/>
+    </dgm:linClrLst>
+    <dgm:effectClrLst/>
+    <dgm:txLinClrLst/>
+    <dgm:txFillClrLst meth="repeat">
+      <a:schemeClr val="dk1"/>
+    </dgm:txFillClrLst>
+    <dgm:txEffectClrLst/>
+  </dgm:styleLbl>
+  <dgm:styleLbl name="trAlignAcc1">
+    <dgm:fillClrLst meth="repeat">
+      <a:schemeClr val="lt2">
+        <a:alpha val="40000"/>
+      </a:schemeClr>
+    </dgm:fillClrLst>
+    <dgm:linClrLst meth="repeat">
+      <a:schemeClr val="dk2"/>
+    </dgm:linClrLst>
+    <dgm:effectClrLst/>
+    <dgm:txLinClrLst/>
+    <dgm:txFillClrLst meth="repeat">
+      <a:schemeClr val="dk1"/>
+    </dgm:txFillClrLst>
+    <dgm:txEffectClrLst/>
+  </dgm:styleLbl>
+  <dgm:styleLbl name="bgAcc1">
+    <dgm:fillClrLst meth="repeat">
+      <a:schemeClr val="lt2">
+        <a:alpha val="90000"/>
+      </a:schemeClr>
+    </dgm:fillClrLst>
+    <dgm:linClrLst meth="repeat">
+      <a:schemeClr val="dk2"/>
+    </dgm:linClrLst>
+    <dgm:effectClrLst/>
+    <dgm:txLinClrLst/>
+    <dgm:txFillClrLst meth="repeat">
+      <a:schemeClr val="dk1"/>
+    </dgm:txFillClrLst>
+    <dgm:txEffectClrLst/>
+  </dgm:styleLbl>
+  <dgm:styleLbl name="solidFgAcc1">
+    <dgm:fillClrLst meth="repeat">
+      <a:schemeClr val="lt2"/>
+    </dgm:fillClrLst>
+    <dgm:linClrLst meth="repeat">
+      <a:schemeClr val="dk2"/>
+    </dgm:linClrLst>
+    <dgm:effectClrLst/>
+    <dgm:txLinClrLst/>
+    <dgm:txFillClrLst meth="repeat">
+      <a:schemeClr val="dk1"/>
+    </dgm:txFillClrLst>
+    <dgm:txEffectClrLst/>
+  </dgm:styleLbl>
+  <dgm:styleLbl name="solidAlignAcc1">
+    <dgm:fillClrLst meth="repeat">
+      <a:schemeClr val="lt2"/>
+    </dgm:fillClrLst>
+    <dgm:linClrLst meth="repeat">
+      <a:schemeClr val="dk2"/>
+    </dgm:linClrLst>
+    <dgm:effectClrLst/>
+    <dgm:txLinClrLst/>
+    <dgm:txFillClrLst meth="repeat">
+      <a:schemeClr val="dk1"/>
+    </dgm:txFillClrLst>
+    <dgm:txEffectClrLst/>
+  </dgm:styleLbl>
+  <dgm:styleLbl name="solidBgAcc1">
+    <dgm:fillClrLst meth="repeat">
+      <a:schemeClr val="lt2"/>
+    </dgm:fillClrLst>
+    <dgm:linClrLst meth="repeat">
+      <a:schemeClr val="dk2"/>
+    </dgm:linClrLst>
+    <dgm:effectClrLst/>
+    <dgm:txLinClrLst/>
+    <dgm:txFillClrLst meth="repeat">
+      <a:schemeClr val="dk1"/>
+    </dgm:txFillClrLst>
+    <dgm:txEffectClrLst/>
+  </dgm:styleLbl>
+  <dgm:styleLbl name="fgAccFollowNode1">
+    <dgm:fillClrLst meth="repeat">
+      <a:schemeClr val="dk2">
+        <a:alpha val="90000"/>
+        <a:tint val="40000"/>
+      </a:schemeClr>
+    </dgm:fillClrLst>
+    <dgm:linClrLst meth="repeat">
+      <a:schemeClr val="dk2">
+        <a:alpha val="90000"/>
+        <a:tint val="40000"/>
+      </a:schemeClr>
+    </dgm:linClrLst>
+    <dgm:effectClrLst/>
+    <dgm:txLinClrLst/>
+    <dgm:txFillClrLst meth="repeat">
+      <a:schemeClr val="dk1"/>
+    </dgm:txFillClrLst>
+    <dgm:txEffectClrLst/>
+  </dgm:styleLbl>
+  <dgm:styleLbl name="alignAccFollowNode1">
+    <dgm:fillClrLst meth="repeat">
+      <a:schemeClr val="dk2">
+        <a:alpha val="90000"/>
+        <a:tint val="40000"/>
+      </a:schemeClr>
+    </dgm:fillClrLst>
+    <dgm:linClrLst meth="repeat">
+      <a:schemeClr val="dk2">
+        <a:alpha val="90000"/>
+        <a:tint val="40000"/>
+      </a:schemeClr>
+    </dgm:linClrLst>
+    <dgm:effectClrLst/>
+    <dgm:txLinClrLst/>
+    <dgm:txFillClrLst meth="repeat">
+      <a:schemeClr val="dk1"/>
+    </dgm:txFillClrLst>
+    <dgm:txEffectClrLst/>
+  </dgm:styleLbl>
+  <dgm:styleLbl name="bgAccFollowNode1">
+    <dgm:fillClrLst meth="repeat">
+      <a:schemeClr val="dk2">
+        <a:alpha val="90000"/>
+        <a:tint val="40000"/>
+      </a:schemeClr>
+    </dgm:fillClrLst>
+    <dgm:linClrLst meth="repeat">
+      <a:schemeClr val="dk2">
+        <a:alpha val="90000"/>
+        <a:tint val="40000"/>
+      </a:schemeClr>
+    </dgm:linClrLst>
+    <dgm:effectClrLst/>
+    <dgm:txLinClrLst/>
+    <dgm:txFillClrLst meth="repeat">
+      <a:schemeClr val="dk1"/>
+    </dgm:txFillClrLst>
+    <dgm:txEffectClrLst/>
+  </dgm:styleLbl>
+  <dgm:styleLbl name="fgAcc0">
+    <dgm:fillClrLst meth="repeat">
+      <a:schemeClr val="lt2">
+        <a:alpha val="90000"/>
+      </a:schemeClr>
+    </dgm:fillClrLst>
+    <dgm:linClrLst meth="repeat">
+      <a:schemeClr val="dk2"/>
+    </dgm:linClrLst>
+    <dgm:effectClrLst/>
+    <dgm:txLinClrLst/>
+    <dgm:txFillClrLst meth="repeat">
+      <a:schemeClr val="dk1"/>
+    </dgm:txFillClrLst>
+    <dgm:txEffectClrLst/>
+  </dgm:styleLbl>
+  <dgm:styleLbl name="fgAcc2">
+    <dgm:fillClrLst meth="repeat">
+      <a:schemeClr val="lt2">
+        <a:alpha val="90000"/>
+      </a:schemeClr>
+    </dgm:fillClrLst>
+    <dgm:linClrLst meth="repeat">
+      <a:schemeClr val="dk2"/>
+    </dgm:linClrLst>
+    <dgm:effectClrLst/>
+    <dgm:txLinClrLst/>
+    <dgm:txFillClrLst meth="repeat">
+      <a:schemeClr val="dk1"/>
+    </dgm:txFillClrLst>
+    <dgm:txEffectClrLst/>
+  </dgm:styleLbl>
+  <dgm:styleLbl name="fgAcc3">
+    <dgm:fillClrLst meth="repeat">
+      <a:schemeClr val="lt2">
+        <a:alpha val="90000"/>
+      </a:schemeClr>
+    </dgm:fillClrLst>
+    <dgm:linClrLst meth="repeat">
+      <a:schemeClr val="dk2"/>
+    </dgm:linClrLst>
+    <dgm:effectClrLst/>
+    <dgm:txLinClrLst/>
+    <dgm:txFillClrLst meth="repeat">
+      <a:schemeClr val="dk1"/>
+    </dgm:txFillClrLst>
+    <dgm:txEffectClrLst/>
+  </dgm:styleLbl>
+  <dgm:styleLbl name="fgAcc4">
+    <dgm:fillClrLst meth="repeat">
+      <a:schemeClr val="lt2">
+        <a:alpha val="90000"/>
+      </a:schemeClr>
+    </dgm:fillClrLst>
+    <dgm:linClrLst meth="repeat">
+      <a:schemeClr val="dk2"/>
+    </dgm:linClrLst>
+    <dgm:effectClrLst/>
+    <dgm:txLinClrLst/>
+    <dgm:txFillClrLst meth="repeat">
+      <a:schemeClr val="dk1"/>
+    </dgm:txFillClrLst>
+    <dgm:txEffectClrLst/>
+  </dgm:styleLbl>
+  <dgm:styleLbl name="bgShp">
+    <dgm:fillClrLst meth="repeat">
+      <a:schemeClr val="dk2">
+        <a:tint val="40000"/>
+      </a:schemeClr>
+    </dgm:fillClrLst>
+    <dgm:linClrLst meth="repeat">
+      <a:schemeClr val="dk2"/>
+    </dgm:linClrLst>
+    <dgm:effectClrLst/>
+    <dgm:txLinClrLst/>
+    <dgm:txFillClrLst meth="repeat">
+      <a:schemeClr val="dk1"/>
+    </dgm:txFillClrLst>
+    <dgm:txEffectClrLst/>
+  </dgm:styleLbl>
+  <dgm:styleLbl name="dkBgShp">
+    <dgm:fillClrLst meth="repeat">
+      <a:schemeClr val="dk2">
+        <a:shade val="80000"/>
+      </a:schemeClr>
+    </dgm:fillClrLst>
+    <dgm:linClrLst meth="repeat">
+      <a:schemeClr val="dk2"/>
+    </dgm:linClrLst>
+    <dgm:effectClrLst/>
+    <dgm:txLinClrLst/>
+    <dgm:txFillClrLst meth="repeat">
+      <a:schemeClr val="lt1"/>
+    </dgm:txFillClrLst>
+    <dgm:txEffectClrLst/>
+  </dgm:styleLbl>
+  <dgm:styleLbl name="trBgShp">
+    <dgm:fillClrLst meth="repeat">
+      <a:schemeClr val="dk2">
+        <a:tint val="50000"/>
+        <a:alpha val="40000"/>
+      </a:schemeClr>
+    </dgm:fillClrLst>
+    <dgm:linClrLst meth="repeat">
+      <a:schemeClr val="dk2"/>
+    </dgm:linClrLst>
+    <dgm:effectClrLst/>
+    <dgm:txLinClrLst/>
+    <dgm:txFillClrLst meth="repeat">
+      <a:schemeClr val="lt1"/>
+    </dgm:txFillClrLst>
+    <dgm:txEffectClrLst/>
+  </dgm:styleLbl>
+  <dgm:styleLbl name="fgShp">
+    <dgm:fillClrLst meth="repeat">
+      <a:schemeClr val="dk2">
+        <a:tint val="60000"/>
+      </a:schemeClr>
+    </dgm:fillClrLst>
+    <dgm:linClrLst meth="repeat">
+      <a:schemeClr val="lt2"/>
+    </dgm:linClrLst>
+    <dgm:effectClrLst/>
+    <dgm:txLinClrLst/>
+    <dgm:txFillClrLst meth="repeat">
+      <a:schemeClr val="dk1"/>
+    </dgm:txFillClrLst>
+    <dgm:txEffectClrLst/>
+  </dgm:styleLbl>
+  <dgm:styleLbl name="revTx">
+    <dgm:fillClrLst meth="repeat">
+      <a:schemeClr val="lt2">
+        <a:alpha val="0"/>
+      </a:schemeClr>
+    </dgm:fillClrLst>
+    <dgm:linClrLst meth="repeat">
+      <a:schemeClr val="dk1">
+        <a:alpha val="0"/>
+      </a:schemeClr>
+    </dgm:linClrLst>
+    <dgm:effectClrLst/>
+    <dgm:txLinClrLst/>
+    <dgm:txFillClrLst meth="repeat">
+      <a:schemeClr val="tx1"/>
+    </dgm:txFillClrLst>
+    <dgm:txEffectClrLst/>
+  </dgm:styleLbl>
+</dgm:colorsDef>
+</file>
+
+<file path=ppt/diagrams/data1.xml><?xml version="1.0" encoding="utf-8"?>
+<dgm:dataModel xmlns:dgm="http://schemas.openxmlformats.org/drawingml/2006/diagram" xmlns:a="http://schemas.openxmlformats.org/drawingml/2006/main">
+  <dgm:ptLst>
+    <dgm:pt modelId="{CF4123F5-1579-41D1-8C25-D72EB850ACA9}" type="doc">
+      <dgm:prSet loTypeId="urn:microsoft.com/office/officeart/2005/8/layout/default" loCatId="list" qsTypeId="urn:microsoft.com/office/officeart/2005/8/quickstyle/simple1" qsCatId="simple" csTypeId="urn:microsoft.com/office/officeart/2005/8/colors/accent0_3" csCatId="mainScheme" phldr="1"/>
+      <dgm:spPr/>
+      <dgm:t>
+        <a:bodyPr/>
+        <a:lstStyle/>
+        <a:p>
+          <a:endParaRPr lang="en-US"/>
+        </a:p>
+      </dgm:t>
+    </dgm:pt>
+    <dgm:pt modelId="{80F8234F-7C4E-4D9C-B7B0-E2D80A53A09F}">
+      <dgm:prSet phldrT="[Text]"/>
+      <dgm:spPr/>
+      <dgm:t>
+        <a:bodyPr/>
+        <a:lstStyle/>
+        <a:p>
+          <a:r>
+            <a:rPr lang="en-US" dirty="0"/>
+            <a:t>Variables</a:t>
+          </a:r>
+        </a:p>
+      </dgm:t>
+    </dgm:pt>
+    <dgm:pt modelId="{C206DC33-8637-4514-B974-3DAF221ABE79}" type="parTrans" cxnId="{028A6BE7-6D20-446A-883C-03D358F98202}">
+      <dgm:prSet/>
+      <dgm:spPr/>
+      <dgm:t>
+        <a:bodyPr/>
+        <a:lstStyle/>
+        <a:p>
+          <a:endParaRPr lang="en-US"/>
+        </a:p>
+      </dgm:t>
+    </dgm:pt>
+    <dgm:pt modelId="{EA012F4F-FD3E-4A19-9701-CE4D8D977499}" type="sibTrans" cxnId="{028A6BE7-6D20-446A-883C-03D358F98202}">
+      <dgm:prSet/>
+      <dgm:spPr/>
+      <dgm:t>
+        <a:bodyPr/>
+        <a:lstStyle/>
+        <a:p>
+          <a:endParaRPr lang="en-US"/>
+        </a:p>
+      </dgm:t>
+    </dgm:pt>
+    <dgm:pt modelId="{DB80A916-996A-4918-B5D9-64ED8291AB0C}">
+      <dgm:prSet phldrT="[Text]"/>
+      <dgm:spPr/>
+      <dgm:t>
+        <a:bodyPr/>
+        <a:lstStyle/>
+        <a:p>
+          <a:r>
+            <a:rPr lang="en-US" dirty="0"/>
+            <a:t>Functions</a:t>
+          </a:r>
+        </a:p>
+      </dgm:t>
+    </dgm:pt>
+    <dgm:pt modelId="{4FFE2CFB-74DD-4A95-8D5C-2775F32C7923}" type="parTrans" cxnId="{DBAADA55-BC8C-4DA6-804F-7E96E3BADF3F}">
+      <dgm:prSet/>
+      <dgm:spPr/>
+      <dgm:t>
+        <a:bodyPr/>
+        <a:lstStyle/>
+        <a:p>
+          <a:endParaRPr lang="en-US"/>
+        </a:p>
+      </dgm:t>
+    </dgm:pt>
+    <dgm:pt modelId="{03588ADA-788A-4EF5-ACF8-309E94C53305}" type="sibTrans" cxnId="{DBAADA55-BC8C-4DA6-804F-7E96E3BADF3F}">
+      <dgm:prSet/>
+      <dgm:spPr/>
+      <dgm:t>
+        <a:bodyPr/>
+        <a:lstStyle/>
+        <a:p>
+          <a:endParaRPr lang="en-US"/>
+        </a:p>
+      </dgm:t>
+    </dgm:pt>
+    <dgm:pt modelId="{6F0F44CA-4A9C-4CD3-9F53-ED0337AAC5F3}">
+      <dgm:prSet phldrT="[Text]"/>
+      <dgm:spPr/>
+      <dgm:t>
+        <a:bodyPr/>
+        <a:lstStyle/>
+        <a:p>
+          <a:r>
+            <a:rPr lang="en-US" dirty="0"/>
+            <a:t>Function Arguments</a:t>
+          </a:r>
+        </a:p>
+      </dgm:t>
+    </dgm:pt>
+    <dgm:pt modelId="{AB3AE037-8DAB-4892-BF1B-FA5D00BD6AF5}" type="parTrans" cxnId="{892C660D-8995-4C11-9FB9-00658F0B532E}">
+      <dgm:prSet/>
+      <dgm:spPr/>
+      <dgm:t>
+        <a:bodyPr/>
+        <a:lstStyle/>
+        <a:p>
+          <a:endParaRPr lang="en-US"/>
+        </a:p>
+      </dgm:t>
+    </dgm:pt>
+    <dgm:pt modelId="{4ECB7BD6-48CA-4636-8C5F-92AF0EF853AA}" type="sibTrans" cxnId="{892C660D-8995-4C11-9FB9-00658F0B532E}">
+      <dgm:prSet/>
+      <dgm:spPr/>
+      <dgm:t>
+        <a:bodyPr/>
+        <a:lstStyle/>
+        <a:p>
+          <a:endParaRPr lang="en-US"/>
+        </a:p>
+      </dgm:t>
+    </dgm:pt>
+    <dgm:pt modelId="{01922BC3-62D3-4A96-8743-E13F558AEABD}">
+      <dgm:prSet phldrT="[Text]"/>
+      <dgm:spPr/>
+      <dgm:t>
+        <a:bodyPr/>
+        <a:lstStyle/>
+        <a:p>
+          <a:r>
+            <a:rPr lang="en-US" dirty="0"/>
+            <a:t>Types</a:t>
+          </a:r>
+        </a:p>
+      </dgm:t>
+    </dgm:pt>
+    <dgm:pt modelId="{2A617B46-23D6-49D9-96F5-2CDAF44E9B31}" type="parTrans" cxnId="{5D01572E-F6D5-4FE7-A0C7-B758BA4C0F82}">
+      <dgm:prSet/>
+      <dgm:spPr/>
+      <dgm:t>
+        <a:bodyPr/>
+        <a:lstStyle/>
+        <a:p>
+          <a:endParaRPr lang="en-US"/>
+        </a:p>
+      </dgm:t>
+    </dgm:pt>
+    <dgm:pt modelId="{D8EC9578-F924-4E39-9E44-A4A738957E27}" type="sibTrans" cxnId="{5D01572E-F6D5-4FE7-A0C7-B758BA4C0F82}">
+      <dgm:prSet/>
+      <dgm:spPr/>
+      <dgm:t>
+        <a:bodyPr/>
+        <a:lstStyle/>
+        <a:p>
+          <a:endParaRPr lang="en-US"/>
+        </a:p>
+      </dgm:t>
+    </dgm:pt>
+    <dgm:pt modelId="{E4359219-5BD3-42AC-A31E-58A6C43EE645}">
+      <dgm:prSet phldrT="[Text]"/>
+      <dgm:spPr/>
+      <dgm:t>
+        <a:bodyPr/>
+        <a:lstStyle/>
+        <a:p>
+          <a:r>
+            <a:rPr lang="en-US" dirty="0"/>
+            <a:t>Fields</a:t>
+          </a:r>
+        </a:p>
+      </dgm:t>
+    </dgm:pt>
+    <dgm:pt modelId="{2C4673EF-1FC9-48A7-9615-0F03C338BAA2}" type="parTrans" cxnId="{7E4CD7C2-C49B-4B7D-AEA5-CF5B5C725C5A}">
+      <dgm:prSet/>
+      <dgm:spPr/>
+      <dgm:t>
+        <a:bodyPr/>
+        <a:lstStyle/>
+        <a:p>
+          <a:endParaRPr lang="en-US"/>
+        </a:p>
+      </dgm:t>
+    </dgm:pt>
+    <dgm:pt modelId="{097F2365-132D-40CD-BC28-3E83435A65CF}" type="sibTrans" cxnId="{7E4CD7C2-C49B-4B7D-AEA5-CF5B5C725C5A}">
+      <dgm:prSet/>
+      <dgm:spPr/>
+      <dgm:t>
+        <a:bodyPr/>
+        <a:lstStyle/>
+        <a:p>
+          <a:endParaRPr lang="en-US"/>
+        </a:p>
+      </dgm:t>
+    </dgm:pt>
+    <dgm:pt modelId="{D7766511-922E-45D3-813F-F07A6D231E89}" type="pres">
+      <dgm:prSet presAssocID="{CF4123F5-1579-41D1-8C25-D72EB850ACA9}" presName="diagram" presStyleCnt="0">
+        <dgm:presLayoutVars>
+          <dgm:dir/>
+          <dgm:resizeHandles val="exact"/>
+        </dgm:presLayoutVars>
+      </dgm:prSet>
+      <dgm:spPr/>
+    </dgm:pt>
+    <dgm:pt modelId="{F1018D2A-8645-43B4-B7C0-518DBFB43CA3}" type="pres">
+      <dgm:prSet presAssocID="{80F8234F-7C4E-4D9C-B7B0-E2D80A53A09F}" presName="node" presStyleLbl="node1" presStyleIdx="0" presStyleCnt="5">
+        <dgm:presLayoutVars>
+          <dgm:bulletEnabled val="1"/>
+        </dgm:presLayoutVars>
+      </dgm:prSet>
+      <dgm:spPr/>
+    </dgm:pt>
+    <dgm:pt modelId="{E965B37D-1EB9-4629-9327-8A2E9306A7C3}" type="pres">
+      <dgm:prSet presAssocID="{EA012F4F-FD3E-4A19-9701-CE4D8D977499}" presName="sibTrans" presStyleCnt="0"/>
+      <dgm:spPr/>
+    </dgm:pt>
+    <dgm:pt modelId="{C479E967-BCF1-46DC-8E62-C34F2C8EC781}" type="pres">
+      <dgm:prSet presAssocID="{DB80A916-996A-4918-B5D9-64ED8291AB0C}" presName="node" presStyleLbl="node1" presStyleIdx="1" presStyleCnt="5">
+        <dgm:presLayoutVars>
+          <dgm:bulletEnabled val="1"/>
+        </dgm:presLayoutVars>
+      </dgm:prSet>
+      <dgm:spPr/>
+    </dgm:pt>
+    <dgm:pt modelId="{3DDBCE6A-9092-44A1-BE4A-5916F2F28592}" type="pres">
+      <dgm:prSet presAssocID="{03588ADA-788A-4EF5-ACF8-309E94C53305}" presName="sibTrans" presStyleCnt="0"/>
+      <dgm:spPr/>
+    </dgm:pt>
+    <dgm:pt modelId="{BA35EEC7-63EF-4014-B9E8-CBDC0F7991A2}" type="pres">
+      <dgm:prSet presAssocID="{6F0F44CA-4A9C-4CD3-9F53-ED0337AAC5F3}" presName="node" presStyleLbl="node1" presStyleIdx="2" presStyleCnt="5">
+        <dgm:presLayoutVars>
+          <dgm:bulletEnabled val="1"/>
+        </dgm:presLayoutVars>
+      </dgm:prSet>
+      <dgm:spPr/>
+    </dgm:pt>
+    <dgm:pt modelId="{BBA5B5CD-1B8C-4E5A-96AC-426FC67D54BD}" type="pres">
+      <dgm:prSet presAssocID="{4ECB7BD6-48CA-4636-8C5F-92AF0EF853AA}" presName="sibTrans" presStyleCnt="0"/>
+      <dgm:spPr/>
+    </dgm:pt>
+    <dgm:pt modelId="{1B785709-3119-416D-BB83-EAEAC982EC46}" type="pres">
+      <dgm:prSet presAssocID="{01922BC3-62D3-4A96-8743-E13F558AEABD}" presName="node" presStyleLbl="node1" presStyleIdx="3" presStyleCnt="5">
+        <dgm:presLayoutVars>
+          <dgm:bulletEnabled val="1"/>
+        </dgm:presLayoutVars>
+      </dgm:prSet>
+      <dgm:spPr/>
+    </dgm:pt>
+    <dgm:pt modelId="{9132C269-52FF-41BE-997E-C4513965746B}" type="pres">
+      <dgm:prSet presAssocID="{D8EC9578-F924-4E39-9E44-A4A738957E27}" presName="sibTrans" presStyleCnt="0"/>
+      <dgm:spPr/>
+    </dgm:pt>
+    <dgm:pt modelId="{8BC3388E-1D87-4FED-B896-5C26E6BD2174}" type="pres">
+      <dgm:prSet presAssocID="{E4359219-5BD3-42AC-A31E-58A6C43EE645}" presName="node" presStyleLbl="node1" presStyleIdx="4" presStyleCnt="5">
+        <dgm:presLayoutVars>
+          <dgm:bulletEnabled val="1"/>
+        </dgm:presLayoutVars>
+      </dgm:prSet>
+      <dgm:spPr/>
+    </dgm:pt>
+  </dgm:ptLst>
+  <dgm:cxnLst>
+    <dgm:cxn modelId="{AFBA1C0C-D9D4-4BDB-A2C9-35CEA6A96DA9}" type="presOf" srcId="{6F0F44CA-4A9C-4CD3-9F53-ED0337AAC5F3}" destId="{BA35EEC7-63EF-4014-B9E8-CBDC0F7991A2}" srcOrd="0" destOrd="0" presId="urn:microsoft.com/office/officeart/2005/8/layout/default"/>
+    <dgm:cxn modelId="{892C660D-8995-4C11-9FB9-00658F0B532E}" srcId="{CF4123F5-1579-41D1-8C25-D72EB850ACA9}" destId="{6F0F44CA-4A9C-4CD3-9F53-ED0337AAC5F3}" srcOrd="2" destOrd="0" parTransId="{AB3AE037-8DAB-4892-BF1B-FA5D00BD6AF5}" sibTransId="{4ECB7BD6-48CA-4636-8C5F-92AF0EF853AA}"/>
+    <dgm:cxn modelId="{03224027-7AEB-4BF2-AB98-24AF86F8698F}" type="presOf" srcId="{01922BC3-62D3-4A96-8743-E13F558AEABD}" destId="{1B785709-3119-416D-BB83-EAEAC982EC46}" srcOrd="0" destOrd="0" presId="urn:microsoft.com/office/officeart/2005/8/layout/default"/>
+    <dgm:cxn modelId="{5D01572E-F6D5-4FE7-A0C7-B758BA4C0F82}" srcId="{CF4123F5-1579-41D1-8C25-D72EB850ACA9}" destId="{01922BC3-62D3-4A96-8743-E13F558AEABD}" srcOrd="3" destOrd="0" parTransId="{2A617B46-23D6-49D9-96F5-2CDAF44E9B31}" sibTransId="{D8EC9578-F924-4E39-9E44-A4A738957E27}"/>
+    <dgm:cxn modelId="{15C8A271-37F9-40FE-A223-AD967C9D0AB6}" type="presOf" srcId="{E4359219-5BD3-42AC-A31E-58A6C43EE645}" destId="{8BC3388E-1D87-4FED-B896-5C26E6BD2174}" srcOrd="0" destOrd="0" presId="urn:microsoft.com/office/officeart/2005/8/layout/default"/>
+    <dgm:cxn modelId="{DBAADA55-BC8C-4DA6-804F-7E96E3BADF3F}" srcId="{CF4123F5-1579-41D1-8C25-D72EB850ACA9}" destId="{DB80A916-996A-4918-B5D9-64ED8291AB0C}" srcOrd="1" destOrd="0" parTransId="{4FFE2CFB-74DD-4A95-8D5C-2775F32C7923}" sibTransId="{03588ADA-788A-4EF5-ACF8-309E94C53305}"/>
+    <dgm:cxn modelId="{F7A71379-8267-46FF-89A4-3CC33BD25CF5}" type="presOf" srcId="{CF4123F5-1579-41D1-8C25-D72EB850ACA9}" destId="{D7766511-922E-45D3-813F-F07A6D231E89}" srcOrd="0" destOrd="0" presId="urn:microsoft.com/office/officeart/2005/8/layout/default"/>
+    <dgm:cxn modelId="{A0CF3284-5985-452E-BA7F-290AEF08C8EF}" type="presOf" srcId="{DB80A916-996A-4918-B5D9-64ED8291AB0C}" destId="{C479E967-BCF1-46DC-8E62-C34F2C8EC781}" srcOrd="0" destOrd="0" presId="urn:microsoft.com/office/officeart/2005/8/layout/default"/>
+    <dgm:cxn modelId="{494D3D8E-34F4-4AA1-A028-FAC9AF1F014F}" type="presOf" srcId="{80F8234F-7C4E-4D9C-B7B0-E2D80A53A09F}" destId="{F1018D2A-8645-43B4-B7C0-518DBFB43CA3}" srcOrd="0" destOrd="0" presId="urn:microsoft.com/office/officeart/2005/8/layout/default"/>
+    <dgm:cxn modelId="{7E4CD7C2-C49B-4B7D-AEA5-CF5B5C725C5A}" srcId="{CF4123F5-1579-41D1-8C25-D72EB850ACA9}" destId="{E4359219-5BD3-42AC-A31E-58A6C43EE645}" srcOrd="4" destOrd="0" parTransId="{2C4673EF-1FC9-48A7-9615-0F03C338BAA2}" sibTransId="{097F2365-132D-40CD-BC28-3E83435A65CF}"/>
+    <dgm:cxn modelId="{028A6BE7-6D20-446A-883C-03D358F98202}" srcId="{CF4123F5-1579-41D1-8C25-D72EB850ACA9}" destId="{80F8234F-7C4E-4D9C-B7B0-E2D80A53A09F}" srcOrd="0" destOrd="0" parTransId="{C206DC33-8637-4514-B974-3DAF221ABE79}" sibTransId="{EA012F4F-FD3E-4A19-9701-CE4D8D977499}"/>
+    <dgm:cxn modelId="{CF341DB9-365A-4D47-ACC8-7BA0D730AE2F}" type="presParOf" srcId="{D7766511-922E-45D3-813F-F07A6D231E89}" destId="{F1018D2A-8645-43B4-B7C0-518DBFB43CA3}" srcOrd="0" destOrd="0" presId="urn:microsoft.com/office/officeart/2005/8/layout/default"/>
+    <dgm:cxn modelId="{F22D0DD2-7F3A-479C-9072-34EEB0E2EA5E}" type="presParOf" srcId="{D7766511-922E-45D3-813F-F07A6D231E89}" destId="{E965B37D-1EB9-4629-9327-8A2E9306A7C3}" srcOrd="1" destOrd="0" presId="urn:microsoft.com/office/officeart/2005/8/layout/default"/>
+    <dgm:cxn modelId="{2BFB944A-172B-498B-8CA4-3371FD368303}" type="presParOf" srcId="{D7766511-922E-45D3-813F-F07A6D231E89}" destId="{C479E967-BCF1-46DC-8E62-C34F2C8EC781}" srcOrd="2" destOrd="0" presId="urn:microsoft.com/office/officeart/2005/8/layout/default"/>
+    <dgm:cxn modelId="{54AEDABF-C010-4A63-BD54-9DB5B86D79E1}" type="presParOf" srcId="{D7766511-922E-45D3-813F-F07A6D231E89}" destId="{3DDBCE6A-9092-44A1-BE4A-5916F2F28592}" srcOrd="3" destOrd="0" presId="urn:microsoft.com/office/officeart/2005/8/layout/default"/>
+    <dgm:cxn modelId="{A44BAD4B-224B-4E53-8BB3-C5939DB4F444}" type="presParOf" srcId="{D7766511-922E-45D3-813F-F07A6D231E89}" destId="{BA35EEC7-63EF-4014-B9E8-CBDC0F7991A2}" srcOrd="4" destOrd="0" presId="urn:microsoft.com/office/officeart/2005/8/layout/default"/>
+    <dgm:cxn modelId="{A95F2ABB-4329-4CBA-B980-4290061DD9D6}" type="presParOf" srcId="{D7766511-922E-45D3-813F-F07A6D231E89}" destId="{BBA5B5CD-1B8C-4E5A-96AC-426FC67D54BD}" srcOrd="5" destOrd="0" presId="urn:microsoft.com/office/officeart/2005/8/layout/default"/>
+    <dgm:cxn modelId="{BAD89419-0FCF-4783-B1EC-EA52DB2AC660}" type="presParOf" srcId="{D7766511-922E-45D3-813F-F07A6D231E89}" destId="{1B785709-3119-416D-BB83-EAEAC982EC46}" srcOrd="6" destOrd="0" presId="urn:microsoft.com/office/officeart/2005/8/layout/default"/>
+    <dgm:cxn modelId="{00D53E3B-06C6-4EBC-A770-51C6C277E8DB}" type="presParOf" srcId="{D7766511-922E-45D3-813F-F07A6D231E89}" destId="{9132C269-52FF-41BE-997E-C4513965746B}" srcOrd="7" destOrd="0" presId="urn:microsoft.com/office/officeart/2005/8/layout/default"/>
+    <dgm:cxn modelId="{DD4EE97C-F408-470F-ACDA-F8CDCE5896A2}" type="presParOf" srcId="{D7766511-922E-45D3-813F-F07A6D231E89}" destId="{8BC3388E-1D87-4FED-B896-5C26E6BD2174}" srcOrd="8" destOrd="0" presId="urn:microsoft.com/office/officeart/2005/8/layout/default"/>
+  </dgm:cxnLst>
+  <dgm:bg/>
+  <dgm:whole/>
+  <dgm:extLst>
+    <a:ext uri="http://schemas.microsoft.com/office/drawing/2008/diagram">
+      <dsp:dataModelExt xmlns:dsp="http://schemas.microsoft.com/office/drawing/2008/diagram" relId="rId6" minVer="http://schemas.openxmlformats.org/drawingml/2006/diagram"/>
+    </a:ext>
+  </dgm:extLst>
+</dgm:dataModel>
+</file>
+
+<file path=ppt/diagrams/drawing1.xml><?xml version="1.0" encoding="utf-8"?>
+<dsp:drawing xmlns:dgm="http://schemas.openxmlformats.org/drawingml/2006/diagram" xmlns:dsp="http://schemas.microsoft.com/office/drawing/2008/diagram" xmlns:a="http://schemas.openxmlformats.org/drawingml/2006/main">
+  <dsp:spTree>
+    <dsp:nvGrpSpPr>
+      <dsp:cNvPr id="0" name=""/>
+      <dsp:cNvGrpSpPr/>
+    </dsp:nvGrpSpPr>
+    <dsp:grpSpPr/>
+    <dsp:sp modelId="{F1018D2A-8645-43B4-B7C0-518DBFB43CA3}">
+      <dsp:nvSpPr>
+        <dsp:cNvPr id="0" name=""/>
+        <dsp:cNvSpPr/>
+      </dsp:nvSpPr>
+      <dsp:spPr>
+        <a:xfrm>
+          <a:off x="0" y="299739"/>
+          <a:ext cx="2220515" cy="1332309"/>
+        </a:xfrm>
+        <a:prstGeom prst="rect">
+          <a:avLst/>
+        </a:prstGeom>
+        <a:solidFill>
+          <a:schemeClr val="dk2">
+            <a:hueOff val="0"/>
+            <a:satOff val="0"/>
+            <a:lumOff val="0"/>
+            <a:alphaOff val="0"/>
+          </a:schemeClr>
+        </a:solidFill>
+        <a:ln w="25400" cap="flat" cmpd="sng" algn="ctr">
+          <a:solidFill>
+            <a:schemeClr val="lt2">
+              <a:hueOff val="0"/>
+              <a:satOff val="0"/>
+              <a:lumOff val="0"/>
+              <a:alphaOff val="0"/>
+            </a:schemeClr>
+          </a:solidFill>
+          <a:prstDash val="solid"/>
+        </a:ln>
+        <a:effectLst/>
+      </dsp:spPr>
+      <dsp:style>
+        <a:lnRef idx="2">
+          <a:scrgbClr r="0" g="0" b="0"/>
+        </a:lnRef>
+        <a:fillRef idx="1">
+          <a:scrgbClr r="0" g="0" b="0"/>
+        </a:fillRef>
+        <a:effectRef idx="0">
+          <a:scrgbClr r="0" g="0" b="0"/>
+        </a:effectRef>
+        <a:fontRef idx="minor">
+          <a:schemeClr val="lt1"/>
+        </a:fontRef>
+      </dsp:style>
+      <dsp:txBody>
+        <a:bodyPr spcFirstLastPara="0" vert="horz" wrap="square" lIns="121920" tIns="121920" rIns="121920" bIns="121920" numCol="1" spcCol="1270" anchor="ctr" anchorCtr="0">
+          <a:noAutofit/>
+        </a:bodyPr>
+        <a:lstStyle/>
+        <a:p>
+          <a:pPr marL="0" lvl="0" indent="0" algn="ctr" defTabSz="1422400">
+            <a:lnSpc>
+              <a:spcPct val="90000"/>
+            </a:lnSpc>
+            <a:spcBef>
+              <a:spcPct val="0"/>
+            </a:spcBef>
+            <a:spcAft>
+              <a:spcPct val="35000"/>
+            </a:spcAft>
+            <a:buNone/>
+          </a:pPr>
+          <a:r>
+            <a:rPr lang="en-US" sz="3200" kern="1200" dirty="0"/>
+            <a:t>Variables</a:t>
+          </a:r>
+        </a:p>
+      </dsp:txBody>
+      <dsp:txXfrm>
+        <a:off x="0" y="299739"/>
+        <a:ext cx="2220515" cy="1332309"/>
+      </dsp:txXfrm>
+    </dsp:sp>
+    <dsp:sp modelId="{C479E967-BCF1-46DC-8E62-C34F2C8EC781}">
+      <dsp:nvSpPr>
+        <dsp:cNvPr id="0" name=""/>
+        <dsp:cNvSpPr/>
+      </dsp:nvSpPr>
+      <dsp:spPr>
+        <a:xfrm>
+          <a:off x="2442567" y="299739"/>
+          <a:ext cx="2220515" cy="1332309"/>
+        </a:xfrm>
+        <a:prstGeom prst="rect">
+          <a:avLst/>
+        </a:prstGeom>
+        <a:solidFill>
+          <a:schemeClr val="dk2">
+            <a:hueOff val="0"/>
+            <a:satOff val="0"/>
+            <a:lumOff val="0"/>
+            <a:alphaOff val="0"/>
+          </a:schemeClr>
+        </a:solidFill>
+        <a:ln w="25400" cap="flat" cmpd="sng" algn="ctr">
+          <a:solidFill>
+            <a:schemeClr val="lt2">
+              <a:hueOff val="0"/>
+              <a:satOff val="0"/>
+              <a:lumOff val="0"/>
+              <a:alphaOff val="0"/>
+            </a:schemeClr>
+          </a:solidFill>
+          <a:prstDash val="solid"/>
+        </a:ln>
+        <a:effectLst/>
+      </dsp:spPr>
+      <dsp:style>
+        <a:lnRef idx="2">
+          <a:scrgbClr r="0" g="0" b="0"/>
+        </a:lnRef>
+        <a:fillRef idx="1">
+          <a:scrgbClr r="0" g="0" b="0"/>
+        </a:fillRef>
+        <a:effectRef idx="0">
+          <a:scrgbClr r="0" g="0" b="0"/>
+        </a:effectRef>
+        <a:fontRef idx="minor">
+          <a:schemeClr val="lt1"/>
+        </a:fontRef>
+      </dsp:style>
+      <dsp:txBody>
+        <a:bodyPr spcFirstLastPara="0" vert="horz" wrap="square" lIns="121920" tIns="121920" rIns="121920" bIns="121920" numCol="1" spcCol="1270" anchor="ctr" anchorCtr="0">
+          <a:noAutofit/>
+        </a:bodyPr>
+        <a:lstStyle/>
+        <a:p>
+          <a:pPr marL="0" lvl="0" indent="0" algn="ctr" defTabSz="1422400">
+            <a:lnSpc>
+              <a:spcPct val="90000"/>
+            </a:lnSpc>
+            <a:spcBef>
+              <a:spcPct val="0"/>
+            </a:spcBef>
+            <a:spcAft>
+              <a:spcPct val="35000"/>
+            </a:spcAft>
+            <a:buNone/>
+          </a:pPr>
+          <a:r>
+            <a:rPr lang="en-US" sz="3200" kern="1200" dirty="0"/>
+            <a:t>Functions</a:t>
+          </a:r>
+        </a:p>
+      </dsp:txBody>
+      <dsp:txXfrm>
+        <a:off x="2442567" y="299739"/>
+        <a:ext cx="2220515" cy="1332309"/>
+      </dsp:txXfrm>
+    </dsp:sp>
+    <dsp:sp modelId="{BA35EEC7-63EF-4014-B9E8-CBDC0F7991A2}">
+      <dsp:nvSpPr>
+        <dsp:cNvPr id="0" name=""/>
+        <dsp:cNvSpPr/>
+      </dsp:nvSpPr>
+      <dsp:spPr>
+        <a:xfrm>
+          <a:off x="4885134" y="299739"/>
+          <a:ext cx="2220515" cy="1332309"/>
+        </a:xfrm>
+        <a:prstGeom prst="rect">
+          <a:avLst/>
+        </a:prstGeom>
+        <a:solidFill>
+          <a:schemeClr val="dk2">
+            <a:hueOff val="0"/>
+            <a:satOff val="0"/>
+            <a:lumOff val="0"/>
+            <a:alphaOff val="0"/>
+          </a:schemeClr>
+        </a:solidFill>
+        <a:ln w="25400" cap="flat" cmpd="sng" algn="ctr">
+          <a:solidFill>
+            <a:schemeClr val="lt2">
+              <a:hueOff val="0"/>
+              <a:satOff val="0"/>
+              <a:lumOff val="0"/>
+              <a:alphaOff val="0"/>
+            </a:schemeClr>
+          </a:solidFill>
+          <a:prstDash val="solid"/>
+        </a:ln>
+        <a:effectLst/>
+      </dsp:spPr>
+      <dsp:style>
+        <a:lnRef idx="2">
+          <a:scrgbClr r="0" g="0" b="0"/>
+        </a:lnRef>
+        <a:fillRef idx="1">
+          <a:scrgbClr r="0" g="0" b="0"/>
+        </a:fillRef>
+        <a:effectRef idx="0">
+          <a:scrgbClr r="0" g="0" b="0"/>
+        </a:effectRef>
+        <a:fontRef idx="minor">
+          <a:schemeClr val="lt1"/>
+        </a:fontRef>
+      </dsp:style>
+      <dsp:txBody>
+        <a:bodyPr spcFirstLastPara="0" vert="horz" wrap="square" lIns="121920" tIns="121920" rIns="121920" bIns="121920" numCol="1" spcCol="1270" anchor="ctr" anchorCtr="0">
+          <a:noAutofit/>
+        </a:bodyPr>
+        <a:lstStyle/>
+        <a:p>
+          <a:pPr marL="0" lvl="0" indent="0" algn="ctr" defTabSz="1422400">
+            <a:lnSpc>
+              <a:spcPct val="90000"/>
+            </a:lnSpc>
+            <a:spcBef>
+              <a:spcPct val="0"/>
+            </a:spcBef>
+            <a:spcAft>
+              <a:spcPct val="35000"/>
+            </a:spcAft>
+            <a:buNone/>
+          </a:pPr>
+          <a:r>
+            <a:rPr lang="en-US" sz="3200" kern="1200" dirty="0"/>
+            <a:t>Function Arguments</a:t>
+          </a:r>
+        </a:p>
+      </dsp:txBody>
+      <dsp:txXfrm>
+        <a:off x="4885134" y="299739"/>
+        <a:ext cx="2220515" cy="1332309"/>
+      </dsp:txXfrm>
+    </dsp:sp>
+    <dsp:sp modelId="{1B785709-3119-416D-BB83-EAEAC982EC46}">
+      <dsp:nvSpPr>
+        <dsp:cNvPr id="0" name=""/>
+        <dsp:cNvSpPr/>
+      </dsp:nvSpPr>
+      <dsp:spPr>
+        <a:xfrm>
+          <a:off x="1221283" y="1854100"/>
+          <a:ext cx="2220515" cy="1332309"/>
+        </a:xfrm>
+        <a:prstGeom prst="rect">
+          <a:avLst/>
+        </a:prstGeom>
+        <a:solidFill>
+          <a:schemeClr val="dk2">
+            <a:hueOff val="0"/>
+            <a:satOff val="0"/>
+            <a:lumOff val="0"/>
+            <a:alphaOff val="0"/>
+          </a:schemeClr>
+        </a:solidFill>
+        <a:ln w="25400" cap="flat" cmpd="sng" algn="ctr">
+          <a:solidFill>
+            <a:schemeClr val="lt2">
+              <a:hueOff val="0"/>
+              <a:satOff val="0"/>
+              <a:lumOff val="0"/>
+              <a:alphaOff val="0"/>
+            </a:schemeClr>
+          </a:solidFill>
+          <a:prstDash val="solid"/>
+        </a:ln>
+        <a:effectLst/>
+      </dsp:spPr>
+      <dsp:style>
+        <a:lnRef idx="2">
+          <a:scrgbClr r="0" g="0" b="0"/>
+        </a:lnRef>
+        <a:fillRef idx="1">
+          <a:scrgbClr r="0" g="0" b="0"/>
+        </a:fillRef>
+        <a:effectRef idx="0">
+          <a:scrgbClr r="0" g="0" b="0"/>
+        </a:effectRef>
+        <a:fontRef idx="minor">
+          <a:schemeClr val="lt1"/>
+        </a:fontRef>
+      </dsp:style>
+      <dsp:txBody>
+        <a:bodyPr spcFirstLastPara="0" vert="horz" wrap="square" lIns="121920" tIns="121920" rIns="121920" bIns="121920" numCol="1" spcCol="1270" anchor="ctr" anchorCtr="0">
+          <a:noAutofit/>
+        </a:bodyPr>
+        <a:lstStyle/>
+        <a:p>
+          <a:pPr marL="0" lvl="0" indent="0" algn="ctr" defTabSz="1422400">
+            <a:lnSpc>
+              <a:spcPct val="90000"/>
+            </a:lnSpc>
+            <a:spcBef>
+              <a:spcPct val="0"/>
+            </a:spcBef>
+            <a:spcAft>
+              <a:spcPct val="35000"/>
+            </a:spcAft>
+            <a:buNone/>
+          </a:pPr>
+          <a:r>
+            <a:rPr lang="en-US" sz="3200" kern="1200" dirty="0"/>
+            <a:t>Types</a:t>
+          </a:r>
+        </a:p>
+      </dsp:txBody>
+      <dsp:txXfrm>
+        <a:off x="1221283" y="1854100"/>
+        <a:ext cx="2220515" cy="1332309"/>
+      </dsp:txXfrm>
+    </dsp:sp>
+    <dsp:sp modelId="{8BC3388E-1D87-4FED-B896-5C26E6BD2174}">
+      <dsp:nvSpPr>
+        <dsp:cNvPr id="0" name=""/>
+        <dsp:cNvSpPr/>
+      </dsp:nvSpPr>
+      <dsp:spPr>
+        <a:xfrm>
+          <a:off x="3663850" y="1854100"/>
+          <a:ext cx="2220515" cy="1332309"/>
+        </a:xfrm>
+        <a:prstGeom prst="rect">
+          <a:avLst/>
+        </a:prstGeom>
+        <a:solidFill>
+          <a:schemeClr val="dk2">
+            <a:hueOff val="0"/>
+            <a:satOff val="0"/>
+            <a:lumOff val="0"/>
+            <a:alphaOff val="0"/>
+          </a:schemeClr>
+        </a:solidFill>
+        <a:ln w="25400" cap="flat" cmpd="sng" algn="ctr">
+          <a:solidFill>
+            <a:schemeClr val="lt2">
+              <a:hueOff val="0"/>
+              <a:satOff val="0"/>
+              <a:lumOff val="0"/>
+              <a:alphaOff val="0"/>
+            </a:schemeClr>
+          </a:solidFill>
+          <a:prstDash val="solid"/>
+        </a:ln>
+        <a:effectLst/>
+      </dsp:spPr>
+      <dsp:style>
+        <a:lnRef idx="2">
+          <a:scrgbClr r="0" g="0" b="0"/>
+        </a:lnRef>
+        <a:fillRef idx="1">
+          <a:scrgbClr r="0" g="0" b="0"/>
+        </a:fillRef>
+        <a:effectRef idx="0">
+          <a:scrgbClr r="0" g="0" b="0"/>
+        </a:effectRef>
+        <a:fontRef idx="minor">
+          <a:schemeClr val="lt1"/>
+        </a:fontRef>
+      </dsp:style>
+      <dsp:txBody>
+        <a:bodyPr spcFirstLastPara="0" vert="horz" wrap="square" lIns="121920" tIns="121920" rIns="121920" bIns="121920" numCol="1" spcCol="1270" anchor="ctr" anchorCtr="0">
+          <a:noAutofit/>
+        </a:bodyPr>
+        <a:lstStyle/>
+        <a:p>
+          <a:pPr marL="0" lvl="0" indent="0" algn="ctr" defTabSz="1422400">
+            <a:lnSpc>
+              <a:spcPct val="90000"/>
+            </a:lnSpc>
+            <a:spcBef>
+              <a:spcPct val="0"/>
+            </a:spcBef>
+            <a:spcAft>
+              <a:spcPct val="35000"/>
+            </a:spcAft>
+            <a:buNone/>
+          </a:pPr>
+          <a:r>
+            <a:rPr lang="en-US" sz="3200" kern="1200" dirty="0"/>
+            <a:t>Fields</a:t>
+          </a:r>
+        </a:p>
+      </dsp:txBody>
+      <dsp:txXfrm>
+        <a:off x="3663850" y="1854100"/>
+        <a:ext cx="2220515" cy="1332309"/>
+      </dsp:txXfrm>
+    </dsp:sp>
+  </dsp:spTree>
+</dsp:drawing>
+</file>
+
+<file path=ppt/diagrams/layout1.xml><?xml version="1.0" encoding="utf-8"?>
+<dgm:layoutDef xmlns:dgm="http://schemas.openxmlformats.org/drawingml/2006/diagram" xmlns:a="http://schemas.openxmlformats.org/drawingml/2006/main" uniqueId="urn:microsoft.com/office/officeart/2005/8/layout/default">
+  <dgm:title val=""/>
+  <dgm:desc val=""/>
+  <dgm:catLst>
+    <dgm:cat type="list" pri="400"/>
+  </dgm:catLst>
+  <dgm:sampData>
+    <dgm:dataModel>
+      <dgm:ptLst>
+        <dgm:pt modelId="0" type="doc"/>
+        <dgm:pt modelId="1">
+          <dgm:prSet phldr="1"/>
+        </dgm:pt>
+        <dgm:pt modelId="2">
+          <dgm:prSet phldr="1"/>
+        </dgm:pt>
+        <dgm:pt modelId="3">
+          <dgm:prSet phldr="1"/>
+        </dgm:pt>
+        <dgm:pt modelId="4">
+          <dgm:prSet phldr="1"/>
+        </dgm:pt>
+        <dgm:pt modelId="5">
+          <dgm:prSet phldr="1"/>
+        </dgm:pt>
+      </dgm:ptLst>
+      <dgm:cxnLst>
+        <dgm:cxn modelId="6" srcId="0" destId="1" srcOrd="0" destOrd="0"/>
+        <dgm:cxn modelId="7" srcId="0" destId="2" srcOrd="1" destOrd="0"/>
+        <dgm:cxn modelId="8" srcId="0" destId="3" srcOrd="2" destOrd="0"/>
+        <dgm:cxn modelId="9" srcId="0" destId="4" srcOrd="3" destOrd="0"/>
+        <dgm:cxn modelId="10" srcId="0" destId="5" srcOrd="4" destOrd="0"/>
+      </dgm:cxnLst>
+      <dgm:bg/>
+      <dgm:whole/>
+    </dgm:dataModel>
+  </dgm:sampData>
+  <dgm:styleData>
+    <dgm:dataModel>
+      <dgm:ptLst>
+        <dgm:pt modelId="0" type="doc"/>
+        <dgm:pt modelId="1"/>
+        <dgm:pt modelId="2"/>
+      </dgm:ptLst>
+      <dgm:cxnLst>
+        <dgm:cxn modelId="3" srcId="0" destId="1" srcOrd="0" destOrd="0"/>
+        <dgm:cxn modelId="4" srcId="0" destId="2" srcOrd="1" destOrd="0"/>
+      </dgm:cxnLst>
+      <dgm:bg/>
+      <dgm:whole/>
+    </dgm:dataModel>
+  </dgm:styleData>
+  <dgm:clrData>
+    <dgm:dataModel>
+      <dgm:ptLst>
+        <dgm:pt modelId="0" type="doc"/>
+        <dgm:pt modelId="1"/>
+        <dgm:pt modelId="2"/>
+        <dgm:pt modelId="3"/>
+        <dgm:pt modelId="4"/>
+        <dgm:pt modelId="5"/>
+        <dgm:pt modelId="6"/>
+      </dgm:ptLst>
+      <dgm:cxnLst>
+        <dgm:cxn modelId="7" srcId="0" destId="1" srcOrd="0" destOrd="0"/>
+        <dgm:cxn modelId="8" srcId="0" destId="2" srcOrd="1" destOrd="0"/>
+        <dgm:cxn modelId="9" srcId="0" destId="3" srcOrd="2" destOrd="0"/>
+        <dgm:cxn modelId="10" srcId="0" destId="4" srcOrd="3" destOrd="0"/>
+        <dgm:cxn modelId="11" srcId="0" destId="5" srcOrd="4" destOrd="0"/>
+        <dgm:cxn modelId="12" srcId="0" destId="6" srcOrd="5" destOrd="0"/>
+      </dgm:cxnLst>
+      <dgm:bg/>
+      <dgm:whole/>
+    </dgm:dataModel>
+  </dgm:clrData>
+  <dgm:layoutNode name="diagram">
+    <dgm:varLst>
+      <dgm:dir/>
+      <dgm:resizeHandles val="exact"/>
+    </dgm:varLst>
+    <dgm:choose name="Name0">
+      <dgm:if name="Name1" func="var" arg="dir" op="equ" val="norm">
+        <dgm:alg type="snake">
+          <dgm:param type="grDir" val="tL"/>
+          <dgm:param type="flowDir" val="row"/>
+          <dgm:param type="contDir" val="sameDir"/>
+          <dgm:param type="off" val="ctr"/>
+        </dgm:alg>
+      </dgm:if>
+      <dgm:else name="Name2">
+        <dgm:alg type="snake">
+          <dgm:param type="grDir" val="tR"/>
+          <dgm:param type="flowDir" val="row"/>
+          <dgm:param type="contDir" val="sameDir"/>
+          <dgm:param type="off" val="ctr"/>
+        </dgm:alg>
+      </dgm:else>
+    </dgm:choose>
+    <dgm:shape xmlns:r="http://schemas.openxmlformats.org/officeDocument/2006/relationships" r:blip="">
+      <dgm:adjLst/>
+    </dgm:shape>
+    <dgm:presOf/>
+    <dgm:constrLst>
+      <dgm:constr type="w" for="ch" forName="node" refType="w"/>
+      <dgm:constr type="h" for="ch" forName="node" refType="w" refFor="ch" refForName="node" fact="0.6"/>
+      <dgm:constr type="w" for="ch" forName="sibTrans" refType="w" refFor="ch" refForName="node" fact="0.1"/>
+      <dgm:constr type="sp" refType="w" refFor="ch" refForName="sibTrans"/>
+      <dgm:constr type="primFontSz" for="ch" forName="node" op="equ" val="65"/>
+    </dgm:constrLst>
+    <dgm:ruleLst/>
+    <dgm:forEach name="Name3" axis="ch" ptType="node">
+      <dgm:layoutNode name="node">
+        <dgm:varLst>
+          <dgm:bulletEnabled val="1"/>
+        </dgm:varLst>
+        <dgm:alg type="tx"/>
+        <dgm:shape xmlns:r="http://schemas.openxmlformats.org/officeDocument/2006/relationships" type="rect" r:blip="">
+          <dgm:adjLst/>
+        </dgm:shape>
+        <dgm:presOf axis="desOrSelf" ptType="node"/>
+        <dgm:constrLst>
+          <dgm:constr type="lMarg" refType="primFontSz" fact="0.3"/>
+          <dgm:constr type="rMarg" refType="primFontSz" fact="0.3"/>
+          <dgm:constr type="tMarg" refType="primFontSz" fact="0.3"/>
+          <dgm:constr type="bMarg" refType="primFontSz" fact="0.3"/>
+        </dgm:constrLst>
+        <dgm:ruleLst>
+          <dgm:rule type="primFontSz" val="5" fact="NaN" max="NaN"/>
+        </dgm:ruleLst>
+      </dgm:layoutNode>
+      <dgm:forEach name="Name4" axis="followSib" ptType="sibTrans" cnt="1">
+        <dgm:layoutNode name="sibTrans">
+          <dgm:alg type="sp"/>
+          <dgm:shape xmlns:r="http://schemas.openxmlformats.org/officeDocument/2006/relationships" r:blip="">
+            <dgm:adjLst/>
+          </dgm:shape>
+          <dgm:presOf/>
+          <dgm:constrLst/>
+          <dgm:ruleLst/>
+        </dgm:layoutNode>
+      </dgm:forEach>
+    </dgm:forEach>
+  </dgm:layoutNode>
+</dgm:layoutDef>
+</file>
+
+<file path=ppt/diagrams/quickStyle1.xml><?xml version="1.0" encoding="utf-8"?>
+<dgm:styleDef xmlns:dgm="http://schemas.openxmlformats.org/drawingml/2006/diagram" xmlns:a="http://schemas.openxmlformats.org/drawingml/2006/main" uniqueId="urn:microsoft.com/office/officeart/2005/8/quickstyle/simple1">
+  <dgm:title val=""/>
+  <dgm:desc val=""/>
+  <dgm:catLst>
+    <dgm:cat type="simple" pri="10100"/>
+  </dgm:catLst>
+  <dgm:scene3d>
+    <a:camera prst="orthographicFront"/>
+    <a:lightRig rig="threePt" dir="t"/>
+  </dgm:scene3d>
+  <dgm:styleLbl name="node0">
+    <dgm:scene3d>
+      <a:camera prst="orthographicFront"/>
+      <a:lightRig rig="threePt" dir="t"/>
+    </dgm:scene3d>
+    <dgm:sp3d/>
+    <dgm:txPr/>
+    <dgm:style>
+      <a:lnRef idx="2">
+        <a:scrgbClr r="0" g="0" b="0"/>
+      </a:lnRef>
+      <a:fillRef idx="1">
+        <a:scrgbClr r="0" g="0" b="0"/>
+      </a:fillRef>
+      <a:effectRef idx="0">
+        <a:scrgbClr r="0" g="0" b="0"/>
+      </a:effectRef>
+      <a:fontRef idx="minor">
+        <a:schemeClr val="lt1"/>
+      </a:fontRef>
+    </dgm:style>
+  </dgm:styleLbl>
+  <dgm:styleLbl name="lnNode1">
+    <dgm:scene3d>
+      <a:camera prst="orthographicFront"/>
+      <a:lightRig rig="threePt" dir="t"/>
+    </dgm:scene3d>
+    <dgm:sp3d/>
+    <dgm:txPr/>
+    <dgm:style>
+      <a:lnRef idx="2">
+        <a:scrgbClr r="0" g="0" b="0"/>
+      </a:lnRef>
+      <a:fillRef idx="1">
+        <a:scrgbClr r="0" g="0" b="0"/>
+      </a:fillRef>
+      <a:effectRef idx="0">
+        <a:scrgbClr r="0" g="0" b="0"/>
+      </a:effectRef>
+      <a:fontRef idx="minor">
+        <a:schemeClr val="lt1"/>
+      </a:fontRef>
+    </dgm:style>
+  </dgm:styleLbl>
+  <dgm:styleLbl name="vennNode1">
+    <dgm:scene3d>
+      <a:camera prst="orthographicFront"/>
+      <a:lightRig rig="threePt" dir="t"/>
+    </dgm:scene3d>
+    <dgm:sp3d/>
+    <dgm:txPr/>
+    <dgm:style>
+      <a:lnRef idx="2">
+        <a:scrgbClr r="0" g="0" b="0"/>
+      </a:lnRef>
+      <a:fillRef idx="1">
+        <a:scrgbClr r="0" g="0" b="0"/>
+      </a:fillRef>
+      <a:effectRef idx="0">
+        <a:scrgbClr r="0" g="0" b="0"/>
+      </a:effectRef>
+      <a:fontRef idx="minor">
+        <a:schemeClr val="tx1"/>
+      </a:fontRef>
+    </dgm:style>
+  </dgm:styleLbl>
+  <dgm:styleLbl name="alignNode1">
+    <dgm:scene3d>
+      <a:camera prst="orthographicFront"/>
+      <a:lightRig rig="threePt" dir="t"/>
+    </dgm:scene3d>
+    <dgm:sp3d/>
+    <dgm:txPr/>
+    <dgm:style>
+      <a:lnRef idx="2">
+        <a:scrgbClr r="0" g="0" b="0"/>
+      </a:lnRef>
+      <a:fillRef idx="1">
+        <a:scrgbClr r="0" g="0" b="0"/>
+      </a:fillRef>
+      <a:effectRef idx="0">
+        <a:scrgbClr r="0" g="0" b="0"/>
+      </a:effectRef>
+      <a:fontRef idx="minor">
+        <a:schemeClr val="lt1"/>
+      </a:fontRef>
+    </dgm:style>
+  </dgm:styleLbl>
+  <dgm:styleLbl name="node1">
+    <dgm:scene3d>
+      <a:camera prst="orthographicFront"/>
+      <a:lightRig rig="threePt" dir="t"/>
+    </dgm:scene3d>
+    <dgm:sp3d/>
+    <dgm:txPr/>
+    <dgm:style>
+      <a:lnRef idx="2">
+        <a:scrgbClr r="0" g="0" b="0"/>
+      </a:lnRef>
+      <a:fillRef idx="1">
+        <a:scrgbClr r="0" g="0" b="0"/>
+      </a:fillRef>
+      <a:effectRef idx="0">
+        <a:scrgbClr r="0" g="0" b="0"/>
+      </a:effectRef>
+      <a:fontRef idx="minor">
+        <a:schemeClr val="lt1"/>
+      </a:fontRef>
+    </dgm:style>
+  </dgm:styleLbl>
+  <dgm:styleLbl name="node2">
+    <dgm:scene3d>
+      <a:camera prst="orthographicFront"/>
+      <a:lightRig rig="threePt" dir="t"/>
+    </dgm:scene3d>
+    <dgm:sp3d/>
+    <dgm:txPr/>
+    <dgm:style>
+      <a:lnRef idx="2">
+        <a:scrgbClr r="0" g="0" b="0"/>
+      </a:lnRef>
+      <a:fillRef idx="1">
+        <a:scrgbClr r="0" g="0" b="0"/>
+      </a:fillRef>
+      <a:effectRef idx="0">
+        <a:scrgbClr r="0" g="0" b="0"/>
+      </a:effectRef>
+      <a:fontRef idx="minor">
+        <a:schemeClr val="lt1"/>
+      </a:fontRef>
+    </dgm:style>
+  </dgm:styleLbl>
+  <dgm:styleLbl name="node3">
+    <dgm:scene3d>
+      <a:camera prst="orthographicFront"/>
+      <a:lightRig rig="threePt" dir="t"/>
+    </dgm:scene3d>
+    <dgm:sp3d/>
+    <dgm:txPr/>
+    <dgm:style>
+      <a:lnRef idx="2">
+        <a:scrgbClr r="0" g="0" b="0"/>
+      </a:lnRef>
+      <a:fillRef idx="1">
+        <a:scrgbClr r="0" g="0" b="0"/>
+      </a:fillRef>
+      <a:effectRef idx="0">
+        <a:scrgbClr r="0" g="0" b="0"/>
+      </a:effectRef>
+      <a:fontRef idx="minor">
+        <a:schemeClr val="lt1"/>
+      </a:fontRef>
+    </dgm:style>
+  </dgm:styleLbl>
+  <dgm:styleLbl name="node4">
+    <dgm:scene3d>
+      <a:camera prst="orthographicFront"/>
+      <a:lightRig rig="threePt" dir="t"/>
+    </dgm:scene3d>
+    <dgm:sp3d/>
+    <dgm:txPr/>
+    <dgm:style>
+      <a:lnRef idx="2">
+        <a:scrgbClr r="0" g="0" b="0"/>
+      </a:lnRef>
+      <a:fillRef idx="1">
+        <a:scrgbClr r="0" g="0" b="0"/>
+      </a:fillRef>
+      <a:effectRef idx="0">
+        <a:scrgbClr r="0" g="0" b="0"/>
+      </a:effectRef>
+      <a:fontRef idx="minor">
+        <a:schemeClr val="lt1"/>
+      </a:fontRef>
+    </dgm:style>
+  </dgm:styleLbl>
+  <dgm:styleLbl name="fgImgPlace1">
+    <dgm:scene3d>
+      <a:camera prst="orthographicFront"/>
+      <a:lightRig rig="threePt" dir="t"/>
+    </dgm:scene3d>
+    <dgm:sp3d/>
+    <dgm:txPr/>
+    <dgm:style>
+      <a:lnRef idx="2">
+        <a:scrgbClr r="0" g="0" b="0"/>
+      </a:lnRef>
+      <a:fillRef idx="1">
+        <a:scrgbClr r="0" g="0" b="0"/>
+      </a:fillRef>
+      <a:effectRef idx="0">
+        <a:scrgbClr r="0" g="0" b="0"/>
+      </a:effectRef>
+      <a:fontRef idx="minor"/>
+    </dgm:style>
+  </dgm:styleLbl>
+  <dgm:styleLbl name="alignImgPlace1">
+    <dgm:scene3d>
+      <a:camera prst="orthographicFront"/>
+      <a:lightRig rig="threePt" dir="t"/>
+    </dgm:scene3d>
+    <dgm:sp3d/>
+    <dgm:txPr/>
+    <dgm:style>
+      <a:lnRef idx="2">
+        <a:scrgbClr r="0" g="0" b="0"/>
+      </a:lnRef>
+      <a:fillRef idx="1">
+        <a:scrgbClr r="0" g="0" b="0"/>
+      </a:fillRef>
+      <a:effectRef idx="0">
+        <a:scrgbClr r="0" g="0" b="0"/>
+      </a:effectRef>
+      <a:fontRef idx="minor"/>
+    </dgm:style>
+  </dgm:styleLbl>
+  <dgm:styleLbl name="bgImgPlace1">
+    <dgm:scene3d>
+      <a:camera prst="orthographicFront"/>
+      <a:lightRig rig="threePt" dir="t"/>
+    </dgm:scene3d>
+    <dgm:sp3d/>
+    <dgm:txPr/>
+    <dgm:style>
+      <a:lnRef idx="2">
+        <a:scrgbClr r="0" g="0" b="0"/>
+      </a:lnRef>
+      <a:fillRef idx="1">
+        <a:scrgbClr r="0" g="0" b="0"/>
+      </a:fillRef>
+      <a:effectRef idx="0">
+        <a:scrgbClr r="0" g="0" b="0"/>
+      </a:effectRef>
+      <a:fontRef idx="minor"/>
+    </dgm:style>
+  </dgm:styleLbl>
+  <dgm:styleLbl name="sibTrans2D1">
+    <dgm:scene3d>
+      <a:camera prst="orthographicFront"/>
+      <a:lightRig rig="threePt" dir="t"/>
+    </dgm:scene3d>
+    <dgm:sp3d/>
+    <dgm:txPr/>
+    <dgm:style>
+      <a:lnRef idx="0">
+        <a:scrgbClr r="0" g="0" b="0"/>
+      </a:lnRef>
+      <a:fillRef idx="1">
+        <a:scrgbClr r="0" g="0" b="0"/>
+      </a:fillRef>
+      <a:effectRef idx="0">
+        <a:scrgbClr r="0" g="0" b="0"/>
+      </a:effectRef>
+      <a:fontRef idx="minor">
+        <a:schemeClr val="lt1"/>
+      </a:fontRef>
+    </dgm:style>
+  </dgm:styleLbl>
+  <dgm:styleLbl name="fgSibTrans2D1">
+    <dgm:scene3d>
+      <a:camera prst="orthographicFront"/>
+      <a:lightRig rig="threePt" dir="t"/>
+    </dgm:scene3d>
+    <dgm:sp3d/>
+    <dgm:txPr/>
+    <dgm:style>
+      <a:lnRef idx="0">
+        <a:scrgbClr r="0" g="0" b="0"/>
+      </a:lnRef>
+      <a:fillRef idx="1">
+        <a:scrgbClr r="0" g="0" b="0"/>
+      </a:fillRef>
+      <a:effectRef idx="0">
+        <a:scrgbClr r="0" g="0" b="0"/>
+      </a:effectRef>
+      <a:fontRef idx="minor">
+        <a:schemeClr val="lt1"/>
+      </a:fontRef>
+    </dgm:style>
+  </dgm:styleLbl>
+  <dgm:styleLbl name="bgSibTrans2D1">
+    <dgm:scene3d>
+      <a:camera prst="orthographicFront"/>
+      <a:lightRig rig="threePt" dir="t"/>
+    </dgm:scene3d>
+    <dgm:sp3d/>
+    <dgm:txPr/>
+    <dgm:style>
+      <a:lnRef idx="0">
+        <a:scrgbClr r="0" g="0" b="0"/>
+      </a:lnRef>
+      <a:fillRef idx="1">
+        <a:scrgbClr r="0" g="0" b="0"/>
+      </a:fillRef>
+      <a:effectRef idx="0">
+        <a:scrgbClr r="0" g="0" b="0"/>
+      </a:effectRef>
+      <a:fontRef idx="minor">
+        <a:schemeClr val="lt1"/>
+      </a:fontRef>
+    </dgm:style>
+  </dgm:styleLbl>
+  <dgm:styleLbl name="sibTrans1D1">
+    <dgm:scene3d>
+      <a:camera prst="orthographicFront"/>
+      <a:lightRig rig="threePt" dir="t"/>
+    </dgm:scene3d>
+    <dgm:sp3d/>
+    <dgm:txPr/>
+    <dgm:style>
+      <a:lnRef idx="1">
+        <a:scrgbClr r="0" g="0" b="0"/>
+      </a:lnRef>
+      <a:fillRef idx="0">
+        <a:scrgbClr r="0" g="0" b="0"/>
+      </a:fillRef>
+      <a:effectRef idx="0">
+        <a:scrgbClr r="0" g="0" b="0"/>
+      </a:effectRef>
+      <a:fontRef idx="minor"/>
+    </dgm:style>
+  </dgm:styleLbl>
+  <dgm:styleLbl name="callout">
+    <dgm:scene3d>
+      <a:camera prst="orthographicFront"/>
+      <a:lightRig rig="threePt" dir="t"/>
+    </dgm:scene3d>
+    <dgm:sp3d/>
+    <dgm:txPr/>
+    <dgm:style>
+      <a:lnRef idx="2">
+        <a:scrgbClr r="0" g="0" b="0"/>
+      </a:lnRef>
+      <a:fillRef idx="1">
+        <a:scrgbClr r="0" g="0" b="0"/>
+      </a:fillRef>
+      <a:effectRef idx="0">
+        <a:scrgbClr r="0" g="0" b="0"/>
+      </a:effectRef>
+      <a:fontRef idx="minor"/>
+    </dgm:style>
+  </dgm:styleLbl>
+  <dgm:styleLbl name="asst0">
+    <dgm:scene3d>
+      <a:camera prst="orthographicFront"/>
+      <a:lightRig rig="threePt" dir="t"/>
+    </dgm:scene3d>
+    <dgm:sp3d/>
+    <dgm:txPr/>
+    <dgm:style>
+      <a:lnRef idx="2">
+        <a:scrgbClr r="0" g="0" b="0"/>
+      </a:lnRef>
+      <a:fillRef idx="1">
+        <a:scrgbClr r="0" g="0" b="0"/>
+      </a:fillRef>
+      <a:effectRef idx="0">
+        <a:scrgbClr r="0" g="0" b="0"/>
+      </a:effectRef>
+      <a:fontRef idx="minor">
+        <a:schemeClr val="lt1"/>
+      </a:fontRef>
+    </dgm:style>
+  </dgm:styleLbl>
+  <dgm:styleLbl name="asst1">
+    <dgm:scene3d>
+      <a:camera prst="orthographicFront"/>
+      <a:lightRig rig="threePt" dir="t"/>
+    </dgm:scene3d>
+    <dgm:sp3d/>
+    <dgm:txPr/>
+    <dgm:style>
+      <a:lnRef idx="2">
+        <a:scrgbClr r="0" g="0" b="0"/>
+      </a:lnRef>
+      <a:fillRef idx="1">
+        <a:scrgbClr r="0" g="0" b="0"/>
+      </a:fillRef>
+      <a:effectRef idx="0">
+        <a:scrgbClr r="0" g="0" b="0"/>
+      </a:effectRef>
+      <a:fontRef idx="minor">
+        <a:schemeClr val="lt1"/>
+      </a:fontRef>
+    </dgm:style>
+  </dgm:styleLbl>
+  <dgm:styleLbl name="asst2">
+    <dgm:scene3d>
+      <a:camera prst="orthographicFront"/>
+      <a:lightRig rig="threePt" dir="t"/>
+    </dgm:scene3d>
+    <dgm:sp3d/>
+    <dgm:txPr/>
+    <dgm:style>
+      <a:lnRef idx="2">
+        <a:scrgbClr r="0" g="0" b="0"/>
+      </a:lnRef>
+      <a:fillRef idx="1">
+        <a:scrgbClr r="0" g="0" b="0"/>
+      </a:fillRef>
+      <a:effectRef idx="0">
+        <a:scrgbClr r="0" g="0" b="0"/>
+      </a:effectRef>
+      <a:fontRef idx="minor">
+        <a:schemeClr val="lt1"/>
+      </a:fontRef>
+    </dgm:style>
+  </dgm:styleLbl>
+  <dgm:styleLbl name="asst3">
+    <dgm:scene3d>
+      <a:camera prst="orthographicFront"/>
+      <a:lightRig rig="threePt" dir="t"/>
+    </dgm:scene3d>
+    <dgm:sp3d/>
+    <dgm:txPr/>
+    <dgm:style>
+      <a:lnRef idx="2">
+        <a:scrgbClr r="0" g="0" b="0"/>
+      </a:lnRef>
+      <a:fillRef idx="1">
+        <a:scrgbClr r="0" g="0" b="0"/>
+      </a:fillRef>
+      <a:effectRef idx="0">
+        <a:scrgbClr r="0" g="0" b="0"/>
+      </a:effectRef>
+      <a:fontRef idx="minor">
+        <a:schemeClr val="lt1"/>
+      </a:fontRef>
+    </dgm:style>
+  </dgm:styleLbl>
+  <dgm:styleLbl name="asst4">
+    <dgm:scene3d>
+      <a:camera prst="orthographicFront"/>
+      <a:lightRig rig="threePt" dir="t"/>
+    </dgm:scene3d>
+    <dgm:sp3d/>
+    <dgm:txPr/>
+    <dgm:style>
+      <a:lnRef idx="2">
+        <a:scrgbClr r="0" g="0" b="0"/>
+      </a:lnRef>
+      <a:fillRef idx="1">
+        <a:scrgbClr r="0" g="0" b="0"/>
+      </a:fillRef>
+      <a:effectRef idx="0">
+        <a:scrgbClr r="0" g="0" b="0"/>
+      </a:effectRef>
+      <a:fontRef idx="minor">
+        <a:schemeClr val="lt1"/>
+      </a:fontRef>
+    </dgm:style>
+  </dgm:styleLbl>
+  <dgm:styleLbl name="parChTrans2D1">
+    <dgm:scene3d>
+      <a:camera prst="orthographicFront"/>
+      <a:lightRig rig="threePt" dir="t"/>
+    </dgm:scene3d>
+    <dgm:sp3d/>
+    <dgm:txPr/>
+    <dgm:style>
+      <a:lnRef idx="2">
+        <a:scrgbClr r="0" g="0" b="0"/>
+      </a:lnRef>
+      <a:fillRef idx="1">
+        <a:scrgbClr r="0" g="0" b="0"/>
+      </a:fillRef>
+      <a:effectRef idx="0">
+        <a:scrgbClr r="0" g="0" b="0"/>
+      </a:effectRef>
+      <a:fontRef idx="minor">
+        <a:schemeClr val="lt1"/>
+      </a:fontRef>
+    </dgm:style>
+  </dgm:styleLbl>
+  <dgm:styleLbl name="parChTrans2D2">
+    <dgm:scene3d>
+      <a:camera prst="orthographicFront"/>
+      <a:lightRig rig="threePt" dir="t"/>
+    </dgm:scene3d>
+    <dgm:sp3d/>
+    <dgm:txPr/>
+    <dgm:style>
+      <a:lnRef idx="2">
+        <a:scrgbClr r="0" g="0" b="0"/>
+      </a:lnRef>
+      <a:fillRef idx="1">
+        <a:scrgbClr r="0" g="0" b="0"/>
+      </a:fillRef>
+      <a:effectRef idx="0">
+        <a:scrgbClr r="0" g="0" b="0"/>
+      </a:effectRef>
+      <a:fontRef idx="minor">
+        <a:schemeClr val="lt1"/>
+      </a:fontRef>
+    </dgm:style>
+  </dgm:styleLbl>
+  <dgm:styleLbl name="parChTrans2D3">
+    <dgm:scene3d>
+      <a:camera prst="orthographicFront"/>
+      <a:lightRig rig="threePt" dir="t"/>
+    </dgm:scene3d>
+    <dgm:sp3d/>
+    <dgm:txPr/>
+    <dgm:style>
+      <a:lnRef idx="2">
+        <a:scrgbClr r="0" g="0" b="0"/>
+      </a:lnRef>
+      <a:fillRef idx="1">
+        <a:scrgbClr r="0" g="0" b="0"/>
+      </a:fillRef>
+      <a:effectRef idx="0">
+        <a:scrgbClr r="0" g="0" b="0"/>
+      </a:effectRef>
+      <a:fontRef idx="minor">
+        <a:schemeClr val="lt1"/>
+      </a:fontRef>
+    </dgm:style>
+  </dgm:styleLbl>
+  <dgm:styleLbl name="parChTrans2D4">
+    <dgm:scene3d>
+      <a:camera prst="orthographicFront"/>
+      <a:lightRig rig="threePt" dir="t"/>
+    </dgm:scene3d>
+    <dgm:sp3d/>
+    <dgm:txPr/>
+    <dgm:style>
+      <a:lnRef idx="2">
+        <a:scrgbClr r="0" g="0" b="0"/>
+      </a:lnRef>
+      <a:fillRef idx="1">
+        <a:scrgbClr r="0" g="0" b="0"/>
+      </a:fillRef>
+      <a:effectRef idx="0">
+        <a:scrgbClr r="0" g="0" b="0"/>
+      </a:effectRef>
+      <a:fontRef idx="minor">
+        <a:schemeClr val="lt1"/>
+      </a:fontRef>
+    </dgm:style>
+  </dgm:styleLbl>
+  <dgm:styleLbl name="parChTrans1D1">
+    <dgm:scene3d>
+      <a:camera prst="orthographicFront"/>
+      <a:lightRig rig="threePt" dir="t"/>
+    </dgm:scene3d>
+    <dgm:sp3d/>
+    <dgm:txPr/>
+    <dgm:style>
+      <a:lnRef idx="2">
+        <a:scrgbClr r="0" g="0" b="0"/>
+      </a:lnRef>
+      <a:fillRef idx="0">
+        <a:scrgbClr r="0" g="0" b="0"/>
+      </a:fillRef>
+      <a:effectRef idx="0">
+        <a:scrgbClr r="0" g="0" b="0"/>
+      </a:effectRef>
+      <a:fontRef idx="minor"/>
+    </dgm:style>
+  </dgm:styleLbl>
+  <dgm:styleLbl name="parChTrans1D2">
+    <dgm:scene3d>
+      <a:camera prst="orthographicFront"/>
+      <a:lightRig rig="threePt" dir="t"/>
+    </dgm:scene3d>
+    <dgm:sp3d/>
+    <dgm:txPr/>
+    <dgm:style>
+      <a:lnRef idx="2">
+        <a:scrgbClr r="0" g="0" b="0"/>
+      </a:lnRef>
+      <a:fillRef idx="0">
+        <a:scrgbClr r="0" g="0" b="0"/>
+      </a:fillRef>
+      <a:effectRef idx="0">
+        <a:scrgbClr r="0" g="0" b="0"/>
+      </a:effectRef>
+      <a:fontRef idx="minor"/>
+    </dgm:style>
+  </dgm:styleLbl>
+  <dgm:styleLbl name="parChTrans1D3">
+    <dgm:scene3d>
+      <a:camera prst="orthographicFront"/>
+      <a:lightRig rig="threePt" dir="t"/>
+    </dgm:scene3d>
+    <dgm:sp3d/>
+    <dgm:txPr/>
+    <dgm:style>
+      <a:lnRef idx="2">
+        <a:scrgbClr r="0" g="0" b="0"/>
+      </a:lnRef>
+      <a:fillRef idx="0">
+        <a:scrgbClr r="0" g="0" b="0"/>
+      </a:fillRef>
+      <a:effectRef idx="0">
+        <a:scrgbClr r="0" g="0" b="0"/>
+      </a:effectRef>
+      <a:fontRef idx="minor"/>
+    </dgm:style>
+  </dgm:styleLbl>
+  <dgm:styleLbl name="parChTrans1D4">
+    <dgm:scene3d>
+      <a:camera prst="orthographicFront"/>
+      <a:lightRig rig="threePt" dir="t"/>
+    </dgm:scene3d>
+    <dgm:sp3d/>
+    <dgm:txPr/>
+    <dgm:style>
+      <a:lnRef idx="2">
+        <a:scrgbClr r="0" g="0" b="0"/>
+      </a:lnRef>
+      <a:fillRef idx="0">
+        <a:scrgbClr r="0" g="0" b="0"/>
+      </a:fillRef>
+      <a:effectRef idx="0">
+        <a:scrgbClr r="0" g="0" b="0"/>
+      </a:effectRef>
+      <a:fontRef idx="minor"/>
+    </dgm:style>
+  </dgm:styleLbl>
+  <dgm:styleLbl name="fgAcc1">
+    <dgm:scene3d>
+      <a:camera prst="orthographicFront"/>
+      <a:lightRig rig="threePt" dir="t"/>
+    </dgm:scene3d>
+    <dgm:sp3d/>
+    <dgm:txPr/>
+    <dgm:style>
+      <a:lnRef idx="2">
+        <a:scrgbClr r="0" g="0" b="0"/>
+      </a:lnRef>
+      <a:fillRef idx="1">
+        <a:scrgbClr r="0" g="0" b="0"/>
+      </a:fillRef>
+      <a:effectRef idx="0">
+        <a:scrgbClr r="0" g="0" b="0"/>
+      </a:effectRef>
+      <a:fontRef idx="minor"/>
+    </dgm:style>
+  </dgm:styleLbl>
+  <dgm:styleLbl name="conFgAcc1">
+    <dgm:scene3d>
+      <a:camera prst="orthographicFront"/>
+      <a:lightRig rig="threePt" dir="t"/>
+    </dgm:scene3d>
+    <dgm:sp3d/>
+    <dgm:txPr/>
+    <dgm:style>
+      <a:lnRef idx="2">
+        <a:scrgbClr r="0" g="0" b="0"/>
+      </a:lnRef>
+      <a:fillRef idx="1">
+        <a:scrgbClr r="0" g="0" b="0"/>
+      </a:fillRef>
+      <a:effectRef idx="0">
+        <a:scrgbClr r="0" g="0" b="0"/>
+      </a:effectRef>
+      <a:fontRef idx="minor"/>
+    </dgm:style>
+  </dgm:styleLbl>
+  <dgm:styleLbl name="alignAcc1">
+    <dgm:scene3d>
+      <a:camera prst="orthographicFront"/>
+      <a:lightRig rig="threePt" dir="t"/>
+    </dgm:scene3d>
+    <dgm:sp3d/>
+    <dgm:txPr/>
+    <dgm:style>
+      <a:lnRef idx="2">
+        <a:scrgbClr r="0" g="0" b="0"/>
+      </a:lnRef>
+      <a:fillRef idx="1">
+        <a:scrgbClr r="0" g="0" b="0"/>
+      </a:fillRef>
+      <a:effectRef idx="0">
+        <a:scrgbClr r="0" g="0" b="0"/>
+      </a:effectRef>
+      <a:fontRef idx="minor"/>
+    </dgm:style>
+  </dgm:styleLbl>
+  <dgm:styleLbl name="trAlignAcc1">
+    <dgm:scene3d>
+      <a:camera prst="orthographicFront"/>
+      <a:lightRig rig="threePt" dir="t"/>
+    </dgm:scene3d>
+    <dgm:sp3d/>
+    <dgm:txPr/>
+    <dgm:style>
+      <a:lnRef idx="1">
+        <a:scrgbClr r="0" g="0" b="0"/>
+      </a:lnRef>
+      <a:fillRef idx="1">
+        <a:scrgbClr r="0" g="0" b="0"/>
+      </a:fillRef>
+      <a:effectRef idx="0">
+        <a:scrgbClr r="0" g="0" b="0"/>
+      </a:effectRef>
+      <a:fontRef idx="minor"/>
+    </dgm:style>
+  </dgm:styleLbl>
+  <dgm:styleLbl name="bgAcc1">
+    <dgm:scene3d>
+      <a:camera prst="orthographicFront"/>
+      <a:lightRig rig="threePt" dir="t"/>
+    </dgm:scene3d>
+    <dgm:sp3d/>
+    <dgm:txPr/>
+    <dgm:style>
+      <a:lnRef idx="2">
+        <a:scrgbClr r="0" g="0" b="0"/>
+      </a:lnRef>
+      <a:fillRef idx="1">
+        <a:scrgbClr r="0" g="0" b="0"/>
+      </a:fillRef>
+      <a:effectRef idx="0">
+        <a:scrgbClr r="0" g="0" b="0"/>
+      </a:effectRef>
+      <a:fontRef idx="minor"/>
+    </dgm:style>
+  </dgm:styleLbl>
+  <dgm:styleLbl name="solidFgAcc1">
+    <dgm:scene3d>
+      <a:camera prst="orthographicFront"/>
+      <a:lightRig rig="threePt" dir="t"/>
+    </dgm:scene3d>
+    <dgm:sp3d/>
+    <dgm:txPr/>
+    <dgm:style>
+      <a:lnRef idx="2">
+        <a:scrgbClr r="0" g="0" b="0"/>
+      </a:lnRef>
+      <a:fillRef idx="1">
+        <a:scrgbClr r="0" g="0" b="0"/>
+      </a:fillRef>
+      <a:effectRef idx="0">
+        <a:scrgbClr r="0" g="0" b="0"/>
+      </a:effectRef>
+      <a:fontRef idx="minor"/>
+    </dgm:style>
+  </dgm:styleLbl>
+  <dgm:styleLbl name="solidAlignAcc1">
+    <dgm:scene3d>
+      <a:camera prst="orthographicFront"/>
+      <a:lightRig rig="threePt" dir="t"/>
+    </dgm:scene3d>
+    <dgm:sp3d/>
+    <dgm:txPr/>
+    <dgm:style>
+      <a:lnRef idx="2">
+        <a:scrgbClr r="0" g="0" b="0"/>
+      </a:lnRef>
+      <a:fillRef idx="1">
+        <a:scrgbClr r="0" g="0" b="0"/>
+      </a:fillRef>
+      <a:effectRef idx="0">
+        <a:scrgbClr r="0" g="0" b="0"/>
+      </a:effectRef>
+      <a:fontRef idx="minor"/>
+    </dgm:style>
+  </dgm:styleLbl>
+  <dgm:styleLbl name="solidBgAcc1">
+    <dgm:scene3d>
+      <a:camera prst="orthographicFront"/>
+      <a:lightRig rig="threePt" dir="t"/>
+    </dgm:scene3d>
+    <dgm:sp3d/>
+    <dgm:txPr/>
+    <dgm:style>
+      <a:lnRef idx="2">
+        <a:scrgbClr r="0" g="0" b="0"/>
+      </a:lnRef>
+      <a:fillRef idx="1">
+        <a:scrgbClr r="0" g="0" b="0"/>
+      </a:fillRef>
+      <a:effectRef idx="0">
+        <a:scrgbClr r="0" g="0" b="0"/>
+      </a:effectRef>
+      <a:fontRef idx="minor"/>
+    </dgm:style>
+  </dgm:styleLbl>
+  <dgm:styleLbl name="fgAccFollowNode1">
+    <dgm:scene3d>
+      <a:camera prst="orthographicFront"/>
+      <a:lightRig rig="threePt" dir="t"/>
+    </dgm:scene3d>
+    <dgm:sp3d/>
+    <dgm:txPr/>
+    <dgm:style>
+      <a:lnRef idx="2">
+        <a:scrgbClr r="0" g="0" b="0"/>
+      </a:lnRef>
+      <a:fillRef idx="1">
+        <a:scrgbClr r="0" g="0" b="0"/>
+      </a:fillRef>
+      <a:effectRef idx="0">
+        <a:scrgbClr r="0" g="0" b="0"/>
+      </a:effectRef>
+      <a:fontRef idx="minor"/>
+    </dgm:style>
+  </dgm:styleLbl>
+  <dgm:styleLbl name="alignAccFollowNode1">
+    <dgm:scene3d>
+      <a:camera prst="orthographicFront"/>
+      <a:lightRig rig="threePt" dir="t"/>
+    </dgm:scene3d>
+    <dgm:sp3d/>
+    <dgm:txPr/>
+    <dgm:style>
+      <a:lnRef idx="2">
+        <a:scrgbClr r="0" g="0" b="0"/>
+      </a:lnRef>
+      <a:fillRef idx="1">
+        <a:scrgbClr r="0" g="0" b="0"/>
+      </a:fillRef>
+      <a:effectRef idx="0">
+        <a:scrgbClr r="0" g="0" b="0"/>
+      </a:effectRef>
+      <a:fontRef idx="minor"/>
+    </dgm:style>
+  </dgm:styleLbl>
+  <dgm:styleLbl name="bgAccFollowNode1">
+    <dgm:scene3d>
+      <a:camera prst="orthographicFront"/>
+      <a:lightRig rig="threePt" dir="t"/>
+    </dgm:scene3d>
+    <dgm:sp3d/>
+    <dgm:txPr/>
+    <dgm:style>
+      <a:lnRef idx="2">
+        <a:scrgbClr r="0" g="0" b="0"/>
+      </a:lnRef>
+      <a:fillRef idx="1">
+        <a:scrgbClr r="0" g="0" b="0"/>
+      </a:fillRef>
+      <a:effectRef idx="0">
+        <a:scrgbClr r="0" g="0" b="0"/>
+      </a:effectRef>
+      <a:fontRef idx="minor"/>
+    </dgm:style>
+  </dgm:styleLbl>
+  <dgm:styleLbl name="fgAcc0">
+    <dgm:scene3d>
+      <a:camera prst="orthographicFront"/>
+      <a:lightRig rig="threePt" dir="t"/>
+    </dgm:scene3d>
+    <dgm:sp3d/>
+    <dgm:txPr/>
+    <dgm:style>
+      <a:lnRef idx="2">
+        <a:scrgbClr r="0" g="0" b="0"/>
+      </a:lnRef>
+      <a:fillRef idx="1">
+        <a:scrgbClr r="0" g="0" b="0"/>
+      </a:fillRef>
+      <a:effectRef idx="0">
+        <a:scrgbClr r="0" g="0" b="0"/>
+      </a:effectRef>
+      <a:fontRef idx="minor"/>
+    </dgm:style>
+  </dgm:styleLbl>
+  <dgm:styleLbl name="fgAcc2">
+    <dgm:scene3d>
+      <a:camera prst="orthographicFront"/>
+      <a:lightRig rig="threePt" dir="t"/>
+    </dgm:scene3d>
+    <dgm:sp3d/>
+    <dgm:txPr/>
+    <dgm:style>
+      <a:lnRef idx="2">
+        <a:scrgbClr r="0" g="0" b="0"/>
+      </a:lnRef>
+      <a:fillRef idx="1">
+        <a:scrgbClr r="0" g="0" b="0"/>
+      </a:fillRef>
+      <a:effectRef idx="0">
+        <a:scrgbClr r="0" g="0" b="0"/>
+      </a:effectRef>
+      <a:fontRef idx="minor"/>
+    </dgm:style>
+  </dgm:styleLbl>
+  <dgm:styleLbl name="fgAcc3">
+    <dgm:scene3d>
+      <a:camera prst="orthographicFront"/>
+      <a:lightRig rig="threePt" dir="t"/>
+    </dgm:scene3d>
+    <dgm:sp3d/>
+    <dgm:txPr/>
+    <dgm:style>
+      <a:lnRef idx="2">
+        <a:scrgbClr r="0" g="0" b="0"/>
+      </a:lnRef>
+      <a:fillRef idx="1">
+        <a:scrgbClr r="0" g="0" b="0"/>
+      </a:fillRef>
+      <a:effectRef idx="0">
+        <a:scrgbClr r="0" g="0" b="0"/>
+      </a:effectRef>
+      <a:fontRef idx="minor"/>
+    </dgm:style>
+  </dgm:styleLbl>
+  <dgm:styleLbl name="fgAcc4">
+    <dgm:scene3d>
+      <a:camera prst="orthographicFront"/>
+      <a:lightRig rig="threePt" dir="t"/>
+    </dgm:scene3d>
+    <dgm:sp3d/>
+    <dgm:txPr/>
+    <dgm:style>
+      <a:lnRef idx="2">
+        <a:scrgbClr r="0" g="0" b="0"/>
+      </a:lnRef>
+      <a:fillRef idx="1">
+        <a:scrgbClr r="0" g="0" b="0"/>
+      </a:fillRef>
+      <a:effectRef idx="0">
+        <a:scrgbClr r="0" g="0" b="0"/>
+      </a:effectRef>
+      <a:fontRef idx="minor"/>
+    </dgm:style>
+  </dgm:styleLbl>
+  <dgm:styleLbl name="bgShp">
+    <dgm:scene3d>
+      <a:camera prst="orthographicFront"/>
+      <a:lightRig rig="threePt" dir="t"/>
+    </dgm:scene3d>
+    <dgm:sp3d/>
+    <dgm:txPr/>
+    <dgm:style>
+      <a:lnRef idx="0">
+        <a:scrgbClr r="0" g="0" b="0"/>
+      </a:lnRef>
+      <a:fillRef idx="1">
+        <a:scrgbClr r="0" g="0" b="0"/>
+      </a:fillRef>
+      <a:effectRef idx="0">
+        <a:scrgbClr r="0" g="0" b="0"/>
+      </a:effectRef>
+      <a:fontRef idx="minor"/>
+    </dgm:style>
+  </dgm:styleLbl>
+  <dgm:styleLbl name="dkBgShp">
+    <dgm:scene3d>
+      <a:camera prst="orthographicFront"/>
+      <a:lightRig rig="threePt" dir="t"/>
+    </dgm:scene3d>
+    <dgm:sp3d/>
+    <dgm:txPr/>
+    <dgm:style>
+      <a:lnRef idx="0">
+        <a:scrgbClr r="0" g="0" b="0"/>
+      </a:lnRef>
+      <a:fillRef idx="1">
+        <a:scrgbClr r="0" g="0" b="0"/>
+      </a:fillRef>
+      <a:effectRef idx="0">
+        <a:scrgbClr r="0" g="0" b="0"/>
+      </a:effectRef>
+      <a:fontRef idx="minor"/>
+    </dgm:style>
+  </dgm:styleLbl>
+  <dgm:styleLbl name="trBgShp">
+    <dgm:scene3d>
+      <a:camera prst="orthographicFront"/>
+      <a:lightRig rig="threePt" dir="t"/>
+    </dgm:scene3d>
+    <dgm:sp3d/>
+    <dgm:txPr/>
+    <dgm:style>
+      <a:lnRef idx="0">
+        <a:scrgbClr r="0" g="0" b="0"/>
+      </a:lnRef>
+      <a:fillRef idx="1">
+        <a:scrgbClr r="0" g="0" b="0"/>
+      </a:fillRef>
+      <a:effectRef idx="0">
+        <a:scrgbClr r="0" g="0" b="0"/>
+      </a:effectRef>
+      <a:fontRef idx="minor"/>
+    </dgm:style>
+  </dgm:styleLbl>
+  <dgm:styleLbl name="fgShp">
+    <dgm:scene3d>
+      <a:camera prst="orthographicFront"/>
+      <a:lightRig rig="threePt" dir="t"/>
+    </dgm:scene3d>
+    <dgm:sp3d/>
+    <dgm:txPr/>
+    <dgm:style>
+      <a:lnRef idx="2">
+        <a:scrgbClr r="0" g="0" b="0"/>
+      </a:lnRef>
+      <a:fillRef idx="1">
+        <a:scrgbClr r="0" g="0" b="0"/>
+      </a:fillRef>
+      <a:effectRef idx="0">
+        <a:scrgbClr r="0" g="0" b="0"/>
+      </a:effectRef>
+      <a:fontRef idx="minor"/>
+    </dgm:style>
+  </dgm:styleLbl>
+  <dgm:styleLbl name="revTx">
+    <dgm:scene3d>
+      <a:camera prst="orthographicFront"/>
+      <a:lightRig rig="threePt" dir="t"/>
+    </dgm:scene3d>
+    <dgm:sp3d/>
+    <dgm:txPr/>
+    <dgm:style>
+      <a:lnRef idx="0">
+        <a:scrgbClr r="0" g="0" b="0"/>
+      </a:lnRef>
+      <a:fillRef idx="0">
+        <a:scrgbClr r="0" g="0" b="0"/>
+      </a:fillRef>
+      <a:effectRef idx="0">
+        <a:scrgbClr r="0" g="0" b="0"/>
+      </a:effectRef>
+      <a:fontRef idx="minor"/>
+    </dgm:style>
+  </dgm:styleLbl>
+</dgm:styleDef>
+</file>
+
 <file path=ppt/handoutMasters/handoutMaster1.xml><?xml version="1.0" encoding="utf-8"?>
 <p:handoutMaster xmlns:a="http://schemas.openxmlformats.org/drawingml/2006/main" xmlns:r="http://schemas.openxmlformats.org/officeDocument/2006/relationships" xmlns:p="http://schemas.openxmlformats.org/presentationml/2006/main">
   <p:cSld>
@@ -295,6 +2936,1095 @@
   </p:cSld>
   <p:clrMap bg1="lt1" tx1="dk1" bg2="lt2" tx2="dk2" accent1="accent1" accent2="accent2" accent3="accent3" accent4="accent4" accent5="accent5" accent6="accent6" hlink="hlink" folHlink="folHlink"/>
 </p:handoutMaster>
+</file>
+
+<file path=ppt/notesMasters/notesMaster1.xml><?xml version="1.0" encoding="utf-8"?>
+<p:notesMaster xmlns:a="http://schemas.openxmlformats.org/drawingml/2006/main" xmlns:r="http://schemas.openxmlformats.org/officeDocument/2006/relationships" xmlns:p="http://schemas.openxmlformats.org/presentationml/2006/main">
+  <p:cSld>
+    <p:bg>
+      <p:bgRef idx="1001">
+        <a:schemeClr val="bg1"/>
+      </p:bgRef>
+    </p:bg>
+    <p:spTree>
+      <p:nvGrpSpPr>
+        <p:cNvPr id="1" name=""/>
+        <p:cNvGrpSpPr/>
+        <p:nvPr/>
+      </p:nvGrpSpPr>
+      <p:grpSpPr>
+        <a:xfrm>
+          <a:off x="0" y="0"/>
+          <a:ext cx="0" cy="0"/>
+          <a:chOff x="0" y="0"/>
+          <a:chExt cx="0" cy="0"/>
+        </a:xfrm>
+      </p:grpSpPr>
+      <p:sp>
+        <p:nvSpPr>
+          <p:cNvPr id="2" name="Header Placeholder 1"/>
+          <p:cNvSpPr>
+            <a:spLocks noGrp="1"/>
+          </p:cNvSpPr>
+          <p:nvPr>
+            <p:ph type="hdr" sz="quarter"/>
+          </p:nvPr>
+        </p:nvSpPr>
+        <p:spPr>
+          <a:xfrm>
+            <a:off x="0" y="0"/>
+            <a:ext cx="2971800" cy="458788"/>
+          </a:xfrm>
+          <a:prstGeom prst="rect">
+            <a:avLst/>
+          </a:prstGeom>
+        </p:spPr>
+        <p:txBody>
+          <a:bodyPr vert="horz" lIns="91440" tIns="45720" rIns="91440" bIns="45720" rtlCol="0"/>
+          <a:lstStyle>
+            <a:lvl1pPr algn="l">
+              <a:defRPr sz="1200"/>
+            </a:lvl1pPr>
+          </a:lstStyle>
+          <a:p>
+            <a:endParaRPr lang="LID4096"/>
+          </a:p>
+        </p:txBody>
+      </p:sp>
+      <p:sp>
+        <p:nvSpPr>
+          <p:cNvPr id="3" name="Date Placeholder 2"/>
+          <p:cNvSpPr>
+            <a:spLocks noGrp="1"/>
+          </p:cNvSpPr>
+          <p:nvPr>
+            <p:ph type="dt" idx="1"/>
+          </p:nvPr>
+        </p:nvSpPr>
+        <p:spPr>
+          <a:xfrm>
+            <a:off x="3884613" y="0"/>
+            <a:ext cx="2971800" cy="458788"/>
+          </a:xfrm>
+          <a:prstGeom prst="rect">
+            <a:avLst/>
+          </a:prstGeom>
+        </p:spPr>
+        <p:txBody>
+          <a:bodyPr vert="horz" lIns="91440" tIns="45720" rIns="91440" bIns="45720" rtlCol="0"/>
+          <a:lstStyle>
+            <a:lvl1pPr algn="r">
+              <a:defRPr sz="1200"/>
+            </a:lvl1pPr>
+          </a:lstStyle>
+          <a:p>
+            <a:fld id="{C726C102-7355-4784-A102-F67F03D4410F}" type="datetimeFigureOut">
+              <a:rPr lang="LID4096" smtClean="0"/>
+              <a:t>06/11/2019</a:t>
+            </a:fld>
+            <a:endParaRPr lang="LID4096"/>
+          </a:p>
+        </p:txBody>
+      </p:sp>
+      <p:sp>
+        <p:nvSpPr>
+          <p:cNvPr id="4" name="Slide Image Placeholder 3"/>
+          <p:cNvSpPr>
+            <a:spLocks noGrp="1" noRot="1" noChangeAspect="1"/>
+          </p:cNvSpPr>
+          <p:nvPr>
+            <p:ph type="sldImg" idx="2"/>
+          </p:nvPr>
+        </p:nvSpPr>
+        <p:spPr>
+          <a:xfrm>
+            <a:off x="685800" y="1143000"/>
+            <a:ext cx="5486400" cy="3086100"/>
+          </a:xfrm>
+          <a:prstGeom prst="rect">
+            <a:avLst/>
+          </a:prstGeom>
+          <a:noFill/>
+          <a:ln w="12700">
+            <a:solidFill>
+              <a:prstClr val="black"/>
+            </a:solidFill>
+          </a:ln>
+        </p:spPr>
+        <p:txBody>
+          <a:bodyPr vert="horz" lIns="91440" tIns="45720" rIns="91440" bIns="45720" rtlCol="0" anchor="ctr"/>
+          <a:lstStyle/>
+          <a:p>
+            <a:endParaRPr lang="LID4096"/>
+          </a:p>
+        </p:txBody>
+      </p:sp>
+      <p:sp>
+        <p:nvSpPr>
+          <p:cNvPr id="5" name="Notes Placeholder 4"/>
+          <p:cNvSpPr>
+            <a:spLocks noGrp="1"/>
+          </p:cNvSpPr>
+          <p:nvPr>
+            <p:ph type="body" sz="quarter" idx="3"/>
+          </p:nvPr>
+        </p:nvSpPr>
+        <p:spPr>
+          <a:xfrm>
+            <a:off x="685800" y="4400550"/>
+            <a:ext cx="5486400" cy="3600450"/>
+          </a:xfrm>
+          <a:prstGeom prst="rect">
+            <a:avLst/>
+          </a:prstGeom>
+        </p:spPr>
+        <p:txBody>
+          <a:bodyPr vert="horz" lIns="91440" tIns="45720" rIns="91440" bIns="45720" rtlCol="0"/>
+          <a:lstStyle/>
+          <a:p>
+            <a:pPr lvl="0"/>
+            <a:r>
+              <a:rPr lang="en-US"/>
+              <a:t>Edit Master text styles</a:t>
+            </a:r>
+          </a:p>
+          <a:p>
+            <a:pPr lvl="1"/>
+            <a:r>
+              <a:rPr lang="en-US"/>
+              <a:t>Second level</a:t>
+            </a:r>
+          </a:p>
+          <a:p>
+            <a:pPr lvl="2"/>
+            <a:r>
+              <a:rPr lang="en-US"/>
+              <a:t>Third level</a:t>
+            </a:r>
+          </a:p>
+          <a:p>
+            <a:pPr lvl="3"/>
+            <a:r>
+              <a:rPr lang="en-US"/>
+              <a:t>Fourth level</a:t>
+            </a:r>
+          </a:p>
+          <a:p>
+            <a:pPr lvl="4"/>
+            <a:r>
+              <a:rPr lang="en-US"/>
+              <a:t>Fifth level</a:t>
+            </a:r>
+            <a:endParaRPr lang="LID4096"/>
+          </a:p>
+        </p:txBody>
+      </p:sp>
+      <p:sp>
+        <p:nvSpPr>
+          <p:cNvPr id="6" name="Footer Placeholder 5"/>
+          <p:cNvSpPr>
+            <a:spLocks noGrp="1"/>
+          </p:cNvSpPr>
+          <p:nvPr>
+            <p:ph type="ftr" sz="quarter" idx="4"/>
+          </p:nvPr>
+        </p:nvSpPr>
+        <p:spPr>
+          <a:xfrm>
+            <a:off x="0" y="8685213"/>
+            <a:ext cx="2971800" cy="458787"/>
+          </a:xfrm>
+          <a:prstGeom prst="rect">
+            <a:avLst/>
+          </a:prstGeom>
+        </p:spPr>
+        <p:txBody>
+          <a:bodyPr vert="horz" lIns="91440" tIns="45720" rIns="91440" bIns="45720" rtlCol="0" anchor="b"/>
+          <a:lstStyle>
+            <a:lvl1pPr algn="l">
+              <a:defRPr sz="1200"/>
+            </a:lvl1pPr>
+          </a:lstStyle>
+          <a:p>
+            <a:endParaRPr lang="LID4096"/>
+          </a:p>
+        </p:txBody>
+      </p:sp>
+      <p:sp>
+        <p:nvSpPr>
+          <p:cNvPr id="7" name="Slide Number Placeholder 6"/>
+          <p:cNvSpPr>
+            <a:spLocks noGrp="1"/>
+          </p:cNvSpPr>
+          <p:nvPr>
+            <p:ph type="sldNum" sz="quarter" idx="5"/>
+          </p:nvPr>
+        </p:nvSpPr>
+        <p:spPr>
+          <a:xfrm>
+            <a:off x="3884613" y="8685213"/>
+            <a:ext cx="2971800" cy="458787"/>
+          </a:xfrm>
+          <a:prstGeom prst="rect">
+            <a:avLst/>
+          </a:prstGeom>
+        </p:spPr>
+        <p:txBody>
+          <a:bodyPr vert="horz" lIns="91440" tIns="45720" rIns="91440" bIns="45720" rtlCol="0" anchor="b"/>
+          <a:lstStyle>
+            <a:lvl1pPr algn="r">
+              <a:defRPr sz="1200"/>
+            </a:lvl1pPr>
+          </a:lstStyle>
+          <a:p>
+            <a:fld id="{57469752-A353-4215-9498-7371F7601A20}" type="slidenum">
+              <a:rPr lang="LID4096" smtClean="0"/>
+              <a:t>‹#›</a:t>
+            </a:fld>
+            <a:endParaRPr lang="LID4096"/>
+          </a:p>
+        </p:txBody>
+      </p:sp>
+    </p:spTree>
+    <p:extLst>
+      <p:ext uri="{BB962C8B-B14F-4D97-AF65-F5344CB8AC3E}">
+        <p14:creationId xmlns:p14="http://schemas.microsoft.com/office/powerpoint/2010/main" val="1896632591"/>
+      </p:ext>
+    </p:extLst>
+  </p:cSld>
+  <p:clrMap bg1="lt1" tx1="dk1" bg2="lt2" tx2="dk2" accent1="accent1" accent2="accent2" accent3="accent3" accent4="accent4" accent5="accent5" accent6="accent6" hlink="hlink" folHlink="folHlink"/>
+  <p:notesStyle>
+    <a:lvl1pPr marL="0" algn="l" defTabSz="914400" rtl="0" eaLnBrk="1" latinLnBrk="0" hangingPunct="1">
+      <a:defRPr sz="1200" kern="1200">
+        <a:solidFill>
+          <a:schemeClr val="tx1"/>
+        </a:solidFill>
+        <a:latin typeface="+mn-lt"/>
+        <a:ea typeface="+mn-ea"/>
+        <a:cs typeface="+mn-cs"/>
+      </a:defRPr>
+    </a:lvl1pPr>
+    <a:lvl2pPr marL="457200" algn="l" defTabSz="914400" rtl="0" eaLnBrk="1" latinLnBrk="0" hangingPunct="1">
+      <a:defRPr sz="1200" kern="1200">
+        <a:solidFill>
+          <a:schemeClr val="tx1"/>
+        </a:solidFill>
+        <a:latin typeface="+mn-lt"/>
+        <a:ea typeface="+mn-ea"/>
+        <a:cs typeface="+mn-cs"/>
+      </a:defRPr>
+    </a:lvl2pPr>
+    <a:lvl3pPr marL="914400" algn="l" defTabSz="914400" rtl="0" eaLnBrk="1" latinLnBrk="0" hangingPunct="1">
+      <a:defRPr sz="1200" kern="1200">
+        <a:solidFill>
+          <a:schemeClr val="tx1"/>
+        </a:solidFill>
+        <a:latin typeface="+mn-lt"/>
+        <a:ea typeface="+mn-ea"/>
+        <a:cs typeface="+mn-cs"/>
+      </a:defRPr>
+    </a:lvl3pPr>
+    <a:lvl4pPr marL="1371600" algn="l" defTabSz="914400" rtl="0" eaLnBrk="1" latinLnBrk="0" hangingPunct="1">
+      <a:defRPr sz="1200" kern="1200">
+        <a:solidFill>
+          <a:schemeClr val="tx1"/>
+        </a:solidFill>
+        <a:latin typeface="+mn-lt"/>
+        <a:ea typeface="+mn-ea"/>
+        <a:cs typeface="+mn-cs"/>
+      </a:defRPr>
+    </a:lvl4pPr>
+    <a:lvl5pPr marL="1828800" algn="l" defTabSz="914400" rtl="0" eaLnBrk="1" latinLnBrk="0" hangingPunct="1">
+      <a:defRPr sz="1200" kern="1200">
+        <a:solidFill>
+          <a:schemeClr val="tx1"/>
+        </a:solidFill>
+        <a:latin typeface="+mn-lt"/>
+        <a:ea typeface="+mn-ea"/>
+        <a:cs typeface="+mn-cs"/>
+      </a:defRPr>
+    </a:lvl5pPr>
+    <a:lvl6pPr marL="2286000" algn="l" defTabSz="914400" rtl="0" eaLnBrk="1" latinLnBrk="0" hangingPunct="1">
+      <a:defRPr sz="1200" kern="1200">
+        <a:solidFill>
+          <a:schemeClr val="tx1"/>
+        </a:solidFill>
+        <a:latin typeface="+mn-lt"/>
+        <a:ea typeface="+mn-ea"/>
+        <a:cs typeface="+mn-cs"/>
+      </a:defRPr>
+    </a:lvl6pPr>
+    <a:lvl7pPr marL="2743200" algn="l" defTabSz="914400" rtl="0" eaLnBrk="1" latinLnBrk="0" hangingPunct="1">
+      <a:defRPr sz="1200" kern="1200">
+        <a:solidFill>
+          <a:schemeClr val="tx1"/>
+        </a:solidFill>
+        <a:latin typeface="+mn-lt"/>
+        <a:ea typeface="+mn-ea"/>
+        <a:cs typeface="+mn-cs"/>
+      </a:defRPr>
+    </a:lvl7pPr>
+    <a:lvl8pPr marL="3200400" algn="l" defTabSz="914400" rtl="0" eaLnBrk="1" latinLnBrk="0" hangingPunct="1">
+      <a:defRPr sz="1200" kern="1200">
+        <a:solidFill>
+          <a:schemeClr val="tx1"/>
+        </a:solidFill>
+        <a:latin typeface="+mn-lt"/>
+        <a:ea typeface="+mn-ea"/>
+        <a:cs typeface="+mn-cs"/>
+      </a:defRPr>
+    </a:lvl8pPr>
+    <a:lvl9pPr marL="3657600" algn="l" defTabSz="914400" rtl="0" eaLnBrk="1" latinLnBrk="0" hangingPunct="1">
+      <a:defRPr sz="1200" kern="1200">
+        <a:solidFill>
+          <a:schemeClr val="tx1"/>
+        </a:solidFill>
+        <a:latin typeface="+mn-lt"/>
+        <a:ea typeface="+mn-ea"/>
+        <a:cs typeface="+mn-cs"/>
+      </a:defRPr>
+    </a:lvl9pPr>
+  </p:notesStyle>
+</p:notesMaster>
+</file>
+
+<file path=ppt/notesSlides/notesSlide1.xml><?xml version="1.0" encoding="utf-8"?>
+<p:notes xmlns:a="http://schemas.openxmlformats.org/drawingml/2006/main" xmlns:r="http://schemas.openxmlformats.org/officeDocument/2006/relationships" xmlns:p="http://schemas.openxmlformats.org/presentationml/2006/main">
+  <p:cSld>
+    <p:spTree>
+      <p:nvGrpSpPr>
+        <p:cNvPr id="1" name=""/>
+        <p:cNvGrpSpPr/>
+        <p:nvPr/>
+      </p:nvGrpSpPr>
+      <p:grpSpPr>
+        <a:xfrm>
+          <a:off x="0" y="0"/>
+          <a:ext cx="0" cy="0"/>
+          <a:chOff x="0" y="0"/>
+          <a:chExt cx="0" cy="0"/>
+        </a:xfrm>
+      </p:grpSpPr>
+      <p:sp>
+        <p:nvSpPr>
+          <p:cNvPr id="2" name="Slide Image Placeholder 1"/>
+          <p:cNvSpPr>
+            <a:spLocks noGrp="1" noRot="1" noChangeAspect="1"/>
+          </p:cNvSpPr>
+          <p:nvPr>
+            <p:ph type="sldImg"/>
+          </p:nvPr>
+        </p:nvSpPr>
+        <p:spPr/>
+      </p:sp>
+      <p:sp>
+        <p:nvSpPr>
+          <p:cNvPr id="3" name="Notes Placeholder 2"/>
+          <p:cNvSpPr>
+            <a:spLocks noGrp="1"/>
+          </p:cNvSpPr>
+          <p:nvPr>
+            <p:ph type="body" idx="1"/>
+          </p:nvPr>
+        </p:nvSpPr>
+        <p:spPr/>
+        <p:txBody>
+          <a:bodyPr/>
+          <a:lstStyle/>
+          <a:p>
+            <a:pPr marL="171450" indent="-171450">
+              <a:buFont typeface="Arial" panose="020B0604020202020204" pitchFamily="34" charset="0"/>
+              <a:buChar char="•"/>
+            </a:pPr>
+            <a:r>
+              <a:rPr lang="de-CH" dirty="0"/>
+              <a:t>Martin Fowler, 1999</a:t>
+            </a:r>
+          </a:p>
+          <a:p>
+            <a:pPr marL="171450" indent="-171450">
+              <a:buFont typeface="Arial" panose="020B0604020202020204" pitchFamily="34" charset="0"/>
+              <a:buChar char="•"/>
+            </a:pPr>
+            <a:r>
+              <a:rPr lang="de-CH" dirty="0"/>
+              <a:t>Out </a:t>
+            </a:r>
+            <a:r>
+              <a:rPr lang="de-CH" dirty="0" err="1"/>
+              <a:t>of</a:t>
+            </a:r>
+            <a:r>
+              <a:rPr lang="de-CH" dirty="0"/>
+              <a:t> </a:t>
+            </a:r>
+            <a:r>
+              <a:rPr lang="de-CH" dirty="0" err="1"/>
+              <a:t>the</a:t>
+            </a:r>
+            <a:r>
+              <a:rPr lang="de-CH" dirty="0"/>
+              <a:t> Smalltalk Community</a:t>
+            </a:r>
+            <a:endParaRPr lang="LID4096" dirty="0"/>
+          </a:p>
+        </p:txBody>
+      </p:sp>
+      <p:sp>
+        <p:nvSpPr>
+          <p:cNvPr id="4" name="Slide Number Placeholder 3"/>
+          <p:cNvSpPr>
+            <a:spLocks noGrp="1"/>
+          </p:cNvSpPr>
+          <p:nvPr>
+            <p:ph type="sldNum" sz="quarter" idx="5"/>
+          </p:nvPr>
+        </p:nvSpPr>
+        <p:spPr/>
+        <p:txBody>
+          <a:bodyPr/>
+          <a:lstStyle/>
+          <a:p>
+            <a:fld id="{57469752-A353-4215-9498-7371F7601A20}" type="slidenum">
+              <a:rPr lang="LID4096" smtClean="0"/>
+              <a:t>2</a:t>
+            </a:fld>
+            <a:endParaRPr lang="LID4096"/>
+          </a:p>
+        </p:txBody>
+      </p:sp>
+    </p:spTree>
+    <p:extLst>
+      <p:ext uri="{BB962C8B-B14F-4D97-AF65-F5344CB8AC3E}">
+        <p14:creationId xmlns:p14="http://schemas.microsoft.com/office/powerpoint/2010/main" val="2575441738"/>
+      </p:ext>
+    </p:extLst>
+  </p:cSld>
+  <p:clrMapOvr>
+    <a:masterClrMapping/>
+  </p:clrMapOvr>
+</p:notes>
+</file>
+
+<file path=ppt/notesSlides/notesSlide2.xml><?xml version="1.0" encoding="utf-8"?>
+<p:notes xmlns:a="http://schemas.openxmlformats.org/drawingml/2006/main" xmlns:r="http://schemas.openxmlformats.org/officeDocument/2006/relationships" xmlns:p="http://schemas.openxmlformats.org/presentationml/2006/main">
+  <p:cSld>
+    <p:spTree>
+      <p:nvGrpSpPr>
+        <p:cNvPr id="1" name=""/>
+        <p:cNvGrpSpPr/>
+        <p:nvPr/>
+      </p:nvGrpSpPr>
+      <p:grpSpPr>
+        <a:xfrm>
+          <a:off x="0" y="0"/>
+          <a:ext cx="0" cy="0"/>
+          <a:chOff x="0" y="0"/>
+          <a:chExt cx="0" cy="0"/>
+        </a:xfrm>
+      </p:grpSpPr>
+      <p:sp>
+        <p:nvSpPr>
+          <p:cNvPr id="2" name="Slide Image Placeholder 1"/>
+          <p:cNvSpPr>
+            <a:spLocks noGrp="1" noRot="1" noChangeAspect="1"/>
+          </p:cNvSpPr>
+          <p:nvPr>
+            <p:ph type="sldImg"/>
+          </p:nvPr>
+        </p:nvSpPr>
+        <p:spPr/>
+      </p:sp>
+      <p:sp>
+        <p:nvSpPr>
+          <p:cNvPr id="3" name="Notes Placeholder 2"/>
+          <p:cNvSpPr>
+            <a:spLocks noGrp="1"/>
+          </p:cNvSpPr>
+          <p:nvPr>
+            <p:ph type="body" idx="1"/>
+          </p:nvPr>
+        </p:nvSpPr>
+        <p:spPr/>
+        <p:txBody>
+          <a:bodyPr/>
+          <a:lstStyle/>
+          <a:p>
+            <a:pPr marL="171450" indent="-171450">
+              <a:buFont typeface="Arial" panose="020B0604020202020204" pitchFamily="34" charset="0"/>
+              <a:buChar char="•"/>
+            </a:pPr>
+            <a:r>
+              <a:rPr lang="de-CH" dirty="0"/>
+              <a:t>Maintenance 40% </a:t>
+            </a:r>
+            <a:r>
+              <a:rPr lang="de-CH" dirty="0" err="1"/>
+              <a:t>of</a:t>
+            </a:r>
+            <a:r>
+              <a:rPr lang="de-CH" dirty="0"/>
+              <a:t> </a:t>
+            </a:r>
+            <a:r>
+              <a:rPr lang="de-CH" dirty="0" err="1"/>
+              <a:t>software</a:t>
+            </a:r>
+            <a:r>
+              <a:rPr lang="de-CH" dirty="0"/>
+              <a:t> </a:t>
+            </a:r>
+            <a:r>
+              <a:rPr lang="de-CH" dirty="0" err="1"/>
+              <a:t>project</a:t>
+            </a:r>
+            <a:r>
+              <a:rPr lang="de-CH" dirty="0"/>
+              <a:t> </a:t>
+            </a:r>
+            <a:r>
+              <a:rPr lang="de-CH" dirty="0" err="1"/>
+              <a:t>effort</a:t>
+            </a:r>
+            <a:endParaRPr lang="LID4096" dirty="0"/>
+          </a:p>
+        </p:txBody>
+      </p:sp>
+      <p:sp>
+        <p:nvSpPr>
+          <p:cNvPr id="4" name="Slide Number Placeholder 3"/>
+          <p:cNvSpPr>
+            <a:spLocks noGrp="1"/>
+          </p:cNvSpPr>
+          <p:nvPr>
+            <p:ph type="sldNum" sz="quarter" idx="5"/>
+          </p:nvPr>
+        </p:nvSpPr>
+        <p:spPr/>
+        <p:txBody>
+          <a:bodyPr/>
+          <a:lstStyle/>
+          <a:p>
+            <a:fld id="{57469752-A353-4215-9498-7371F7601A20}" type="slidenum">
+              <a:rPr lang="LID4096" smtClean="0"/>
+              <a:t>4</a:t>
+            </a:fld>
+            <a:endParaRPr lang="LID4096"/>
+          </a:p>
+        </p:txBody>
+      </p:sp>
+    </p:spTree>
+    <p:extLst>
+      <p:ext uri="{BB962C8B-B14F-4D97-AF65-F5344CB8AC3E}">
+        <p14:creationId xmlns:p14="http://schemas.microsoft.com/office/powerpoint/2010/main" val="1800985393"/>
+      </p:ext>
+    </p:extLst>
+  </p:cSld>
+  <p:clrMapOvr>
+    <a:masterClrMapping/>
+  </p:clrMapOvr>
+</p:notes>
+</file>
+
+<file path=ppt/notesSlides/notesSlide3.xml><?xml version="1.0" encoding="utf-8"?>
+<p:notes xmlns:a="http://schemas.openxmlformats.org/drawingml/2006/main" xmlns:r="http://schemas.openxmlformats.org/officeDocument/2006/relationships" xmlns:p="http://schemas.openxmlformats.org/presentationml/2006/main">
+  <p:cSld>
+    <p:spTree>
+      <p:nvGrpSpPr>
+        <p:cNvPr id="1" name=""/>
+        <p:cNvGrpSpPr/>
+        <p:nvPr/>
+      </p:nvGrpSpPr>
+      <p:grpSpPr>
+        <a:xfrm>
+          <a:off x="0" y="0"/>
+          <a:ext cx="0" cy="0"/>
+          <a:chOff x="0" y="0"/>
+          <a:chExt cx="0" cy="0"/>
+        </a:xfrm>
+      </p:grpSpPr>
+      <p:sp>
+        <p:nvSpPr>
+          <p:cNvPr id="2" name="Slide Image Placeholder 1"/>
+          <p:cNvSpPr>
+            <a:spLocks noGrp="1" noRot="1" noChangeAspect="1"/>
+          </p:cNvSpPr>
+          <p:nvPr>
+            <p:ph type="sldImg"/>
+          </p:nvPr>
+        </p:nvSpPr>
+        <p:spPr/>
+      </p:sp>
+      <p:sp>
+        <p:nvSpPr>
+          <p:cNvPr id="3" name="Notes Placeholder 2"/>
+          <p:cNvSpPr>
+            <a:spLocks noGrp="1"/>
+          </p:cNvSpPr>
+          <p:nvPr>
+            <p:ph type="body" idx="1"/>
+          </p:nvPr>
+        </p:nvSpPr>
+        <p:spPr/>
+        <p:txBody>
+          <a:bodyPr/>
+          <a:lstStyle/>
+          <a:p>
+            <a:pPr marL="171450" indent="-171450">
+              <a:buFont typeface="Arial" panose="020B0604020202020204" pitchFamily="34" charset="0"/>
+              <a:buChar char="•"/>
+            </a:pPr>
+            <a:r>
+              <a:rPr lang="de-CH" dirty="0" err="1"/>
+              <a:t>Functional</a:t>
+            </a:r>
+            <a:r>
+              <a:rPr lang="de-CH" dirty="0"/>
+              <a:t> </a:t>
+            </a:r>
+            <a:r>
+              <a:rPr lang="de-CH" dirty="0" err="1"/>
+              <a:t>Programmign</a:t>
+            </a:r>
+            <a:r>
+              <a:rPr lang="de-CH" dirty="0"/>
+              <a:t> Language</a:t>
+            </a:r>
+          </a:p>
+          <a:p>
+            <a:pPr marL="171450" indent="-171450">
+              <a:buFont typeface="Arial" panose="020B0604020202020204" pitchFamily="34" charset="0"/>
+              <a:buChar char="•"/>
+            </a:pPr>
+            <a:r>
+              <a:rPr lang="de-CH" dirty="0" err="1"/>
+              <a:t>Everything</a:t>
+            </a:r>
+            <a:r>
+              <a:rPr lang="de-CH" dirty="0"/>
+              <a:t> </a:t>
+            </a:r>
+            <a:r>
+              <a:rPr lang="de-CH" dirty="0" err="1"/>
+              <a:t>is</a:t>
+            </a:r>
+            <a:r>
+              <a:rPr lang="de-CH" dirty="0"/>
+              <a:t> an Expression</a:t>
+            </a:r>
+          </a:p>
+          <a:p>
+            <a:pPr marL="171450" indent="-171450">
+              <a:buFont typeface="Arial" panose="020B0604020202020204" pitchFamily="34" charset="0"/>
+              <a:buChar char="•"/>
+            </a:pPr>
+            <a:r>
+              <a:rPr lang="de-CH" dirty="0" err="1"/>
+              <a:t>Lexically</a:t>
+            </a:r>
+            <a:r>
+              <a:rPr lang="de-CH" dirty="0"/>
+              <a:t> </a:t>
+            </a:r>
+            <a:r>
+              <a:rPr lang="de-CH" dirty="0" err="1"/>
+              <a:t>Scoped</a:t>
+            </a:r>
+            <a:endParaRPr lang="de-CH" dirty="0"/>
+          </a:p>
+          <a:p>
+            <a:pPr marL="171450" indent="-171450">
+              <a:buFont typeface="Arial" panose="020B0604020202020204" pitchFamily="34" charset="0"/>
+              <a:buChar char="•"/>
+            </a:pPr>
+            <a:r>
+              <a:rPr lang="de-CH" dirty="0" err="1"/>
+              <a:t>Nested</a:t>
+            </a:r>
+            <a:r>
+              <a:rPr lang="de-CH" dirty="0"/>
+              <a:t> </a:t>
+            </a:r>
+            <a:r>
+              <a:rPr lang="de-CH" dirty="0" err="1"/>
+              <a:t>let</a:t>
+            </a:r>
+            <a:r>
+              <a:rPr lang="de-CH" dirty="0"/>
+              <a:t> </a:t>
+            </a:r>
+            <a:r>
+              <a:rPr lang="de-CH" dirty="0" err="1"/>
+              <a:t>bindings</a:t>
+            </a:r>
+            <a:endParaRPr lang="de-CH" dirty="0"/>
+          </a:p>
+          <a:p>
+            <a:pPr marL="171450" indent="-171450">
+              <a:buFont typeface="Arial" panose="020B0604020202020204" pitchFamily="34" charset="0"/>
+              <a:buChar char="•"/>
+            </a:pPr>
+            <a:r>
+              <a:rPr lang="de-CH" dirty="0"/>
+              <a:t>Single Module</a:t>
+            </a:r>
+            <a:endParaRPr lang="LID4096" dirty="0"/>
+          </a:p>
+        </p:txBody>
+      </p:sp>
+      <p:sp>
+        <p:nvSpPr>
+          <p:cNvPr id="4" name="Slide Number Placeholder 3"/>
+          <p:cNvSpPr>
+            <a:spLocks noGrp="1"/>
+          </p:cNvSpPr>
+          <p:nvPr>
+            <p:ph type="sldNum" sz="quarter" idx="5"/>
+          </p:nvPr>
+        </p:nvSpPr>
+        <p:spPr/>
+        <p:txBody>
+          <a:bodyPr/>
+          <a:lstStyle/>
+          <a:p>
+            <a:fld id="{57469752-A353-4215-9498-7371F7601A20}" type="slidenum">
+              <a:rPr lang="LID4096" smtClean="0"/>
+              <a:t>5</a:t>
+            </a:fld>
+            <a:endParaRPr lang="LID4096"/>
+          </a:p>
+        </p:txBody>
+      </p:sp>
+    </p:spTree>
+    <p:extLst>
+      <p:ext uri="{BB962C8B-B14F-4D97-AF65-F5344CB8AC3E}">
+        <p14:creationId xmlns:p14="http://schemas.microsoft.com/office/powerpoint/2010/main" val="2910617780"/>
+      </p:ext>
+    </p:extLst>
+  </p:cSld>
+  <p:clrMapOvr>
+    <a:masterClrMapping/>
+  </p:clrMapOvr>
+</p:notes>
+</file>
+
+<file path=ppt/notesSlides/notesSlide4.xml><?xml version="1.0" encoding="utf-8"?>
+<p:notes xmlns:a="http://schemas.openxmlformats.org/drawingml/2006/main" xmlns:r="http://schemas.openxmlformats.org/officeDocument/2006/relationships" xmlns:p="http://schemas.openxmlformats.org/presentationml/2006/main">
+  <p:cSld>
+    <p:spTree>
+      <p:nvGrpSpPr>
+        <p:cNvPr id="1" name=""/>
+        <p:cNvGrpSpPr/>
+        <p:nvPr/>
+      </p:nvGrpSpPr>
+      <p:grpSpPr>
+        <a:xfrm>
+          <a:off x="0" y="0"/>
+          <a:ext cx="0" cy="0"/>
+          <a:chOff x="0" y="0"/>
+          <a:chExt cx="0" cy="0"/>
+        </a:xfrm>
+      </p:grpSpPr>
+      <p:sp>
+        <p:nvSpPr>
+          <p:cNvPr id="2" name="Slide Image Placeholder 1"/>
+          <p:cNvSpPr>
+            <a:spLocks noGrp="1" noRot="1" noChangeAspect="1"/>
+          </p:cNvSpPr>
+          <p:nvPr>
+            <p:ph type="sldImg"/>
+          </p:nvPr>
+        </p:nvSpPr>
+        <p:spPr/>
+      </p:sp>
+      <p:sp>
+        <p:nvSpPr>
+          <p:cNvPr id="3" name="Notes Placeholder 2"/>
+          <p:cNvSpPr>
+            <a:spLocks noGrp="1"/>
+          </p:cNvSpPr>
+          <p:nvPr>
+            <p:ph type="body" idx="1"/>
+          </p:nvPr>
+        </p:nvSpPr>
+        <p:spPr/>
+        <p:txBody>
+          <a:bodyPr/>
+          <a:lstStyle/>
+          <a:p>
+            <a:pPr marL="171450" indent="-171450">
+              <a:buFont typeface="Arial" panose="020B0604020202020204" pitchFamily="34" charset="0"/>
+              <a:buChar char="•"/>
+            </a:pPr>
+            <a:r>
+              <a:rPr lang="en-US" dirty="0"/>
+              <a:t>P</a:t>
+            </a:r>
+            <a:r>
+              <a:rPr lang="de-CH" dirty="0"/>
+              <a:t>YPL </a:t>
+            </a:r>
+            <a:r>
+              <a:rPr lang="de-CH" dirty="0" err="1"/>
+              <a:t>Puploarity</a:t>
+            </a:r>
+            <a:r>
+              <a:rPr lang="de-CH" dirty="0"/>
+              <a:t> Index </a:t>
+            </a:r>
+            <a:r>
+              <a:rPr lang="de-CH" dirty="0" err="1"/>
+              <a:t>for</a:t>
+            </a:r>
+            <a:r>
+              <a:rPr lang="de-CH" dirty="0"/>
+              <a:t> IDEs</a:t>
+            </a:r>
+            <a:endParaRPr lang="LID4096" dirty="0"/>
+          </a:p>
+        </p:txBody>
+      </p:sp>
+      <p:sp>
+        <p:nvSpPr>
+          <p:cNvPr id="4" name="Slide Number Placeholder 3"/>
+          <p:cNvSpPr>
+            <a:spLocks noGrp="1"/>
+          </p:cNvSpPr>
+          <p:nvPr>
+            <p:ph type="sldNum" sz="quarter" idx="5"/>
+          </p:nvPr>
+        </p:nvSpPr>
+        <p:spPr/>
+        <p:txBody>
+          <a:bodyPr/>
+          <a:lstStyle/>
+          <a:p>
+            <a:fld id="{57469752-A353-4215-9498-7371F7601A20}" type="slidenum">
+              <a:rPr lang="LID4096" smtClean="0"/>
+              <a:t>6</a:t>
+            </a:fld>
+            <a:endParaRPr lang="LID4096"/>
+          </a:p>
+        </p:txBody>
+      </p:sp>
+    </p:spTree>
+    <p:extLst>
+      <p:ext uri="{BB962C8B-B14F-4D97-AF65-F5344CB8AC3E}">
+        <p14:creationId xmlns:p14="http://schemas.microsoft.com/office/powerpoint/2010/main" val="1506431307"/>
+      </p:ext>
+    </p:extLst>
+  </p:cSld>
+  <p:clrMapOvr>
+    <a:masterClrMapping/>
+  </p:clrMapOvr>
+</p:notes>
+</file>
+
+<file path=ppt/notesSlides/notesSlide5.xml><?xml version="1.0" encoding="utf-8"?>
+<p:notes xmlns:a="http://schemas.openxmlformats.org/drawingml/2006/main" xmlns:r="http://schemas.openxmlformats.org/officeDocument/2006/relationships" xmlns:p="http://schemas.openxmlformats.org/presentationml/2006/main">
+  <p:cSld>
+    <p:spTree>
+      <p:nvGrpSpPr>
+        <p:cNvPr id="1" name=""/>
+        <p:cNvGrpSpPr/>
+        <p:nvPr/>
+      </p:nvGrpSpPr>
+      <p:grpSpPr>
+        <a:xfrm>
+          <a:off x="0" y="0"/>
+          <a:ext cx="0" cy="0"/>
+          <a:chOff x="0" y="0"/>
+          <a:chExt cx="0" cy="0"/>
+        </a:xfrm>
+      </p:grpSpPr>
+      <p:sp>
+        <p:nvSpPr>
+          <p:cNvPr id="2" name="Slide Image Placeholder 1"/>
+          <p:cNvSpPr>
+            <a:spLocks noGrp="1" noRot="1" noChangeAspect="1"/>
+          </p:cNvSpPr>
+          <p:nvPr>
+            <p:ph type="sldImg"/>
+          </p:nvPr>
+        </p:nvSpPr>
+        <p:spPr/>
+      </p:sp>
+      <p:sp>
+        <p:nvSpPr>
+          <p:cNvPr id="3" name="Notes Placeholder 2"/>
+          <p:cNvSpPr>
+            <a:spLocks noGrp="1"/>
+          </p:cNvSpPr>
+          <p:nvPr>
+            <p:ph type="body" idx="1"/>
+          </p:nvPr>
+        </p:nvSpPr>
+        <p:spPr/>
+        <p:txBody>
+          <a:bodyPr/>
+          <a:lstStyle/>
+          <a:p>
+            <a:pPr marL="171450" indent="-171450">
+              <a:buFont typeface="Arial" panose="020B0604020202020204" pitchFamily="34" charset="0"/>
+              <a:buChar char="•"/>
+            </a:pPr>
+            <a:r>
+              <a:rPr lang="de-CH" dirty="0"/>
+              <a:t>Technical </a:t>
+            </a:r>
+            <a:r>
+              <a:rPr lang="de-CH" dirty="0" err="1"/>
+              <a:t>Criteria</a:t>
+            </a:r>
+            <a:r>
+              <a:rPr lang="de-CH" dirty="0"/>
+              <a:t> </a:t>
+            </a:r>
+            <a:r>
+              <a:rPr lang="de-CH" dirty="0" err="1"/>
+              <a:t>for</a:t>
+            </a:r>
+            <a:r>
+              <a:rPr lang="de-CH" dirty="0"/>
+              <a:t> Refactoring Tool </a:t>
+            </a:r>
+            <a:r>
+              <a:rPr lang="de-CH" dirty="0" err="1"/>
+              <a:t>from</a:t>
+            </a:r>
+            <a:r>
+              <a:rPr lang="de-CH" dirty="0"/>
+              <a:t> Fowler, Chapter 14</a:t>
+            </a:r>
+            <a:endParaRPr lang="LID4096" dirty="0"/>
+          </a:p>
+        </p:txBody>
+      </p:sp>
+      <p:sp>
+        <p:nvSpPr>
+          <p:cNvPr id="4" name="Slide Number Placeholder 3"/>
+          <p:cNvSpPr>
+            <a:spLocks noGrp="1"/>
+          </p:cNvSpPr>
+          <p:nvPr>
+            <p:ph type="sldNum" sz="quarter" idx="5"/>
+          </p:nvPr>
+        </p:nvSpPr>
+        <p:spPr/>
+        <p:txBody>
+          <a:bodyPr/>
+          <a:lstStyle/>
+          <a:p>
+            <a:fld id="{57469752-A353-4215-9498-7371F7601A20}" type="slidenum">
+              <a:rPr lang="LID4096" smtClean="0"/>
+              <a:t>7</a:t>
+            </a:fld>
+            <a:endParaRPr lang="LID4096"/>
+          </a:p>
+        </p:txBody>
+      </p:sp>
+    </p:spTree>
+    <p:extLst>
+      <p:ext uri="{BB962C8B-B14F-4D97-AF65-F5344CB8AC3E}">
+        <p14:creationId xmlns:p14="http://schemas.microsoft.com/office/powerpoint/2010/main" val="1245601259"/>
+      </p:ext>
+    </p:extLst>
+  </p:cSld>
+  <p:clrMapOvr>
+    <a:masterClrMapping/>
+  </p:clrMapOvr>
+</p:notes>
+</file>
+
+<file path=ppt/notesSlides/notesSlide6.xml><?xml version="1.0" encoding="utf-8"?>
+<p:notes xmlns:a="http://schemas.openxmlformats.org/drawingml/2006/main" xmlns:r="http://schemas.openxmlformats.org/officeDocument/2006/relationships" xmlns:p="http://schemas.openxmlformats.org/presentationml/2006/main">
+  <p:cSld>
+    <p:spTree>
+      <p:nvGrpSpPr>
+        <p:cNvPr id="1" name=""/>
+        <p:cNvGrpSpPr/>
+        <p:nvPr/>
+      </p:nvGrpSpPr>
+      <p:grpSpPr>
+        <a:xfrm>
+          <a:off x="0" y="0"/>
+          <a:ext cx="0" cy="0"/>
+          <a:chOff x="0" y="0"/>
+          <a:chExt cx="0" cy="0"/>
+        </a:xfrm>
+      </p:grpSpPr>
+      <p:sp>
+        <p:nvSpPr>
+          <p:cNvPr id="2" name="Slide Image Placeholder 1"/>
+          <p:cNvSpPr>
+            <a:spLocks noGrp="1" noRot="1" noChangeAspect="1"/>
+          </p:cNvSpPr>
+          <p:nvPr>
+            <p:ph type="sldImg"/>
+          </p:nvPr>
+        </p:nvSpPr>
+        <p:spPr/>
+      </p:sp>
+      <p:sp>
+        <p:nvSpPr>
+          <p:cNvPr id="3" name="Notes Placeholder 2"/>
+          <p:cNvSpPr>
+            <a:spLocks noGrp="1"/>
+          </p:cNvSpPr>
+          <p:nvPr>
+            <p:ph type="body" idx="1"/>
+          </p:nvPr>
+        </p:nvSpPr>
+        <p:spPr/>
+        <p:txBody>
+          <a:bodyPr/>
+          <a:lstStyle/>
+          <a:p>
+            <a:pPr marL="171450" indent="-171450">
+              <a:buFont typeface="Arial" panose="020B0604020202020204" pitchFamily="34" charset="0"/>
+              <a:buChar char="•"/>
+            </a:pPr>
+            <a:r>
+              <a:rPr lang="en-US" dirty="0"/>
+              <a:t>Collect-One strategy</a:t>
+            </a:r>
+          </a:p>
+        </p:txBody>
+      </p:sp>
+      <p:sp>
+        <p:nvSpPr>
+          <p:cNvPr id="4" name="Slide Number Placeholder 3"/>
+          <p:cNvSpPr>
+            <a:spLocks noGrp="1"/>
+          </p:cNvSpPr>
+          <p:nvPr>
+            <p:ph type="sldNum" sz="quarter" idx="5"/>
+          </p:nvPr>
+        </p:nvSpPr>
+        <p:spPr/>
+        <p:txBody>
+          <a:bodyPr/>
+          <a:lstStyle/>
+          <a:p>
+            <a:fld id="{57469752-A353-4215-9498-7371F7601A20}" type="slidenum">
+              <a:rPr lang="LID4096" smtClean="0"/>
+              <a:t>10</a:t>
+            </a:fld>
+            <a:endParaRPr lang="LID4096"/>
+          </a:p>
+        </p:txBody>
+      </p:sp>
+    </p:spTree>
+    <p:extLst>
+      <p:ext uri="{BB962C8B-B14F-4D97-AF65-F5344CB8AC3E}">
+        <p14:creationId xmlns:p14="http://schemas.microsoft.com/office/powerpoint/2010/main" val="1634490456"/>
+      </p:ext>
+    </p:extLst>
+  </p:cSld>
+  <p:clrMapOvr>
+    <a:masterClrMapping/>
+  </p:clrMapOvr>
+</p:notes>
 </file>
 
 <file path=ppt/slideLayouts/slideLayout1.xml><?xml version="1.0" encoding="utf-8"?>
@@ -2284,15 +6014,18 @@
         </p:spPr>
         <p:txBody>
           <a:bodyPr>
-            <a:normAutofit/>
+            <a:noAutofit/>
           </a:bodyPr>
           <a:lstStyle/>
           <a:p>
-            <a:pPr algn="l"/>
-            <a:endParaRPr lang="en-US" sz="8800" dirty="0">
-              <a:latin typeface="Arial"/>
-              <a:cs typeface="Arial"/>
-            </a:endParaRPr>
+            <a:pPr algn="ctr"/>
+            <a:r>
+              <a:rPr lang="en-US" sz="5400" dirty="0">
+                <a:latin typeface="Arial"/>
+                <a:cs typeface="Arial"/>
+              </a:rPr>
+              <a:t>Implementing Refactorings in Spoofax</a:t>
+            </a:r>
           </a:p>
         </p:txBody>
       </p:sp>
@@ -2308,19 +6041,52 @@
         </p:nvSpPr>
         <p:spPr>
           <a:xfrm>
-            <a:off x="1880240" y="2914650"/>
-            <a:ext cx="5892160" cy="1314450"/>
+            <a:off x="1880240" y="3296735"/>
+            <a:ext cx="6577960" cy="1314450"/>
           </a:xfrm>
         </p:spPr>
         <p:txBody>
-          <a:bodyPr/>
+          <a:bodyPr>
+            <a:normAutofit/>
+          </a:bodyPr>
           <a:lstStyle/>
           <a:p>
-            <a:pPr algn="l"/>
-            <a:endParaRPr lang="en-US" dirty="0">
+            <a:pPr algn="ctr"/>
+            <a:r>
+              <a:rPr lang="en-US" sz="2000" dirty="0">
+                <a:latin typeface="Arial"/>
+                <a:cs typeface="Arial"/>
+              </a:rPr>
+              <a:t>Philippe Misteli </a:t>
+            </a:r>
+            <a:r>
+              <a:rPr lang="en-US" sz="2000" dirty="0"/>
+              <a:t>- 4932129</a:t>
+            </a:r>
+            <a:endParaRPr lang="en-US" sz="2000" dirty="0">
               <a:latin typeface="Arial"/>
               <a:cs typeface="Arial"/>
             </a:endParaRPr>
+          </a:p>
+          <a:p>
+            <a:pPr algn="ctr"/>
+            <a:r>
+              <a:rPr lang="en-US" sz="2000" dirty="0">
+                <a:latin typeface="Arial"/>
+                <a:cs typeface="Arial"/>
+              </a:rPr>
+              <a:t>IN4333 “Language Engineering Project”</a:t>
+            </a:r>
+          </a:p>
+          <a:p>
+            <a:pPr algn="ctr"/>
+            <a:r>
+              <a:rPr lang="en-US" sz="2000" dirty="0">
+                <a:latin typeface="Arial"/>
+                <a:cs typeface="Arial"/>
+              </a:rPr>
+              <a:t>28.06.2019</a:t>
+            </a:r>
           </a:p>
         </p:txBody>
       </p:sp>
@@ -2328,6 +6094,851 @@
     <p:extLst>
       <p:ext uri="{BB962C8B-B14F-4D97-AF65-F5344CB8AC3E}">
         <p14:creationId xmlns:p14="http://schemas.microsoft.com/office/powerpoint/2010/main" val="3087952304"/>
+      </p:ext>
+    </p:extLst>
+  </p:cSld>
+  <p:clrMapOvr>
+    <a:masterClrMapping/>
+  </p:clrMapOvr>
+</p:sld>
+</file>
+
+<file path=ppt/slides/slide10.xml><?xml version="1.0" encoding="utf-8"?>
+<p:sld xmlns:a="http://schemas.openxmlformats.org/drawingml/2006/main" xmlns:r="http://schemas.openxmlformats.org/officeDocument/2006/relationships" xmlns:p="http://schemas.openxmlformats.org/presentationml/2006/main">
+  <p:cSld>
+    <p:spTree>
+      <p:nvGrpSpPr>
+        <p:cNvPr id="1" name=""/>
+        <p:cNvGrpSpPr/>
+        <p:nvPr/>
+      </p:nvGrpSpPr>
+      <p:grpSpPr>
+        <a:xfrm>
+          <a:off x="0" y="0"/>
+          <a:ext cx="0" cy="0"/>
+          <a:chOff x="0" y="0"/>
+          <a:chExt cx="0" cy="0"/>
+        </a:xfrm>
+      </p:grpSpPr>
+      <p:sp>
+        <p:nvSpPr>
+          <p:cNvPr id="2" name="Title 1">
+            <a:extLst>
+              <a:ext uri="{FF2B5EF4-FFF2-40B4-BE49-F238E27FC236}">
+                <a16:creationId xmlns:a16="http://schemas.microsoft.com/office/drawing/2014/main" id="{6336A7E4-483D-4676-A512-DDF962A8B424}"/>
+              </a:ext>
+            </a:extLst>
+          </p:cNvPr>
+          <p:cNvSpPr>
+            <a:spLocks noGrp="1"/>
+          </p:cNvSpPr>
+          <p:nvPr>
+            <p:ph type="title"/>
+          </p:nvPr>
+        </p:nvSpPr>
+        <p:spPr/>
+        <p:txBody>
+          <a:bodyPr>
+            <a:normAutofit fontScale="90000"/>
+          </a:bodyPr>
+          <a:lstStyle/>
+          <a:p>
+            <a:r>
+              <a:rPr lang="en-US" sz="2200" dirty="0">
+                <a:solidFill>
+                  <a:srgbClr val="002060"/>
+                </a:solidFill>
+              </a:rPr>
+              <a:t>Renaming</a:t>
+            </a:r>
+            <a:br>
+              <a:rPr lang="en-US" dirty="0"/>
+            </a:br>
+            <a:r>
+              <a:rPr lang="en-US" dirty="0"/>
+              <a:t>Step 1: Find Target Declaration</a:t>
+            </a:r>
+          </a:p>
+        </p:txBody>
+      </p:sp>
+      <p:pic>
+        <p:nvPicPr>
+          <p:cNvPr id="5" name="Picture 4">
+            <a:extLst>
+              <a:ext uri="{FF2B5EF4-FFF2-40B4-BE49-F238E27FC236}">
+                <a16:creationId xmlns:a16="http://schemas.microsoft.com/office/drawing/2014/main" id="{79B6316B-D9D9-43F2-A2AD-69A47AD30934}"/>
+              </a:ext>
+            </a:extLst>
+          </p:cNvPr>
+          <p:cNvPicPr>
+            <a:picLocks noChangeAspect="1"/>
+          </p:cNvPicPr>
+          <p:nvPr/>
+        </p:nvPicPr>
+        <p:blipFill>
+          <a:blip r:embed="rId3"/>
+          <a:stretch>
+            <a:fillRect/>
+          </a:stretch>
+        </p:blipFill>
+        <p:spPr>
+          <a:xfrm>
+            <a:off x="1763106" y="2104765"/>
+            <a:ext cx="2513053" cy="933970"/>
+          </a:xfrm>
+          <a:prstGeom prst="rect">
+            <a:avLst/>
+          </a:prstGeom>
+        </p:spPr>
+      </p:pic>
+      <p:sp>
+        <p:nvSpPr>
+          <p:cNvPr id="6" name="Oval 5">
+            <a:extLst>
+              <a:ext uri="{FF2B5EF4-FFF2-40B4-BE49-F238E27FC236}">
+                <a16:creationId xmlns:a16="http://schemas.microsoft.com/office/drawing/2014/main" id="{C650F7E7-E845-45CF-A568-459E649BC525}"/>
+              </a:ext>
+            </a:extLst>
+          </p:cNvPr>
+          <p:cNvSpPr/>
+          <p:nvPr/>
+        </p:nvSpPr>
+        <p:spPr>
+          <a:xfrm>
+            <a:off x="6204857" y="1779814"/>
+            <a:ext cx="595993" cy="530679"/>
+          </a:xfrm>
+          <a:prstGeom prst="ellipse">
+            <a:avLst/>
+          </a:prstGeom>
+        </p:spPr>
+        <p:style>
+          <a:lnRef idx="2">
+            <a:schemeClr val="dk1"/>
+          </a:lnRef>
+          <a:fillRef idx="1">
+            <a:schemeClr val="lt1"/>
+          </a:fillRef>
+          <a:effectRef idx="0">
+            <a:schemeClr val="dk1"/>
+          </a:effectRef>
+          <a:fontRef idx="minor">
+            <a:schemeClr val="dk1"/>
+          </a:fontRef>
+        </p:style>
+        <p:txBody>
+          <a:bodyPr rtlCol="0" anchor="ctr"/>
+          <a:lstStyle/>
+          <a:p>
+            <a:pPr algn="ctr"/>
+            <a:r>
+              <a:rPr lang="en-US" dirty="0"/>
+              <a:t>0</a:t>
+            </a:r>
+          </a:p>
+        </p:txBody>
+      </p:sp>
+      <p:sp>
+        <p:nvSpPr>
+          <p:cNvPr id="7" name="Oval 6">
+            <a:extLst>
+              <a:ext uri="{FF2B5EF4-FFF2-40B4-BE49-F238E27FC236}">
+                <a16:creationId xmlns:a16="http://schemas.microsoft.com/office/drawing/2014/main" id="{A56C4AEE-8DDB-4A18-AD45-8EBD68BD32AC}"/>
+              </a:ext>
+            </a:extLst>
+          </p:cNvPr>
+          <p:cNvSpPr/>
+          <p:nvPr/>
+        </p:nvSpPr>
+        <p:spPr>
+          <a:xfrm>
+            <a:off x="6204856" y="3189514"/>
+            <a:ext cx="595993" cy="530679"/>
+          </a:xfrm>
+          <a:prstGeom prst="ellipse">
+            <a:avLst/>
+          </a:prstGeom>
+        </p:spPr>
+        <p:style>
+          <a:lnRef idx="2">
+            <a:schemeClr val="dk1"/>
+          </a:lnRef>
+          <a:fillRef idx="1">
+            <a:schemeClr val="lt1"/>
+          </a:fillRef>
+          <a:effectRef idx="0">
+            <a:schemeClr val="dk1"/>
+          </a:effectRef>
+          <a:fontRef idx="minor">
+            <a:schemeClr val="dk1"/>
+          </a:fontRef>
+        </p:style>
+        <p:txBody>
+          <a:bodyPr rtlCol="0" anchor="ctr"/>
+          <a:lstStyle/>
+          <a:p>
+            <a:pPr algn="ctr"/>
+            <a:r>
+              <a:rPr lang="en-US" dirty="0"/>
+              <a:t>1</a:t>
+            </a:r>
+          </a:p>
+        </p:txBody>
+      </p:sp>
+      <p:sp>
+        <p:nvSpPr>
+          <p:cNvPr id="8" name="Rectangle 7">
+            <a:extLst>
+              <a:ext uri="{FF2B5EF4-FFF2-40B4-BE49-F238E27FC236}">
+                <a16:creationId xmlns:a16="http://schemas.microsoft.com/office/drawing/2014/main" id="{D2715158-6D12-4061-8B9B-58A76EDE2333}"/>
+              </a:ext>
+            </a:extLst>
+          </p:cNvPr>
+          <p:cNvSpPr/>
+          <p:nvPr/>
+        </p:nvSpPr>
+        <p:spPr>
+          <a:xfrm>
+            <a:off x="5018342" y="3189514"/>
+            <a:ext cx="595992" cy="530679"/>
+          </a:xfrm>
+          <a:prstGeom prst="rect">
+            <a:avLst/>
+          </a:prstGeom>
+        </p:spPr>
+        <p:style>
+          <a:lnRef idx="2">
+            <a:schemeClr val="accent4"/>
+          </a:lnRef>
+          <a:fillRef idx="1">
+            <a:schemeClr val="lt1"/>
+          </a:fillRef>
+          <a:effectRef idx="0">
+            <a:schemeClr val="accent4"/>
+          </a:effectRef>
+          <a:fontRef idx="minor">
+            <a:schemeClr val="dk1"/>
+          </a:fontRef>
+        </p:style>
+        <p:txBody>
+          <a:bodyPr rtlCol="0" anchor="ctr"/>
+          <a:lstStyle/>
+          <a:p>
+            <a:pPr algn="ctr"/>
+            <a:r>
+              <a:rPr lang="en-US" sz="1600" dirty="0"/>
+              <a:t>msg</a:t>
+            </a:r>
+          </a:p>
+        </p:txBody>
+      </p:sp>
+      <p:cxnSp>
+        <p:nvCxnSpPr>
+          <p:cNvPr id="10" name="Straight Arrow Connector 9">
+            <a:extLst>
+              <a:ext uri="{FF2B5EF4-FFF2-40B4-BE49-F238E27FC236}">
+                <a16:creationId xmlns:a16="http://schemas.microsoft.com/office/drawing/2014/main" id="{BEA1BE00-E4B8-4535-B6EB-43A2BFE0F0CB}"/>
+              </a:ext>
+            </a:extLst>
+          </p:cNvPr>
+          <p:cNvCxnSpPr>
+            <a:stCxn id="7" idx="0"/>
+            <a:endCxn id="6" idx="4"/>
+          </p:cNvCxnSpPr>
+          <p:nvPr/>
+        </p:nvCxnSpPr>
+        <p:spPr>
+          <a:xfrm flipV="1">
+            <a:off x="6502853" y="2310493"/>
+            <a:ext cx="1" cy="879021"/>
+          </a:xfrm>
+          <a:prstGeom prst="straightConnector1">
+            <a:avLst/>
+          </a:prstGeom>
+          <a:ln>
+            <a:tailEnd type="triangle"/>
+          </a:ln>
+        </p:spPr>
+        <p:style>
+          <a:lnRef idx="2">
+            <a:schemeClr val="dk1"/>
+          </a:lnRef>
+          <a:fillRef idx="0">
+            <a:schemeClr val="dk1"/>
+          </a:fillRef>
+          <a:effectRef idx="1">
+            <a:schemeClr val="dk1"/>
+          </a:effectRef>
+          <a:fontRef idx="minor">
+            <a:schemeClr val="tx1"/>
+          </a:fontRef>
+        </p:style>
+      </p:cxnSp>
+      <p:cxnSp>
+        <p:nvCxnSpPr>
+          <p:cNvPr id="12" name="Straight Arrow Connector 11">
+            <a:extLst>
+              <a:ext uri="{FF2B5EF4-FFF2-40B4-BE49-F238E27FC236}">
+                <a16:creationId xmlns:a16="http://schemas.microsoft.com/office/drawing/2014/main" id="{6A737AF1-688B-4A43-8155-1E00625A6BD9}"/>
+              </a:ext>
+            </a:extLst>
+          </p:cNvPr>
+          <p:cNvCxnSpPr>
+            <a:stCxn id="7" idx="2"/>
+            <a:endCxn id="8" idx="3"/>
+          </p:cNvCxnSpPr>
+          <p:nvPr/>
+        </p:nvCxnSpPr>
+        <p:spPr>
+          <a:xfrm flipH="1">
+            <a:off x="5614334" y="3454854"/>
+            <a:ext cx="590522" cy="0"/>
+          </a:xfrm>
+          <a:prstGeom prst="straightConnector1">
+            <a:avLst/>
+          </a:prstGeom>
+          <a:ln>
+            <a:tailEnd type="triangle"/>
+          </a:ln>
+        </p:spPr>
+        <p:style>
+          <a:lnRef idx="2">
+            <a:schemeClr val="dk1"/>
+          </a:lnRef>
+          <a:fillRef idx="0">
+            <a:schemeClr val="dk1"/>
+          </a:fillRef>
+          <a:effectRef idx="1">
+            <a:schemeClr val="dk1"/>
+          </a:effectRef>
+          <a:fontRef idx="minor">
+            <a:schemeClr val="tx1"/>
+          </a:fontRef>
+        </p:style>
+      </p:cxnSp>
+      <p:sp>
+        <p:nvSpPr>
+          <p:cNvPr id="14" name="Rectangle 13">
+            <a:extLst>
+              <a:ext uri="{FF2B5EF4-FFF2-40B4-BE49-F238E27FC236}">
+                <a16:creationId xmlns:a16="http://schemas.microsoft.com/office/drawing/2014/main" id="{E13D23E0-5115-4875-9A70-0CEC52AA547A}"/>
+              </a:ext>
+            </a:extLst>
+          </p:cNvPr>
+          <p:cNvSpPr/>
+          <p:nvPr/>
+        </p:nvSpPr>
+        <p:spPr>
+          <a:xfrm>
+            <a:off x="7554714" y="1785257"/>
+            <a:ext cx="595992" cy="530679"/>
+          </a:xfrm>
+          <a:prstGeom prst="rect">
+            <a:avLst/>
+          </a:prstGeom>
+        </p:spPr>
+        <p:style>
+          <a:lnRef idx="2">
+            <a:schemeClr val="accent4">
+              <a:shade val="50000"/>
+            </a:schemeClr>
+          </a:lnRef>
+          <a:fillRef idx="1">
+            <a:schemeClr val="accent4"/>
+          </a:fillRef>
+          <a:effectRef idx="0">
+            <a:schemeClr val="accent4"/>
+          </a:effectRef>
+          <a:fontRef idx="minor">
+            <a:schemeClr val="lt1"/>
+          </a:fontRef>
+        </p:style>
+        <p:txBody>
+          <a:bodyPr rtlCol="0" anchor="ctr"/>
+          <a:lstStyle/>
+          <a:p>
+            <a:pPr algn="ctr"/>
+            <a:r>
+              <a:rPr lang="en-US" sz="1600" dirty="0"/>
+              <a:t>msg</a:t>
+            </a:r>
+          </a:p>
+        </p:txBody>
+      </p:sp>
+      <p:cxnSp>
+        <p:nvCxnSpPr>
+          <p:cNvPr id="16" name="Straight Arrow Connector 15">
+            <a:extLst>
+              <a:ext uri="{FF2B5EF4-FFF2-40B4-BE49-F238E27FC236}">
+                <a16:creationId xmlns:a16="http://schemas.microsoft.com/office/drawing/2014/main" id="{C537E16C-DA83-457E-AC4D-F272D58683FF}"/>
+              </a:ext>
+            </a:extLst>
+          </p:cNvPr>
+          <p:cNvCxnSpPr>
+            <a:stCxn id="6" idx="6"/>
+            <a:endCxn id="14" idx="1"/>
+          </p:cNvCxnSpPr>
+          <p:nvPr/>
+        </p:nvCxnSpPr>
+        <p:spPr>
+          <a:xfrm>
+            <a:off x="6800850" y="2045154"/>
+            <a:ext cx="753864" cy="5443"/>
+          </a:xfrm>
+          <a:prstGeom prst="straightConnector1">
+            <a:avLst/>
+          </a:prstGeom>
+          <a:ln>
+            <a:tailEnd type="triangle"/>
+          </a:ln>
+        </p:spPr>
+        <p:style>
+          <a:lnRef idx="2">
+            <a:schemeClr val="dk1"/>
+          </a:lnRef>
+          <a:fillRef idx="0">
+            <a:schemeClr val="dk1"/>
+          </a:fillRef>
+          <a:effectRef idx="1">
+            <a:schemeClr val="dk1"/>
+          </a:effectRef>
+          <a:fontRef idx="minor">
+            <a:schemeClr val="tx1"/>
+          </a:fontRef>
+        </p:style>
+      </p:cxnSp>
+    </p:spTree>
+    <p:extLst>
+      <p:ext uri="{BB962C8B-B14F-4D97-AF65-F5344CB8AC3E}">
+        <p14:creationId xmlns:p14="http://schemas.microsoft.com/office/powerpoint/2010/main" val="3896276527"/>
+      </p:ext>
+    </p:extLst>
+  </p:cSld>
+  <p:clrMapOvr>
+    <a:masterClrMapping/>
+  </p:clrMapOvr>
+</p:sld>
+</file>
+
+<file path=ppt/slides/slide11.xml><?xml version="1.0" encoding="utf-8"?>
+<p:sld xmlns:a="http://schemas.openxmlformats.org/drawingml/2006/main" xmlns:r="http://schemas.openxmlformats.org/officeDocument/2006/relationships" xmlns:p="http://schemas.openxmlformats.org/presentationml/2006/main">
+  <p:cSld>
+    <p:spTree>
+      <p:nvGrpSpPr>
+        <p:cNvPr id="1" name=""/>
+        <p:cNvGrpSpPr/>
+        <p:nvPr/>
+      </p:nvGrpSpPr>
+      <p:grpSpPr>
+        <a:xfrm>
+          <a:off x="0" y="0"/>
+          <a:ext cx="0" cy="0"/>
+          <a:chOff x="0" y="0"/>
+          <a:chExt cx="0" cy="0"/>
+        </a:xfrm>
+      </p:grpSpPr>
+      <p:sp>
+        <p:nvSpPr>
+          <p:cNvPr id="2" name="Title 1">
+            <a:extLst>
+              <a:ext uri="{FF2B5EF4-FFF2-40B4-BE49-F238E27FC236}">
+                <a16:creationId xmlns:a16="http://schemas.microsoft.com/office/drawing/2014/main" id="{F9793D32-27AD-46D2-BD8C-4FBF315BCCAF}"/>
+              </a:ext>
+            </a:extLst>
+          </p:cNvPr>
+          <p:cNvSpPr>
+            <a:spLocks noGrp="1"/>
+          </p:cNvSpPr>
+          <p:nvPr>
+            <p:ph type="title"/>
+          </p:nvPr>
+        </p:nvSpPr>
+        <p:spPr/>
+        <p:txBody>
+          <a:bodyPr>
+            <a:normAutofit/>
+          </a:bodyPr>
+          <a:lstStyle/>
+          <a:p>
+            <a:r>
+              <a:rPr lang="en-US" sz="1600" dirty="0">
+                <a:solidFill>
+                  <a:srgbClr val="002060"/>
+                </a:solidFill>
+              </a:rPr>
+              <a:t>Renaming</a:t>
+            </a:r>
+            <a:br>
+              <a:rPr lang="en-US" sz="2400" dirty="0"/>
+            </a:br>
+            <a:r>
+              <a:rPr lang="en-US" sz="2400" dirty="0"/>
+              <a:t>Step 2: Replace Identifiers of </a:t>
+            </a:r>
+            <a:r>
+              <a:rPr lang="en-US" sz="2400" dirty="0" err="1"/>
+              <a:t>Occurences</a:t>
+            </a:r>
+            <a:endParaRPr lang="en-US" dirty="0"/>
+          </a:p>
+        </p:txBody>
+      </p:sp>
+      <p:pic>
+        <p:nvPicPr>
+          <p:cNvPr id="4" name="Picture 3">
+            <a:extLst>
+              <a:ext uri="{FF2B5EF4-FFF2-40B4-BE49-F238E27FC236}">
+                <a16:creationId xmlns:a16="http://schemas.microsoft.com/office/drawing/2014/main" id="{B0C1F266-EA05-4D3E-B7E8-136DAE477B98}"/>
+              </a:ext>
+            </a:extLst>
+          </p:cNvPr>
+          <p:cNvPicPr>
+            <a:picLocks noChangeAspect="1"/>
+          </p:cNvPicPr>
+          <p:nvPr/>
+        </p:nvPicPr>
+        <p:blipFill>
+          <a:blip r:embed="rId2"/>
+          <a:stretch>
+            <a:fillRect/>
+          </a:stretch>
+        </p:blipFill>
+        <p:spPr>
+          <a:xfrm>
+            <a:off x="1763106" y="2143044"/>
+            <a:ext cx="2194974" cy="857412"/>
+          </a:xfrm>
+          <a:prstGeom prst="rect">
+            <a:avLst/>
+          </a:prstGeom>
+        </p:spPr>
+      </p:pic>
+      <p:sp>
+        <p:nvSpPr>
+          <p:cNvPr id="5" name="Oval 4">
+            <a:extLst>
+              <a:ext uri="{FF2B5EF4-FFF2-40B4-BE49-F238E27FC236}">
+                <a16:creationId xmlns:a16="http://schemas.microsoft.com/office/drawing/2014/main" id="{0000CFB4-6C42-47CB-92B7-F3DD6B01CAB9}"/>
+              </a:ext>
+            </a:extLst>
+          </p:cNvPr>
+          <p:cNvSpPr/>
+          <p:nvPr/>
+        </p:nvSpPr>
+        <p:spPr>
+          <a:xfrm>
+            <a:off x="6204857" y="1779814"/>
+            <a:ext cx="595993" cy="530679"/>
+          </a:xfrm>
+          <a:prstGeom prst="ellipse">
+            <a:avLst/>
+          </a:prstGeom>
+        </p:spPr>
+        <p:style>
+          <a:lnRef idx="2">
+            <a:schemeClr val="dk1"/>
+          </a:lnRef>
+          <a:fillRef idx="1">
+            <a:schemeClr val="lt1"/>
+          </a:fillRef>
+          <a:effectRef idx="0">
+            <a:schemeClr val="dk1"/>
+          </a:effectRef>
+          <a:fontRef idx="minor">
+            <a:schemeClr val="dk1"/>
+          </a:fontRef>
+        </p:style>
+        <p:txBody>
+          <a:bodyPr rtlCol="0" anchor="ctr"/>
+          <a:lstStyle/>
+          <a:p>
+            <a:pPr algn="ctr"/>
+            <a:r>
+              <a:rPr lang="en-US" dirty="0"/>
+              <a:t>0</a:t>
+            </a:r>
+          </a:p>
+        </p:txBody>
+      </p:sp>
+      <p:sp>
+        <p:nvSpPr>
+          <p:cNvPr id="6" name="Oval 5">
+            <a:extLst>
+              <a:ext uri="{FF2B5EF4-FFF2-40B4-BE49-F238E27FC236}">
+                <a16:creationId xmlns:a16="http://schemas.microsoft.com/office/drawing/2014/main" id="{8E4A37EB-1F66-4D2F-887F-565128CAC9D0}"/>
+              </a:ext>
+            </a:extLst>
+          </p:cNvPr>
+          <p:cNvSpPr/>
+          <p:nvPr/>
+        </p:nvSpPr>
+        <p:spPr>
+          <a:xfrm>
+            <a:off x="6204856" y="3189514"/>
+            <a:ext cx="595993" cy="530679"/>
+          </a:xfrm>
+          <a:prstGeom prst="ellipse">
+            <a:avLst/>
+          </a:prstGeom>
+        </p:spPr>
+        <p:style>
+          <a:lnRef idx="2">
+            <a:schemeClr val="dk1"/>
+          </a:lnRef>
+          <a:fillRef idx="1">
+            <a:schemeClr val="lt1"/>
+          </a:fillRef>
+          <a:effectRef idx="0">
+            <a:schemeClr val="dk1"/>
+          </a:effectRef>
+          <a:fontRef idx="minor">
+            <a:schemeClr val="dk1"/>
+          </a:fontRef>
+        </p:style>
+        <p:txBody>
+          <a:bodyPr rtlCol="0" anchor="ctr"/>
+          <a:lstStyle/>
+          <a:p>
+            <a:pPr algn="ctr"/>
+            <a:r>
+              <a:rPr lang="en-US" dirty="0"/>
+              <a:t>1</a:t>
+            </a:r>
+          </a:p>
+        </p:txBody>
+      </p:sp>
+      <p:sp>
+        <p:nvSpPr>
+          <p:cNvPr id="7" name="Rectangle 6">
+            <a:extLst>
+              <a:ext uri="{FF2B5EF4-FFF2-40B4-BE49-F238E27FC236}">
+                <a16:creationId xmlns:a16="http://schemas.microsoft.com/office/drawing/2014/main" id="{4CBA913C-A2D3-4133-B57C-9C99AB6EEC18}"/>
+              </a:ext>
+            </a:extLst>
+          </p:cNvPr>
+          <p:cNvSpPr/>
+          <p:nvPr/>
+        </p:nvSpPr>
+        <p:spPr>
+          <a:xfrm>
+            <a:off x="5018342" y="3189514"/>
+            <a:ext cx="595992" cy="530679"/>
+          </a:xfrm>
+          <a:prstGeom prst="rect">
+            <a:avLst/>
+          </a:prstGeom>
+        </p:spPr>
+        <p:style>
+          <a:lnRef idx="2">
+            <a:schemeClr val="dk1"/>
+          </a:lnRef>
+          <a:fillRef idx="1">
+            <a:schemeClr val="lt1"/>
+          </a:fillRef>
+          <a:effectRef idx="0">
+            <a:schemeClr val="dk1"/>
+          </a:effectRef>
+          <a:fontRef idx="minor">
+            <a:schemeClr val="dk1"/>
+          </a:fontRef>
+        </p:style>
+        <p:txBody>
+          <a:bodyPr rtlCol="0" anchor="ctr"/>
+          <a:lstStyle/>
+          <a:p>
+            <a:pPr algn="ctr"/>
+            <a:r>
+              <a:rPr lang="en-US" sz="1600" dirty="0">
+                <a:solidFill>
+                  <a:srgbClr val="FF0000"/>
+                </a:solidFill>
+              </a:rPr>
+              <a:t>txt</a:t>
+            </a:r>
+          </a:p>
+        </p:txBody>
+      </p:sp>
+      <p:cxnSp>
+        <p:nvCxnSpPr>
+          <p:cNvPr id="8" name="Straight Arrow Connector 7">
+            <a:extLst>
+              <a:ext uri="{FF2B5EF4-FFF2-40B4-BE49-F238E27FC236}">
+                <a16:creationId xmlns:a16="http://schemas.microsoft.com/office/drawing/2014/main" id="{B75364D8-F9E6-4F9B-9E9C-86BD4B172BB3}"/>
+              </a:ext>
+            </a:extLst>
+          </p:cNvPr>
+          <p:cNvCxnSpPr>
+            <a:stCxn id="6" idx="0"/>
+            <a:endCxn id="5" idx="4"/>
+          </p:cNvCxnSpPr>
+          <p:nvPr/>
+        </p:nvCxnSpPr>
+        <p:spPr>
+          <a:xfrm flipV="1">
+            <a:off x="6502853" y="2310493"/>
+            <a:ext cx="1" cy="879021"/>
+          </a:xfrm>
+          <a:prstGeom prst="straightConnector1">
+            <a:avLst/>
+          </a:prstGeom>
+          <a:ln>
+            <a:tailEnd type="triangle"/>
+          </a:ln>
+        </p:spPr>
+        <p:style>
+          <a:lnRef idx="2">
+            <a:schemeClr val="dk1"/>
+          </a:lnRef>
+          <a:fillRef idx="0">
+            <a:schemeClr val="dk1"/>
+          </a:fillRef>
+          <a:effectRef idx="1">
+            <a:schemeClr val="dk1"/>
+          </a:effectRef>
+          <a:fontRef idx="minor">
+            <a:schemeClr val="tx1"/>
+          </a:fontRef>
+        </p:style>
+      </p:cxnSp>
+      <p:cxnSp>
+        <p:nvCxnSpPr>
+          <p:cNvPr id="9" name="Straight Arrow Connector 8">
+            <a:extLst>
+              <a:ext uri="{FF2B5EF4-FFF2-40B4-BE49-F238E27FC236}">
+                <a16:creationId xmlns:a16="http://schemas.microsoft.com/office/drawing/2014/main" id="{F36FC5D1-DD90-45A5-894F-83102108B6B1}"/>
+              </a:ext>
+            </a:extLst>
+          </p:cNvPr>
+          <p:cNvCxnSpPr>
+            <a:stCxn id="6" idx="2"/>
+            <a:endCxn id="7" idx="3"/>
+          </p:cNvCxnSpPr>
+          <p:nvPr/>
+        </p:nvCxnSpPr>
+        <p:spPr>
+          <a:xfrm flipH="1">
+            <a:off x="5614334" y="3454854"/>
+            <a:ext cx="590522" cy="0"/>
+          </a:xfrm>
+          <a:prstGeom prst="straightConnector1">
+            <a:avLst/>
+          </a:prstGeom>
+          <a:ln>
+            <a:tailEnd type="triangle"/>
+          </a:ln>
+        </p:spPr>
+        <p:style>
+          <a:lnRef idx="2">
+            <a:schemeClr val="dk1"/>
+          </a:lnRef>
+          <a:fillRef idx="0">
+            <a:schemeClr val="dk1"/>
+          </a:fillRef>
+          <a:effectRef idx="1">
+            <a:schemeClr val="dk1"/>
+          </a:effectRef>
+          <a:fontRef idx="minor">
+            <a:schemeClr val="tx1"/>
+          </a:fontRef>
+        </p:style>
+      </p:cxnSp>
+      <p:sp>
+        <p:nvSpPr>
+          <p:cNvPr id="10" name="Rectangle 9">
+            <a:extLst>
+              <a:ext uri="{FF2B5EF4-FFF2-40B4-BE49-F238E27FC236}">
+                <a16:creationId xmlns:a16="http://schemas.microsoft.com/office/drawing/2014/main" id="{D9F1633E-ADA0-42C8-96D8-B9D81F9A4375}"/>
+              </a:ext>
+            </a:extLst>
+          </p:cNvPr>
+          <p:cNvSpPr/>
+          <p:nvPr/>
+        </p:nvSpPr>
+        <p:spPr>
+          <a:xfrm>
+            <a:off x="7554714" y="1785257"/>
+            <a:ext cx="595992" cy="530679"/>
+          </a:xfrm>
+          <a:prstGeom prst="rect">
+            <a:avLst/>
+          </a:prstGeom>
+        </p:spPr>
+        <p:style>
+          <a:lnRef idx="2">
+            <a:schemeClr val="dk1"/>
+          </a:lnRef>
+          <a:fillRef idx="1">
+            <a:schemeClr val="lt1"/>
+          </a:fillRef>
+          <a:effectRef idx="0">
+            <a:schemeClr val="dk1"/>
+          </a:effectRef>
+          <a:fontRef idx="minor">
+            <a:schemeClr val="dk1"/>
+          </a:fontRef>
+        </p:style>
+        <p:txBody>
+          <a:bodyPr rtlCol="0" anchor="ctr"/>
+          <a:lstStyle/>
+          <a:p>
+            <a:pPr algn="ctr"/>
+            <a:r>
+              <a:rPr lang="en-US" sz="1600" dirty="0">
+                <a:solidFill>
+                  <a:srgbClr val="FF0000"/>
+                </a:solidFill>
+              </a:rPr>
+              <a:t>txt</a:t>
+            </a:r>
+          </a:p>
+        </p:txBody>
+      </p:sp>
+      <p:cxnSp>
+        <p:nvCxnSpPr>
+          <p:cNvPr id="11" name="Straight Arrow Connector 10">
+            <a:extLst>
+              <a:ext uri="{FF2B5EF4-FFF2-40B4-BE49-F238E27FC236}">
+                <a16:creationId xmlns:a16="http://schemas.microsoft.com/office/drawing/2014/main" id="{5BBC203B-495B-42F0-830A-B8D324382B2B}"/>
+              </a:ext>
+            </a:extLst>
+          </p:cNvPr>
+          <p:cNvCxnSpPr>
+            <a:stCxn id="5" idx="6"/>
+            <a:endCxn id="10" idx="1"/>
+          </p:cNvCxnSpPr>
+          <p:nvPr/>
+        </p:nvCxnSpPr>
+        <p:spPr>
+          <a:xfrm>
+            <a:off x="6800850" y="2045154"/>
+            <a:ext cx="753864" cy="5443"/>
+          </a:xfrm>
+          <a:prstGeom prst="straightConnector1">
+            <a:avLst/>
+          </a:prstGeom>
+          <a:ln>
+            <a:tailEnd type="triangle"/>
+          </a:ln>
+        </p:spPr>
+        <p:style>
+          <a:lnRef idx="2">
+            <a:schemeClr val="dk1"/>
+          </a:lnRef>
+          <a:fillRef idx="0">
+            <a:schemeClr val="dk1"/>
+          </a:fillRef>
+          <a:effectRef idx="1">
+            <a:schemeClr val="dk1"/>
+          </a:effectRef>
+          <a:fontRef idx="minor">
+            <a:schemeClr val="tx1"/>
+          </a:fontRef>
+        </p:style>
+      </p:cxnSp>
+    </p:spTree>
+    <p:extLst>
+      <p:ext uri="{BB962C8B-B14F-4D97-AF65-F5344CB8AC3E}">
+        <p14:creationId xmlns:p14="http://schemas.microsoft.com/office/powerpoint/2010/main" val="3024732461"/>
       </p:ext>
     </p:extLst>
   </p:cSld>
@@ -2354,48 +6965,39 @@
           <a:chExt cx="0" cy="0"/>
         </a:xfrm>
       </p:grpSpPr>
-      <p:sp>
-        <p:nvSpPr>
-          <p:cNvPr id="2" name="Title 1"/>
-          <p:cNvSpPr>
-            <a:spLocks noGrp="1"/>
-          </p:cNvSpPr>
-          <p:nvPr>
-            <p:ph type="title"/>
-          </p:nvPr>
-        </p:nvSpPr>
-        <p:spPr/>
-        <p:txBody>
-          <a:bodyPr/>
-          <a:lstStyle/>
-          <a:p>
-            <a:endParaRPr lang="en-US" dirty="0"/>
-          </a:p>
-        </p:txBody>
-      </p:sp>
-      <p:sp>
-        <p:nvSpPr>
-          <p:cNvPr id="3" name="Content Placeholder 2"/>
-          <p:cNvSpPr>
-            <a:spLocks noGrp="1"/>
-          </p:cNvSpPr>
+      <p:pic>
+        <p:nvPicPr>
+          <p:cNvPr id="5" name="Content Placeholder 4">
+            <a:extLst>
+              <a:ext uri="{FF2B5EF4-FFF2-40B4-BE49-F238E27FC236}">
+                <a16:creationId xmlns:a16="http://schemas.microsoft.com/office/drawing/2014/main" id="{00D76DB4-AED2-45FE-9A27-4629E1FDF4AE}"/>
+              </a:ext>
+            </a:extLst>
+          </p:cNvPr>
+          <p:cNvPicPr>
+            <a:picLocks noGrp="1" noChangeAspect="1"/>
+          </p:cNvPicPr>
           <p:nvPr>
             <p:ph idx="1"/>
           </p:nvPr>
-        </p:nvSpPr>
-        <p:spPr/>
-        <p:txBody>
-          <a:bodyPr/>
-          <a:lstStyle/>
-          <a:p>
-            <a:endParaRPr lang="en-US" dirty="0"/>
-          </a:p>
-        </p:txBody>
-      </p:sp>
+        </p:nvPicPr>
+        <p:blipFill>
+          <a:blip r:embed="rId3"/>
+          <a:stretch>
+            <a:fillRect/>
+          </a:stretch>
+        </p:blipFill>
+        <p:spPr>
+          <a:xfrm>
+            <a:off x="3870250" y="473711"/>
+            <a:ext cx="3153018" cy="4196078"/>
+          </a:xfrm>
+        </p:spPr>
+      </p:pic>
     </p:spTree>
     <p:extLst>
       <p:ext uri="{BB962C8B-B14F-4D97-AF65-F5344CB8AC3E}">
-        <p14:creationId xmlns:p14="http://schemas.microsoft.com/office/powerpoint/2010/main" val="1512823589"/>
+        <p14:creationId xmlns:p14="http://schemas.microsoft.com/office/powerpoint/2010/main" val="1387998412"/>
       </p:ext>
     </p:extLst>
   </p:cSld>
@@ -2427,7 +7029,7 @@
           <p:cNvPr id="2" name="Title 1">
             <a:extLst>
               <a:ext uri="{FF2B5EF4-FFF2-40B4-BE49-F238E27FC236}">
-                <a16:creationId xmlns:a16="http://schemas.microsoft.com/office/drawing/2014/main" id="{B9F16EAB-6DF8-4255-BD46-E7BE8D164910}"/>
+                <a16:creationId xmlns:a16="http://schemas.microsoft.com/office/drawing/2014/main" id="{81443F84-DE79-487A-87C1-5C3B7EE06DD8}"/>
               </a:ext>
             </a:extLst>
           </p:cNvPr>
@@ -2443,39 +7045,120 @@
           <a:bodyPr/>
           <a:lstStyle/>
           <a:p>
-            <a:endParaRPr lang="LID4096"/>
+            <a:r>
+              <a:rPr lang="de-CH" dirty="0"/>
+              <a:t>Refactoring Definition</a:t>
+            </a:r>
+            <a:endParaRPr lang="LID4096" dirty="0"/>
           </a:p>
         </p:txBody>
       </p:sp>
       <p:sp>
         <p:nvSpPr>
-          <p:cNvPr id="3" name="Content Placeholder 2">
+          <p:cNvPr id="5" name="Rectangle: Rounded Corners 4">
             <a:extLst>
               <a:ext uri="{FF2B5EF4-FFF2-40B4-BE49-F238E27FC236}">
-                <a16:creationId xmlns:a16="http://schemas.microsoft.com/office/drawing/2014/main" id="{EEFE65AC-FF3E-4B62-BE9D-DB241B77BF80}"/>
+                <a16:creationId xmlns:a16="http://schemas.microsoft.com/office/drawing/2014/main" id="{7646EC48-44B4-42B7-88FD-7E6932F4F64D}"/>
               </a:ext>
             </a:extLst>
           </p:cNvPr>
-          <p:cNvSpPr>
-            <a:spLocks noGrp="1"/>
-          </p:cNvSpPr>
-          <p:nvPr>
-            <p:ph idx="1"/>
-          </p:nvPr>
+          <p:cNvSpPr/>
+          <p:nvPr/>
         </p:nvSpPr>
-        <p:spPr/>
+        <p:spPr>
+          <a:xfrm>
+            <a:off x="2782671" y="1440673"/>
+            <a:ext cx="4335176" cy="980185"/>
+          </a:xfrm>
+          <a:prstGeom prst="roundRect">
+            <a:avLst/>
+          </a:prstGeom>
+        </p:spPr>
+        <p:style>
+          <a:lnRef idx="1">
+            <a:schemeClr val="accent5"/>
+          </a:lnRef>
+          <a:fillRef idx="3">
+            <a:schemeClr val="accent5"/>
+          </a:fillRef>
+          <a:effectRef idx="2">
+            <a:schemeClr val="accent5"/>
+          </a:effectRef>
+          <a:fontRef idx="minor">
+            <a:schemeClr val="lt1"/>
+          </a:fontRef>
+        </p:style>
         <p:txBody>
-          <a:bodyPr/>
+          <a:bodyPr rtlCol="0" anchor="ctr"/>
           <a:lstStyle/>
           <a:p>
-            <a:endParaRPr lang="LID4096"/>
+            <a:pPr algn="ctr"/>
+            <a:r>
+              <a:rPr lang="en-US" sz="2400" dirty="0"/>
+              <a:t>Structural Change</a:t>
+            </a:r>
+          </a:p>
+        </p:txBody>
+      </p:sp>
+      <p:sp>
+        <p:nvSpPr>
+          <p:cNvPr id="6" name="Rectangle: Rounded Corners 5">
+            <a:extLst>
+              <a:ext uri="{FF2B5EF4-FFF2-40B4-BE49-F238E27FC236}">
+                <a16:creationId xmlns:a16="http://schemas.microsoft.com/office/drawing/2014/main" id="{CD781C3D-AB5D-4805-8159-CC151EC16FF3}"/>
+              </a:ext>
+            </a:extLst>
+          </p:cNvPr>
+          <p:cNvSpPr/>
+          <p:nvPr/>
+        </p:nvSpPr>
+        <p:spPr>
+          <a:xfrm>
+            <a:off x="2782671" y="2869286"/>
+            <a:ext cx="4335176" cy="980185"/>
+          </a:xfrm>
+          <a:prstGeom prst="roundRect">
+            <a:avLst/>
+          </a:prstGeom>
+        </p:spPr>
+        <p:style>
+          <a:lnRef idx="1">
+            <a:schemeClr val="accent5"/>
+          </a:lnRef>
+          <a:fillRef idx="3">
+            <a:schemeClr val="accent5"/>
+          </a:fillRef>
+          <a:effectRef idx="2">
+            <a:schemeClr val="accent5"/>
+          </a:effectRef>
+          <a:fontRef idx="minor">
+            <a:schemeClr val="lt1"/>
+          </a:fontRef>
+        </p:style>
+        <p:txBody>
+          <a:bodyPr rtlCol="0" anchor="ctr"/>
+          <a:lstStyle/>
+          <a:p>
+            <a:pPr algn="ctr"/>
+            <a:r>
+              <a:rPr lang="en-US" sz="2200" dirty="0"/>
+              <a:t>Unchanged</a:t>
+            </a:r>
+            <a:r>
+              <a:rPr lang="de-CH" sz="2200" dirty="0"/>
+              <a:t> observable </a:t>
+            </a:r>
+            <a:r>
+              <a:rPr lang="en-GB" sz="2200" dirty="0"/>
+              <a:t>behaviour</a:t>
+            </a:r>
           </a:p>
         </p:txBody>
       </p:sp>
     </p:spTree>
     <p:extLst>
       <p:ext uri="{BB962C8B-B14F-4D97-AF65-F5344CB8AC3E}">
-        <p14:creationId xmlns:p14="http://schemas.microsoft.com/office/powerpoint/2010/main" val="1387998412"/>
+        <p14:creationId xmlns:p14="http://schemas.microsoft.com/office/powerpoint/2010/main" val="2474223718"/>
       </p:ext>
     </p:extLst>
   </p:cSld>
@@ -2504,7 +7187,13 @@
       </p:grpSpPr>
       <p:sp>
         <p:nvSpPr>
-          <p:cNvPr id="2" name="Title 1"/>
+          <p:cNvPr id="2" name="Title 1">
+            <a:extLst>
+              <a:ext uri="{FF2B5EF4-FFF2-40B4-BE49-F238E27FC236}">
+                <a16:creationId xmlns:a16="http://schemas.microsoft.com/office/drawing/2014/main" id="{B2450A0B-3BD6-42B9-A748-6667012AE42A}"/>
+              </a:ext>
+            </a:extLst>
+          </p:cNvPr>
           <p:cNvSpPr>
             <a:spLocks noGrp="1"/>
           </p:cNvSpPr>
@@ -2517,33 +7206,112 @@
           <a:bodyPr/>
           <a:lstStyle/>
           <a:p>
-            <a:endParaRPr lang="en-US" dirty="0"/>
+            <a:r>
+              <a:rPr lang="de-CH" dirty="0"/>
+              <a:t>Refactoring Goal</a:t>
+            </a:r>
+            <a:endParaRPr lang="LID4096" dirty="0"/>
           </a:p>
         </p:txBody>
       </p:sp>
       <p:sp>
         <p:nvSpPr>
-          <p:cNvPr id="3" name="Content Placeholder 2"/>
-          <p:cNvSpPr>
-            <a:spLocks noGrp="1"/>
-          </p:cNvSpPr>
-          <p:nvPr>
-            <p:ph idx="1"/>
-          </p:nvPr>
+          <p:cNvPr id="4" name="Rectangle: Rounded Corners 3">
+            <a:extLst>
+              <a:ext uri="{FF2B5EF4-FFF2-40B4-BE49-F238E27FC236}">
+                <a16:creationId xmlns:a16="http://schemas.microsoft.com/office/drawing/2014/main" id="{5C85B245-B44C-46F6-BD6A-DE8914777C0D}"/>
+              </a:ext>
+            </a:extLst>
+          </p:cNvPr>
+          <p:cNvSpPr/>
+          <p:nvPr/>
         </p:nvSpPr>
-        <p:spPr/>
+        <p:spPr>
+          <a:xfrm>
+            <a:off x="2782671" y="1440673"/>
+            <a:ext cx="4335176" cy="980185"/>
+          </a:xfrm>
+          <a:prstGeom prst="roundRect">
+            <a:avLst/>
+          </a:prstGeom>
+        </p:spPr>
+        <p:style>
+          <a:lnRef idx="1">
+            <a:schemeClr val="accent5"/>
+          </a:lnRef>
+          <a:fillRef idx="3">
+            <a:schemeClr val="accent5"/>
+          </a:fillRef>
+          <a:effectRef idx="2">
+            <a:schemeClr val="accent5"/>
+          </a:effectRef>
+          <a:fontRef idx="minor">
+            <a:schemeClr val="lt1"/>
+          </a:fontRef>
+        </p:style>
         <p:txBody>
-          <a:bodyPr/>
+          <a:bodyPr rtlCol="0" anchor="ctr"/>
           <a:lstStyle/>
           <a:p>
-            <a:endParaRPr lang="en-US" dirty="0"/>
+            <a:pPr algn="ctr"/>
+            <a:r>
+              <a:rPr lang="en-US" sz="2400" dirty="0"/>
+              <a:t>Improve Code Quality</a:t>
+            </a:r>
+          </a:p>
+        </p:txBody>
+      </p:sp>
+      <p:sp>
+        <p:nvSpPr>
+          <p:cNvPr id="5" name="Rectangle: Rounded Corners 4">
+            <a:extLst>
+              <a:ext uri="{FF2B5EF4-FFF2-40B4-BE49-F238E27FC236}">
+                <a16:creationId xmlns:a16="http://schemas.microsoft.com/office/drawing/2014/main" id="{CBA2E794-B665-4FFE-BD47-619F95D5DCD6}"/>
+              </a:ext>
+            </a:extLst>
+          </p:cNvPr>
+          <p:cNvSpPr/>
+          <p:nvPr/>
+        </p:nvSpPr>
+        <p:spPr>
+          <a:xfrm>
+            <a:off x="2782671" y="2862708"/>
+            <a:ext cx="4335176" cy="980185"/>
+          </a:xfrm>
+          <a:prstGeom prst="roundRect">
+            <a:avLst/>
+          </a:prstGeom>
+        </p:spPr>
+        <p:style>
+          <a:lnRef idx="1">
+            <a:schemeClr val="accent5"/>
+          </a:lnRef>
+          <a:fillRef idx="3">
+            <a:schemeClr val="accent5"/>
+          </a:fillRef>
+          <a:effectRef idx="2">
+            <a:schemeClr val="accent5"/>
+          </a:effectRef>
+          <a:fontRef idx="minor">
+            <a:schemeClr val="lt1"/>
+          </a:fontRef>
+        </p:style>
+        <p:txBody>
+          <a:bodyPr rtlCol="0" anchor="ctr"/>
+          <a:lstStyle/>
+          <a:p>
+            <a:pPr algn="ctr"/>
+            <a:r>
+              <a:rPr lang="en-US" sz="2400" dirty="0"/>
+              <a:t>Lower Maintenance Costs</a:t>
+            </a:r>
           </a:p>
         </p:txBody>
       </p:sp>
     </p:spTree>
     <p:extLst>
       <p:ext uri="{BB962C8B-B14F-4D97-AF65-F5344CB8AC3E}">
-        <p14:creationId xmlns:p14="http://schemas.microsoft.com/office/powerpoint/2010/main" val="2739464900"/>
+        <p14:creationId xmlns:p14="http://schemas.microsoft.com/office/powerpoint/2010/main" val="604363026"/>
       </p:ext>
     </p:extLst>
   </p:cSld>
@@ -2570,137 +7338,69 @@
           <a:chExt cx="0" cy="0"/>
         </a:xfrm>
       </p:grpSpPr>
+      <p:sp>
+        <p:nvSpPr>
+          <p:cNvPr id="2" name="Title 1">
+            <a:extLst>
+              <a:ext uri="{FF2B5EF4-FFF2-40B4-BE49-F238E27FC236}">
+                <a16:creationId xmlns:a16="http://schemas.microsoft.com/office/drawing/2014/main" id="{359D68B5-D492-437D-B050-05CB96379BB6}"/>
+              </a:ext>
+            </a:extLst>
+          </p:cNvPr>
+          <p:cNvSpPr>
+            <a:spLocks noGrp="1"/>
+          </p:cNvSpPr>
+          <p:nvPr>
+            <p:ph type="title"/>
+          </p:nvPr>
+        </p:nvSpPr>
+        <p:spPr/>
+        <p:txBody>
+          <a:bodyPr/>
+          <a:lstStyle/>
+          <a:p>
+            <a:r>
+              <a:rPr lang="de-CH" dirty="0"/>
+              <a:t>Tiger </a:t>
+            </a:r>
+            <a:r>
+              <a:rPr lang="en-US" dirty="0"/>
+              <a:t>Programming</a:t>
+            </a:r>
+            <a:r>
+              <a:rPr lang="de-CH" dirty="0"/>
+              <a:t> Language</a:t>
+            </a:r>
+            <a:endParaRPr lang="LID4096" dirty="0"/>
+          </a:p>
+        </p:txBody>
+      </p:sp>
       <p:pic>
         <p:nvPicPr>
-          <p:cNvPr id="6" name="Picture Placeholder 5"/>
+          <p:cNvPr id="4" name="Content Placeholder 3">
+            <a:extLst>
+              <a:ext uri="{FF2B5EF4-FFF2-40B4-BE49-F238E27FC236}">
+                <a16:creationId xmlns:a16="http://schemas.microsoft.com/office/drawing/2014/main" id="{094C043E-D46D-4215-96AC-C8C8D9CBF452}"/>
+              </a:ext>
+            </a:extLst>
+          </p:cNvPr>
           <p:cNvPicPr>
             <a:picLocks noGrp="1" noChangeAspect="1"/>
           </p:cNvPicPr>
           <p:nvPr>
-            <p:ph type="pic" idx="1"/>
+            <p:ph idx="1"/>
           </p:nvPr>
         </p:nvPicPr>
-        <p:blipFill rotWithShape="1">
-          <a:blip r:embed="rId2" cstate="screen">
-            <a:extLst>
-              <a:ext uri="{28A0092B-C50C-407E-A947-70E740481C1C}">
-                <a14:useLocalDpi xmlns:a14="http://schemas.microsoft.com/office/drawing/2010/main"/>
-              </a:ext>
-            </a:extLst>
-          </a:blip>
-          <a:srcRect/>
-          <a:stretch/>
-        </p:blipFill>
-        <p:spPr>
-          <a:xfrm>
-            <a:off x="-57600" y="-28800"/>
-            <a:ext cx="9241200" cy="5194800"/>
-          </a:xfrm>
-        </p:spPr>
-      </p:pic>
-      <p:sp>
-        <p:nvSpPr>
-          <p:cNvPr id="4" name="Rectangle 3"/>
-          <p:cNvSpPr/>
-          <p:nvPr/>
-        </p:nvSpPr>
-        <p:spPr bwMode="auto">
-          <a:xfrm>
-            <a:off x="-122335" y="-68813"/>
-            <a:ext cx="4752528" cy="767411"/>
-          </a:xfrm>
-          <a:prstGeom prst="rect">
-            <a:avLst/>
-          </a:prstGeom>
-          <a:solidFill>
-            <a:schemeClr val="bg1"/>
-          </a:solidFill>
-          <a:ln w="9525" cap="flat" cmpd="sng" algn="ctr">
-            <a:noFill/>
-            <a:prstDash val="solid"/>
-            <a:round/>
-            <a:headEnd type="none" w="med" len="med"/>
-            <a:tailEnd type="none" w="med" len="med"/>
-          </a:ln>
-          <a:effectLst/>
-        </p:spPr>
-        <p:txBody>
-          <a:bodyPr vert="horz" wrap="square" lIns="91425" tIns="45712" rIns="91425" bIns="45712" numCol="1" rtlCol="0" anchor="t" anchorCtr="0" compatLnSpc="1">
-            <a:prstTxWarp prst="textNoShape">
-              <a:avLst/>
-            </a:prstTxWarp>
-          </a:bodyPr>
-          <a:lstStyle/>
-          <a:p>
-            <a:pPr defTabSz="914260" eaLnBrk="0" hangingPunct="0"/>
-            <a:endParaRPr lang="en-US" sz="2400">
-              <a:solidFill>
-                <a:schemeClr val="tx1"/>
-              </a:solidFill>
-              <a:latin typeface="Arial" charset="0"/>
-              <a:ea typeface="ＭＳ Ｐゴシック" pitchFamily="1" charset="-128"/>
-            </a:endParaRPr>
-          </a:p>
-        </p:txBody>
-      </p:sp>
-      <p:sp>
-        <p:nvSpPr>
-          <p:cNvPr id="5" name="Rectangle 4"/>
-          <p:cNvSpPr/>
-          <p:nvPr/>
-        </p:nvSpPr>
-        <p:spPr>
-          <a:xfrm>
-            <a:off x="1019820" y="80576"/>
-            <a:ext cx="4123680" cy="646331"/>
-          </a:xfrm>
-          <a:prstGeom prst="rect">
-            <a:avLst/>
-          </a:prstGeom>
-        </p:spPr>
-        <p:txBody>
-          <a:bodyPr wrap="square">
-            <a:spAutoFit/>
-          </a:bodyPr>
-          <a:lstStyle/>
-          <a:p>
-            <a:r>
-              <a:rPr lang="en-US" sz="3600" dirty="0">
-                <a:latin typeface="Arial"/>
-                <a:ea typeface="ヒラギノ角ゴ ProN W3" charset="0"/>
-                <a:cs typeface="Arial"/>
-                <a:sym typeface="Tahoma" charset="0"/>
-              </a:rPr>
-              <a:t>Insert a picture </a:t>
-            </a:r>
-            <a:endParaRPr lang="en-US" sz="3600" dirty="0"/>
-          </a:p>
-        </p:txBody>
-      </p:sp>
-      <p:pic>
-        <p:nvPicPr>
-          <p:cNvPr id="9" name="Afbeelding 8" descr="TUDelft_LogoZWART.eps"/>
-          <p:cNvPicPr>
-            <a:picLocks noChangeAspect="1"/>
-          </p:cNvPicPr>
-          <p:nvPr/>
-        </p:nvPicPr>
         <p:blipFill>
-          <a:blip r:embed="rId3">
-            <a:extLst>
-              <a:ext uri="{28A0092B-C50C-407E-A947-70E740481C1C}">
-                <a14:useLocalDpi xmlns:a14="http://schemas.microsoft.com/office/drawing/2010/main"/>
-              </a:ext>
-            </a:extLst>
-          </a:blip>
+          <a:blip r:embed="rId3"/>
           <a:stretch>
             <a:fillRect/>
           </a:stretch>
         </p:blipFill>
         <p:spPr>
           <a:xfrm>
-            <a:off x="208624" y="4515071"/>
-            <a:ext cx="1104294" cy="430675"/>
+            <a:off x="3576395" y="1254615"/>
+            <a:ext cx="3479886" cy="3197734"/>
           </a:xfrm>
           <a:prstGeom prst="rect">
             <a:avLst/>
@@ -2710,7 +7410,7 @@
     </p:spTree>
     <p:extLst>
       <p:ext uri="{BB962C8B-B14F-4D97-AF65-F5344CB8AC3E}">
-        <p14:creationId xmlns:p14="http://schemas.microsoft.com/office/powerpoint/2010/main" val="371639283"/>
+        <p14:creationId xmlns:p14="http://schemas.microsoft.com/office/powerpoint/2010/main" val="1040087375"/>
       </p:ext>
     </p:extLst>
   </p:cSld>
@@ -2737,147 +7437,1026 @@
           <a:chExt cx="0" cy="0"/>
         </a:xfrm>
       </p:grpSpPr>
-      <p:pic>
-        <p:nvPicPr>
-          <p:cNvPr id="6" name="Picture Placeholder 5" descr="_LNS3501.jpg"/>
-          <p:cNvPicPr>
-            <a:picLocks noGrp="1" noChangeAspect="1"/>
-          </p:cNvPicPr>
-          <p:nvPr>
-            <p:ph type="pic" idx="1"/>
-          </p:nvPr>
-        </p:nvPicPr>
-        <p:blipFill rotWithShape="1">
-          <a:blip r:embed="rId2" cstate="screen">
+      <p:sp>
+        <p:nvSpPr>
+          <p:cNvPr id="2" name="Title 1">
             <a:extLst>
-              <a:ext uri="{28A0092B-C50C-407E-A947-70E740481C1C}">
-                <a14:useLocalDpi xmlns:a14="http://schemas.microsoft.com/office/drawing/2010/main"/>
+              <a:ext uri="{FF2B5EF4-FFF2-40B4-BE49-F238E27FC236}">
+                <a16:creationId xmlns:a16="http://schemas.microsoft.com/office/drawing/2014/main" id="{4C8E6B7F-B375-41D8-91AD-728DF28258BB}"/>
               </a:ext>
             </a:extLst>
-          </a:blip>
-          <a:srcRect/>
-          <a:stretch/>
-        </p:blipFill>
-        <p:spPr>
-          <a:xfrm>
-            <a:off x="0" y="-36000"/>
-            <a:ext cx="9144000" cy="5202000"/>
-          </a:xfrm>
-        </p:spPr>
-      </p:pic>
-      <p:sp>
-        <p:nvSpPr>
-          <p:cNvPr id="4" name="Rectangle 3"/>
-          <p:cNvSpPr/>
-          <p:nvPr/>
+          </p:cNvPr>
+          <p:cNvSpPr>
+            <a:spLocks noGrp="1"/>
+          </p:cNvSpPr>
+          <p:nvPr>
+            <p:ph type="title"/>
+          </p:nvPr>
         </p:nvSpPr>
-        <p:spPr bwMode="auto">
-          <a:xfrm>
-            <a:off x="-122335" y="-68813"/>
-            <a:ext cx="4752528" cy="767411"/>
-          </a:xfrm>
-          <a:prstGeom prst="rect">
-            <a:avLst/>
-          </a:prstGeom>
-          <a:solidFill>
-            <a:schemeClr val="bg1"/>
-          </a:solidFill>
-          <a:ln w="9525" cap="flat" cmpd="sng" algn="ctr">
-            <a:noFill/>
-            <a:prstDash val="solid"/>
-            <a:round/>
-            <a:headEnd type="none" w="med" len="med"/>
-            <a:tailEnd type="none" w="med" len="med"/>
-          </a:ln>
-          <a:effectLst/>
-        </p:spPr>
+        <p:spPr/>
         <p:txBody>
-          <a:bodyPr vert="horz" wrap="square" lIns="91425" tIns="45712" rIns="91425" bIns="45712" numCol="1" rtlCol="0" anchor="t" anchorCtr="0" compatLnSpc="1">
-            <a:prstTxWarp prst="textNoShape">
-              <a:avLst/>
-            </a:prstTxWarp>
-          </a:bodyPr>
+          <a:bodyPr/>
           <a:lstStyle/>
           <a:p>
-            <a:pPr defTabSz="914260" eaLnBrk="0" hangingPunct="0"/>
-            <a:endParaRPr lang="en-US" sz="2400">
-              <a:solidFill>
-                <a:schemeClr val="tx1"/>
-              </a:solidFill>
-              <a:latin typeface="Arial" charset="0"/>
-              <a:ea typeface="ＭＳ Ｐゴシック" pitchFamily="1" charset="-128"/>
-            </a:endParaRPr>
-          </a:p>
-        </p:txBody>
-      </p:sp>
-      <p:sp>
-        <p:nvSpPr>
-          <p:cNvPr id="5" name="Rectangle 4"/>
-          <p:cNvSpPr/>
-          <p:nvPr/>
-        </p:nvSpPr>
-        <p:spPr>
-          <a:xfrm>
-            <a:off x="1019820" y="80576"/>
-            <a:ext cx="4123680" cy="646331"/>
-          </a:xfrm>
-          <a:prstGeom prst="rect">
-            <a:avLst/>
-          </a:prstGeom>
-        </p:spPr>
-        <p:txBody>
-          <a:bodyPr wrap="square">
-            <a:spAutoFit/>
-          </a:bodyPr>
-          <a:lstStyle/>
-          <a:p>
-            <a:r>
-              <a:rPr lang="en-US" sz="3600" dirty="0">
-                <a:latin typeface="Arial"/>
-                <a:ea typeface="ヒラギノ角ゴ ProN W3" charset="0"/>
-                <a:cs typeface="Arial"/>
-                <a:sym typeface="Tahoma" charset="0"/>
-              </a:rPr>
-              <a:t>Insert a picture </a:t>
-            </a:r>
-            <a:endParaRPr lang="en-US" sz="3600" dirty="0"/>
+            <a:r>
+              <a:rPr lang="en-US" dirty="0"/>
+              <a:t>Refactoring as an Editor Service</a:t>
+            </a:r>
           </a:p>
         </p:txBody>
       </p:sp>
       <p:pic>
         <p:nvPicPr>
-          <p:cNvPr id="8" name="Picture 3" descr="TU_P5#white.eps"/>
+          <p:cNvPr id="4" name="Picture 3">
+            <a:extLst>
+              <a:ext uri="{FF2B5EF4-FFF2-40B4-BE49-F238E27FC236}">
+                <a16:creationId xmlns:a16="http://schemas.microsoft.com/office/drawing/2014/main" id="{3FBCB089-CB1B-4993-A0F0-BBAB822DAA76}"/>
+              </a:ext>
+            </a:extLst>
+          </p:cNvPr>
           <p:cNvPicPr>
             <a:picLocks noChangeAspect="1"/>
           </p:cNvPicPr>
           <p:nvPr/>
         </p:nvPicPr>
         <p:blipFill>
-          <a:blip r:embed="rId3">
-            <a:extLst>
-              <a:ext uri="{28A0092B-C50C-407E-A947-70E740481C1C}">
-                <a14:useLocalDpi xmlns:a14="http://schemas.microsoft.com/office/drawing/2010/main"/>
-              </a:ext>
-            </a:extLst>
-          </a:blip>
+          <a:blip r:embed="rId3"/>
           <a:stretch>
             <a:fillRect/>
           </a:stretch>
         </p:blipFill>
         <p:spPr>
           <a:xfrm>
-            <a:off x="100264" y="4389330"/>
-            <a:ext cx="1368883" cy="843232"/>
+            <a:off x="2951039" y="1147551"/>
+            <a:ext cx="4730597" cy="2848397"/>
           </a:xfrm>
           <a:prstGeom prst="rect">
             <a:avLst/>
           </a:prstGeom>
         </p:spPr>
       </p:pic>
+      <p:pic>
+        <p:nvPicPr>
+          <p:cNvPr id="1026" name="Picture 2" descr="Image result for eclipse logo">
+            <a:extLst>
+              <a:ext uri="{FF2B5EF4-FFF2-40B4-BE49-F238E27FC236}">
+                <a16:creationId xmlns:a16="http://schemas.microsoft.com/office/drawing/2014/main" id="{E73C8955-274A-466B-9E40-46E1F0B14124}"/>
+              </a:ext>
+            </a:extLst>
+          </p:cNvPr>
+          <p:cNvPicPr>
+            <a:picLocks noChangeAspect="1" noChangeArrowheads="1"/>
+          </p:cNvPicPr>
+          <p:nvPr/>
+        </p:nvPicPr>
+        <p:blipFill>
+          <a:blip r:embed="rId4">
+            <a:extLst>
+              <a:ext uri="{28A0092B-C50C-407E-A947-70E740481C1C}">
+                <a14:useLocalDpi xmlns:a14="http://schemas.microsoft.com/office/drawing/2010/main" val="0"/>
+              </a:ext>
+            </a:extLst>
+          </a:blip>
+          <a:srcRect/>
+          <a:stretch>
+            <a:fillRect/>
+          </a:stretch>
+        </p:blipFill>
+        <p:spPr bwMode="auto">
+          <a:xfrm>
+            <a:off x="2951039" y="4179604"/>
+            <a:ext cx="906236" cy="849596"/>
+          </a:xfrm>
+          <a:prstGeom prst="rect">
+            <a:avLst/>
+          </a:prstGeom>
+          <a:noFill/>
+          <a:extLst>
+            <a:ext uri="{909E8E84-426E-40DD-AFC4-6F175D3DCCD1}">
+              <a14:hiddenFill xmlns:a14="http://schemas.microsoft.com/office/drawing/2010/main">
+                <a:solidFill>
+                  <a:srgbClr val="FFFFFF"/>
+                </a:solidFill>
+              </a14:hiddenFill>
+            </a:ext>
+          </a:extLst>
+        </p:spPr>
+      </p:pic>
+      <p:pic>
+        <p:nvPicPr>
+          <p:cNvPr id="1028" name="Picture 4" descr="Image result for intellij logo">
+            <a:extLst>
+              <a:ext uri="{FF2B5EF4-FFF2-40B4-BE49-F238E27FC236}">
+                <a16:creationId xmlns:a16="http://schemas.microsoft.com/office/drawing/2014/main" id="{365EA0AF-BA86-4181-88DA-BEEC6AF8B679}"/>
+              </a:ext>
+            </a:extLst>
+          </p:cNvPr>
+          <p:cNvPicPr>
+            <a:picLocks noChangeAspect="1" noChangeArrowheads="1"/>
+          </p:cNvPicPr>
+          <p:nvPr/>
+        </p:nvPicPr>
+        <p:blipFill>
+          <a:blip r:embed="rId5">
+            <a:extLst>
+              <a:ext uri="{28A0092B-C50C-407E-A947-70E740481C1C}">
+                <a14:useLocalDpi xmlns:a14="http://schemas.microsoft.com/office/drawing/2010/main" val="0"/>
+              </a:ext>
+            </a:extLst>
+          </a:blip>
+          <a:srcRect/>
+          <a:stretch>
+            <a:fillRect/>
+          </a:stretch>
+        </p:blipFill>
+        <p:spPr bwMode="auto">
+          <a:xfrm>
+            <a:off x="4939419" y="4208404"/>
+            <a:ext cx="830036" cy="830036"/>
+          </a:xfrm>
+          <a:prstGeom prst="rect">
+            <a:avLst/>
+          </a:prstGeom>
+          <a:noFill/>
+          <a:extLst>
+            <a:ext uri="{909E8E84-426E-40DD-AFC4-6F175D3DCCD1}">
+              <a14:hiddenFill xmlns:a14="http://schemas.microsoft.com/office/drawing/2010/main">
+                <a:solidFill>
+                  <a:srgbClr val="FFFFFF"/>
+                </a:solidFill>
+              </a14:hiddenFill>
+            </a:ext>
+          </a:extLst>
+        </p:spPr>
+      </p:pic>
+      <p:pic>
+        <p:nvPicPr>
+          <p:cNvPr id="1030" name="Picture 6" descr="Image result for visual studio logo">
+            <a:extLst>
+              <a:ext uri="{FF2B5EF4-FFF2-40B4-BE49-F238E27FC236}">
+                <a16:creationId xmlns:a16="http://schemas.microsoft.com/office/drawing/2014/main" id="{39088A9E-AABA-493F-95FE-FE232689EC33}"/>
+              </a:ext>
+            </a:extLst>
+          </p:cNvPr>
+          <p:cNvPicPr>
+            <a:picLocks noChangeAspect="1" noChangeArrowheads="1"/>
+          </p:cNvPicPr>
+          <p:nvPr/>
+        </p:nvPicPr>
+        <p:blipFill>
+          <a:blip r:embed="rId6">
+            <a:extLst>
+              <a:ext uri="{28A0092B-C50C-407E-A947-70E740481C1C}">
+                <a14:useLocalDpi xmlns:a14="http://schemas.microsoft.com/office/drawing/2010/main" val="0"/>
+              </a:ext>
+            </a:extLst>
+          </a:blip>
+          <a:srcRect/>
+          <a:stretch>
+            <a:fillRect/>
+          </a:stretch>
+        </p:blipFill>
+        <p:spPr bwMode="auto">
+          <a:xfrm>
+            <a:off x="6851600" y="4179604"/>
+            <a:ext cx="830036" cy="834155"/>
+          </a:xfrm>
+          <a:prstGeom prst="rect">
+            <a:avLst/>
+          </a:prstGeom>
+          <a:noFill/>
+          <a:extLst>
+            <a:ext uri="{909E8E84-426E-40DD-AFC4-6F175D3DCCD1}">
+              <a14:hiddenFill xmlns:a14="http://schemas.microsoft.com/office/drawing/2010/main">
+                <a:solidFill>
+                  <a:srgbClr val="FFFFFF"/>
+                </a:solidFill>
+              </a14:hiddenFill>
+            </a:ext>
+          </a:extLst>
+        </p:spPr>
+      </p:pic>
     </p:spTree>
     <p:extLst>
       <p:ext uri="{BB962C8B-B14F-4D97-AF65-F5344CB8AC3E}">
-        <p14:creationId xmlns:p14="http://schemas.microsoft.com/office/powerpoint/2010/main" val="1217921569"/>
+        <p14:creationId xmlns:p14="http://schemas.microsoft.com/office/powerpoint/2010/main" val="779596001"/>
+      </p:ext>
+    </p:extLst>
+  </p:cSld>
+  <p:clrMapOvr>
+    <a:masterClrMapping/>
+  </p:clrMapOvr>
+</p:sld>
+</file>
+
+<file path=ppt/slides/slide7.xml><?xml version="1.0" encoding="utf-8"?>
+<p:sld xmlns:a="http://schemas.openxmlformats.org/drawingml/2006/main" xmlns:r="http://schemas.openxmlformats.org/officeDocument/2006/relationships" xmlns:p="http://schemas.openxmlformats.org/presentationml/2006/main">
+  <p:cSld>
+    <p:spTree>
+      <p:nvGrpSpPr>
+        <p:cNvPr id="1" name=""/>
+        <p:cNvGrpSpPr/>
+        <p:nvPr/>
+      </p:nvGrpSpPr>
+      <p:grpSpPr>
+        <a:xfrm>
+          <a:off x="0" y="0"/>
+          <a:ext cx="0" cy="0"/>
+          <a:chOff x="0" y="0"/>
+          <a:chExt cx="0" cy="0"/>
+        </a:xfrm>
+      </p:grpSpPr>
+      <p:sp>
+        <p:nvSpPr>
+          <p:cNvPr id="2" name="Title 1">
+            <a:extLst>
+              <a:ext uri="{FF2B5EF4-FFF2-40B4-BE49-F238E27FC236}">
+                <a16:creationId xmlns:a16="http://schemas.microsoft.com/office/drawing/2014/main" id="{A9B8E065-36BA-4446-92CA-3CFCFB91B2F8}"/>
+              </a:ext>
+            </a:extLst>
+          </p:cNvPr>
+          <p:cNvSpPr>
+            <a:spLocks noGrp="1"/>
+          </p:cNvSpPr>
+          <p:nvPr>
+            <p:ph type="title"/>
+          </p:nvPr>
+        </p:nvSpPr>
+        <p:spPr/>
+        <p:txBody>
+          <a:bodyPr/>
+          <a:lstStyle/>
+          <a:p>
+            <a:r>
+              <a:rPr lang="de-CH" dirty="0"/>
+              <a:t>Implementation in Spoofax</a:t>
+            </a:r>
+            <a:endParaRPr lang="LID4096" dirty="0"/>
+          </a:p>
+        </p:txBody>
+      </p:sp>
+      <p:sp>
+        <p:nvSpPr>
+          <p:cNvPr id="5" name="Rectangle: Rounded Corners 4">
+            <a:extLst>
+              <a:ext uri="{FF2B5EF4-FFF2-40B4-BE49-F238E27FC236}">
+                <a16:creationId xmlns:a16="http://schemas.microsoft.com/office/drawing/2014/main" id="{29BFDBB3-651A-496C-9FB4-77DC5578ED90}"/>
+              </a:ext>
+            </a:extLst>
+          </p:cNvPr>
+          <p:cNvSpPr/>
+          <p:nvPr/>
+        </p:nvSpPr>
+        <p:spPr>
+          <a:xfrm>
+            <a:off x="1918607" y="1175657"/>
+            <a:ext cx="2432957" cy="587829"/>
+          </a:xfrm>
+          <a:prstGeom prst="roundRect">
+            <a:avLst/>
+          </a:prstGeom>
+        </p:spPr>
+        <p:style>
+          <a:lnRef idx="1">
+            <a:schemeClr val="accent5"/>
+          </a:lnRef>
+          <a:fillRef idx="3">
+            <a:schemeClr val="accent5"/>
+          </a:fillRef>
+          <a:effectRef idx="2">
+            <a:schemeClr val="accent5"/>
+          </a:effectRef>
+          <a:fontRef idx="minor">
+            <a:schemeClr val="lt1"/>
+          </a:fontRef>
+        </p:style>
+        <p:txBody>
+          <a:bodyPr rtlCol="0" anchor="ctr"/>
+          <a:lstStyle/>
+          <a:p>
+            <a:pPr algn="ctr"/>
+            <a:r>
+              <a:rPr lang="en-US" dirty="0"/>
+              <a:t>Program</a:t>
+            </a:r>
+            <a:r>
+              <a:rPr lang="de-CH" dirty="0"/>
+              <a:t> Database</a:t>
+            </a:r>
+            <a:endParaRPr lang="LID4096" dirty="0"/>
+          </a:p>
+        </p:txBody>
+      </p:sp>
+      <p:sp>
+        <p:nvSpPr>
+          <p:cNvPr id="7" name="Rectangle: Rounded Corners 6">
+            <a:extLst>
+              <a:ext uri="{FF2B5EF4-FFF2-40B4-BE49-F238E27FC236}">
+                <a16:creationId xmlns:a16="http://schemas.microsoft.com/office/drawing/2014/main" id="{9DE86EB1-DC6A-47C3-97A2-22FA091137B9}"/>
+              </a:ext>
+            </a:extLst>
+          </p:cNvPr>
+          <p:cNvSpPr/>
+          <p:nvPr/>
+        </p:nvSpPr>
+        <p:spPr>
+          <a:xfrm>
+            <a:off x="1918607" y="2031036"/>
+            <a:ext cx="2432957" cy="587829"/>
+          </a:xfrm>
+          <a:prstGeom prst="roundRect">
+            <a:avLst/>
+          </a:prstGeom>
+        </p:spPr>
+        <p:style>
+          <a:lnRef idx="1">
+            <a:schemeClr val="accent5"/>
+          </a:lnRef>
+          <a:fillRef idx="3">
+            <a:schemeClr val="accent5"/>
+          </a:fillRef>
+          <a:effectRef idx="2">
+            <a:schemeClr val="accent5"/>
+          </a:effectRef>
+          <a:fontRef idx="minor">
+            <a:schemeClr val="lt1"/>
+          </a:fontRef>
+        </p:style>
+        <p:txBody>
+          <a:bodyPr rtlCol="0" anchor="ctr"/>
+          <a:lstStyle/>
+          <a:p>
+            <a:pPr algn="ctr"/>
+            <a:r>
+              <a:rPr lang="en-US"/>
+              <a:t>Parse Tree</a:t>
+            </a:r>
+          </a:p>
+        </p:txBody>
+      </p:sp>
+      <p:sp>
+        <p:nvSpPr>
+          <p:cNvPr id="8" name="Rectangle: Rounded Corners 7">
+            <a:extLst>
+              <a:ext uri="{FF2B5EF4-FFF2-40B4-BE49-F238E27FC236}">
+                <a16:creationId xmlns:a16="http://schemas.microsoft.com/office/drawing/2014/main" id="{2ED253F3-B226-4B27-84F1-7F22E1E65879}"/>
+              </a:ext>
+            </a:extLst>
+          </p:cNvPr>
+          <p:cNvSpPr/>
+          <p:nvPr/>
+        </p:nvSpPr>
+        <p:spPr>
+          <a:xfrm>
+            <a:off x="1918607" y="2886415"/>
+            <a:ext cx="2432957" cy="587829"/>
+          </a:xfrm>
+          <a:prstGeom prst="roundRect">
+            <a:avLst/>
+          </a:prstGeom>
+        </p:spPr>
+        <p:style>
+          <a:lnRef idx="1">
+            <a:schemeClr val="accent5"/>
+          </a:lnRef>
+          <a:fillRef idx="3">
+            <a:schemeClr val="accent5"/>
+          </a:fillRef>
+          <a:effectRef idx="2">
+            <a:schemeClr val="accent5"/>
+          </a:effectRef>
+          <a:fontRef idx="minor">
+            <a:schemeClr val="lt1"/>
+          </a:fontRef>
+        </p:style>
+        <p:txBody>
+          <a:bodyPr rtlCol="0" anchor="ctr"/>
+          <a:lstStyle/>
+          <a:p>
+            <a:pPr algn="ctr"/>
+            <a:r>
+              <a:rPr lang="en-US" dirty="0"/>
+              <a:t>Accuracy</a:t>
+            </a:r>
+          </a:p>
+        </p:txBody>
+      </p:sp>
+      <p:sp>
+        <p:nvSpPr>
+          <p:cNvPr id="9" name="Rectangle: Rounded Corners 8">
+            <a:extLst>
+              <a:ext uri="{FF2B5EF4-FFF2-40B4-BE49-F238E27FC236}">
+                <a16:creationId xmlns:a16="http://schemas.microsoft.com/office/drawing/2014/main" id="{860B2733-3086-4BFC-92B5-FD7A191627CD}"/>
+              </a:ext>
+            </a:extLst>
+          </p:cNvPr>
+          <p:cNvSpPr/>
+          <p:nvPr/>
+        </p:nvSpPr>
+        <p:spPr>
+          <a:xfrm>
+            <a:off x="5557157" y="1175657"/>
+            <a:ext cx="2432957" cy="587829"/>
+          </a:xfrm>
+          <a:prstGeom prst="roundRect">
+            <a:avLst/>
+          </a:prstGeom>
+        </p:spPr>
+        <p:style>
+          <a:lnRef idx="1">
+            <a:schemeClr val="accent3"/>
+          </a:lnRef>
+          <a:fillRef idx="3">
+            <a:schemeClr val="accent3"/>
+          </a:fillRef>
+          <a:effectRef idx="2">
+            <a:schemeClr val="accent3"/>
+          </a:effectRef>
+          <a:fontRef idx="minor">
+            <a:schemeClr val="lt1"/>
+          </a:fontRef>
+        </p:style>
+        <p:txBody>
+          <a:bodyPr rtlCol="0" anchor="ctr"/>
+          <a:lstStyle/>
+          <a:p>
+            <a:pPr algn="ctr"/>
+            <a:r>
+              <a:rPr lang="en-US" dirty="0"/>
+              <a:t>Scope</a:t>
+            </a:r>
+            <a:r>
+              <a:rPr lang="de-CH" dirty="0"/>
+              <a:t> Graph</a:t>
+            </a:r>
+            <a:endParaRPr lang="LID4096" dirty="0"/>
+          </a:p>
+        </p:txBody>
+      </p:sp>
+      <p:sp>
+        <p:nvSpPr>
+          <p:cNvPr id="10" name="Rectangle: Rounded Corners 9">
+            <a:extLst>
+              <a:ext uri="{FF2B5EF4-FFF2-40B4-BE49-F238E27FC236}">
+                <a16:creationId xmlns:a16="http://schemas.microsoft.com/office/drawing/2014/main" id="{9B19DC19-BBB2-4C79-89FB-C63D013DE000}"/>
+              </a:ext>
+            </a:extLst>
+          </p:cNvPr>
+          <p:cNvSpPr/>
+          <p:nvPr/>
+        </p:nvSpPr>
+        <p:spPr>
+          <a:xfrm>
+            <a:off x="5557157" y="2031036"/>
+            <a:ext cx="2432957" cy="587829"/>
+          </a:xfrm>
+          <a:prstGeom prst="roundRect">
+            <a:avLst/>
+          </a:prstGeom>
+        </p:spPr>
+        <p:style>
+          <a:lnRef idx="1">
+            <a:schemeClr val="accent3"/>
+          </a:lnRef>
+          <a:fillRef idx="3">
+            <a:schemeClr val="accent3"/>
+          </a:fillRef>
+          <a:effectRef idx="2">
+            <a:schemeClr val="accent3"/>
+          </a:effectRef>
+          <a:fontRef idx="minor">
+            <a:schemeClr val="lt1"/>
+          </a:fontRef>
+        </p:style>
+        <p:txBody>
+          <a:bodyPr rtlCol="0" anchor="ctr"/>
+          <a:lstStyle/>
+          <a:p>
+            <a:pPr algn="ctr"/>
+            <a:r>
+              <a:rPr lang="de-CH" dirty="0"/>
+              <a:t>AST</a:t>
+            </a:r>
+            <a:endParaRPr lang="LID4096" dirty="0"/>
+          </a:p>
+        </p:txBody>
+      </p:sp>
+      <p:sp>
+        <p:nvSpPr>
+          <p:cNvPr id="11" name="Rectangle: Rounded Corners 10">
+            <a:extLst>
+              <a:ext uri="{FF2B5EF4-FFF2-40B4-BE49-F238E27FC236}">
+                <a16:creationId xmlns:a16="http://schemas.microsoft.com/office/drawing/2014/main" id="{3EF9D00D-B918-4BDF-AC78-E688FFD3A12B}"/>
+              </a:ext>
+            </a:extLst>
+          </p:cNvPr>
+          <p:cNvSpPr/>
+          <p:nvPr/>
+        </p:nvSpPr>
+        <p:spPr>
+          <a:xfrm>
+            <a:off x="5557156" y="2886415"/>
+            <a:ext cx="2432957" cy="587830"/>
+          </a:xfrm>
+          <a:prstGeom prst="roundRect">
+            <a:avLst/>
+          </a:prstGeom>
+        </p:spPr>
+        <p:style>
+          <a:lnRef idx="1">
+            <a:schemeClr val="accent3"/>
+          </a:lnRef>
+          <a:fillRef idx="3">
+            <a:schemeClr val="accent3"/>
+          </a:fillRef>
+          <a:effectRef idx="2">
+            <a:schemeClr val="accent3"/>
+          </a:effectRef>
+          <a:fontRef idx="minor">
+            <a:schemeClr val="lt1"/>
+          </a:fontRef>
+        </p:style>
+        <p:txBody>
+          <a:bodyPr rtlCol="0" anchor="ctr"/>
+          <a:lstStyle/>
+          <a:p>
+            <a:pPr algn="ctr"/>
+            <a:r>
+              <a:rPr lang="de-CH" dirty="0"/>
+              <a:t>SPT</a:t>
+            </a:r>
+            <a:endParaRPr lang="LID4096" dirty="0"/>
+          </a:p>
+        </p:txBody>
+      </p:sp>
+      <p:sp>
+        <p:nvSpPr>
+          <p:cNvPr id="12" name="Rectangle: Rounded Corners 11">
+            <a:extLst>
+              <a:ext uri="{FF2B5EF4-FFF2-40B4-BE49-F238E27FC236}">
+                <a16:creationId xmlns:a16="http://schemas.microsoft.com/office/drawing/2014/main" id="{A3013475-C147-43F3-A1AD-8DB335823046}"/>
+              </a:ext>
+            </a:extLst>
+          </p:cNvPr>
+          <p:cNvSpPr/>
+          <p:nvPr/>
+        </p:nvSpPr>
+        <p:spPr>
+          <a:xfrm>
+            <a:off x="1918607" y="3741794"/>
+            <a:ext cx="2432957" cy="587829"/>
+          </a:xfrm>
+          <a:prstGeom prst="roundRect">
+            <a:avLst/>
+          </a:prstGeom>
+        </p:spPr>
+        <p:style>
+          <a:lnRef idx="1">
+            <a:schemeClr val="accent5"/>
+          </a:lnRef>
+          <a:fillRef idx="2">
+            <a:schemeClr val="accent5"/>
+          </a:fillRef>
+          <a:effectRef idx="1">
+            <a:schemeClr val="accent5"/>
+          </a:effectRef>
+          <a:fontRef idx="minor">
+            <a:schemeClr val="dk1"/>
+          </a:fontRef>
+        </p:style>
+        <p:txBody>
+          <a:bodyPr rtlCol="0" anchor="ctr"/>
+          <a:lstStyle/>
+          <a:p>
+            <a:pPr algn="ctr"/>
+            <a:r>
+              <a:rPr lang="en-US" dirty="0"/>
+              <a:t>Transformation</a:t>
+            </a:r>
+          </a:p>
+        </p:txBody>
+      </p:sp>
+      <p:sp>
+        <p:nvSpPr>
+          <p:cNvPr id="13" name="Rectangle: Rounded Corners 12">
+            <a:extLst>
+              <a:ext uri="{FF2B5EF4-FFF2-40B4-BE49-F238E27FC236}">
+                <a16:creationId xmlns:a16="http://schemas.microsoft.com/office/drawing/2014/main" id="{6A413440-BD41-415F-A39F-85A837F8236C}"/>
+              </a:ext>
+            </a:extLst>
+          </p:cNvPr>
+          <p:cNvSpPr/>
+          <p:nvPr/>
+        </p:nvSpPr>
+        <p:spPr>
+          <a:xfrm>
+            <a:off x="5557157" y="3741794"/>
+            <a:ext cx="2432957" cy="587830"/>
+          </a:xfrm>
+          <a:prstGeom prst="roundRect">
+            <a:avLst/>
+          </a:prstGeom>
+        </p:spPr>
+        <p:style>
+          <a:lnRef idx="1">
+            <a:schemeClr val="accent3"/>
+          </a:lnRef>
+          <a:fillRef idx="3">
+            <a:schemeClr val="accent3"/>
+          </a:fillRef>
+          <a:effectRef idx="2">
+            <a:schemeClr val="accent3"/>
+          </a:effectRef>
+          <a:fontRef idx="minor">
+            <a:schemeClr val="lt1"/>
+          </a:fontRef>
+        </p:style>
+        <p:txBody>
+          <a:bodyPr rtlCol="0" anchor="ctr"/>
+          <a:lstStyle/>
+          <a:p>
+            <a:pPr algn="ctr"/>
+            <a:r>
+              <a:rPr lang="de-CH" dirty="0" err="1"/>
+              <a:t>Stratego</a:t>
+            </a:r>
+            <a:endParaRPr lang="LID4096" dirty="0"/>
+          </a:p>
+        </p:txBody>
+      </p:sp>
+      <p:sp>
+        <p:nvSpPr>
+          <p:cNvPr id="14" name="Arrow: Right 13">
+            <a:extLst>
+              <a:ext uri="{FF2B5EF4-FFF2-40B4-BE49-F238E27FC236}">
+                <a16:creationId xmlns:a16="http://schemas.microsoft.com/office/drawing/2014/main" id="{712DE396-5742-417F-9DE4-072C284763F2}"/>
+              </a:ext>
+            </a:extLst>
+          </p:cNvPr>
+          <p:cNvSpPr/>
+          <p:nvPr/>
+        </p:nvSpPr>
+        <p:spPr>
+          <a:xfrm>
+            <a:off x="4648199" y="1175657"/>
+            <a:ext cx="612322" cy="587829"/>
+          </a:xfrm>
+          <a:prstGeom prst="rightArrow">
+            <a:avLst/>
+          </a:prstGeom>
+        </p:spPr>
+        <p:style>
+          <a:lnRef idx="1">
+            <a:schemeClr val="accent4"/>
+          </a:lnRef>
+          <a:fillRef idx="3">
+            <a:schemeClr val="accent4"/>
+          </a:fillRef>
+          <a:effectRef idx="2">
+            <a:schemeClr val="accent4"/>
+          </a:effectRef>
+          <a:fontRef idx="minor">
+            <a:schemeClr val="lt1"/>
+          </a:fontRef>
+        </p:style>
+        <p:txBody>
+          <a:bodyPr rtlCol="0" anchor="ctr"/>
+          <a:lstStyle/>
+          <a:p>
+            <a:pPr algn="ctr"/>
+            <a:endParaRPr lang="en-US"/>
+          </a:p>
+        </p:txBody>
+      </p:sp>
+      <p:sp>
+        <p:nvSpPr>
+          <p:cNvPr id="15" name="Arrow: Right 14">
+            <a:extLst>
+              <a:ext uri="{FF2B5EF4-FFF2-40B4-BE49-F238E27FC236}">
+                <a16:creationId xmlns:a16="http://schemas.microsoft.com/office/drawing/2014/main" id="{FC60C0E9-29C8-4485-AA5E-5BF777A40599}"/>
+              </a:ext>
+            </a:extLst>
+          </p:cNvPr>
+          <p:cNvSpPr/>
+          <p:nvPr/>
+        </p:nvSpPr>
+        <p:spPr>
+          <a:xfrm>
+            <a:off x="4648199" y="1999314"/>
+            <a:ext cx="612322" cy="587829"/>
+          </a:xfrm>
+          <a:prstGeom prst="rightArrow">
+            <a:avLst/>
+          </a:prstGeom>
+        </p:spPr>
+        <p:style>
+          <a:lnRef idx="1">
+            <a:schemeClr val="accent4"/>
+          </a:lnRef>
+          <a:fillRef idx="3">
+            <a:schemeClr val="accent4"/>
+          </a:fillRef>
+          <a:effectRef idx="2">
+            <a:schemeClr val="accent4"/>
+          </a:effectRef>
+          <a:fontRef idx="minor">
+            <a:schemeClr val="lt1"/>
+          </a:fontRef>
+        </p:style>
+        <p:txBody>
+          <a:bodyPr rtlCol="0" anchor="ctr"/>
+          <a:lstStyle/>
+          <a:p>
+            <a:pPr algn="ctr"/>
+            <a:endParaRPr lang="en-US"/>
+          </a:p>
+        </p:txBody>
+      </p:sp>
+      <p:sp>
+        <p:nvSpPr>
+          <p:cNvPr id="16" name="Arrow: Right 15">
+            <a:extLst>
+              <a:ext uri="{FF2B5EF4-FFF2-40B4-BE49-F238E27FC236}">
+                <a16:creationId xmlns:a16="http://schemas.microsoft.com/office/drawing/2014/main" id="{F83ABF9A-DB34-4044-8484-E840B6B14178}"/>
+              </a:ext>
+            </a:extLst>
+          </p:cNvPr>
+          <p:cNvSpPr/>
+          <p:nvPr/>
+        </p:nvSpPr>
+        <p:spPr>
+          <a:xfrm>
+            <a:off x="4631870" y="2886416"/>
+            <a:ext cx="612322" cy="587829"/>
+          </a:xfrm>
+          <a:prstGeom prst="rightArrow">
+            <a:avLst/>
+          </a:prstGeom>
+        </p:spPr>
+        <p:style>
+          <a:lnRef idx="1">
+            <a:schemeClr val="accent4"/>
+          </a:lnRef>
+          <a:fillRef idx="3">
+            <a:schemeClr val="accent4"/>
+          </a:fillRef>
+          <a:effectRef idx="2">
+            <a:schemeClr val="accent4"/>
+          </a:effectRef>
+          <a:fontRef idx="minor">
+            <a:schemeClr val="lt1"/>
+          </a:fontRef>
+        </p:style>
+        <p:txBody>
+          <a:bodyPr rtlCol="0" anchor="ctr"/>
+          <a:lstStyle/>
+          <a:p>
+            <a:pPr algn="ctr"/>
+            <a:endParaRPr lang="en-US"/>
+          </a:p>
+        </p:txBody>
+      </p:sp>
+      <p:sp>
+        <p:nvSpPr>
+          <p:cNvPr id="17" name="Arrow: Right 16">
+            <a:extLst>
+              <a:ext uri="{FF2B5EF4-FFF2-40B4-BE49-F238E27FC236}">
+                <a16:creationId xmlns:a16="http://schemas.microsoft.com/office/drawing/2014/main" id="{93E5D9D6-5F1C-4C58-A71C-53D02298F046}"/>
+              </a:ext>
+            </a:extLst>
+          </p:cNvPr>
+          <p:cNvSpPr/>
+          <p:nvPr/>
+        </p:nvSpPr>
+        <p:spPr>
+          <a:xfrm>
+            <a:off x="4631870" y="3673928"/>
+            <a:ext cx="612322" cy="587829"/>
+          </a:xfrm>
+          <a:prstGeom prst="rightArrow">
+            <a:avLst/>
+          </a:prstGeom>
+        </p:spPr>
+        <p:style>
+          <a:lnRef idx="1">
+            <a:schemeClr val="accent4"/>
+          </a:lnRef>
+          <a:fillRef idx="3">
+            <a:schemeClr val="accent4"/>
+          </a:fillRef>
+          <a:effectRef idx="2">
+            <a:schemeClr val="accent4"/>
+          </a:effectRef>
+          <a:fontRef idx="minor">
+            <a:schemeClr val="lt1"/>
+          </a:fontRef>
+        </p:style>
+        <p:txBody>
+          <a:bodyPr rtlCol="0" anchor="ctr"/>
+          <a:lstStyle/>
+          <a:p>
+            <a:pPr algn="ctr"/>
+            <a:endParaRPr lang="en-US"/>
+          </a:p>
+        </p:txBody>
+      </p:sp>
+    </p:spTree>
+    <p:extLst>
+      <p:ext uri="{BB962C8B-B14F-4D97-AF65-F5344CB8AC3E}">
+        <p14:creationId xmlns:p14="http://schemas.microsoft.com/office/powerpoint/2010/main" val="1154368609"/>
+      </p:ext>
+    </p:extLst>
+  </p:cSld>
+  <p:clrMapOvr>
+    <a:masterClrMapping/>
+  </p:clrMapOvr>
+</p:sld>
+</file>
+
+<file path=ppt/slides/slide8.xml><?xml version="1.0" encoding="utf-8"?>
+<p:sld xmlns:a="http://schemas.openxmlformats.org/drawingml/2006/main" xmlns:r="http://schemas.openxmlformats.org/officeDocument/2006/relationships" xmlns:p="http://schemas.openxmlformats.org/presentationml/2006/main">
+  <p:cSld>
+    <p:spTree>
+      <p:nvGrpSpPr>
+        <p:cNvPr id="1" name=""/>
+        <p:cNvGrpSpPr/>
+        <p:nvPr/>
+      </p:nvGrpSpPr>
+      <p:grpSpPr>
+        <a:xfrm>
+          <a:off x="0" y="0"/>
+          <a:ext cx="0" cy="0"/>
+          <a:chOff x="0" y="0"/>
+          <a:chExt cx="0" cy="0"/>
+        </a:xfrm>
+      </p:grpSpPr>
+      <p:sp>
+        <p:nvSpPr>
+          <p:cNvPr id="2" name="Title 1">
+            <a:extLst>
+              <a:ext uri="{FF2B5EF4-FFF2-40B4-BE49-F238E27FC236}">
+                <a16:creationId xmlns:a16="http://schemas.microsoft.com/office/drawing/2014/main" id="{97CE2716-8600-4FC5-9E84-3CA3B232763F}"/>
+              </a:ext>
+            </a:extLst>
+          </p:cNvPr>
+          <p:cNvSpPr>
+            <a:spLocks noGrp="1"/>
+          </p:cNvSpPr>
+          <p:nvPr>
+            <p:ph type="title"/>
+          </p:nvPr>
+        </p:nvSpPr>
+        <p:spPr/>
+        <p:txBody>
+          <a:bodyPr/>
+          <a:lstStyle/>
+          <a:p>
+            <a:r>
+              <a:rPr lang="en-US" dirty="0"/>
+              <a:t>User Interface</a:t>
+            </a:r>
+          </a:p>
+        </p:txBody>
+      </p:sp>
+      <p:sp>
+        <p:nvSpPr>
+          <p:cNvPr id="3" name="Content Placeholder 2">
+            <a:extLst>
+              <a:ext uri="{FF2B5EF4-FFF2-40B4-BE49-F238E27FC236}">
+                <a16:creationId xmlns:a16="http://schemas.microsoft.com/office/drawing/2014/main" id="{AEC5F12A-EAE4-456F-83DF-BE4359BC8AAE}"/>
+              </a:ext>
+            </a:extLst>
+          </p:cNvPr>
+          <p:cNvSpPr>
+            <a:spLocks noGrp="1"/>
+          </p:cNvSpPr>
+          <p:nvPr>
+            <p:ph idx="1"/>
+          </p:nvPr>
+        </p:nvSpPr>
+        <p:spPr>
+          <a:xfrm>
+            <a:off x="1763106" y="1200150"/>
+            <a:ext cx="3178349" cy="3486122"/>
+          </a:xfrm>
+        </p:spPr>
+        <p:txBody>
+          <a:bodyPr/>
+          <a:lstStyle/>
+          <a:p>
+            <a:r>
+              <a:rPr lang="en-US" dirty="0"/>
+              <a:t>Select Identifier</a:t>
+            </a:r>
+          </a:p>
+        </p:txBody>
+      </p:sp>
+    </p:spTree>
+    <p:extLst>
+      <p:ext uri="{BB962C8B-B14F-4D97-AF65-F5344CB8AC3E}">
+        <p14:creationId xmlns:p14="http://schemas.microsoft.com/office/powerpoint/2010/main" val="3784802796"/>
+      </p:ext>
+    </p:extLst>
+  </p:cSld>
+  <p:clrMapOvr>
+    <a:masterClrMapping/>
+  </p:clrMapOvr>
+</p:sld>
+</file>
+
+<file path=ppt/slides/slide9.xml><?xml version="1.0" encoding="utf-8"?>
+<p:sld xmlns:a="http://schemas.openxmlformats.org/drawingml/2006/main" xmlns:r="http://schemas.openxmlformats.org/officeDocument/2006/relationships" xmlns:p="http://schemas.openxmlformats.org/presentationml/2006/main">
+  <p:cSld>
+    <p:spTree>
+      <p:nvGrpSpPr>
+        <p:cNvPr id="1" name=""/>
+        <p:cNvGrpSpPr/>
+        <p:nvPr/>
+      </p:nvGrpSpPr>
+      <p:grpSpPr>
+        <a:xfrm>
+          <a:off x="0" y="0"/>
+          <a:ext cx="0" cy="0"/>
+          <a:chOff x="0" y="0"/>
+          <a:chExt cx="0" cy="0"/>
+        </a:xfrm>
+      </p:grpSpPr>
+      <p:sp>
+        <p:nvSpPr>
+          <p:cNvPr id="2" name="Title 1">
+            <a:extLst>
+              <a:ext uri="{FF2B5EF4-FFF2-40B4-BE49-F238E27FC236}">
+                <a16:creationId xmlns:a16="http://schemas.microsoft.com/office/drawing/2014/main" id="{1D78A283-CE0D-4B65-B982-7F026CB93FE9}"/>
+              </a:ext>
+            </a:extLst>
+          </p:cNvPr>
+          <p:cNvSpPr>
+            <a:spLocks noGrp="1"/>
+          </p:cNvSpPr>
+          <p:nvPr>
+            <p:ph type="title"/>
+          </p:nvPr>
+        </p:nvSpPr>
+        <p:spPr/>
+        <p:txBody>
+          <a:bodyPr>
+            <a:normAutofit fontScale="90000"/>
+          </a:bodyPr>
+          <a:lstStyle/>
+          <a:p>
+            <a:r>
+              <a:rPr lang="en-US" sz="2200" dirty="0">
+                <a:solidFill>
+                  <a:srgbClr val="002060"/>
+                </a:solidFill>
+              </a:rPr>
+              <a:t>Renaming</a:t>
+            </a:r>
+            <a:br>
+              <a:rPr lang="en-US" dirty="0"/>
+            </a:br>
+            <a:r>
+              <a:rPr lang="en-US" dirty="0"/>
+              <a:t>Named Language Constructs</a:t>
+            </a:r>
+          </a:p>
+        </p:txBody>
+      </p:sp>
+      <p:graphicFrame>
+        <p:nvGraphicFramePr>
+          <p:cNvPr id="4" name="Content Placeholder 3">
+            <a:extLst>
+              <a:ext uri="{FF2B5EF4-FFF2-40B4-BE49-F238E27FC236}">
+                <a16:creationId xmlns:a16="http://schemas.microsoft.com/office/drawing/2014/main" id="{6D8C1F1C-07BC-48C8-AF20-585ACE65452B}"/>
+              </a:ext>
+            </a:extLst>
+          </p:cNvPr>
+          <p:cNvGraphicFramePr>
+            <a:graphicFrameLocks noGrp="1"/>
+          </p:cNvGraphicFramePr>
+          <p:nvPr>
+            <p:ph idx="1"/>
+            <p:extLst>
+              <p:ext uri="{D42A27DB-BD31-4B8C-83A1-F6EECF244321}">
+                <p14:modId xmlns:p14="http://schemas.microsoft.com/office/powerpoint/2010/main" val="2901256676"/>
+              </p:ext>
+            </p:extLst>
+          </p:nvPr>
+        </p:nvGraphicFramePr>
+        <p:xfrm>
+          <a:off x="1763713" y="1200150"/>
+          <a:ext cx="7105650" cy="3486150"/>
+        </p:xfrm>
+        <a:graphic>
+          <a:graphicData uri="http://schemas.openxmlformats.org/drawingml/2006/diagram">
+            <dgm:relIds xmlns:dgm="http://schemas.openxmlformats.org/drawingml/2006/diagram" xmlns:r="http://schemas.openxmlformats.org/officeDocument/2006/relationships" r:dm="rId2" r:lo="rId3" r:qs="rId4" r:cs="rId5"/>
+          </a:graphicData>
+        </a:graphic>
+      </p:graphicFrame>
+    </p:spTree>
+    <p:extLst>
+      <p:ext uri="{BB962C8B-B14F-4D97-AF65-F5344CB8AC3E}">
+        <p14:creationId xmlns:p14="http://schemas.microsoft.com/office/powerpoint/2010/main" val="1977857968"/>
       </p:ext>
     </p:extLst>
   </p:cSld>
@@ -3536,6 +9115,301 @@
         <a:sysClr val="window" lastClr="FFFFFF"/>
       </a:lt1>
       <a:dk2>
+        <a:srgbClr val="44546A"/>
+      </a:dk2>
+      <a:lt2>
+        <a:srgbClr val="E7E6E6"/>
+      </a:lt2>
+      <a:accent1>
+        <a:srgbClr val="4472C4"/>
+      </a:accent1>
+      <a:accent2>
+        <a:srgbClr val="ED7D31"/>
+      </a:accent2>
+      <a:accent3>
+        <a:srgbClr val="A5A5A5"/>
+      </a:accent3>
+      <a:accent4>
+        <a:srgbClr val="FFC000"/>
+      </a:accent4>
+      <a:accent5>
+        <a:srgbClr val="5B9BD5"/>
+      </a:accent5>
+      <a:accent6>
+        <a:srgbClr val="70AD47"/>
+      </a:accent6>
+      <a:hlink>
+        <a:srgbClr val="0563C1"/>
+      </a:hlink>
+      <a:folHlink>
+        <a:srgbClr val="954F72"/>
+      </a:folHlink>
+    </a:clrScheme>
+    <a:fontScheme name="Office">
+      <a:majorFont>
+        <a:latin typeface="Calibri Light" panose="020F0302020204030204"/>
+        <a:ea typeface=""/>
+        <a:cs typeface=""/>
+        <a:font script="Jpan" typeface="游ゴシック Light"/>
+        <a:font script="Hang" typeface="맑은 고딕"/>
+        <a:font script="Hans" typeface="等线 Light"/>
+        <a:font script="Hant" typeface="新細明體"/>
+        <a:font script="Arab" typeface="Times New Roman"/>
+        <a:font script="Hebr" typeface="Times New Roman"/>
+        <a:font script="Thai" typeface="Angsana New"/>
+        <a:font script="Ethi" typeface="Nyala"/>
+        <a:font script="Beng" typeface="Vrinda"/>
+        <a:font script="Gujr" typeface="Shruti"/>
+        <a:font script="Khmr" typeface="MoolBoran"/>
+        <a:font script="Knda" typeface="Tunga"/>
+        <a:font script="Guru" typeface="Raavi"/>
+        <a:font script="Cans" typeface="Euphemia"/>
+        <a:font script="Cher" typeface="Plantagenet Cherokee"/>
+        <a:font script="Yiii" typeface="Microsoft Yi Baiti"/>
+        <a:font script="Tibt" typeface="Microsoft Himalaya"/>
+        <a:font script="Thaa" typeface="MV Boli"/>
+        <a:font script="Deva" typeface="Mangal"/>
+        <a:font script="Telu" typeface="Gautami"/>
+        <a:font script="Taml" typeface="Latha"/>
+        <a:font script="Syrc" typeface="Estrangelo Edessa"/>
+        <a:font script="Orya" typeface="Kalinga"/>
+        <a:font script="Mlym" typeface="Kartika"/>
+        <a:font script="Laoo" typeface="DokChampa"/>
+        <a:font script="Sinh" typeface="Iskoola Pota"/>
+        <a:font script="Mong" typeface="Mongolian Baiti"/>
+        <a:font script="Viet" typeface="Times New Roman"/>
+        <a:font script="Uigh" typeface="Microsoft Uighur"/>
+        <a:font script="Geor" typeface="Sylfaen"/>
+        <a:font script="Armn" typeface="Arial"/>
+        <a:font script="Bugi" typeface="Leelawadee UI"/>
+        <a:font script="Bopo" typeface="Microsoft JhengHei"/>
+        <a:font script="Java" typeface="Javanese Text"/>
+        <a:font script="Lisu" typeface="Segoe UI"/>
+        <a:font script="Mymr" typeface="Myanmar Text"/>
+        <a:font script="Nkoo" typeface="Ebrima"/>
+        <a:font script="Olck" typeface="Nirmala UI"/>
+        <a:font script="Osma" typeface="Ebrima"/>
+        <a:font script="Phag" typeface="Phagspa"/>
+        <a:font script="Syrn" typeface="Estrangelo Edessa"/>
+        <a:font script="Syrj" typeface="Estrangelo Edessa"/>
+        <a:font script="Syre" typeface="Estrangelo Edessa"/>
+        <a:font script="Sora" typeface="Nirmala UI"/>
+        <a:font script="Tale" typeface="Microsoft Tai Le"/>
+        <a:font script="Talu" typeface="Microsoft New Tai Lue"/>
+        <a:font script="Tfng" typeface="Ebrima"/>
+      </a:majorFont>
+      <a:minorFont>
+        <a:latin typeface="Calibri" panose="020F0502020204030204"/>
+        <a:ea typeface=""/>
+        <a:cs typeface=""/>
+        <a:font script="Jpan" typeface="游ゴシック"/>
+        <a:font script="Hang" typeface="맑은 고딕"/>
+        <a:font script="Hans" typeface="等线"/>
+        <a:font script="Hant" typeface="新細明體"/>
+        <a:font script="Arab" typeface="Arial"/>
+        <a:font script="Hebr" typeface="Arial"/>
+        <a:font script="Thai" typeface="Cordia New"/>
+        <a:font script="Ethi" typeface="Nyala"/>
+        <a:font script="Beng" typeface="Vrinda"/>
+        <a:font script="Gujr" typeface="Shruti"/>
+        <a:font script="Khmr" typeface="DaunPenh"/>
+        <a:font script="Knda" typeface="Tunga"/>
+        <a:font script="Guru" typeface="Raavi"/>
+        <a:font script="Cans" typeface="Euphemia"/>
+        <a:font script="Cher" typeface="Plantagenet Cherokee"/>
+        <a:font script="Yiii" typeface="Microsoft Yi Baiti"/>
+        <a:font script="Tibt" typeface="Microsoft Himalaya"/>
+        <a:font script="Thaa" typeface="MV Boli"/>
+        <a:font script="Deva" typeface="Mangal"/>
+        <a:font script="Telu" typeface="Gautami"/>
+        <a:font script="Taml" typeface="Latha"/>
+        <a:font script="Syrc" typeface="Estrangelo Edessa"/>
+        <a:font script="Orya" typeface="Kalinga"/>
+        <a:font script="Mlym" typeface="Kartika"/>
+        <a:font script="Laoo" typeface="DokChampa"/>
+        <a:font script="Sinh" typeface="Iskoola Pota"/>
+        <a:font script="Mong" typeface="Mongolian Baiti"/>
+        <a:font script="Viet" typeface="Arial"/>
+        <a:font script="Uigh" typeface="Microsoft Uighur"/>
+        <a:font script="Geor" typeface="Sylfaen"/>
+        <a:font script="Armn" typeface="Arial"/>
+        <a:font script="Bugi" typeface="Leelawadee UI"/>
+        <a:font script="Bopo" typeface="Microsoft JhengHei"/>
+        <a:font script="Java" typeface="Javanese Text"/>
+        <a:font script="Lisu" typeface="Segoe UI"/>
+        <a:font script="Mymr" typeface="Myanmar Text"/>
+        <a:font script="Nkoo" typeface="Ebrima"/>
+        <a:font script="Olck" typeface="Nirmala UI"/>
+        <a:font script="Osma" typeface="Ebrima"/>
+        <a:font script="Phag" typeface="Phagspa"/>
+        <a:font script="Syrn" typeface="Estrangelo Edessa"/>
+        <a:font script="Syrj" typeface="Estrangelo Edessa"/>
+        <a:font script="Syre" typeface="Estrangelo Edessa"/>
+        <a:font script="Sora" typeface="Nirmala UI"/>
+        <a:font script="Tale" typeface="Microsoft Tai Le"/>
+        <a:font script="Talu" typeface="Microsoft New Tai Lue"/>
+        <a:font script="Tfng" typeface="Ebrima"/>
+      </a:minorFont>
+    </a:fontScheme>
+    <a:fmtScheme name="Office">
+      <a:fillStyleLst>
+        <a:solidFill>
+          <a:schemeClr val="phClr"/>
+        </a:solidFill>
+        <a:gradFill rotWithShape="1">
+          <a:gsLst>
+            <a:gs pos="0">
+              <a:schemeClr val="phClr">
+                <a:lumMod val="110000"/>
+                <a:satMod val="105000"/>
+                <a:tint val="67000"/>
+              </a:schemeClr>
+            </a:gs>
+            <a:gs pos="50000">
+              <a:schemeClr val="phClr">
+                <a:lumMod val="105000"/>
+                <a:satMod val="103000"/>
+                <a:tint val="73000"/>
+              </a:schemeClr>
+            </a:gs>
+            <a:gs pos="100000">
+              <a:schemeClr val="phClr">
+                <a:lumMod val="105000"/>
+                <a:satMod val="109000"/>
+                <a:tint val="81000"/>
+              </a:schemeClr>
+            </a:gs>
+          </a:gsLst>
+          <a:lin ang="5400000" scaled="0"/>
+        </a:gradFill>
+        <a:gradFill rotWithShape="1">
+          <a:gsLst>
+            <a:gs pos="0">
+              <a:schemeClr val="phClr">
+                <a:satMod val="103000"/>
+                <a:lumMod val="102000"/>
+                <a:tint val="94000"/>
+              </a:schemeClr>
+            </a:gs>
+            <a:gs pos="50000">
+              <a:schemeClr val="phClr">
+                <a:satMod val="110000"/>
+                <a:lumMod val="100000"/>
+                <a:shade val="100000"/>
+              </a:schemeClr>
+            </a:gs>
+            <a:gs pos="100000">
+              <a:schemeClr val="phClr">
+                <a:lumMod val="99000"/>
+                <a:satMod val="120000"/>
+                <a:shade val="78000"/>
+              </a:schemeClr>
+            </a:gs>
+          </a:gsLst>
+          <a:lin ang="5400000" scaled="0"/>
+        </a:gradFill>
+      </a:fillStyleLst>
+      <a:lnStyleLst>
+        <a:ln w="6350" cap="flat" cmpd="sng" algn="ctr">
+          <a:solidFill>
+            <a:schemeClr val="phClr"/>
+          </a:solidFill>
+          <a:prstDash val="solid"/>
+          <a:miter lim="800000"/>
+        </a:ln>
+        <a:ln w="12700" cap="flat" cmpd="sng" algn="ctr">
+          <a:solidFill>
+            <a:schemeClr val="phClr"/>
+          </a:solidFill>
+          <a:prstDash val="solid"/>
+          <a:miter lim="800000"/>
+        </a:ln>
+        <a:ln w="19050" cap="flat" cmpd="sng" algn="ctr">
+          <a:solidFill>
+            <a:schemeClr val="phClr"/>
+          </a:solidFill>
+          <a:prstDash val="solid"/>
+          <a:miter lim="800000"/>
+        </a:ln>
+      </a:lnStyleLst>
+      <a:effectStyleLst>
+        <a:effectStyle>
+          <a:effectLst/>
+        </a:effectStyle>
+        <a:effectStyle>
+          <a:effectLst/>
+        </a:effectStyle>
+        <a:effectStyle>
+          <a:effectLst>
+            <a:outerShdw blurRad="57150" dist="19050" dir="5400000" algn="ctr" rotWithShape="0">
+              <a:srgbClr val="000000">
+                <a:alpha val="63000"/>
+              </a:srgbClr>
+            </a:outerShdw>
+          </a:effectLst>
+        </a:effectStyle>
+      </a:effectStyleLst>
+      <a:bgFillStyleLst>
+        <a:solidFill>
+          <a:schemeClr val="phClr"/>
+        </a:solidFill>
+        <a:solidFill>
+          <a:schemeClr val="phClr">
+            <a:tint val="95000"/>
+            <a:satMod val="170000"/>
+          </a:schemeClr>
+        </a:solidFill>
+        <a:gradFill rotWithShape="1">
+          <a:gsLst>
+            <a:gs pos="0">
+              <a:schemeClr val="phClr">
+                <a:tint val="93000"/>
+                <a:satMod val="150000"/>
+                <a:shade val="98000"/>
+                <a:lumMod val="102000"/>
+              </a:schemeClr>
+            </a:gs>
+            <a:gs pos="50000">
+              <a:schemeClr val="phClr">
+                <a:tint val="98000"/>
+                <a:satMod val="130000"/>
+                <a:shade val="90000"/>
+                <a:lumMod val="103000"/>
+              </a:schemeClr>
+            </a:gs>
+            <a:gs pos="100000">
+              <a:schemeClr val="phClr">
+                <a:shade val="63000"/>
+                <a:satMod val="120000"/>
+              </a:schemeClr>
+            </a:gs>
+          </a:gsLst>
+          <a:lin ang="5400000" scaled="0"/>
+        </a:gradFill>
+      </a:bgFillStyleLst>
+    </a:fmtScheme>
+  </a:themeElements>
+  <a:objectDefaults/>
+  <a:extraClrSchemeLst/>
+  <a:extLst>
+    <a:ext uri="{05A4C25C-085E-4340-85A3-A5531E510DB2}">
+      <thm15:themeFamily xmlns:thm15="http://schemas.microsoft.com/office/thememl/2012/main" name="Office Theme" id="{62F939B6-93AF-4DB8-9C6B-D6C7DFDC589F}" vid="{4A3C46E8-61CC-4603-A589-7422A47A8E4A}"/>
+    </a:ext>
+  </a:extLst>
+</a:theme>
+</file>
+
+<file path=ppt/theme/theme4.xml><?xml version="1.0" encoding="utf-8"?>
+<a:theme xmlns:a="http://schemas.openxmlformats.org/drawingml/2006/main" name="Office Theme">
+  <a:themeElements>
+    <a:clrScheme name="Office">
+      <a:dk1>
+        <a:sysClr val="windowText" lastClr="000000"/>
+      </a:dk1>
+      <a:lt1>
+        <a:sysClr val="window" lastClr="FFFFFF"/>
+      </a:lt1>
+      <a:dk2>
         <a:srgbClr val="1F497D"/>
       </a:dk2>
       <a:lt2>

--- a/presentation/Misteli_Refactoring_in_Spoofax.pptx
+++ b/presentation/Misteli_Refactoring_in_Spoofax.pptx
@@ -6,10 +6,10 @@
     <p:sldMasterId id="2147483660" r:id="rId2"/>
   </p:sldMasterIdLst>
   <p:notesMasterIdLst>
-    <p:notesMasterId r:id="rId14"/>
+    <p:notesMasterId r:id="rId17"/>
   </p:notesMasterIdLst>
   <p:handoutMasterIdLst>
-    <p:handoutMasterId r:id="rId15"/>
+    <p:handoutMasterId r:id="rId18"/>
   </p:handoutMasterIdLst>
   <p:sldIdLst>
     <p:sldId id="256" r:id="rId3"/>
@@ -21,8 +21,11 @@
     <p:sldId id="275" r:id="rId9"/>
     <p:sldId id="279" r:id="rId10"/>
     <p:sldId id="276" r:id="rId11"/>
-    <p:sldId id="277" r:id="rId12"/>
-    <p:sldId id="278" r:id="rId13"/>
+    <p:sldId id="280" r:id="rId12"/>
+    <p:sldId id="277" r:id="rId13"/>
+    <p:sldId id="278" r:id="rId14"/>
+    <p:sldId id="282" r:id="rId15"/>
+    <p:sldId id="281" r:id="rId16"/>
   </p:sldIdLst>
   <p:sldSz cx="9144000" cy="5143500" type="screen16x9"/>
   <p:notesSz cx="6858000" cy="9144000"/>
@@ -2855,7 +2858,7 @@
           <a:p>
             <a:fld id="{DBAE3B3E-782A-9745-8E84-372F7B6771BF}" type="datetimeFigureOut">
               <a:rPr lang="en-US" smtClean="0"/>
-              <a:t>6/11/2019</a:t>
+              <a:t>6/12/2019</a:t>
             </a:fld>
             <a:endParaRPr lang="en-US" dirty="0"/>
           </a:p>
@@ -3020,7 +3023,7 @@
           <a:p>
             <a:fld id="{C726C102-7355-4784-A102-F67F03D4410F}" type="datetimeFigureOut">
               <a:rPr lang="LID4096" smtClean="0"/>
-              <a:t>06/11/2019</a:t>
+              <a:t>06/12/2019</a:t>
             </a:fld>
             <a:endParaRPr lang="LID4096"/>
           </a:p>
@@ -3980,13 +3983,41 @@
           <a:bodyPr/>
           <a:lstStyle/>
           <a:p>
-            <a:pPr marL="171450" indent="-171450">
-              <a:buFont typeface="Arial" panose="020B0604020202020204" pitchFamily="34" charset="0"/>
-              <a:buChar char="•"/>
+            <a:pPr marL="228600" indent="-228600">
+              <a:buFont typeface="+mj-lt"/>
+              <a:buAutoNum type="arabicPeriod"/>
             </a:pPr>
             <a:r>
               <a:rPr lang="en-US" dirty="0"/>
-              <a:t>Collect-One strategy</a:t>
+              <a:t>Select identifier</a:t>
+            </a:r>
+          </a:p>
+          <a:p>
+            <a:pPr marL="228600" indent="-228600">
+              <a:buFont typeface="+mj-lt"/>
+              <a:buAutoNum type="arabicPeriod"/>
+            </a:pPr>
+            <a:r>
+              <a:rPr lang="en-US" dirty="0"/>
+              <a:t>Use Menu</a:t>
+            </a:r>
+          </a:p>
+          <a:p>
+            <a:pPr marL="228600" indent="-228600">
+              <a:buFont typeface="+mj-lt"/>
+              <a:buAutoNum type="arabicPeriod"/>
+            </a:pPr>
+            <a:r>
+              <a:rPr lang="en-US" dirty="0"/>
+              <a:t>Parameters stored in </a:t>
+            </a:r>
+            <a:r>
+              <a:rPr lang="en-US" dirty="0" err="1"/>
+              <a:t>rfac</a:t>
+            </a:r>
+            <a:r>
+              <a:rPr lang="en-US" dirty="0"/>
+              <a:t> file</a:t>
             </a:r>
           </a:p>
         </p:txBody>
@@ -4008,7 +4039,98 @@
           <a:p>
             <a:fld id="{57469752-A353-4215-9498-7371F7601A20}" type="slidenum">
               <a:rPr lang="LID4096" smtClean="0"/>
-              <a:t>10</a:t>
+              <a:t>8</a:t>
+            </a:fld>
+            <a:endParaRPr lang="LID4096"/>
+          </a:p>
+        </p:txBody>
+      </p:sp>
+    </p:spTree>
+    <p:extLst>
+      <p:ext uri="{BB962C8B-B14F-4D97-AF65-F5344CB8AC3E}">
+        <p14:creationId xmlns:p14="http://schemas.microsoft.com/office/powerpoint/2010/main" val="4132594125"/>
+      </p:ext>
+    </p:extLst>
+  </p:cSld>
+  <p:clrMapOvr>
+    <a:masterClrMapping/>
+  </p:clrMapOvr>
+</p:notes>
+</file>
+
+<file path=ppt/notesSlides/notesSlide7.xml><?xml version="1.0" encoding="utf-8"?>
+<p:notes xmlns:a="http://schemas.openxmlformats.org/drawingml/2006/main" xmlns:r="http://schemas.openxmlformats.org/officeDocument/2006/relationships" xmlns:p="http://schemas.openxmlformats.org/presentationml/2006/main">
+  <p:cSld>
+    <p:spTree>
+      <p:nvGrpSpPr>
+        <p:cNvPr id="1" name=""/>
+        <p:cNvGrpSpPr/>
+        <p:nvPr/>
+      </p:nvGrpSpPr>
+      <p:grpSpPr>
+        <a:xfrm>
+          <a:off x="0" y="0"/>
+          <a:ext cx="0" cy="0"/>
+          <a:chOff x="0" y="0"/>
+          <a:chExt cx="0" cy="0"/>
+        </a:xfrm>
+      </p:grpSpPr>
+      <p:sp>
+        <p:nvSpPr>
+          <p:cNvPr id="2" name="Slide Image Placeholder 1"/>
+          <p:cNvSpPr>
+            <a:spLocks noGrp="1" noRot="1" noChangeAspect="1"/>
+          </p:cNvSpPr>
+          <p:nvPr>
+            <p:ph type="sldImg"/>
+          </p:nvPr>
+        </p:nvSpPr>
+        <p:spPr/>
+      </p:sp>
+      <p:sp>
+        <p:nvSpPr>
+          <p:cNvPr id="3" name="Notes Placeholder 2"/>
+          <p:cNvSpPr>
+            <a:spLocks noGrp="1"/>
+          </p:cNvSpPr>
+          <p:nvPr>
+            <p:ph type="body" idx="1"/>
+          </p:nvPr>
+        </p:nvSpPr>
+        <p:spPr/>
+        <p:txBody>
+          <a:bodyPr/>
+          <a:lstStyle/>
+          <a:p>
+            <a:pPr marL="171450" indent="-171450">
+              <a:buFont typeface="Arial" panose="020B0604020202020204" pitchFamily="34" charset="0"/>
+              <a:buChar char="•"/>
+            </a:pPr>
+            <a:r>
+              <a:rPr lang="en-US" dirty="0"/>
+              <a:t>Collect-One strategy</a:t>
+            </a:r>
+          </a:p>
+        </p:txBody>
+      </p:sp>
+      <p:sp>
+        <p:nvSpPr>
+          <p:cNvPr id="4" name="Slide Number Placeholder 3"/>
+          <p:cNvSpPr>
+            <a:spLocks noGrp="1"/>
+          </p:cNvSpPr>
+          <p:nvPr>
+            <p:ph type="sldNum" sz="quarter" idx="5"/>
+          </p:nvPr>
+        </p:nvSpPr>
+        <p:spPr/>
+        <p:txBody>
+          <a:bodyPr/>
+          <a:lstStyle/>
+          <a:p>
+            <a:fld id="{57469752-A353-4215-9498-7371F7601A20}" type="slidenum">
+              <a:rPr lang="LID4096" smtClean="0"/>
+              <a:t>11</a:t>
             </a:fld>
             <a:endParaRPr lang="LID4096"/>
           </a:p>
@@ -4684,7 +4806,7 @@
           <a:p>
             <a:fld id="{462A2416-1570-3849-86F9-07F78746E1B2}" type="datetimeFigureOut">
               <a:rPr lang="en-US" smtClean="0"/>
-              <a:t>6/11/2019</a:t>
+              <a:t>6/12/2019</a:t>
             </a:fld>
             <a:endParaRPr lang="en-US" dirty="0"/>
           </a:p>
@@ -6125,6 +6247,107 @@
           <p:cNvPr id="2" name="Title 1">
             <a:extLst>
               <a:ext uri="{FF2B5EF4-FFF2-40B4-BE49-F238E27FC236}">
+                <a16:creationId xmlns:a16="http://schemas.microsoft.com/office/drawing/2014/main" id="{07EC6741-6FD8-44DB-9E0C-75AA8E337F93}"/>
+              </a:ext>
+            </a:extLst>
+          </p:cNvPr>
+          <p:cNvSpPr>
+            <a:spLocks noGrp="1"/>
+          </p:cNvSpPr>
+          <p:nvPr>
+            <p:ph type="title"/>
+          </p:nvPr>
+        </p:nvSpPr>
+        <p:spPr/>
+        <p:txBody>
+          <a:bodyPr>
+            <a:normAutofit fontScale="90000"/>
+          </a:bodyPr>
+          <a:lstStyle/>
+          <a:p>
+            <a:r>
+              <a:rPr lang="en-US" sz="2200" dirty="0">
+                <a:solidFill>
+                  <a:srgbClr val="002060"/>
+                </a:solidFill>
+              </a:rPr>
+              <a:t>Renaming</a:t>
+            </a:r>
+            <a:br>
+              <a:rPr lang="en-US" dirty="0"/>
+            </a:br>
+            <a:r>
+              <a:rPr lang="en-US" dirty="0"/>
+              <a:t>The Foo Challenge</a:t>
+            </a:r>
+          </a:p>
+        </p:txBody>
+      </p:sp>
+      <p:pic>
+        <p:nvPicPr>
+          <p:cNvPr id="4" name="Picture 3">
+            <a:extLst>
+              <a:ext uri="{FF2B5EF4-FFF2-40B4-BE49-F238E27FC236}">
+                <a16:creationId xmlns:a16="http://schemas.microsoft.com/office/drawing/2014/main" id="{E6CBCB7B-661D-4B98-B3DC-18A71E7995EC}"/>
+              </a:ext>
+            </a:extLst>
+          </p:cNvPr>
+          <p:cNvPicPr>
+            <a:picLocks noChangeAspect="1"/>
+          </p:cNvPicPr>
+          <p:nvPr/>
+        </p:nvPicPr>
+        <p:blipFill>
+          <a:blip r:embed="rId2"/>
+          <a:stretch>
+            <a:fillRect/>
+          </a:stretch>
+        </p:blipFill>
+        <p:spPr>
+          <a:xfrm>
+            <a:off x="3722622" y="1358987"/>
+            <a:ext cx="3187432" cy="3143163"/>
+          </a:xfrm>
+          <a:prstGeom prst="rect">
+            <a:avLst/>
+          </a:prstGeom>
+        </p:spPr>
+      </p:pic>
+    </p:spTree>
+    <p:extLst>
+      <p:ext uri="{BB962C8B-B14F-4D97-AF65-F5344CB8AC3E}">
+        <p14:creationId xmlns:p14="http://schemas.microsoft.com/office/powerpoint/2010/main" val="347653156"/>
+      </p:ext>
+    </p:extLst>
+  </p:cSld>
+  <p:clrMapOvr>
+    <a:masterClrMapping/>
+  </p:clrMapOvr>
+</p:sld>
+</file>
+
+<file path=ppt/slides/slide11.xml><?xml version="1.0" encoding="utf-8"?>
+<p:sld xmlns:a="http://schemas.openxmlformats.org/drawingml/2006/main" xmlns:r="http://schemas.openxmlformats.org/officeDocument/2006/relationships" xmlns:p="http://schemas.openxmlformats.org/presentationml/2006/main">
+  <p:cSld>
+    <p:spTree>
+      <p:nvGrpSpPr>
+        <p:cNvPr id="1" name=""/>
+        <p:cNvGrpSpPr/>
+        <p:nvPr/>
+      </p:nvGrpSpPr>
+      <p:grpSpPr>
+        <a:xfrm>
+          <a:off x="0" y="0"/>
+          <a:ext cx="0" cy="0"/>
+          <a:chOff x="0" y="0"/>
+          <a:chExt cx="0" cy="0"/>
+        </a:xfrm>
+      </p:grpSpPr>
+      <p:sp>
+        <p:nvSpPr>
+          <p:cNvPr id="2" name="Title 1">
+            <a:extLst>
+              <a:ext uri="{FF2B5EF4-FFF2-40B4-BE49-F238E27FC236}">
                 <a16:creationId xmlns:a16="http://schemas.microsoft.com/office/drawing/2014/main" id="{6336A7E4-483D-4676-A512-DDF962A8B424}"/>
               </a:ext>
             </a:extLst>
@@ -6520,7 +6743,7 @@
 </p:sld>
 </file>
 
-<file path=ppt/slides/slide11.xml><?xml version="1.0" encoding="utf-8"?>
+<file path=ppt/slides/slide12.xml><?xml version="1.0" encoding="utf-8"?>
 <p:sld xmlns:a="http://schemas.openxmlformats.org/drawingml/2006/main" xmlns:r="http://schemas.openxmlformats.org/officeDocument/2006/relationships" xmlns:p="http://schemas.openxmlformats.org/presentationml/2006/main">
   <p:cSld>
     <p:spTree>
@@ -6939,6 +7162,204 @@
     <p:extLst>
       <p:ext uri="{BB962C8B-B14F-4D97-AF65-F5344CB8AC3E}">
         <p14:creationId xmlns:p14="http://schemas.microsoft.com/office/powerpoint/2010/main" val="3024732461"/>
+      </p:ext>
+    </p:extLst>
+  </p:cSld>
+  <p:clrMapOvr>
+    <a:masterClrMapping/>
+  </p:clrMapOvr>
+</p:sld>
+</file>
+
+<file path=ppt/slides/slide13.xml><?xml version="1.0" encoding="utf-8"?>
+<p:sld xmlns:a="http://schemas.openxmlformats.org/drawingml/2006/main" xmlns:r="http://schemas.openxmlformats.org/officeDocument/2006/relationships" xmlns:p="http://schemas.openxmlformats.org/presentationml/2006/main">
+  <p:cSld>
+    <p:spTree>
+      <p:nvGrpSpPr>
+        <p:cNvPr id="1" name=""/>
+        <p:cNvGrpSpPr/>
+        <p:nvPr/>
+      </p:nvGrpSpPr>
+      <p:grpSpPr>
+        <a:xfrm>
+          <a:off x="0" y="0"/>
+          <a:ext cx="0" cy="0"/>
+          <a:chOff x="0" y="0"/>
+          <a:chExt cx="0" cy="0"/>
+        </a:xfrm>
+      </p:grpSpPr>
+      <p:sp>
+        <p:nvSpPr>
+          <p:cNvPr id="2" name="Title 1">
+            <a:extLst>
+              <a:ext uri="{FF2B5EF4-FFF2-40B4-BE49-F238E27FC236}">
+                <a16:creationId xmlns:a16="http://schemas.microsoft.com/office/drawing/2014/main" id="{D909F41F-2DB6-48DF-BE2F-2FF7F1198D8D}"/>
+              </a:ext>
+            </a:extLst>
+          </p:cNvPr>
+          <p:cNvSpPr>
+            <a:spLocks noGrp="1"/>
+          </p:cNvSpPr>
+          <p:nvPr>
+            <p:ph type="title"/>
+          </p:nvPr>
+        </p:nvSpPr>
+        <p:spPr/>
+        <p:txBody>
+          <a:bodyPr>
+            <a:normAutofit/>
+          </a:bodyPr>
+          <a:lstStyle/>
+          <a:p>
+            <a:r>
+              <a:rPr lang="en-US" sz="1600" dirty="0">
+                <a:solidFill>
+                  <a:srgbClr val="002060"/>
+                </a:solidFill>
+              </a:rPr>
+              <a:t>Renaming</a:t>
+            </a:r>
+            <a:br>
+              <a:rPr lang="en-US" sz="2400" dirty="0"/>
+            </a:br>
+            <a:r>
+              <a:rPr lang="en-US" sz="2400" dirty="0"/>
+              <a:t>Problem: Capture</a:t>
+            </a:r>
+            <a:endParaRPr lang="en-US" dirty="0"/>
+          </a:p>
+        </p:txBody>
+      </p:sp>
+      <p:sp>
+        <p:nvSpPr>
+          <p:cNvPr id="3" name="Content Placeholder 2">
+            <a:extLst>
+              <a:ext uri="{FF2B5EF4-FFF2-40B4-BE49-F238E27FC236}">
+                <a16:creationId xmlns:a16="http://schemas.microsoft.com/office/drawing/2014/main" id="{65F69779-7AB7-48C5-BB22-8B50DFE9D825}"/>
+              </a:ext>
+            </a:extLst>
+          </p:cNvPr>
+          <p:cNvSpPr>
+            <a:spLocks noGrp="1"/>
+          </p:cNvSpPr>
+          <p:nvPr>
+            <p:ph idx="1"/>
+          </p:nvPr>
+        </p:nvSpPr>
+        <p:spPr>
+          <a:xfrm>
+            <a:off x="1763106" y="1200150"/>
+            <a:ext cx="7106464" cy="3486122"/>
+          </a:xfrm>
+        </p:spPr>
+        <p:txBody>
+          <a:bodyPr/>
+          <a:lstStyle/>
+          <a:p>
+            <a:endParaRPr lang="en-US" dirty="0"/>
+          </a:p>
+        </p:txBody>
+      </p:sp>
+    </p:spTree>
+    <p:extLst>
+      <p:ext uri="{BB962C8B-B14F-4D97-AF65-F5344CB8AC3E}">
+        <p14:creationId xmlns:p14="http://schemas.microsoft.com/office/powerpoint/2010/main" val="3502401214"/>
+      </p:ext>
+    </p:extLst>
+  </p:cSld>
+  <p:clrMapOvr>
+    <a:masterClrMapping/>
+  </p:clrMapOvr>
+</p:sld>
+</file>
+
+<file path=ppt/slides/slide14.xml><?xml version="1.0" encoding="utf-8"?>
+<p:sld xmlns:a="http://schemas.openxmlformats.org/drawingml/2006/main" xmlns:r="http://schemas.openxmlformats.org/officeDocument/2006/relationships" xmlns:p="http://schemas.openxmlformats.org/presentationml/2006/main">
+  <p:cSld>
+    <p:spTree>
+      <p:nvGrpSpPr>
+        <p:cNvPr id="1" name=""/>
+        <p:cNvGrpSpPr/>
+        <p:nvPr/>
+      </p:nvGrpSpPr>
+      <p:grpSpPr>
+        <a:xfrm>
+          <a:off x="0" y="0"/>
+          <a:ext cx="0" cy="0"/>
+          <a:chOff x="0" y="0"/>
+          <a:chExt cx="0" cy="0"/>
+        </a:xfrm>
+      </p:grpSpPr>
+      <p:sp>
+        <p:nvSpPr>
+          <p:cNvPr id="2" name="Title 1">
+            <a:extLst>
+              <a:ext uri="{FF2B5EF4-FFF2-40B4-BE49-F238E27FC236}">
+                <a16:creationId xmlns:a16="http://schemas.microsoft.com/office/drawing/2014/main" id="{75242ED9-550F-4CFB-9C3E-FC559B6FDFB2}"/>
+              </a:ext>
+            </a:extLst>
+          </p:cNvPr>
+          <p:cNvSpPr>
+            <a:spLocks noGrp="1"/>
+          </p:cNvSpPr>
+          <p:nvPr>
+            <p:ph type="title"/>
+          </p:nvPr>
+        </p:nvSpPr>
+        <p:spPr/>
+        <p:txBody>
+          <a:bodyPr>
+            <a:normAutofit fontScale="90000"/>
+          </a:bodyPr>
+          <a:lstStyle/>
+          <a:p>
+            <a:r>
+              <a:rPr lang="en-US" sz="2200" dirty="0">
+                <a:solidFill>
+                  <a:srgbClr val="002060"/>
+                </a:solidFill>
+              </a:rPr>
+              <a:t>Inline</a:t>
+            </a:r>
+            <a:br>
+              <a:rPr lang="en-US" dirty="0"/>
+            </a:br>
+            <a:r>
+              <a:rPr lang="en-US" dirty="0"/>
+              <a:t>Step 1: Find Function Declaration</a:t>
+            </a:r>
+          </a:p>
+        </p:txBody>
+      </p:sp>
+      <p:sp>
+        <p:nvSpPr>
+          <p:cNvPr id="3" name="Content Placeholder 2">
+            <a:extLst>
+              <a:ext uri="{FF2B5EF4-FFF2-40B4-BE49-F238E27FC236}">
+                <a16:creationId xmlns:a16="http://schemas.microsoft.com/office/drawing/2014/main" id="{DC80C796-6D02-42F5-9E01-05B2D8DD6D36}"/>
+              </a:ext>
+            </a:extLst>
+          </p:cNvPr>
+          <p:cNvSpPr>
+            <a:spLocks noGrp="1"/>
+          </p:cNvSpPr>
+          <p:nvPr>
+            <p:ph idx="1"/>
+          </p:nvPr>
+        </p:nvSpPr>
+        <p:spPr/>
+        <p:txBody>
+          <a:bodyPr/>
+          <a:lstStyle/>
+          <a:p>
+            <a:endParaRPr lang="en-US"/>
+          </a:p>
+        </p:txBody>
+      </p:sp>
+    </p:spTree>
+    <p:extLst>
+      <p:ext uri="{BB962C8B-B14F-4D97-AF65-F5344CB8AC3E}">
+        <p14:creationId xmlns:p14="http://schemas.microsoft.com/office/powerpoint/2010/main" val="649359674"/>
       </p:ext>
     </p:extLst>
   </p:cSld>
@@ -8318,35 +8739,117 @@
           </a:p>
         </p:txBody>
       </p:sp>
-      <p:sp>
-        <p:nvSpPr>
-          <p:cNvPr id="3" name="Content Placeholder 2">
+      <p:pic>
+        <p:nvPicPr>
+          <p:cNvPr id="6" name="Picture 5">
             <a:extLst>
               <a:ext uri="{FF2B5EF4-FFF2-40B4-BE49-F238E27FC236}">
-                <a16:creationId xmlns:a16="http://schemas.microsoft.com/office/drawing/2014/main" id="{AEC5F12A-EAE4-456F-83DF-BE4359BC8AAE}"/>
+                <a16:creationId xmlns:a16="http://schemas.microsoft.com/office/drawing/2014/main" id="{F6AAB53D-3CEE-47A8-A67C-22947841A6BE}"/>
               </a:ext>
             </a:extLst>
           </p:cNvPr>
-          <p:cNvSpPr>
-            <a:spLocks noGrp="1"/>
-          </p:cNvSpPr>
-          <p:nvPr>
-            <p:ph idx="1"/>
-          </p:nvPr>
+          <p:cNvPicPr>
+            <a:picLocks noChangeAspect="1"/>
+          </p:cNvPicPr>
+          <p:nvPr/>
+        </p:nvPicPr>
+        <p:blipFill>
+          <a:blip r:embed="rId3"/>
+          <a:stretch>
+            <a:fillRect/>
+          </a:stretch>
+        </p:blipFill>
+        <p:spPr>
+          <a:xfrm>
+            <a:off x="1763106" y="1138941"/>
+            <a:ext cx="2889641" cy="1083615"/>
+          </a:xfrm>
+          <a:prstGeom prst="rect">
+            <a:avLst/>
+          </a:prstGeom>
+        </p:spPr>
+      </p:pic>
+      <p:pic>
+        <p:nvPicPr>
+          <p:cNvPr id="7" name="Picture 6">
+            <a:extLst>
+              <a:ext uri="{FF2B5EF4-FFF2-40B4-BE49-F238E27FC236}">
+                <a16:creationId xmlns:a16="http://schemas.microsoft.com/office/drawing/2014/main" id="{D0C00AC0-191B-426D-AF07-BC6D6690FBB5}"/>
+              </a:ext>
+            </a:extLst>
+          </p:cNvPr>
+          <p:cNvPicPr>
+            <a:picLocks noChangeAspect="1"/>
+          </p:cNvPicPr>
+          <p:nvPr/>
+        </p:nvPicPr>
+        <p:blipFill>
+          <a:blip r:embed="rId4"/>
+          <a:stretch>
+            <a:fillRect/>
+          </a:stretch>
+        </p:blipFill>
+        <p:spPr>
+          <a:xfrm>
+            <a:off x="1763106" y="2612570"/>
+            <a:ext cx="4100488" cy="1632857"/>
+          </a:xfrm>
+          <a:prstGeom prst="rect">
+            <a:avLst/>
+          </a:prstGeom>
+        </p:spPr>
+      </p:pic>
+      <p:sp>
+        <p:nvSpPr>
+          <p:cNvPr id="8" name="Rectangle: Single Corner Rounded 7">
+            <a:extLst>
+              <a:ext uri="{FF2B5EF4-FFF2-40B4-BE49-F238E27FC236}">
+                <a16:creationId xmlns:a16="http://schemas.microsoft.com/office/drawing/2014/main" id="{99634ABC-BA21-40EE-95A0-34B60D6B7EAA}"/>
+              </a:ext>
+            </a:extLst>
+          </p:cNvPr>
+          <p:cNvSpPr/>
+          <p:nvPr/>
         </p:nvSpPr>
         <p:spPr>
           <a:xfrm>
-            <a:off x="1763106" y="1200150"/>
-            <a:ext cx="3178349" cy="3486122"/>
+            <a:off x="7127801" y="1138941"/>
+            <a:ext cx="922185" cy="1083615"/>
           </a:xfrm>
+          <a:prstGeom prst="round1Rect">
+            <a:avLst/>
+          </a:prstGeom>
         </p:spPr>
+        <p:style>
+          <a:lnRef idx="2">
+            <a:schemeClr val="dk1"/>
+          </a:lnRef>
+          <a:fillRef idx="1">
+            <a:schemeClr val="lt1"/>
+          </a:fillRef>
+          <a:effectRef idx="0">
+            <a:schemeClr val="dk1"/>
+          </a:effectRef>
+          <a:fontRef idx="minor">
+            <a:schemeClr val="dk1"/>
+          </a:fontRef>
+        </p:style>
         <p:txBody>
-          <a:bodyPr/>
+          <a:bodyPr rtlCol="0" anchor="ctr"/>
           <a:lstStyle/>
           <a:p>
+            <a:pPr algn="ctr"/>
             <a:r>
               <a:rPr lang="en-US" dirty="0"/>
-              <a:t>Select Identifier</a:t>
+              <a:t>.</a:t>
+            </a:r>
+            <a:r>
+              <a:rPr lang="en-US" dirty="0" err="1"/>
+              <a:t>rfac</a:t>
+            </a:r>
+            <a:r>
+              <a:rPr lang="en-US" dirty="0"/>
+              <a:t> Config File</a:t>
             </a:r>
           </a:p>
         </p:txBody>

--- a/presentation/Misteli_Refactoring_in_Spoofax.pptx
+++ b/presentation/Misteli_Refactoring_in_Spoofax.pptx
@@ -6,10 +6,10 @@
     <p:sldMasterId id="2147483660" r:id="rId2"/>
   </p:sldMasterIdLst>
   <p:notesMasterIdLst>
-    <p:notesMasterId r:id="rId17"/>
+    <p:notesMasterId r:id="rId24"/>
   </p:notesMasterIdLst>
   <p:handoutMasterIdLst>
-    <p:handoutMasterId r:id="rId18"/>
+    <p:handoutMasterId r:id="rId25"/>
   </p:handoutMasterIdLst>
   <p:sldIdLst>
     <p:sldId id="256" r:id="rId3"/>
@@ -24,8 +24,15 @@
     <p:sldId id="280" r:id="rId12"/>
     <p:sldId id="277" r:id="rId13"/>
     <p:sldId id="278" r:id="rId14"/>
-    <p:sldId id="282" r:id="rId15"/>
-    <p:sldId id="281" r:id="rId16"/>
+    <p:sldId id="283" r:id="rId15"/>
+    <p:sldId id="282" r:id="rId16"/>
+    <p:sldId id="284" r:id="rId17"/>
+    <p:sldId id="281" r:id="rId18"/>
+    <p:sldId id="285" r:id="rId19"/>
+    <p:sldId id="286" r:id="rId20"/>
+    <p:sldId id="287" r:id="rId21"/>
+    <p:sldId id="288" r:id="rId22"/>
+    <p:sldId id="289" r:id="rId23"/>
   </p:sldIdLst>
   <p:sldSz cx="9144000" cy="5143500" type="screen16x9"/>
   <p:notesSz cx="6858000" cy="9144000"/>
@@ -2858,7 +2865,7 @@
           <a:p>
             <a:fld id="{DBAE3B3E-782A-9745-8E84-372F7B6771BF}" type="datetimeFigureOut">
               <a:rPr lang="en-US" smtClean="0"/>
-              <a:t>6/12/2019</a:t>
+              <a:t>6/13/2019</a:t>
             </a:fld>
             <a:endParaRPr lang="en-US" dirty="0"/>
           </a:p>
@@ -3023,7 +3030,7 @@
           <a:p>
             <a:fld id="{C726C102-7355-4784-A102-F67F03D4410F}" type="datetimeFigureOut">
               <a:rPr lang="LID4096" smtClean="0"/>
-              <a:t>06/12/2019</a:t>
+              <a:t>06/13/2019</a:t>
             </a:fld>
             <a:endParaRPr lang="LID4096"/>
           </a:p>
@@ -4806,7 +4813,7 @@
           <a:p>
             <a:fld id="{462A2416-1570-3849-86F9-07F78746E1B2}" type="datetimeFigureOut">
               <a:rPr lang="en-US" smtClean="0"/>
-              <a:t>6/12/2019</a:t>
+              <a:t>6/13/2019</a:t>
             </a:fld>
             <a:endParaRPr lang="en-US" dirty="0"/>
           </a:p>
@@ -7193,6 +7200,107 @@
           <p:cNvPr id="2" name="Title 1">
             <a:extLst>
               <a:ext uri="{FF2B5EF4-FFF2-40B4-BE49-F238E27FC236}">
+                <a16:creationId xmlns:a16="http://schemas.microsoft.com/office/drawing/2014/main" id="{07EC6741-6FD8-44DB-9E0C-75AA8E337F93}"/>
+              </a:ext>
+            </a:extLst>
+          </p:cNvPr>
+          <p:cNvSpPr>
+            <a:spLocks noGrp="1"/>
+          </p:cNvSpPr>
+          <p:nvPr>
+            <p:ph type="title"/>
+          </p:nvPr>
+        </p:nvSpPr>
+        <p:spPr/>
+        <p:txBody>
+          <a:bodyPr>
+            <a:normAutofit fontScale="90000"/>
+          </a:bodyPr>
+          <a:lstStyle/>
+          <a:p>
+            <a:r>
+              <a:rPr lang="en-US" sz="2400" dirty="0">
+                <a:solidFill>
+                  <a:srgbClr val="002060"/>
+                </a:solidFill>
+              </a:rPr>
+              <a:t>Renaming</a:t>
+            </a:r>
+            <a:br>
+              <a:rPr lang="en-US" dirty="0"/>
+            </a:br>
+            <a:r>
+              <a:rPr lang="en-US" dirty="0"/>
+              <a:t>The Foo Challenge Demo</a:t>
+            </a:r>
+          </a:p>
+        </p:txBody>
+      </p:sp>
+      <p:pic>
+        <p:nvPicPr>
+          <p:cNvPr id="4" name="Picture 3">
+            <a:extLst>
+              <a:ext uri="{FF2B5EF4-FFF2-40B4-BE49-F238E27FC236}">
+                <a16:creationId xmlns:a16="http://schemas.microsoft.com/office/drawing/2014/main" id="{E6CBCB7B-661D-4B98-B3DC-18A71E7995EC}"/>
+              </a:ext>
+            </a:extLst>
+          </p:cNvPr>
+          <p:cNvPicPr>
+            <a:picLocks noChangeAspect="1"/>
+          </p:cNvPicPr>
+          <p:nvPr/>
+        </p:nvPicPr>
+        <p:blipFill>
+          <a:blip r:embed="rId2"/>
+          <a:stretch>
+            <a:fillRect/>
+          </a:stretch>
+        </p:blipFill>
+        <p:spPr>
+          <a:xfrm>
+            <a:off x="3722622" y="1358987"/>
+            <a:ext cx="3187432" cy="3143163"/>
+          </a:xfrm>
+          <a:prstGeom prst="rect">
+            <a:avLst/>
+          </a:prstGeom>
+        </p:spPr>
+      </p:pic>
+    </p:spTree>
+    <p:extLst>
+      <p:ext uri="{BB962C8B-B14F-4D97-AF65-F5344CB8AC3E}">
+        <p14:creationId xmlns:p14="http://schemas.microsoft.com/office/powerpoint/2010/main" val="3360125998"/>
+      </p:ext>
+    </p:extLst>
+  </p:cSld>
+  <p:clrMapOvr>
+    <a:masterClrMapping/>
+  </p:clrMapOvr>
+</p:sld>
+</file>
+
+<file path=ppt/slides/slide14.xml><?xml version="1.0" encoding="utf-8"?>
+<p:sld xmlns:a="http://schemas.openxmlformats.org/drawingml/2006/main" xmlns:r="http://schemas.openxmlformats.org/officeDocument/2006/relationships" xmlns:p="http://schemas.openxmlformats.org/presentationml/2006/main">
+  <p:cSld>
+    <p:spTree>
+      <p:nvGrpSpPr>
+        <p:cNvPr id="1" name=""/>
+        <p:cNvGrpSpPr/>
+        <p:nvPr/>
+      </p:nvGrpSpPr>
+      <p:grpSpPr>
+        <a:xfrm>
+          <a:off x="0" y="0"/>
+          <a:ext cx="0" cy="0"/>
+          <a:chOff x="0" y="0"/>
+          <a:chExt cx="0" cy="0"/>
+        </a:xfrm>
+      </p:grpSpPr>
+      <p:sp>
+        <p:nvSpPr>
+          <p:cNvPr id="2" name="Title 1">
+            <a:extLst>
+              <a:ext uri="{FF2B5EF4-FFF2-40B4-BE49-F238E27FC236}">
                 <a16:creationId xmlns:a16="http://schemas.microsoft.com/office/drawing/2014/main" id="{D909F41F-2DB6-48DF-BE2F-2FF7F1198D8D}"/>
               </a:ext>
             </a:extLst>
@@ -7207,12 +7315,12 @@
         <p:spPr/>
         <p:txBody>
           <a:bodyPr>
-            <a:normAutofit/>
+            <a:normAutofit fontScale="90000"/>
           </a:bodyPr>
           <a:lstStyle/>
           <a:p>
             <a:r>
-              <a:rPr lang="en-US" sz="1600" dirty="0">
+              <a:rPr lang="en-US" sz="2400" dirty="0">
                 <a:solidFill>
                   <a:srgbClr val="002060"/>
                 </a:solidFill>
@@ -7220,43 +7328,116 @@
               <a:t>Renaming</a:t>
             </a:r>
             <a:br>
-              <a:rPr lang="en-US" sz="2400" dirty="0"/>
+              <a:rPr lang="en-US" dirty="0"/>
             </a:br>
             <a:r>
-              <a:rPr lang="en-US" sz="2400" dirty="0"/>
+              <a:rPr lang="en-US" dirty="0"/>
               <a:t>Problem: Capture</a:t>
             </a:r>
-            <a:endParaRPr lang="en-US" dirty="0"/>
           </a:p>
         </p:txBody>
       </p:sp>
-      <p:sp>
-        <p:nvSpPr>
-          <p:cNvPr id="3" name="Content Placeholder 2">
+      <p:pic>
+        <p:nvPicPr>
+          <p:cNvPr id="4" name="Picture 3">
             <a:extLst>
               <a:ext uri="{FF2B5EF4-FFF2-40B4-BE49-F238E27FC236}">
-                <a16:creationId xmlns:a16="http://schemas.microsoft.com/office/drawing/2014/main" id="{65F69779-7AB7-48C5-BB22-8B50DFE9D825}"/>
+                <a16:creationId xmlns:a16="http://schemas.microsoft.com/office/drawing/2014/main" id="{7D721E03-F7E6-4599-8233-6BD1E28E0ABA}"/>
               </a:ext>
             </a:extLst>
           </p:cNvPr>
-          <p:cNvSpPr>
-            <a:spLocks noGrp="1"/>
-          </p:cNvSpPr>
-          <p:nvPr>
-            <p:ph idx="1"/>
-          </p:nvPr>
+          <p:cNvPicPr>
+            <a:picLocks noChangeAspect="1"/>
+          </p:cNvPicPr>
+          <p:nvPr/>
+        </p:nvPicPr>
+        <p:blipFill>
+          <a:blip r:embed="rId2"/>
+          <a:stretch>
+            <a:fillRect/>
+          </a:stretch>
+        </p:blipFill>
+        <p:spPr>
+          <a:xfrm>
+            <a:off x="1763106" y="1431398"/>
+            <a:ext cx="2512490" cy="2722895"/>
+          </a:xfrm>
+          <a:prstGeom prst="rect">
+            <a:avLst/>
+          </a:prstGeom>
+        </p:spPr>
+      </p:pic>
+      <p:pic>
+        <p:nvPicPr>
+          <p:cNvPr id="5" name="Picture 4">
+            <a:extLst>
+              <a:ext uri="{FF2B5EF4-FFF2-40B4-BE49-F238E27FC236}">
+                <a16:creationId xmlns:a16="http://schemas.microsoft.com/office/drawing/2014/main" id="{D6F212CD-5194-428A-929B-0E2E558C0596}"/>
+              </a:ext>
+            </a:extLst>
+          </p:cNvPr>
+          <p:cNvPicPr>
+            <a:picLocks noChangeAspect="1"/>
+          </p:cNvPicPr>
+          <p:nvPr/>
+        </p:nvPicPr>
+        <p:blipFill>
+          <a:blip r:embed="rId3"/>
+          <a:stretch>
+            <a:fillRect/>
+          </a:stretch>
+        </p:blipFill>
+        <p:spPr>
+          <a:xfrm>
+            <a:off x="5743776" y="1431398"/>
+            <a:ext cx="2512490" cy="2722894"/>
+          </a:xfrm>
+          <a:prstGeom prst="rect">
+            <a:avLst/>
+          </a:prstGeom>
+        </p:spPr>
+      </p:pic>
+      <p:sp>
+        <p:nvSpPr>
+          <p:cNvPr id="6" name="Arrow: Right 5">
+            <a:extLst>
+              <a:ext uri="{FF2B5EF4-FFF2-40B4-BE49-F238E27FC236}">
+                <a16:creationId xmlns:a16="http://schemas.microsoft.com/office/drawing/2014/main" id="{2931FEA3-A857-41AF-9DAB-9589D7B5B324}"/>
+              </a:ext>
+            </a:extLst>
+          </p:cNvPr>
+          <p:cNvSpPr/>
+          <p:nvPr/>
         </p:nvSpPr>
         <p:spPr>
           <a:xfrm>
-            <a:off x="1763106" y="1200150"/>
-            <a:ext cx="7106464" cy="3486122"/>
+            <a:off x="4704016" y="2498930"/>
+            <a:ext cx="612322" cy="587829"/>
           </a:xfrm>
+          <a:prstGeom prst="rightArrow">
+            <a:avLst/>
+          </a:prstGeom>
         </p:spPr>
+        <p:style>
+          <a:lnRef idx="1">
+            <a:schemeClr val="accent4"/>
+          </a:lnRef>
+          <a:fillRef idx="3">
+            <a:schemeClr val="accent4"/>
+          </a:fillRef>
+          <a:effectRef idx="2">
+            <a:schemeClr val="accent4"/>
+          </a:effectRef>
+          <a:fontRef idx="minor">
+            <a:schemeClr val="lt1"/>
+          </a:fontRef>
+        </p:style>
         <p:txBody>
-          <a:bodyPr/>
+          <a:bodyPr rtlCol="0" anchor="ctr"/>
           <a:lstStyle/>
           <a:p>
-            <a:endParaRPr lang="en-US" dirty="0"/>
+            <a:pPr algn="ctr"/>
+            <a:endParaRPr lang="en-US"/>
           </a:p>
         </p:txBody>
       </p:sp>
@@ -7273,7 +7454,103 @@
 </p:sld>
 </file>
 
-<file path=ppt/slides/slide14.xml><?xml version="1.0" encoding="utf-8"?>
+<file path=ppt/slides/slide15.xml><?xml version="1.0" encoding="utf-8"?>
+<p:sld xmlns:a="http://schemas.openxmlformats.org/drawingml/2006/main" xmlns:r="http://schemas.openxmlformats.org/officeDocument/2006/relationships" xmlns:p="http://schemas.openxmlformats.org/presentationml/2006/main">
+  <p:cSld>
+    <p:spTree>
+      <p:nvGrpSpPr>
+        <p:cNvPr id="1" name=""/>
+        <p:cNvGrpSpPr/>
+        <p:nvPr/>
+      </p:nvGrpSpPr>
+      <p:grpSpPr>
+        <a:xfrm>
+          <a:off x="0" y="0"/>
+          <a:ext cx="0" cy="0"/>
+          <a:chOff x="0" y="0"/>
+          <a:chExt cx="0" cy="0"/>
+        </a:xfrm>
+      </p:grpSpPr>
+      <p:sp>
+        <p:nvSpPr>
+          <p:cNvPr id="2" name="Title 1">
+            <a:extLst>
+              <a:ext uri="{FF2B5EF4-FFF2-40B4-BE49-F238E27FC236}">
+                <a16:creationId xmlns:a16="http://schemas.microsoft.com/office/drawing/2014/main" id="{ECD5D206-1B52-4E07-B3DD-E6500A5F14FE}"/>
+              </a:ext>
+            </a:extLst>
+          </p:cNvPr>
+          <p:cNvSpPr>
+            <a:spLocks noGrp="1"/>
+          </p:cNvSpPr>
+          <p:nvPr>
+            <p:ph type="title"/>
+          </p:nvPr>
+        </p:nvSpPr>
+        <p:spPr/>
+        <p:txBody>
+          <a:bodyPr>
+            <a:normAutofit fontScale="90000"/>
+          </a:bodyPr>
+          <a:lstStyle/>
+          <a:p>
+            <a:r>
+              <a:rPr lang="en-US" sz="2400" dirty="0">
+                <a:solidFill>
+                  <a:srgbClr val="002060"/>
+                </a:solidFill>
+              </a:rPr>
+              <a:t>Renaming</a:t>
+            </a:r>
+            <a:br>
+              <a:rPr lang="en-US" dirty="0"/>
+            </a:br>
+            <a:r>
+              <a:rPr lang="en-US" dirty="0"/>
+              <a:t>Solution: Capture</a:t>
+            </a:r>
+          </a:p>
+        </p:txBody>
+      </p:sp>
+      <p:sp>
+        <p:nvSpPr>
+          <p:cNvPr id="3" name="Content Placeholder 2">
+            <a:extLst>
+              <a:ext uri="{FF2B5EF4-FFF2-40B4-BE49-F238E27FC236}">
+                <a16:creationId xmlns:a16="http://schemas.microsoft.com/office/drawing/2014/main" id="{08959BD0-8110-425A-B068-D71BBF3B229D}"/>
+              </a:ext>
+            </a:extLst>
+          </p:cNvPr>
+          <p:cNvSpPr>
+            <a:spLocks noGrp="1"/>
+          </p:cNvSpPr>
+          <p:nvPr>
+            <p:ph idx="1"/>
+          </p:nvPr>
+        </p:nvSpPr>
+        <p:spPr/>
+        <p:txBody>
+          <a:bodyPr/>
+          <a:lstStyle/>
+          <a:p>
+            <a:endParaRPr lang="en-US"/>
+          </a:p>
+        </p:txBody>
+      </p:sp>
+    </p:spTree>
+    <p:extLst>
+      <p:ext uri="{BB962C8B-B14F-4D97-AF65-F5344CB8AC3E}">
+        <p14:creationId xmlns:p14="http://schemas.microsoft.com/office/powerpoint/2010/main" val="4003891620"/>
+      </p:ext>
+    </p:extLst>
+  </p:cSld>
+  <p:clrMapOvr>
+    <a:masterClrMapping/>
+  </p:clrMapOvr>
+</p:sld>
+</file>
+
+<file path=ppt/slides/slide16.xml><?xml version="1.0" encoding="utf-8"?>
 <p:sld xmlns:a="http://schemas.openxmlformats.org/drawingml/2006/main" xmlns:r="http://schemas.openxmlformats.org/officeDocument/2006/relationships" xmlns:p="http://schemas.openxmlformats.org/presentationml/2006/main">
   <p:cSld>
     <p:spTree>
@@ -7360,6 +7637,294 @@
     <p:extLst>
       <p:ext uri="{BB962C8B-B14F-4D97-AF65-F5344CB8AC3E}">
         <p14:creationId xmlns:p14="http://schemas.microsoft.com/office/powerpoint/2010/main" val="649359674"/>
+      </p:ext>
+    </p:extLst>
+  </p:cSld>
+  <p:clrMapOvr>
+    <a:masterClrMapping/>
+  </p:clrMapOvr>
+</p:sld>
+</file>
+
+<file path=ppt/slides/slide17.xml><?xml version="1.0" encoding="utf-8"?>
+<p:sld xmlns:a="http://schemas.openxmlformats.org/drawingml/2006/main" xmlns:r="http://schemas.openxmlformats.org/officeDocument/2006/relationships" xmlns:p="http://schemas.openxmlformats.org/presentationml/2006/main">
+  <p:cSld>
+    <p:spTree>
+      <p:nvGrpSpPr>
+        <p:cNvPr id="1" name=""/>
+        <p:cNvGrpSpPr/>
+        <p:nvPr/>
+      </p:nvGrpSpPr>
+      <p:grpSpPr>
+        <a:xfrm>
+          <a:off x="0" y="0"/>
+          <a:ext cx="0" cy="0"/>
+          <a:chOff x="0" y="0"/>
+          <a:chExt cx="0" cy="0"/>
+        </a:xfrm>
+      </p:grpSpPr>
+      <p:sp>
+        <p:nvSpPr>
+          <p:cNvPr id="2" name="Title 1">
+            <a:extLst>
+              <a:ext uri="{FF2B5EF4-FFF2-40B4-BE49-F238E27FC236}">
+                <a16:creationId xmlns:a16="http://schemas.microsoft.com/office/drawing/2014/main" id="{DA980ABF-8158-4458-B148-CDA7476D6D5B}"/>
+              </a:ext>
+            </a:extLst>
+          </p:cNvPr>
+          <p:cNvSpPr>
+            <a:spLocks noGrp="1"/>
+          </p:cNvSpPr>
+          <p:nvPr>
+            <p:ph type="title"/>
+          </p:nvPr>
+        </p:nvSpPr>
+        <p:spPr/>
+        <p:txBody>
+          <a:bodyPr>
+            <a:normAutofit fontScale="90000"/>
+          </a:bodyPr>
+          <a:lstStyle/>
+          <a:p>
+            <a:r>
+              <a:rPr lang="en-US" sz="2200" dirty="0">
+                <a:solidFill>
+                  <a:srgbClr val="002060"/>
+                </a:solidFill>
+              </a:rPr>
+              <a:t>Inline</a:t>
+            </a:r>
+            <a:br>
+              <a:rPr lang="en-US" dirty="0"/>
+            </a:br>
+            <a:r>
+              <a:rPr lang="en-US" dirty="0"/>
+              <a:t>Step 2: Replace Call</a:t>
+            </a:r>
+          </a:p>
+        </p:txBody>
+      </p:sp>
+      <p:sp>
+        <p:nvSpPr>
+          <p:cNvPr id="3" name="Content Placeholder 2">
+            <a:extLst>
+              <a:ext uri="{FF2B5EF4-FFF2-40B4-BE49-F238E27FC236}">
+                <a16:creationId xmlns:a16="http://schemas.microsoft.com/office/drawing/2014/main" id="{ADDFD673-5B6F-4B6F-B6AD-69444052CE36}"/>
+              </a:ext>
+            </a:extLst>
+          </p:cNvPr>
+          <p:cNvSpPr>
+            <a:spLocks noGrp="1"/>
+          </p:cNvSpPr>
+          <p:nvPr>
+            <p:ph idx="1"/>
+          </p:nvPr>
+        </p:nvSpPr>
+        <p:spPr/>
+        <p:txBody>
+          <a:bodyPr/>
+          <a:lstStyle/>
+          <a:p>
+            <a:endParaRPr lang="en-US"/>
+          </a:p>
+        </p:txBody>
+      </p:sp>
+    </p:spTree>
+    <p:extLst>
+      <p:ext uri="{BB962C8B-B14F-4D97-AF65-F5344CB8AC3E}">
+        <p14:creationId xmlns:p14="http://schemas.microsoft.com/office/powerpoint/2010/main" val="2385298871"/>
+      </p:ext>
+    </p:extLst>
+  </p:cSld>
+  <p:clrMapOvr>
+    <a:masterClrMapping/>
+  </p:clrMapOvr>
+</p:sld>
+</file>
+
+<file path=ppt/slides/slide18.xml><?xml version="1.0" encoding="utf-8"?>
+<p:sld xmlns:a="http://schemas.openxmlformats.org/drawingml/2006/main" xmlns:r="http://schemas.openxmlformats.org/officeDocument/2006/relationships" xmlns:p="http://schemas.openxmlformats.org/presentationml/2006/main">
+  <p:cSld>
+    <p:spTree>
+      <p:nvGrpSpPr>
+        <p:cNvPr id="1" name=""/>
+        <p:cNvGrpSpPr/>
+        <p:nvPr/>
+      </p:nvGrpSpPr>
+      <p:grpSpPr>
+        <a:xfrm>
+          <a:off x="0" y="0"/>
+          <a:ext cx="0" cy="0"/>
+          <a:chOff x="0" y="0"/>
+          <a:chExt cx="0" cy="0"/>
+        </a:xfrm>
+      </p:grpSpPr>
+      <p:sp>
+        <p:nvSpPr>
+          <p:cNvPr id="2" name="Title 1">
+            <a:extLst>
+              <a:ext uri="{FF2B5EF4-FFF2-40B4-BE49-F238E27FC236}">
+                <a16:creationId xmlns:a16="http://schemas.microsoft.com/office/drawing/2014/main" id="{A3F3E1CF-733D-4EAA-A4A4-EFE33F6F4D1E}"/>
+              </a:ext>
+            </a:extLst>
+          </p:cNvPr>
+          <p:cNvSpPr>
+            <a:spLocks noGrp="1"/>
+          </p:cNvSpPr>
+          <p:nvPr>
+            <p:ph type="title"/>
+          </p:nvPr>
+        </p:nvSpPr>
+        <p:spPr/>
+        <p:txBody>
+          <a:bodyPr>
+            <a:normAutofit fontScale="90000"/>
+          </a:bodyPr>
+          <a:lstStyle/>
+          <a:p>
+            <a:r>
+              <a:rPr lang="en-US" sz="2200" dirty="0">
+                <a:solidFill>
+                  <a:srgbClr val="002060"/>
+                </a:solidFill>
+              </a:rPr>
+              <a:t>Inline</a:t>
+            </a:r>
+            <a:br>
+              <a:rPr lang="en-US" dirty="0"/>
+            </a:br>
+            <a:r>
+              <a:rPr lang="en-US" dirty="0"/>
+              <a:t>Step 3: Delete Declaration</a:t>
+            </a:r>
+          </a:p>
+        </p:txBody>
+      </p:sp>
+      <p:sp>
+        <p:nvSpPr>
+          <p:cNvPr id="3" name="Content Placeholder 2">
+            <a:extLst>
+              <a:ext uri="{FF2B5EF4-FFF2-40B4-BE49-F238E27FC236}">
+                <a16:creationId xmlns:a16="http://schemas.microsoft.com/office/drawing/2014/main" id="{4C47954A-2906-4D59-8585-23E7BB9A1A3B}"/>
+              </a:ext>
+            </a:extLst>
+          </p:cNvPr>
+          <p:cNvSpPr>
+            <a:spLocks noGrp="1"/>
+          </p:cNvSpPr>
+          <p:nvPr>
+            <p:ph idx="1"/>
+          </p:nvPr>
+        </p:nvSpPr>
+        <p:spPr/>
+        <p:txBody>
+          <a:bodyPr/>
+          <a:lstStyle/>
+          <a:p>
+            <a:endParaRPr lang="en-US"/>
+          </a:p>
+        </p:txBody>
+      </p:sp>
+    </p:spTree>
+    <p:extLst>
+      <p:ext uri="{BB962C8B-B14F-4D97-AF65-F5344CB8AC3E}">
+        <p14:creationId xmlns:p14="http://schemas.microsoft.com/office/powerpoint/2010/main" val="554729800"/>
+      </p:ext>
+    </p:extLst>
+  </p:cSld>
+  <p:clrMapOvr>
+    <a:masterClrMapping/>
+  </p:clrMapOvr>
+</p:sld>
+</file>
+
+<file path=ppt/slides/slide19.xml><?xml version="1.0" encoding="utf-8"?>
+<p:sld xmlns:a="http://schemas.openxmlformats.org/drawingml/2006/main" xmlns:r="http://schemas.openxmlformats.org/officeDocument/2006/relationships" xmlns:p="http://schemas.openxmlformats.org/presentationml/2006/main">
+  <p:cSld>
+    <p:spTree>
+      <p:nvGrpSpPr>
+        <p:cNvPr id="1" name=""/>
+        <p:cNvGrpSpPr/>
+        <p:nvPr/>
+      </p:nvGrpSpPr>
+      <p:grpSpPr>
+        <a:xfrm>
+          <a:off x="0" y="0"/>
+          <a:ext cx="0" cy="0"/>
+          <a:chOff x="0" y="0"/>
+          <a:chExt cx="0" cy="0"/>
+        </a:xfrm>
+      </p:grpSpPr>
+      <p:sp>
+        <p:nvSpPr>
+          <p:cNvPr id="2" name="Title 1">
+            <a:extLst>
+              <a:ext uri="{FF2B5EF4-FFF2-40B4-BE49-F238E27FC236}">
+                <a16:creationId xmlns:a16="http://schemas.microsoft.com/office/drawing/2014/main" id="{3D4EAE92-26B5-43BA-BF3C-B8A35C8C41C0}"/>
+              </a:ext>
+            </a:extLst>
+          </p:cNvPr>
+          <p:cNvSpPr>
+            <a:spLocks noGrp="1"/>
+          </p:cNvSpPr>
+          <p:nvPr>
+            <p:ph type="title"/>
+          </p:nvPr>
+        </p:nvSpPr>
+        <p:spPr/>
+        <p:txBody>
+          <a:bodyPr>
+            <a:normAutofit fontScale="90000"/>
+          </a:bodyPr>
+          <a:lstStyle/>
+          <a:p>
+            <a:r>
+              <a:rPr lang="en-US" sz="2200" dirty="0">
+                <a:solidFill>
+                  <a:srgbClr val="002060"/>
+                </a:solidFill>
+              </a:rPr>
+              <a:t>Inline</a:t>
+            </a:r>
+            <a:br>
+              <a:rPr lang="en-US" dirty="0"/>
+            </a:br>
+            <a:r>
+              <a:rPr lang="en-US" dirty="0"/>
+              <a:t>Problem: Recursive Calls</a:t>
+            </a:r>
+          </a:p>
+        </p:txBody>
+      </p:sp>
+      <p:sp>
+        <p:nvSpPr>
+          <p:cNvPr id="3" name="Content Placeholder 2">
+            <a:extLst>
+              <a:ext uri="{FF2B5EF4-FFF2-40B4-BE49-F238E27FC236}">
+                <a16:creationId xmlns:a16="http://schemas.microsoft.com/office/drawing/2014/main" id="{F244BE0B-79E0-4B2E-9ED3-06BC7CAB1F21}"/>
+              </a:ext>
+            </a:extLst>
+          </p:cNvPr>
+          <p:cNvSpPr>
+            <a:spLocks noGrp="1"/>
+          </p:cNvSpPr>
+          <p:nvPr>
+            <p:ph idx="1"/>
+          </p:nvPr>
+        </p:nvSpPr>
+        <p:spPr/>
+        <p:txBody>
+          <a:bodyPr/>
+          <a:lstStyle/>
+          <a:p>
+            <a:endParaRPr lang="en-US"/>
+          </a:p>
+        </p:txBody>
+      </p:sp>
+    </p:spTree>
+    <p:extLst>
+      <p:ext uri="{BB962C8B-B14F-4D97-AF65-F5344CB8AC3E}">
+        <p14:creationId xmlns:p14="http://schemas.microsoft.com/office/powerpoint/2010/main" val="1860405798"/>
       </p:ext>
     </p:extLst>
   </p:cSld>
@@ -7419,6 +7984,185 @@
     <p:extLst>
       <p:ext uri="{BB962C8B-B14F-4D97-AF65-F5344CB8AC3E}">
         <p14:creationId xmlns:p14="http://schemas.microsoft.com/office/powerpoint/2010/main" val="1387998412"/>
+      </p:ext>
+    </p:extLst>
+  </p:cSld>
+  <p:clrMapOvr>
+    <a:masterClrMapping/>
+  </p:clrMapOvr>
+</p:sld>
+</file>
+
+<file path=ppt/slides/slide20.xml><?xml version="1.0" encoding="utf-8"?>
+<p:sld xmlns:a="http://schemas.openxmlformats.org/drawingml/2006/main" xmlns:r="http://schemas.openxmlformats.org/officeDocument/2006/relationships" xmlns:p="http://schemas.openxmlformats.org/presentationml/2006/main">
+  <p:cSld>
+    <p:spTree>
+      <p:nvGrpSpPr>
+        <p:cNvPr id="1" name=""/>
+        <p:cNvGrpSpPr/>
+        <p:nvPr/>
+      </p:nvGrpSpPr>
+      <p:grpSpPr>
+        <a:xfrm>
+          <a:off x="0" y="0"/>
+          <a:ext cx="0" cy="0"/>
+          <a:chOff x="0" y="0"/>
+          <a:chExt cx="0" cy="0"/>
+        </a:xfrm>
+      </p:grpSpPr>
+      <p:sp>
+        <p:nvSpPr>
+          <p:cNvPr id="2" name="Title 1">
+            <a:extLst>
+              <a:ext uri="{FF2B5EF4-FFF2-40B4-BE49-F238E27FC236}">
+                <a16:creationId xmlns:a16="http://schemas.microsoft.com/office/drawing/2014/main" id="{8FA142CC-32CA-4044-A89D-077BE90F9827}"/>
+              </a:ext>
+            </a:extLst>
+          </p:cNvPr>
+          <p:cNvSpPr>
+            <a:spLocks noGrp="1"/>
+          </p:cNvSpPr>
+          <p:nvPr>
+            <p:ph type="title"/>
+          </p:nvPr>
+        </p:nvSpPr>
+        <p:spPr/>
+        <p:txBody>
+          <a:bodyPr>
+            <a:normAutofit fontScale="90000"/>
+          </a:bodyPr>
+          <a:lstStyle/>
+          <a:p>
+            <a:r>
+              <a:rPr lang="en-US" sz="2200" dirty="0">
+                <a:solidFill>
+                  <a:srgbClr val="002060"/>
+                </a:solidFill>
+              </a:rPr>
+              <a:t>Inline</a:t>
+            </a:r>
+            <a:br>
+              <a:rPr lang="en-US" dirty="0"/>
+            </a:br>
+            <a:r>
+              <a:rPr lang="en-US" dirty="0"/>
+              <a:t>Solution: Recursive Calls</a:t>
+            </a:r>
+          </a:p>
+        </p:txBody>
+      </p:sp>
+      <p:sp>
+        <p:nvSpPr>
+          <p:cNvPr id="3" name="Content Placeholder 2">
+            <a:extLst>
+              <a:ext uri="{FF2B5EF4-FFF2-40B4-BE49-F238E27FC236}">
+                <a16:creationId xmlns:a16="http://schemas.microsoft.com/office/drawing/2014/main" id="{70D8C59A-7D39-4580-A868-756D617C4AD3}"/>
+              </a:ext>
+            </a:extLst>
+          </p:cNvPr>
+          <p:cNvSpPr>
+            <a:spLocks noGrp="1"/>
+          </p:cNvSpPr>
+          <p:nvPr>
+            <p:ph idx="1"/>
+          </p:nvPr>
+        </p:nvSpPr>
+        <p:spPr/>
+        <p:txBody>
+          <a:bodyPr/>
+          <a:lstStyle/>
+          <a:p>
+            <a:endParaRPr lang="en-US"/>
+          </a:p>
+        </p:txBody>
+      </p:sp>
+    </p:spTree>
+    <p:extLst>
+      <p:ext uri="{BB962C8B-B14F-4D97-AF65-F5344CB8AC3E}">
+        <p14:creationId xmlns:p14="http://schemas.microsoft.com/office/powerpoint/2010/main" val="28210673"/>
+      </p:ext>
+    </p:extLst>
+  </p:cSld>
+  <p:clrMapOvr>
+    <a:masterClrMapping/>
+  </p:clrMapOvr>
+</p:sld>
+</file>
+
+<file path=ppt/slides/slide21.xml><?xml version="1.0" encoding="utf-8"?>
+<p:sld xmlns:a="http://schemas.openxmlformats.org/drawingml/2006/main" xmlns:r="http://schemas.openxmlformats.org/officeDocument/2006/relationships" xmlns:p="http://schemas.openxmlformats.org/presentationml/2006/main">
+  <p:cSld>
+    <p:spTree>
+      <p:nvGrpSpPr>
+        <p:cNvPr id="1" name=""/>
+        <p:cNvGrpSpPr/>
+        <p:nvPr/>
+      </p:nvGrpSpPr>
+      <p:grpSpPr>
+        <a:xfrm>
+          <a:off x="0" y="0"/>
+          <a:ext cx="0" cy="0"/>
+          <a:chOff x="0" y="0"/>
+          <a:chExt cx="0" cy="0"/>
+        </a:xfrm>
+      </p:grpSpPr>
+      <p:sp>
+        <p:nvSpPr>
+          <p:cNvPr id="2" name="Title 1">
+            <a:extLst>
+              <a:ext uri="{FF2B5EF4-FFF2-40B4-BE49-F238E27FC236}">
+                <a16:creationId xmlns:a16="http://schemas.microsoft.com/office/drawing/2014/main" id="{795A6E4F-00C5-4C1D-BA8D-FEB9CF1BB993}"/>
+              </a:ext>
+            </a:extLst>
+          </p:cNvPr>
+          <p:cNvSpPr>
+            <a:spLocks noGrp="1"/>
+          </p:cNvSpPr>
+          <p:nvPr>
+            <p:ph type="title"/>
+          </p:nvPr>
+        </p:nvSpPr>
+        <p:spPr/>
+        <p:txBody>
+          <a:bodyPr/>
+          <a:lstStyle/>
+          <a:p>
+            <a:r>
+              <a:rPr lang="en-US" dirty="0"/>
+              <a:t>Conclusion</a:t>
+            </a:r>
+          </a:p>
+        </p:txBody>
+      </p:sp>
+      <p:sp>
+        <p:nvSpPr>
+          <p:cNvPr id="3" name="Content Placeholder 2">
+            <a:extLst>
+              <a:ext uri="{FF2B5EF4-FFF2-40B4-BE49-F238E27FC236}">
+                <a16:creationId xmlns:a16="http://schemas.microsoft.com/office/drawing/2014/main" id="{F2C291AE-9DAB-4A55-88EB-F6FC1A3ACAE3}"/>
+              </a:ext>
+            </a:extLst>
+          </p:cNvPr>
+          <p:cNvSpPr>
+            <a:spLocks noGrp="1"/>
+          </p:cNvSpPr>
+          <p:nvPr>
+            <p:ph idx="1"/>
+          </p:nvPr>
+        </p:nvSpPr>
+        <p:spPr/>
+        <p:txBody>
+          <a:bodyPr/>
+          <a:lstStyle/>
+          <a:p>
+            <a:endParaRPr lang="en-US"/>
+          </a:p>
+        </p:txBody>
+      </p:sp>
+    </p:spTree>
+    <p:extLst>
+      <p:ext uri="{BB962C8B-B14F-4D97-AF65-F5344CB8AC3E}">
+        <p14:creationId xmlns:p14="http://schemas.microsoft.com/office/powerpoint/2010/main" val="1803745701"/>
       </p:ext>
     </p:extLst>
   </p:cSld>

--- a/presentation/Misteli_Refactoring_in_Spoofax.pptx
+++ b/presentation/Misteli_Refactoring_in_Spoofax.pptx
@@ -6,10 +6,10 @@
     <p:sldMasterId id="2147483660" r:id="rId2"/>
   </p:sldMasterIdLst>
   <p:notesMasterIdLst>
-    <p:notesMasterId r:id="rId24"/>
+    <p:notesMasterId r:id="rId28"/>
   </p:notesMasterIdLst>
   <p:handoutMasterIdLst>
-    <p:handoutMasterId r:id="rId25"/>
+    <p:handoutMasterId r:id="rId29"/>
   </p:handoutMasterIdLst>
   <p:sldIdLst>
     <p:sldId id="256" r:id="rId3"/>
@@ -22,17 +22,21 @@
     <p:sldId id="279" r:id="rId10"/>
     <p:sldId id="276" r:id="rId11"/>
     <p:sldId id="280" r:id="rId12"/>
-    <p:sldId id="277" r:id="rId13"/>
-    <p:sldId id="278" r:id="rId14"/>
-    <p:sldId id="283" r:id="rId15"/>
-    <p:sldId id="282" r:id="rId16"/>
-    <p:sldId id="284" r:id="rId17"/>
-    <p:sldId id="281" r:id="rId18"/>
-    <p:sldId id="285" r:id="rId19"/>
-    <p:sldId id="286" r:id="rId20"/>
-    <p:sldId id="287" r:id="rId21"/>
-    <p:sldId id="288" r:id="rId22"/>
-    <p:sldId id="289" r:id="rId23"/>
+    <p:sldId id="290" r:id="rId13"/>
+    <p:sldId id="277" r:id="rId14"/>
+    <p:sldId id="291" r:id="rId15"/>
+    <p:sldId id="292" r:id="rId16"/>
+    <p:sldId id="283" r:id="rId17"/>
+    <p:sldId id="282" r:id="rId18"/>
+    <p:sldId id="284" r:id="rId19"/>
+    <p:sldId id="293" r:id="rId20"/>
+    <p:sldId id="294" r:id="rId21"/>
+    <p:sldId id="281" r:id="rId22"/>
+    <p:sldId id="285" r:id="rId23"/>
+    <p:sldId id="286" r:id="rId24"/>
+    <p:sldId id="287" r:id="rId25"/>
+    <p:sldId id="288" r:id="rId26"/>
+    <p:sldId id="289" r:id="rId27"/>
   </p:sldIdLst>
   <p:sldSz cx="9144000" cy="5143500" type="screen16x9"/>
   <p:notesSz cx="6858000" cy="9144000"/>
@@ -2865,7 +2869,7 @@
           <a:p>
             <a:fld id="{DBAE3B3E-782A-9745-8E84-372F7B6771BF}" type="datetimeFigureOut">
               <a:rPr lang="en-US" smtClean="0"/>
-              <a:t>6/13/2019</a:t>
+              <a:t>6/22/2019</a:t>
             </a:fld>
             <a:endParaRPr lang="en-US" dirty="0"/>
           </a:p>
@@ -3030,7 +3034,7 @@
           <a:p>
             <a:fld id="{C726C102-7355-4784-A102-F67F03D4410F}" type="datetimeFigureOut">
               <a:rPr lang="LID4096" smtClean="0"/>
-              <a:t>06/13/2019</a:t>
+              <a:t>06/22/2019</a:t>
             </a:fld>
             <a:endParaRPr lang="LID4096"/>
           </a:p>
@@ -4137,7 +4141,7 @@
           <a:p>
             <a:fld id="{57469752-A353-4215-9498-7371F7601A20}" type="slidenum">
               <a:rPr lang="LID4096" smtClean="0"/>
-              <a:t>11</a:t>
+              <a:t>12</a:t>
             </a:fld>
             <a:endParaRPr lang="LID4096"/>
           </a:p>
@@ -4147,6 +4151,188 @@
     <p:extLst>
       <p:ext uri="{BB962C8B-B14F-4D97-AF65-F5344CB8AC3E}">
         <p14:creationId xmlns:p14="http://schemas.microsoft.com/office/powerpoint/2010/main" val="1634490456"/>
+      </p:ext>
+    </p:extLst>
+  </p:cSld>
+  <p:clrMapOvr>
+    <a:masterClrMapping/>
+  </p:clrMapOvr>
+</p:notes>
+</file>
+
+<file path=ppt/notesSlides/notesSlide8.xml><?xml version="1.0" encoding="utf-8"?>
+<p:notes xmlns:a="http://schemas.openxmlformats.org/drawingml/2006/main" xmlns:r="http://schemas.openxmlformats.org/officeDocument/2006/relationships" xmlns:p="http://schemas.openxmlformats.org/presentationml/2006/main">
+  <p:cSld>
+    <p:spTree>
+      <p:nvGrpSpPr>
+        <p:cNvPr id="1" name=""/>
+        <p:cNvGrpSpPr/>
+        <p:nvPr/>
+      </p:nvGrpSpPr>
+      <p:grpSpPr>
+        <a:xfrm>
+          <a:off x="0" y="0"/>
+          <a:ext cx="0" cy="0"/>
+          <a:chOff x="0" y="0"/>
+          <a:chExt cx="0" cy="0"/>
+        </a:xfrm>
+      </p:grpSpPr>
+      <p:sp>
+        <p:nvSpPr>
+          <p:cNvPr id="2" name="Slide Image Placeholder 1"/>
+          <p:cNvSpPr>
+            <a:spLocks noGrp="1" noRot="1" noChangeAspect="1"/>
+          </p:cNvSpPr>
+          <p:nvPr>
+            <p:ph type="sldImg"/>
+          </p:nvPr>
+        </p:nvSpPr>
+        <p:spPr/>
+      </p:sp>
+      <p:sp>
+        <p:nvSpPr>
+          <p:cNvPr id="3" name="Notes Placeholder 2"/>
+          <p:cNvSpPr>
+            <a:spLocks noGrp="1"/>
+          </p:cNvSpPr>
+          <p:nvPr>
+            <p:ph type="body" idx="1"/>
+          </p:nvPr>
+        </p:nvSpPr>
+        <p:spPr/>
+        <p:txBody>
+          <a:bodyPr/>
+          <a:lstStyle/>
+          <a:p>
+            <a:pPr marL="171450" indent="-171450">
+              <a:buFont typeface="Arial" panose="020B0604020202020204" pitchFamily="34" charset="0"/>
+              <a:buChar char="•"/>
+            </a:pPr>
+            <a:r>
+              <a:rPr lang="en-US" dirty="0"/>
+              <a:t>Collect-One strategy</a:t>
+            </a:r>
+          </a:p>
+        </p:txBody>
+      </p:sp>
+      <p:sp>
+        <p:nvSpPr>
+          <p:cNvPr id="4" name="Slide Number Placeholder 3"/>
+          <p:cNvSpPr>
+            <a:spLocks noGrp="1"/>
+          </p:cNvSpPr>
+          <p:nvPr>
+            <p:ph type="sldNum" sz="quarter" idx="5"/>
+          </p:nvPr>
+        </p:nvSpPr>
+        <p:spPr/>
+        <p:txBody>
+          <a:bodyPr/>
+          <a:lstStyle/>
+          <a:p>
+            <a:fld id="{57469752-A353-4215-9498-7371F7601A20}" type="slidenum">
+              <a:rPr lang="LID4096" smtClean="0"/>
+              <a:t>13</a:t>
+            </a:fld>
+            <a:endParaRPr lang="LID4096"/>
+          </a:p>
+        </p:txBody>
+      </p:sp>
+    </p:spTree>
+    <p:extLst>
+      <p:ext uri="{BB962C8B-B14F-4D97-AF65-F5344CB8AC3E}">
+        <p14:creationId xmlns:p14="http://schemas.microsoft.com/office/powerpoint/2010/main" val="2280943118"/>
+      </p:ext>
+    </p:extLst>
+  </p:cSld>
+  <p:clrMapOvr>
+    <a:masterClrMapping/>
+  </p:clrMapOvr>
+</p:notes>
+</file>
+
+<file path=ppt/notesSlides/notesSlide9.xml><?xml version="1.0" encoding="utf-8"?>
+<p:notes xmlns:a="http://schemas.openxmlformats.org/drawingml/2006/main" xmlns:r="http://schemas.openxmlformats.org/officeDocument/2006/relationships" xmlns:p="http://schemas.openxmlformats.org/presentationml/2006/main">
+  <p:cSld>
+    <p:spTree>
+      <p:nvGrpSpPr>
+        <p:cNvPr id="1" name=""/>
+        <p:cNvGrpSpPr/>
+        <p:nvPr/>
+      </p:nvGrpSpPr>
+      <p:grpSpPr>
+        <a:xfrm>
+          <a:off x="0" y="0"/>
+          <a:ext cx="0" cy="0"/>
+          <a:chOff x="0" y="0"/>
+          <a:chExt cx="0" cy="0"/>
+        </a:xfrm>
+      </p:grpSpPr>
+      <p:sp>
+        <p:nvSpPr>
+          <p:cNvPr id="2" name="Slide Image Placeholder 1"/>
+          <p:cNvSpPr>
+            <a:spLocks noGrp="1" noRot="1" noChangeAspect="1"/>
+          </p:cNvSpPr>
+          <p:nvPr>
+            <p:ph type="sldImg"/>
+          </p:nvPr>
+        </p:nvSpPr>
+        <p:spPr/>
+      </p:sp>
+      <p:sp>
+        <p:nvSpPr>
+          <p:cNvPr id="3" name="Notes Placeholder 2"/>
+          <p:cNvSpPr>
+            <a:spLocks noGrp="1"/>
+          </p:cNvSpPr>
+          <p:nvPr>
+            <p:ph type="body" idx="1"/>
+          </p:nvPr>
+        </p:nvSpPr>
+        <p:spPr/>
+        <p:txBody>
+          <a:bodyPr/>
+          <a:lstStyle/>
+          <a:p>
+            <a:pPr marL="171450" indent="-171450">
+              <a:buFont typeface="Arial" panose="020B0604020202020204" pitchFamily="34" charset="0"/>
+              <a:buChar char="•"/>
+            </a:pPr>
+            <a:r>
+              <a:rPr lang="en-US" dirty="0"/>
+              <a:t>Collect-One strategy</a:t>
+            </a:r>
+          </a:p>
+        </p:txBody>
+      </p:sp>
+      <p:sp>
+        <p:nvSpPr>
+          <p:cNvPr id="4" name="Slide Number Placeholder 3"/>
+          <p:cNvSpPr>
+            <a:spLocks noGrp="1"/>
+          </p:cNvSpPr>
+          <p:nvPr>
+            <p:ph type="sldNum" sz="quarter" idx="5"/>
+          </p:nvPr>
+        </p:nvSpPr>
+        <p:spPr/>
+        <p:txBody>
+          <a:bodyPr/>
+          <a:lstStyle/>
+          <a:p>
+            <a:fld id="{57469752-A353-4215-9498-7371F7601A20}" type="slidenum">
+              <a:rPr lang="LID4096" smtClean="0"/>
+              <a:t>14</a:t>
+            </a:fld>
+            <a:endParaRPr lang="LID4096"/>
+          </a:p>
+        </p:txBody>
+      </p:sp>
+    </p:spTree>
+    <p:extLst>
+      <p:ext uri="{BB962C8B-B14F-4D97-AF65-F5344CB8AC3E}">
+        <p14:creationId xmlns:p14="http://schemas.microsoft.com/office/powerpoint/2010/main" val="2376697861"/>
       </p:ext>
     </p:extLst>
   </p:cSld>
@@ -4813,7 +4999,7 @@
           <a:p>
             <a:fld id="{462A2416-1570-3849-86F9-07F78746E1B2}" type="datetimeFigureOut">
               <a:rPr lang="en-US" smtClean="0"/>
-              <a:t>6/13/2019</a:t>
+              <a:t>6/22/2019</a:t>
             </a:fld>
             <a:endParaRPr lang="en-US" dirty="0"/>
           </a:p>
@@ -6355,7 +6541,7 @@
           <p:cNvPr id="2" name="Title 1">
             <a:extLst>
               <a:ext uri="{FF2B5EF4-FFF2-40B4-BE49-F238E27FC236}">
-                <a16:creationId xmlns:a16="http://schemas.microsoft.com/office/drawing/2014/main" id="{6336A7E4-483D-4676-A512-DDF962A8B424}"/>
+                <a16:creationId xmlns:a16="http://schemas.microsoft.com/office/drawing/2014/main" id="{07EC6741-6FD8-44DB-9E0C-75AA8E337F93}"/>
               </a:ext>
             </a:extLst>
           </p:cNvPr>
@@ -6386,7 +6572,7 @@
             </a:br>
             <a:r>
               <a:rPr lang="en-US" dirty="0"/>
-              <a:t>Step 1: Find Target Declaration</a:t>
+              <a:t>The Foo Challenge</a:t>
             </a:r>
           </a:p>
         </p:txBody>
@@ -6396,7 +6582,7 @@
           <p:cNvPr id="5" name="Picture 4">
             <a:extLst>
               <a:ext uri="{FF2B5EF4-FFF2-40B4-BE49-F238E27FC236}">
-                <a16:creationId xmlns:a16="http://schemas.microsoft.com/office/drawing/2014/main" id="{79B6316B-D9D9-43F2-A2AD-69A47AD30934}"/>
+                <a16:creationId xmlns:a16="http://schemas.microsoft.com/office/drawing/2014/main" id="{187F0D93-9DAC-4582-B641-0D620D822BF8}"/>
               </a:ext>
             </a:extLst>
           </p:cNvPr>
@@ -6406,341 +6592,25 @@
           <p:nvPr/>
         </p:nvPicPr>
         <p:blipFill>
-          <a:blip r:embed="rId3"/>
+          <a:blip r:embed="rId2"/>
           <a:stretch>
             <a:fillRect/>
           </a:stretch>
         </p:blipFill>
         <p:spPr>
           <a:xfrm>
-            <a:off x="1763106" y="2104765"/>
-            <a:ext cx="2513053" cy="933970"/>
+            <a:off x="2847458" y="1063229"/>
+            <a:ext cx="4937760" cy="3943711"/>
           </a:xfrm>
           <a:prstGeom prst="rect">
             <a:avLst/>
           </a:prstGeom>
         </p:spPr>
       </p:pic>
-      <p:sp>
-        <p:nvSpPr>
-          <p:cNvPr id="6" name="Oval 5">
-            <a:extLst>
-              <a:ext uri="{FF2B5EF4-FFF2-40B4-BE49-F238E27FC236}">
-                <a16:creationId xmlns:a16="http://schemas.microsoft.com/office/drawing/2014/main" id="{C650F7E7-E845-45CF-A568-459E649BC525}"/>
-              </a:ext>
-            </a:extLst>
-          </p:cNvPr>
-          <p:cNvSpPr/>
-          <p:nvPr/>
-        </p:nvSpPr>
-        <p:spPr>
-          <a:xfrm>
-            <a:off x="6204857" y="1779814"/>
-            <a:ext cx="595993" cy="530679"/>
-          </a:xfrm>
-          <a:prstGeom prst="ellipse">
-            <a:avLst/>
-          </a:prstGeom>
-        </p:spPr>
-        <p:style>
-          <a:lnRef idx="2">
-            <a:schemeClr val="dk1"/>
-          </a:lnRef>
-          <a:fillRef idx="1">
-            <a:schemeClr val="lt1"/>
-          </a:fillRef>
-          <a:effectRef idx="0">
-            <a:schemeClr val="dk1"/>
-          </a:effectRef>
-          <a:fontRef idx="minor">
-            <a:schemeClr val="dk1"/>
-          </a:fontRef>
-        </p:style>
-        <p:txBody>
-          <a:bodyPr rtlCol="0" anchor="ctr"/>
-          <a:lstStyle/>
-          <a:p>
-            <a:pPr algn="ctr"/>
-            <a:r>
-              <a:rPr lang="en-US" dirty="0"/>
-              <a:t>0</a:t>
-            </a:r>
-          </a:p>
-        </p:txBody>
-      </p:sp>
-      <p:sp>
-        <p:nvSpPr>
-          <p:cNvPr id="7" name="Oval 6">
-            <a:extLst>
-              <a:ext uri="{FF2B5EF4-FFF2-40B4-BE49-F238E27FC236}">
-                <a16:creationId xmlns:a16="http://schemas.microsoft.com/office/drawing/2014/main" id="{A56C4AEE-8DDB-4A18-AD45-8EBD68BD32AC}"/>
-              </a:ext>
-            </a:extLst>
-          </p:cNvPr>
-          <p:cNvSpPr/>
-          <p:nvPr/>
-        </p:nvSpPr>
-        <p:spPr>
-          <a:xfrm>
-            <a:off x="6204856" y="3189514"/>
-            <a:ext cx="595993" cy="530679"/>
-          </a:xfrm>
-          <a:prstGeom prst="ellipse">
-            <a:avLst/>
-          </a:prstGeom>
-        </p:spPr>
-        <p:style>
-          <a:lnRef idx="2">
-            <a:schemeClr val="dk1"/>
-          </a:lnRef>
-          <a:fillRef idx="1">
-            <a:schemeClr val="lt1"/>
-          </a:fillRef>
-          <a:effectRef idx="0">
-            <a:schemeClr val="dk1"/>
-          </a:effectRef>
-          <a:fontRef idx="minor">
-            <a:schemeClr val="dk1"/>
-          </a:fontRef>
-        </p:style>
-        <p:txBody>
-          <a:bodyPr rtlCol="0" anchor="ctr"/>
-          <a:lstStyle/>
-          <a:p>
-            <a:pPr algn="ctr"/>
-            <a:r>
-              <a:rPr lang="en-US" dirty="0"/>
-              <a:t>1</a:t>
-            </a:r>
-          </a:p>
-        </p:txBody>
-      </p:sp>
-      <p:sp>
-        <p:nvSpPr>
-          <p:cNvPr id="8" name="Rectangle 7">
-            <a:extLst>
-              <a:ext uri="{FF2B5EF4-FFF2-40B4-BE49-F238E27FC236}">
-                <a16:creationId xmlns:a16="http://schemas.microsoft.com/office/drawing/2014/main" id="{D2715158-6D12-4061-8B9B-58A76EDE2333}"/>
-              </a:ext>
-            </a:extLst>
-          </p:cNvPr>
-          <p:cNvSpPr/>
-          <p:nvPr/>
-        </p:nvSpPr>
-        <p:spPr>
-          <a:xfrm>
-            <a:off x="5018342" y="3189514"/>
-            <a:ext cx="595992" cy="530679"/>
-          </a:xfrm>
-          <a:prstGeom prst="rect">
-            <a:avLst/>
-          </a:prstGeom>
-        </p:spPr>
-        <p:style>
-          <a:lnRef idx="2">
-            <a:schemeClr val="accent4"/>
-          </a:lnRef>
-          <a:fillRef idx="1">
-            <a:schemeClr val="lt1"/>
-          </a:fillRef>
-          <a:effectRef idx="0">
-            <a:schemeClr val="accent4"/>
-          </a:effectRef>
-          <a:fontRef idx="minor">
-            <a:schemeClr val="dk1"/>
-          </a:fontRef>
-        </p:style>
-        <p:txBody>
-          <a:bodyPr rtlCol="0" anchor="ctr"/>
-          <a:lstStyle/>
-          <a:p>
-            <a:pPr algn="ctr"/>
-            <a:r>
-              <a:rPr lang="en-US" sz="1600" dirty="0"/>
-              <a:t>msg</a:t>
-            </a:r>
-          </a:p>
-        </p:txBody>
-      </p:sp>
-      <p:cxnSp>
-        <p:nvCxnSpPr>
-          <p:cNvPr id="10" name="Straight Arrow Connector 9">
-            <a:extLst>
-              <a:ext uri="{FF2B5EF4-FFF2-40B4-BE49-F238E27FC236}">
-                <a16:creationId xmlns:a16="http://schemas.microsoft.com/office/drawing/2014/main" id="{BEA1BE00-E4B8-4535-B6EB-43A2BFE0F0CB}"/>
-              </a:ext>
-            </a:extLst>
-          </p:cNvPr>
-          <p:cNvCxnSpPr>
-            <a:stCxn id="7" idx="0"/>
-            <a:endCxn id="6" idx="4"/>
-          </p:cNvCxnSpPr>
-          <p:nvPr/>
-        </p:nvCxnSpPr>
-        <p:spPr>
-          <a:xfrm flipV="1">
-            <a:off x="6502853" y="2310493"/>
-            <a:ext cx="1" cy="879021"/>
-          </a:xfrm>
-          <a:prstGeom prst="straightConnector1">
-            <a:avLst/>
-          </a:prstGeom>
-          <a:ln>
-            <a:tailEnd type="triangle"/>
-          </a:ln>
-        </p:spPr>
-        <p:style>
-          <a:lnRef idx="2">
-            <a:schemeClr val="dk1"/>
-          </a:lnRef>
-          <a:fillRef idx="0">
-            <a:schemeClr val="dk1"/>
-          </a:fillRef>
-          <a:effectRef idx="1">
-            <a:schemeClr val="dk1"/>
-          </a:effectRef>
-          <a:fontRef idx="minor">
-            <a:schemeClr val="tx1"/>
-          </a:fontRef>
-        </p:style>
-      </p:cxnSp>
-      <p:cxnSp>
-        <p:nvCxnSpPr>
-          <p:cNvPr id="12" name="Straight Arrow Connector 11">
-            <a:extLst>
-              <a:ext uri="{FF2B5EF4-FFF2-40B4-BE49-F238E27FC236}">
-                <a16:creationId xmlns:a16="http://schemas.microsoft.com/office/drawing/2014/main" id="{6A737AF1-688B-4A43-8155-1E00625A6BD9}"/>
-              </a:ext>
-            </a:extLst>
-          </p:cNvPr>
-          <p:cNvCxnSpPr>
-            <a:stCxn id="7" idx="2"/>
-            <a:endCxn id="8" idx="3"/>
-          </p:cNvCxnSpPr>
-          <p:nvPr/>
-        </p:nvCxnSpPr>
-        <p:spPr>
-          <a:xfrm flipH="1">
-            <a:off x="5614334" y="3454854"/>
-            <a:ext cx="590522" cy="0"/>
-          </a:xfrm>
-          <a:prstGeom prst="straightConnector1">
-            <a:avLst/>
-          </a:prstGeom>
-          <a:ln>
-            <a:tailEnd type="triangle"/>
-          </a:ln>
-        </p:spPr>
-        <p:style>
-          <a:lnRef idx="2">
-            <a:schemeClr val="dk1"/>
-          </a:lnRef>
-          <a:fillRef idx="0">
-            <a:schemeClr val="dk1"/>
-          </a:fillRef>
-          <a:effectRef idx="1">
-            <a:schemeClr val="dk1"/>
-          </a:effectRef>
-          <a:fontRef idx="minor">
-            <a:schemeClr val="tx1"/>
-          </a:fontRef>
-        </p:style>
-      </p:cxnSp>
-      <p:sp>
-        <p:nvSpPr>
-          <p:cNvPr id="14" name="Rectangle 13">
-            <a:extLst>
-              <a:ext uri="{FF2B5EF4-FFF2-40B4-BE49-F238E27FC236}">
-                <a16:creationId xmlns:a16="http://schemas.microsoft.com/office/drawing/2014/main" id="{E13D23E0-5115-4875-9A70-0CEC52AA547A}"/>
-              </a:ext>
-            </a:extLst>
-          </p:cNvPr>
-          <p:cNvSpPr/>
-          <p:nvPr/>
-        </p:nvSpPr>
-        <p:spPr>
-          <a:xfrm>
-            <a:off x="7554714" y="1785257"/>
-            <a:ext cx="595992" cy="530679"/>
-          </a:xfrm>
-          <a:prstGeom prst="rect">
-            <a:avLst/>
-          </a:prstGeom>
-        </p:spPr>
-        <p:style>
-          <a:lnRef idx="2">
-            <a:schemeClr val="accent4">
-              <a:shade val="50000"/>
-            </a:schemeClr>
-          </a:lnRef>
-          <a:fillRef idx="1">
-            <a:schemeClr val="accent4"/>
-          </a:fillRef>
-          <a:effectRef idx="0">
-            <a:schemeClr val="accent4"/>
-          </a:effectRef>
-          <a:fontRef idx="minor">
-            <a:schemeClr val="lt1"/>
-          </a:fontRef>
-        </p:style>
-        <p:txBody>
-          <a:bodyPr rtlCol="0" anchor="ctr"/>
-          <a:lstStyle/>
-          <a:p>
-            <a:pPr algn="ctr"/>
-            <a:r>
-              <a:rPr lang="en-US" sz="1600" dirty="0"/>
-              <a:t>msg</a:t>
-            </a:r>
-          </a:p>
-        </p:txBody>
-      </p:sp>
-      <p:cxnSp>
-        <p:nvCxnSpPr>
-          <p:cNvPr id="16" name="Straight Arrow Connector 15">
-            <a:extLst>
-              <a:ext uri="{FF2B5EF4-FFF2-40B4-BE49-F238E27FC236}">
-                <a16:creationId xmlns:a16="http://schemas.microsoft.com/office/drawing/2014/main" id="{C537E16C-DA83-457E-AC4D-F272D58683FF}"/>
-              </a:ext>
-            </a:extLst>
-          </p:cNvPr>
-          <p:cNvCxnSpPr>
-            <a:stCxn id="6" idx="6"/>
-            <a:endCxn id="14" idx="1"/>
-          </p:cNvCxnSpPr>
-          <p:nvPr/>
-        </p:nvCxnSpPr>
-        <p:spPr>
-          <a:xfrm>
-            <a:off x="6800850" y="2045154"/>
-            <a:ext cx="753864" cy="5443"/>
-          </a:xfrm>
-          <a:prstGeom prst="straightConnector1">
-            <a:avLst/>
-          </a:prstGeom>
-          <a:ln>
-            <a:tailEnd type="triangle"/>
-          </a:ln>
-        </p:spPr>
-        <p:style>
-          <a:lnRef idx="2">
-            <a:schemeClr val="dk1"/>
-          </a:lnRef>
-          <a:fillRef idx="0">
-            <a:schemeClr val="dk1"/>
-          </a:fillRef>
-          <a:effectRef idx="1">
-            <a:schemeClr val="dk1"/>
-          </a:effectRef>
-          <a:fontRef idx="minor">
-            <a:schemeClr val="tx1"/>
-          </a:fontRef>
-        </p:style>
-      </p:cxnSp>
     </p:spTree>
     <p:extLst>
       <p:ext uri="{BB962C8B-B14F-4D97-AF65-F5344CB8AC3E}">
-        <p14:creationId xmlns:p14="http://schemas.microsoft.com/office/powerpoint/2010/main" val="3896276527"/>
+        <p14:creationId xmlns:p14="http://schemas.microsoft.com/office/powerpoint/2010/main" val="2322508802"/>
       </p:ext>
     </p:extLst>
   </p:cSld>
@@ -6772,7 +6642,7 @@
           <p:cNvPr id="2" name="Title 1">
             <a:extLst>
               <a:ext uri="{FF2B5EF4-FFF2-40B4-BE49-F238E27FC236}">
-                <a16:creationId xmlns:a16="http://schemas.microsoft.com/office/drawing/2014/main" id="{F9793D32-27AD-46D2-BD8C-4FBF315BCCAF}"/>
+                <a16:creationId xmlns:a16="http://schemas.microsoft.com/office/drawing/2014/main" id="{6336A7E4-483D-4676-A512-DDF962A8B424}"/>
               </a:ext>
             </a:extLst>
           </p:cNvPr>
@@ -6786,12 +6656,12 @@
         <p:spPr/>
         <p:txBody>
           <a:bodyPr>
-            <a:normAutofit/>
+            <a:normAutofit fontScale="90000"/>
           </a:bodyPr>
           <a:lstStyle/>
           <a:p>
             <a:r>
-              <a:rPr lang="en-US" sz="1600" dirty="0">
+              <a:rPr lang="en-US" sz="2200" dirty="0">
                 <a:solidFill>
                   <a:srgbClr val="002060"/>
                 </a:solidFill>
@@ -6799,17 +6669,12 @@
               <a:t>Renaming</a:t>
             </a:r>
             <a:br>
-              <a:rPr lang="en-US" sz="2400" dirty="0"/>
+              <a:rPr lang="en-US" dirty="0"/>
             </a:br>
             <a:r>
-              <a:rPr lang="en-US" sz="2400" dirty="0"/>
-              <a:t>Step 2: Replace Identifiers of </a:t>
-            </a:r>
-            <a:r>
-              <a:rPr lang="en-US" sz="2400" dirty="0" err="1"/>
-              <a:t>Occurences</a:t>
-            </a:r>
-            <a:endParaRPr lang="en-US" dirty="0"/>
+              <a:rPr lang="en-US" dirty="0"/>
+              <a:t>Step 1: Select Occurrence</a:t>
+            </a:r>
           </a:p>
         </p:txBody>
       </p:sp>
@@ -6818,7 +6683,7 @@
           <p:cNvPr id="4" name="Picture 3">
             <a:extLst>
               <a:ext uri="{FF2B5EF4-FFF2-40B4-BE49-F238E27FC236}">
-                <a16:creationId xmlns:a16="http://schemas.microsoft.com/office/drawing/2014/main" id="{B0C1F266-EA05-4D3E-B7E8-136DAE477B98}"/>
+                <a16:creationId xmlns:a16="http://schemas.microsoft.com/office/drawing/2014/main" id="{D3E95A44-8B2F-4218-A71B-51E82AFCC9A5}"/>
               </a:ext>
             </a:extLst>
           </p:cNvPr>
@@ -6828,347 +6693,25 @@
           <p:nvPr/>
         </p:nvPicPr>
         <p:blipFill>
-          <a:blip r:embed="rId2"/>
+          <a:blip r:embed="rId3"/>
           <a:stretch>
             <a:fillRect/>
           </a:stretch>
         </p:blipFill>
         <p:spPr>
           <a:xfrm>
-            <a:off x="1763106" y="2143044"/>
-            <a:ext cx="2194974" cy="857412"/>
+            <a:off x="2847458" y="1063229"/>
+            <a:ext cx="4937760" cy="3943712"/>
           </a:xfrm>
           <a:prstGeom prst="rect">
             <a:avLst/>
           </a:prstGeom>
         </p:spPr>
       </p:pic>
-      <p:sp>
-        <p:nvSpPr>
-          <p:cNvPr id="5" name="Oval 4">
-            <a:extLst>
-              <a:ext uri="{FF2B5EF4-FFF2-40B4-BE49-F238E27FC236}">
-                <a16:creationId xmlns:a16="http://schemas.microsoft.com/office/drawing/2014/main" id="{0000CFB4-6C42-47CB-92B7-F3DD6B01CAB9}"/>
-              </a:ext>
-            </a:extLst>
-          </p:cNvPr>
-          <p:cNvSpPr/>
-          <p:nvPr/>
-        </p:nvSpPr>
-        <p:spPr>
-          <a:xfrm>
-            <a:off x="6204857" y="1779814"/>
-            <a:ext cx="595993" cy="530679"/>
-          </a:xfrm>
-          <a:prstGeom prst="ellipse">
-            <a:avLst/>
-          </a:prstGeom>
-        </p:spPr>
-        <p:style>
-          <a:lnRef idx="2">
-            <a:schemeClr val="dk1"/>
-          </a:lnRef>
-          <a:fillRef idx="1">
-            <a:schemeClr val="lt1"/>
-          </a:fillRef>
-          <a:effectRef idx="0">
-            <a:schemeClr val="dk1"/>
-          </a:effectRef>
-          <a:fontRef idx="minor">
-            <a:schemeClr val="dk1"/>
-          </a:fontRef>
-        </p:style>
-        <p:txBody>
-          <a:bodyPr rtlCol="0" anchor="ctr"/>
-          <a:lstStyle/>
-          <a:p>
-            <a:pPr algn="ctr"/>
-            <a:r>
-              <a:rPr lang="en-US" dirty="0"/>
-              <a:t>0</a:t>
-            </a:r>
-          </a:p>
-        </p:txBody>
-      </p:sp>
-      <p:sp>
-        <p:nvSpPr>
-          <p:cNvPr id="6" name="Oval 5">
-            <a:extLst>
-              <a:ext uri="{FF2B5EF4-FFF2-40B4-BE49-F238E27FC236}">
-                <a16:creationId xmlns:a16="http://schemas.microsoft.com/office/drawing/2014/main" id="{8E4A37EB-1F66-4D2F-887F-565128CAC9D0}"/>
-              </a:ext>
-            </a:extLst>
-          </p:cNvPr>
-          <p:cNvSpPr/>
-          <p:nvPr/>
-        </p:nvSpPr>
-        <p:spPr>
-          <a:xfrm>
-            <a:off x="6204856" y="3189514"/>
-            <a:ext cx="595993" cy="530679"/>
-          </a:xfrm>
-          <a:prstGeom prst="ellipse">
-            <a:avLst/>
-          </a:prstGeom>
-        </p:spPr>
-        <p:style>
-          <a:lnRef idx="2">
-            <a:schemeClr val="dk1"/>
-          </a:lnRef>
-          <a:fillRef idx="1">
-            <a:schemeClr val="lt1"/>
-          </a:fillRef>
-          <a:effectRef idx="0">
-            <a:schemeClr val="dk1"/>
-          </a:effectRef>
-          <a:fontRef idx="minor">
-            <a:schemeClr val="dk1"/>
-          </a:fontRef>
-        </p:style>
-        <p:txBody>
-          <a:bodyPr rtlCol="0" anchor="ctr"/>
-          <a:lstStyle/>
-          <a:p>
-            <a:pPr algn="ctr"/>
-            <a:r>
-              <a:rPr lang="en-US" dirty="0"/>
-              <a:t>1</a:t>
-            </a:r>
-          </a:p>
-        </p:txBody>
-      </p:sp>
-      <p:sp>
-        <p:nvSpPr>
-          <p:cNvPr id="7" name="Rectangle 6">
-            <a:extLst>
-              <a:ext uri="{FF2B5EF4-FFF2-40B4-BE49-F238E27FC236}">
-                <a16:creationId xmlns:a16="http://schemas.microsoft.com/office/drawing/2014/main" id="{4CBA913C-A2D3-4133-B57C-9C99AB6EEC18}"/>
-              </a:ext>
-            </a:extLst>
-          </p:cNvPr>
-          <p:cNvSpPr/>
-          <p:nvPr/>
-        </p:nvSpPr>
-        <p:spPr>
-          <a:xfrm>
-            <a:off x="5018342" y="3189514"/>
-            <a:ext cx="595992" cy="530679"/>
-          </a:xfrm>
-          <a:prstGeom prst="rect">
-            <a:avLst/>
-          </a:prstGeom>
-        </p:spPr>
-        <p:style>
-          <a:lnRef idx="2">
-            <a:schemeClr val="dk1"/>
-          </a:lnRef>
-          <a:fillRef idx="1">
-            <a:schemeClr val="lt1"/>
-          </a:fillRef>
-          <a:effectRef idx="0">
-            <a:schemeClr val="dk1"/>
-          </a:effectRef>
-          <a:fontRef idx="minor">
-            <a:schemeClr val="dk1"/>
-          </a:fontRef>
-        </p:style>
-        <p:txBody>
-          <a:bodyPr rtlCol="0" anchor="ctr"/>
-          <a:lstStyle/>
-          <a:p>
-            <a:pPr algn="ctr"/>
-            <a:r>
-              <a:rPr lang="en-US" sz="1600" dirty="0">
-                <a:solidFill>
-                  <a:srgbClr val="FF0000"/>
-                </a:solidFill>
-              </a:rPr>
-              <a:t>txt</a:t>
-            </a:r>
-          </a:p>
-        </p:txBody>
-      </p:sp>
-      <p:cxnSp>
-        <p:nvCxnSpPr>
-          <p:cNvPr id="8" name="Straight Arrow Connector 7">
-            <a:extLst>
-              <a:ext uri="{FF2B5EF4-FFF2-40B4-BE49-F238E27FC236}">
-                <a16:creationId xmlns:a16="http://schemas.microsoft.com/office/drawing/2014/main" id="{B75364D8-F9E6-4F9B-9E9C-86BD4B172BB3}"/>
-              </a:ext>
-            </a:extLst>
-          </p:cNvPr>
-          <p:cNvCxnSpPr>
-            <a:stCxn id="6" idx="0"/>
-            <a:endCxn id="5" idx="4"/>
-          </p:cNvCxnSpPr>
-          <p:nvPr/>
-        </p:nvCxnSpPr>
-        <p:spPr>
-          <a:xfrm flipV="1">
-            <a:off x="6502853" y="2310493"/>
-            <a:ext cx="1" cy="879021"/>
-          </a:xfrm>
-          <a:prstGeom prst="straightConnector1">
-            <a:avLst/>
-          </a:prstGeom>
-          <a:ln>
-            <a:tailEnd type="triangle"/>
-          </a:ln>
-        </p:spPr>
-        <p:style>
-          <a:lnRef idx="2">
-            <a:schemeClr val="dk1"/>
-          </a:lnRef>
-          <a:fillRef idx="0">
-            <a:schemeClr val="dk1"/>
-          </a:fillRef>
-          <a:effectRef idx="1">
-            <a:schemeClr val="dk1"/>
-          </a:effectRef>
-          <a:fontRef idx="minor">
-            <a:schemeClr val="tx1"/>
-          </a:fontRef>
-        </p:style>
-      </p:cxnSp>
-      <p:cxnSp>
-        <p:nvCxnSpPr>
-          <p:cNvPr id="9" name="Straight Arrow Connector 8">
-            <a:extLst>
-              <a:ext uri="{FF2B5EF4-FFF2-40B4-BE49-F238E27FC236}">
-                <a16:creationId xmlns:a16="http://schemas.microsoft.com/office/drawing/2014/main" id="{F36FC5D1-DD90-45A5-894F-83102108B6B1}"/>
-              </a:ext>
-            </a:extLst>
-          </p:cNvPr>
-          <p:cNvCxnSpPr>
-            <a:stCxn id="6" idx="2"/>
-            <a:endCxn id="7" idx="3"/>
-          </p:cNvCxnSpPr>
-          <p:nvPr/>
-        </p:nvCxnSpPr>
-        <p:spPr>
-          <a:xfrm flipH="1">
-            <a:off x="5614334" y="3454854"/>
-            <a:ext cx="590522" cy="0"/>
-          </a:xfrm>
-          <a:prstGeom prst="straightConnector1">
-            <a:avLst/>
-          </a:prstGeom>
-          <a:ln>
-            <a:tailEnd type="triangle"/>
-          </a:ln>
-        </p:spPr>
-        <p:style>
-          <a:lnRef idx="2">
-            <a:schemeClr val="dk1"/>
-          </a:lnRef>
-          <a:fillRef idx="0">
-            <a:schemeClr val="dk1"/>
-          </a:fillRef>
-          <a:effectRef idx="1">
-            <a:schemeClr val="dk1"/>
-          </a:effectRef>
-          <a:fontRef idx="minor">
-            <a:schemeClr val="tx1"/>
-          </a:fontRef>
-        </p:style>
-      </p:cxnSp>
-      <p:sp>
-        <p:nvSpPr>
-          <p:cNvPr id="10" name="Rectangle 9">
-            <a:extLst>
-              <a:ext uri="{FF2B5EF4-FFF2-40B4-BE49-F238E27FC236}">
-                <a16:creationId xmlns:a16="http://schemas.microsoft.com/office/drawing/2014/main" id="{D9F1633E-ADA0-42C8-96D8-B9D81F9A4375}"/>
-              </a:ext>
-            </a:extLst>
-          </p:cNvPr>
-          <p:cNvSpPr/>
-          <p:nvPr/>
-        </p:nvSpPr>
-        <p:spPr>
-          <a:xfrm>
-            <a:off x="7554714" y="1785257"/>
-            <a:ext cx="595992" cy="530679"/>
-          </a:xfrm>
-          <a:prstGeom prst="rect">
-            <a:avLst/>
-          </a:prstGeom>
-        </p:spPr>
-        <p:style>
-          <a:lnRef idx="2">
-            <a:schemeClr val="dk1"/>
-          </a:lnRef>
-          <a:fillRef idx="1">
-            <a:schemeClr val="lt1"/>
-          </a:fillRef>
-          <a:effectRef idx="0">
-            <a:schemeClr val="dk1"/>
-          </a:effectRef>
-          <a:fontRef idx="minor">
-            <a:schemeClr val="dk1"/>
-          </a:fontRef>
-        </p:style>
-        <p:txBody>
-          <a:bodyPr rtlCol="0" anchor="ctr"/>
-          <a:lstStyle/>
-          <a:p>
-            <a:pPr algn="ctr"/>
-            <a:r>
-              <a:rPr lang="en-US" sz="1600" dirty="0">
-                <a:solidFill>
-                  <a:srgbClr val="FF0000"/>
-                </a:solidFill>
-              </a:rPr>
-              <a:t>txt</a:t>
-            </a:r>
-          </a:p>
-        </p:txBody>
-      </p:sp>
-      <p:cxnSp>
-        <p:nvCxnSpPr>
-          <p:cNvPr id="11" name="Straight Arrow Connector 10">
-            <a:extLst>
-              <a:ext uri="{FF2B5EF4-FFF2-40B4-BE49-F238E27FC236}">
-                <a16:creationId xmlns:a16="http://schemas.microsoft.com/office/drawing/2014/main" id="{5BBC203B-495B-42F0-830A-B8D324382B2B}"/>
-              </a:ext>
-            </a:extLst>
-          </p:cNvPr>
-          <p:cNvCxnSpPr>
-            <a:stCxn id="5" idx="6"/>
-            <a:endCxn id="10" idx="1"/>
-          </p:cNvCxnSpPr>
-          <p:nvPr/>
-        </p:nvCxnSpPr>
-        <p:spPr>
-          <a:xfrm>
-            <a:off x="6800850" y="2045154"/>
-            <a:ext cx="753864" cy="5443"/>
-          </a:xfrm>
-          <a:prstGeom prst="straightConnector1">
-            <a:avLst/>
-          </a:prstGeom>
-          <a:ln>
-            <a:tailEnd type="triangle"/>
-          </a:ln>
-        </p:spPr>
-        <p:style>
-          <a:lnRef idx="2">
-            <a:schemeClr val="dk1"/>
-          </a:lnRef>
-          <a:fillRef idx="0">
-            <a:schemeClr val="dk1"/>
-          </a:fillRef>
-          <a:effectRef idx="1">
-            <a:schemeClr val="dk1"/>
-          </a:effectRef>
-          <a:fontRef idx="minor">
-            <a:schemeClr val="tx1"/>
-          </a:fontRef>
-        </p:style>
-      </p:cxnSp>
     </p:spTree>
     <p:extLst>
       <p:ext uri="{BB962C8B-B14F-4D97-AF65-F5344CB8AC3E}">
-        <p14:creationId xmlns:p14="http://schemas.microsoft.com/office/powerpoint/2010/main" val="3024732461"/>
+        <p14:creationId xmlns:p14="http://schemas.microsoft.com/office/powerpoint/2010/main" val="3896276527"/>
       </p:ext>
     </p:extLst>
   </p:cSld>
@@ -7179,6 +6722,208 @@
 </file>
 
 <file path=ppt/slides/slide13.xml><?xml version="1.0" encoding="utf-8"?>
+<p:sld xmlns:a="http://schemas.openxmlformats.org/drawingml/2006/main" xmlns:r="http://schemas.openxmlformats.org/officeDocument/2006/relationships" xmlns:p="http://schemas.openxmlformats.org/presentationml/2006/main">
+  <p:cSld>
+    <p:spTree>
+      <p:nvGrpSpPr>
+        <p:cNvPr id="1" name=""/>
+        <p:cNvGrpSpPr/>
+        <p:nvPr/>
+      </p:nvGrpSpPr>
+      <p:grpSpPr>
+        <a:xfrm>
+          <a:off x="0" y="0"/>
+          <a:ext cx="0" cy="0"/>
+          <a:chOff x="0" y="0"/>
+          <a:chExt cx="0" cy="0"/>
+        </a:xfrm>
+      </p:grpSpPr>
+      <p:sp>
+        <p:nvSpPr>
+          <p:cNvPr id="2" name="Title 1">
+            <a:extLst>
+              <a:ext uri="{FF2B5EF4-FFF2-40B4-BE49-F238E27FC236}">
+                <a16:creationId xmlns:a16="http://schemas.microsoft.com/office/drawing/2014/main" id="{6336A7E4-483D-4676-A512-DDF962A8B424}"/>
+              </a:ext>
+            </a:extLst>
+          </p:cNvPr>
+          <p:cNvSpPr>
+            <a:spLocks noGrp="1"/>
+          </p:cNvSpPr>
+          <p:nvPr>
+            <p:ph type="title"/>
+          </p:nvPr>
+        </p:nvSpPr>
+        <p:spPr/>
+        <p:txBody>
+          <a:bodyPr>
+            <a:normAutofit fontScale="90000"/>
+          </a:bodyPr>
+          <a:lstStyle/>
+          <a:p>
+            <a:r>
+              <a:rPr lang="en-US" sz="2200" dirty="0">
+                <a:solidFill>
+                  <a:srgbClr val="002060"/>
+                </a:solidFill>
+              </a:rPr>
+              <a:t>Renaming</a:t>
+            </a:r>
+            <a:br>
+              <a:rPr lang="en-US" dirty="0"/>
+            </a:br>
+            <a:r>
+              <a:rPr lang="en-US" dirty="0"/>
+              <a:t>Step 2: Find Declaration</a:t>
+            </a:r>
+          </a:p>
+        </p:txBody>
+      </p:sp>
+      <p:pic>
+        <p:nvPicPr>
+          <p:cNvPr id="5" name="Picture 4">
+            <a:extLst>
+              <a:ext uri="{FF2B5EF4-FFF2-40B4-BE49-F238E27FC236}">
+                <a16:creationId xmlns:a16="http://schemas.microsoft.com/office/drawing/2014/main" id="{ADB6104F-8423-4E7E-B75C-E731A5643EBC}"/>
+              </a:ext>
+            </a:extLst>
+          </p:cNvPr>
+          <p:cNvPicPr>
+            <a:picLocks noChangeAspect="1"/>
+          </p:cNvPicPr>
+          <p:nvPr/>
+        </p:nvPicPr>
+        <p:blipFill>
+          <a:blip r:embed="rId3"/>
+          <a:stretch>
+            <a:fillRect/>
+          </a:stretch>
+        </p:blipFill>
+        <p:spPr>
+          <a:xfrm>
+            <a:off x="2847458" y="1063229"/>
+            <a:ext cx="4937760" cy="3943711"/>
+          </a:xfrm>
+          <a:prstGeom prst="rect">
+            <a:avLst/>
+          </a:prstGeom>
+        </p:spPr>
+      </p:pic>
+    </p:spTree>
+    <p:extLst>
+      <p:ext uri="{BB962C8B-B14F-4D97-AF65-F5344CB8AC3E}">
+        <p14:creationId xmlns:p14="http://schemas.microsoft.com/office/powerpoint/2010/main" val="194090044"/>
+      </p:ext>
+    </p:extLst>
+  </p:cSld>
+  <p:clrMapOvr>
+    <a:masterClrMapping/>
+  </p:clrMapOvr>
+</p:sld>
+</file>
+
+<file path=ppt/slides/slide14.xml><?xml version="1.0" encoding="utf-8"?>
+<p:sld xmlns:a="http://schemas.openxmlformats.org/drawingml/2006/main" xmlns:r="http://schemas.openxmlformats.org/officeDocument/2006/relationships" xmlns:p="http://schemas.openxmlformats.org/presentationml/2006/main">
+  <p:cSld>
+    <p:spTree>
+      <p:nvGrpSpPr>
+        <p:cNvPr id="1" name=""/>
+        <p:cNvGrpSpPr/>
+        <p:nvPr/>
+      </p:nvGrpSpPr>
+      <p:grpSpPr>
+        <a:xfrm>
+          <a:off x="0" y="0"/>
+          <a:ext cx="0" cy="0"/>
+          <a:chOff x="0" y="0"/>
+          <a:chExt cx="0" cy="0"/>
+        </a:xfrm>
+      </p:grpSpPr>
+      <p:sp>
+        <p:nvSpPr>
+          <p:cNvPr id="2" name="Title 1">
+            <a:extLst>
+              <a:ext uri="{FF2B5EF4-FFF2-40B4-BE49-F238E27FC236}">
+                <a16:creationId xmlns:a16="http://schemas.microsoft.com/office/drawing/2014/main" id="{6336A7E4-483D-4676-A512-DDF962A8B424}"/>
+              </a:ext>
+            </a:extLst>
+          </p:cNvPr>
+          <p:cNvSpPr>
+            <a:spLocks noGrp="1"/>
+          </p:cNvSpPr>
+          <p:nvPr>
+            <p:ph type="title"/>
+          </p:nvPr>
+        </p:nvSpPr>
+        <p:spPr/>
+        <p:txBody>
+          <a:bodyPr>
+            <a:normAutofit fontScale="90000"/>
+          </a:bodyPr>
+          <a:lstStyle/>
+          <a:p>
+            <a:r>
+              <a:rPr lang="en-US" sz="2200" dirty="0">
+                <a:solidFill>
+                  <a:srgbClr val="002060"/>
+                </a:solidFill>
+              </a:rPr>
+              <a:t>Renaming</a:t>
+            </a:r>
+            <a:br>
+              <a:rPr lang="en-US" dirty="0"/>
+            </a:br>
+            <a:r>
+              <a:rPr lang="en-US" dirty="0"/>
+              <a:t>Step 3: Rename Occurrences</a:t>
+            </a:r>
+          </a:p>
+        </p:txBody>
+      </p:sp>
+      <p:pic>
+        <p:nvPicPr>
+          <p:cNvPr id="4" name="Picture 3">
+            <a:extLst>
+              <a:ext uri="{FF2B5EF4-FFF2-40B4-BE49-F238E27FC236}">
+                <a16:creationId xmlns:a16="http://schemas.microsoft.com/office/drawing/2014/main" id="{D3E95A44-8B2F-4218-A71B-51E82AFCC9A5}"/>
+              </a:ext>
+            </a:extLst>
+          </p:cNvPr>
+          <p:cNvPicPr>
+            <a:picLocks noChangeAspect="1"/>
+          </p:cNvPicPr>
+          <p:nvPr/>
+        </p:nvPicPr>
+        <p:blipFill>
+          <a:blip r:embed="rId3"/>
+          <a:stretch>
+            <a:fillRect/>
+          </a:stretch>
+        </p:blipFill>
+        <p:spPr>
+          <a:xfrm>
+            <a:off x="2847458" y="1063229"/>
+            <a:ext cx="4937760" cy="3943712"/>
+          </a:xfrm>
+          <a:prstGeom prst="rect">
+            <a:avLst/>
+          </a:prstGeom>
+        </p:spPr>
+      </p:pic>
+    </p:spTree>
+    <p:extLst>
+      <p:ext uri="{BB962C8B-B14F-4D97-AF65-F5344CB8AC3E}">
+        <p14:creationId xmlns:p14="http://schemas.microsoft.com/office/powerpoint/2010/main" val="544537504"/>
+      </p:ext>
+    </p:extLst>
+  </p:cSld>
+  <p:clrMapOvr>
+    <a:masterClrMapping/>
+  </p:clrMapOvr>
+</p:sld>
+</file>
+
+<file path=ppt/slides/slide15.xml><?xml version="1.0" encoding="utf-8"?>
 <p:sld xmlns:a="http://schemas.openxmlformats.org/drawingml/2006/main" xmlns:r="http://schemas.openxmlformats.org/officeDocument/2006/relationships" xmlns:p="http://schemas.openxmlformats.org/presentationml/2006/main">
   <p:cSld>
     <p:spTree>
@@ -7231,7 +6976,7 @@
             </a:br>
             <a:r>
               <a:rPr lang="en-US" dirty="0"/>
-              <a:t>The Foo Challenge Demo</a:t>
+              <a:t>The Foo Challenge DEMO</a:t>
             </a:r>
           </a:p>
         </p:txBody>
@@ -7279,7 +7024,7 @@
 </p:sld>
 </file>
 
-<file path=ppt/slides/slide14.xml><?xml version="1.0" encoding="utf-8"?>
+<file path=ppt/slides/slide16.xml><?xml version="1.0" encoding="utf-8"?>
 <p:sld xmlns:a="http://schemas.openxmlformats.org/drawingml/2006/main" xmlns:r="http://schemas.openxmlformats.org/officeDocument/2006/relationships" xmlns:p="http://schemas.openxmlformats.org/presentationml/2006/main">
   <p:cSld>
     <p:spTree>
@@ -7454,7 +7199,7 @@
 </p:sld>
 </file>
 
-<file path=ppt/slides/slide15.xml><?xml version="1.0" encoding="utf-8"?>
+<file path=ppt/slides/slide17.xml><?xml version="1.0" encoding="utf-8"?>
 <p:sld xmlns:a="http://schemas.openxmlformats.org/drawingml/2006/main" xmlns:r="http://schemas.openxmlformats.org/officeDocument/2006/relationships" xmlns:p="http://schemas.openxmlformats.org/presentationml/2006/main">
   <p:cSld>
     <p:spTree>
@@ -7512,227 +7257,39 @@
           </a:p>
         </p:txBody>
       </p:sp>
-      <p:sp>
-        <p:nvSpPr>
-          <p:cNvPr id="3" name="Content Placeholder 2">
+      <p:pic>
+        <p:nvPicPr>
+          <p:cNvPr id="5" name="Content Placeholder 4">
             <a:extLst>
               <a:ext uri="{FF2B5EF4-FFF2-40B4-BE49-F238E27FC236}">
-                <a16:creationId xmlns:a16="http://schemas.microsoft.com/office/drawing/2014/main" id="{08959BD0-8110-425A-B068-D71BBF3B229D}"/>
+                <a16:creationId xmlns:a16="http://schemas.microsoft.com/office/drawing/2014/main" id="{0206DDF9-AC12-4617-9534-F6243793B3CC}"/>
               </a:ext>
             </a:extLst>
           </p:cNvPr>
-          <p:cNvSpPr>
-            <a:spLocks noGrp="1"/>
-          </p:cNvSpPr>
+          <p:cNvPicPr>
+            <a:picLocks noGrp="1" noChangeAspect="1"/>
+          </p:cNvPicPr>
           <p:nvPr>
             <p:ph idx="1"/>
           </p:nvPr>
-        </p:nvSpPr>
-        <p:spPr/>
-        <p:txBody>
-          <a:bodyPr/>
-          <a:lstStyle/>
-          <a:p>
-            <a:endParaRPr lang="en-US"/>
-          </a:p>
-        </p:txBody>
-      </p:sp>
+        </p:nvPicPr>
+        <p:blipFill>
+          <a:blip r:embed="rId2"/>
+          <a:stretch>
+            <a:fillRect/>
+          </a:stretch>
+        </p:blipFill>
+        <p:spPr>
+          <a:xfrm>
+            <a:off x="2822854" y="1063230"/>
+            <a:ext cx="4986968" cy="3080186"/>
+          </a:xfrm>
+        </p:spPr>
+      </p:pic>
     </p:spTree>
     <p:extLst>
       <p:ext uri="{BB962C8B-B14F-4D97-AF65-F5344CB8AC3E}">
         <p14:creationId xmlns:p14="http://schemas.microsoft.com/office/powerpoint/2010/main" val="4003891620"/>
-      </p:ext>
-    </p:extLst>
-  </p:cSld>
-  <p:clrMapOvr>
-    <a:masterClrMapping/>
-  </p:clrMapOvr>
-</p:sld>
-</file>
-
-<file path=ppt/slides/slide16.xml><?xml version="1.0" encoding="utf-8"?>
-<p:sld xmlns:a="http://schemas.openxmlformats.org/drawingml/2006/main" xmlns:r="http://schemas.openxmlformats.org/officeDocument/2006/relationships" xmlns:p="http://schemas.openxmlformats.org/presentationml/2006/main">
-  <p:cSld>
-    <p:spTree>
-      <p:nvGrpSpPr>
-        <p:cNvPr id="1" name=""/>
-        <p:cNvGrpSpPr/>
-        <p:nvPr/>
-      </p:nvGrpSpPr>
-      <p:grpSpPr>
-        <a:xfrm>
-          <a:off x="0" y="0"/>
-          <a:ext cx="0" cy="0"/>
-          <a:chOff x="0" y="0"/>
-          <a:chExt cx="0" cy="0"/>
-        </a:xfrm>
-      </p:grpSpPr>
-      <p:sp>
-        <p:nvSpPr>
-          <p:cNvPr id="2" name="Title 1">
-            <a:extLst>
-              <a:ext uri="{FF2B5EF4-FFF2-40B4-BE49-F238E27FC236}">
-                <a16:creationId xmlns:a16="http://schemas.microsoft.com/office/drawing/2014/main" id="{75242ED9-550F-4CFB-9C3E-FC559B6FDFB2}"/>
-              </a:ext>
-            </a:extLst>
-          </p:cNvPr>
-          <p:cNvSpPr>
-            <a:spLocks noGrp="1"/>
-          </p:cNvSpPr>
-          <p:nvPr>
-            <p:ph type="title"/>
-          </p:nvPr>
-        </p:nvSpPr>
-        <p:spPr/>
-        <p:txBody>
-          <a:bodyPr>
-            <a:normAutofit fontScale="90000"/>
-          </a:bodyPr>
-          <a:lstStyle/>
-          <a:p>
-            <a:r>
-              <a:rPr lang="en-US" sz="2200" dirty="0">
-                <a:solidFill>
-                  <a:srgbClr val="002060"/>
-                </a:solidFill>
-              </a:rPr>
-              <a:t>Inline</a:t>
-            </a:r>
-            <a:br>
-              <a:rPr lang="en-US" dirty="0"/>
-            </a:br>
-            <a:r>
-              <a:rPr lang="en-US" dirty="0"/>
-              <a:t>Step 1: Find Function Declaration</a:t>
-            </a:r>
-          </a:p>
-        </p:txBody>
-      </p:sp>
-      <p:sp>
-        <p:nvSpPr>
-          <p:cNvPr id="3" name="Content Placeholder 2">
-            <a:extLst>
-              <a:ext uri="{FF2B5EF4-FFF2-40B4-BE49-F238E27FC236}">
-                <a16:creationId xmlns:a16="http://schemas.microsoft.com/office/drawing/2014/main" id="{DC80C796-6D02-42F5-9E01-05B2D8DD6D36}"/>
-              </a:ext>
-            </a:extLst>
-          </p:cNvPr>
-          <p:cNvSpPr>
-            <a:spLocks noGrp="1"/>
-          </p:cNvSpPr>
-          <p:nvPr>
-            <p:ph idx="1"/>
-          </p:nvPr>
-        </p:nvSpPr>
-        <p:spPr/>
-        <p:txBody>
-          <a:bodyPr/>
-          <a:lstStyle/>
-          <a:p>
-            <a:endParaRPr lang="en-US"/>
-          </a:p>
-        </p:txBody>
-      </p:sp>
-    </p:spTree>
-    <p:extLst>
-      <p:ext uri="{BB962C8B-B14F-4D97-AF65-F5344CB8AC3E}">
-        <p14:creationId xmlns:p14="http://schemas.microsoft.com/office/powerpoint/2010/main" val="649359674"/>
-      </p:ext>
-    </p:extLst>
-  </p:cSld>
-  <p:clrMapOvr>
-    <a:masterClrMapping/>
-  </p:clrMapOvr>
-</p:sld>
-</file>
-
-<file path=ppt/slides/slide17.xml><?xml version="1.0" encoding="utf-8"?>
-<p:sld xmlns:a="http://schemas.openxmlformats.org/drawingml/2006/main" xmlns:r="http://schemas.openxmlformats.org/officeDocument/2006/relationships" xmlns:p="http://schemas.openxmlformats.org/presentationml/2006/main">
-  <p:cSld>
-    <p:spTree>
-      <p:nvGrpSpPr>
-        <p:cNvPr id="1" name=""/>
-        <p:cNvGrpSpPr/>
-        <p:nvPr/>
-      </p:nvGrpSpPr>
-      <p:grpSpPr>
-        <a:xfrm>
-          <a:off x="0" y="0"/>
-          <a:ext cx="0" cy="0"/>
-          <a:chOff x="0" y="0"/>
-          <a:chExt cx="0" cy="0"/>
-        </a:xfrm>
-      </p:grpSpPr>
-      <p:sp>
-        <p:nvSpPr>
-          <p:cNvPr id="2" name="Title 1">
-            <a:extLst>
-              <a:ext uri="{FF2B5EF4-FFF2-40B4-BE49-F238E27FC236}">
-                <a16:creationId xmlns:a16="http://schemas.microsoft.com/office/drawing/2014/main" id="{DA980ABF-8158-4458-B148-CDA7476D6D5B}"/>
-              </a:ext>
-            </a:extLst>
-          </p:cNvPr>
-          <p:cNvSpPr>
-            <a:spLocks noGrp="1"/>
-          </p:cNvSpPr>
-          <p:nvPr>
-            <p:ph type="title"/>
-          </p:nvPr>
-        </p:nvSpPr>
-        <p:spPr/>
-        <p:txBody>
-          <a:bodyPr>
-            <a:normAutofit fontScale="90000"/>
-          </a:bodyPr>
-          <a:lstStyle/>
-          <a:p>
-            <a:r>
-              <a:rPr lang="en-US" sz="2200" dirty="0">
-                <a:solidFill>
-                  <a:srgbClr val="002060"/>
-                </a:solidFill>
-              </a:rPr>
-              <a:t>Inline</a:t>
-            </a:r>
-            <a:br>
-              <a:rPr lang="en-US" dirty="0"/>
-            </a:br>
-            <a:r>
-              <a:rPr lang="en-US" dirty="0"/>
-              <a:t>Step 2: Replace Call</a:t>
-            </a:r>
-          </a:p>
-        </p:txBody>
-      </p:sp>
-      <p:sp>
-        <p:nvSpPr>
-          <p:cNvPr id="3" name="Content Placeholder 2">
-            <a:extLst>
-              <a:ext uri="{FF2B5EF4-FFF2-40B4-BE49-F238E27FC236}">
-                <a16:creationId xmlns:a16="http://schemas.microsoft.com/office/drawing/2014/main" id="{ADDFD673-5B6F-4B6F-B6AD-69444052CE36}"/>
-              </a:ext>
-            </a:extLst>
-          </p:cNvPr>
-          <p:cNvSpPr>
-            <a:spLocks noGrp="1"/>
-          </p:cNvSpPr>
-          <p:nvPr>
-            <p:ph idx="1"/>
-          </p:nvPr>
-        </p:nvSpPr>
-        <p:spPr/>
-        <p:txBody>
-          <a:bodyPr/>
-          <a:lstStyle/>
-          <a:p>
-            <a:endParaRPr lang="en-US"/>
-          </a:p>
-        </p:txBody>
-      </p:sp>
-    </p:spTree>
-    <p:extLst>
-      <p:ext uri="{BB962C8B-B14F-4D97-AF65-F5344CB8AC3E}">
-        <p14:creationId xmlns:p14="http://schemas.microsoft.com/office/powerpoint/2010/main" val="2385298871"/>
       </p:ext>
     </p:extLst>
   </p:cSld>
@@ -7764,7 +7321,7 @@
           <p:cNvPr id="2" name="Title 1">
             <a:extLst>
               <a:ext uri="{FF2B5EF4-FFF2-40B4-BE49-F238E27FC236}">
-                <a16:creationId xmlns:a16="http://schemas.microsoft.com/office/drawing/2014/main" id="{A3F3E1CF-733D-4EAA-A4A4-EFE33F6F4D1E}"/>
+                <a16:creationId xmlns:a16="http://schemas.microsoft.com/office/drawing/2014/main" id="{ECD5D206-1B52-4E07-B3DD-E6500A5F14FE}"/>
               </a:ext>
             </a:extLst>
           </p:cNvPr>
@@ -7783,52 +7340,56 @@
           <a:lstStyle/>
           <a:p>
             <a:r>
-              <a:rPr lang="en-US" sz="2200" dirty="0">
+              <a:rPr lang="en-US" sz="2400" dirty="0">
                 <a:solidFill>
                   <a:srgbClr val="002060"/>
                 </a:solidFill>
               </a:rPr>
-              <a:t>Inline</a:t>
+              <a:t>Renaming</a:t>
             </a:r>
             <a:br>
               <a:rPr lang="en-US" dirty="0"/>
             </a:br>
             <a:r>
               <a:rPr lang="en-US" dirty="0"/>
-              <a:t>Step 3: Delete Declaration</a:t>
+              <a:t>Solution: Capture</a:t>
             </a:r>
           </a:p>
         </p:txBody>
       </p:sp>
-      <p:sp>
-        <p:nvSpPr>
-          <p:cNvPr id="3" name="Content Placeholder 2">
+      <p:pic>
+        <p:nvPicPr>
+          <p:cNvPr id="7" name="Content Placeholder 6">
             <a:extLst>
               <a:ext uri="{FF2B5EF4-FFF2-40B4-BE49-F238E27FC236}">
-                <a16:creationId xmlns:a16="http://schemas.microsoft.com/office/drawing/2014/main" id="{4C47954A-2906-4D59-8585-23E7BB9A1A3B}"/>
+                <a16:creationId xmlns:a16="http://schemas.microsoft.com/office/drawing/2014/main" id="{1C840A38-DF82-42E8-A313-7FDA5C2BC25E}"/>
               </a:ext>
             </a:extLst>
           </p:cNvPr>
-          <p:cNvSpPr>
-            <a:spLocks noGrp="1"/>
-          </p:cNvSpPr>
+          <p:cNvPicPr>
+            <a:picLocks noGrp="1" noChangeAspect="1"/>
+          </p:cNvPicPr>
           <p:nvPr>
             <p:ph idx="1"/>
           </p:nvPr>
-        </p:nvSpPr>
-        <p:spPr/>
-        <p:txBody>
-          <a:bodyPr/>
-          <a:lstStyle/>
-          <a:p>
-            <a:endParaRPr lang="en-US"/>
-          </a:p>
-        </p:txBody>
-      </p:sp>
+        </p:nvPicPr>
+        <p:blipFill>
+          <a:blip r:embed="rId2"/>
+          <a:stretch>
+            <a:fillRect/>
+          </a:stretch>
+        </p:blipFill>
+        <p:spPr>
+          <a:xfrm>
+            <a:off x="2824598" y="1063229"/>
+            <a:ext cx="4983480" cy="3078032"/>
+          </a:xfrm>
+        </p:spPr>
+      </p:pic>
     </p:spTree>
     <p:extLst>
       <p:ext uri="{BB962C8B-B14F-4D97-AF65-F5344CB8AC3E}">
-        <p14:creationId xmlns:p14="http://schemas.microsoft.com/office/powerpoint/2010/main" val="554729800"/>
+        <p14:creationId xmlns:p14="http://schemas.microsoft.com/office/powerpoint/2010/main" val="4077251998"/>
       </p:ext>
     </p:extLst>
   </p:cSld>
@@ -7860,7 +7421,7 @@
           <p:cNvPr id="2" name="Title 1">
             <a:extLst>
               <a:ext uri="{FF2B5EF4-FFF2-40B4-BE49-F238E27FC236}">
-                <a16:creationId xmlns:a16="http://schemas.microsoft.com/office/drawing/2014/main" id="{3D4EAE92-26B5-43BA-BF3C-B8A35C8C41C0}"/>
+                <a16:creationId xmlns:a16="http://schemas.microsoft.com/office/drawing/2014/main" id="{D909F41F-2DB6-48DF-BE2F-2FF7F1198D8D}"/>
               </a:ext>
             </a:extLst>
           </p:cNvPr>
@@ -7879,44 +7440,123 @@
           <a:lstStyle/>
           <a:p>
             <a:r>
-              <a:rPr lang="en-US" sz="2200" dirty="0">
+              <a:rPr lang="en-US" sz="2400" dirty="0">
                 <a:solidFill>
                   <a:srgbClr val="002060"/>
                 </a:solidFill>
               </a:rPr>
-              <a:t>Inline</a:t>
+              <a:t>Renaming</a:t>
             </a:r>
             <a:br>
               <a:rPr lang="en-US" dirty="0"/>
             </a:br>
             <a:r>
               <a:rPr lang="en-US" dirty="0"/>
-              <a:t>Problem: Recursive Calls</a:t>
+              <a:t>Problem: Capture DEMO</a:t>
             </a:r>
           </a:p>
         </p:txBody>
       </p:sp>
-      <p:sp>
-        <p:nvSpPr>
-          <p:cNvPr id="3" name="Content Placeholder 2">
+      <p:pic>
+        <p:nvPicPr>
+          <p:cNvPr id="4" name="Picture 3">
             <a:extLst>
               <a:ext uri="{FF2B5EF4-FFF2-40B4-BE49-F238E27FC236}">
-                <a16:creationId xmlns:a16="http://schemas.microsoft.com/office/drawing/2014/main" id="{F244BE0B-79E0-4B2E-9ED3-06BC7CAB1F21}"/>
+                <a16:creationId xmlns:a16="http://schemas.microsoft.com/office/drawing/2014/main" id="{7D721E03-F7E6-4599-8233-6BD1E28E0ABA}"/>
               </a:ext>
             </a:extLst>
           </p:cNvPr>
-          <p:cNvSpPr>
-            <a:spLocks noGrp="1"/>
-          </p:cNvSpPr>
-          <p:nvPr>
-            <p:ph idx="1"/>
-          </p:nvPr>
+          <p:cNvPicPr>
+            <a:picLocks noChangeAspect="1"/>
+          </p:cNvPicPr>
+          <p:nvPr/>
+        </p:nvPicPr>
+        <p:blipFill>
+          <a:blip r:embed="rId2"/>
+          <a:stretch>
+            <a:fillRect/>
+          </a:stretch>
+        </p:blipFill>
+        <p:spPr>
+          <a:xfrm>
+            <a:off x="1763106" y="1431398"/>
+            <a:ext cx="2512490" cy="2722895"/>
+          </a:xfrm>
+          <a:prstGeom prst="rect">
+            <a:avLst/>
+          </a:prstGeom>
+        </p:spPr>
+      </p:pic>
+      <p:pic>
+        <p:nvPicPr>
+          <p:cNvPr id="5" name="Picture 4">
+            <a:extLst>
+              <a:ext uri="{FF2B5EF4-FFF2-40B4-BE49-F238E27FC236}">
+                <a16:creationId xmlns:a16="http://schemas.microsoft.com/office/drawing/2014/main" id="{D6F212CD-5194-428A-929B-0E2E558C0596}"/>
+              </a:ext>
+            </a:extLst>
+          </p:cNvPr>
+          <p:cNvPicPr>
+            <a:picLocks noChangeAspect="1"/>
+          </p:cNvPicPr>
+          <p:nvPr/>
+        </p:nvPicPr>
+        <p:blipFill>
+          <a:blip r:embed="rId3"/>
+          <a:stretch>
+            <a:fillRect/>
+          </a:stretch>
+        </p:blipFill>
+        <p:spPr>
+          <a:xfrm>
+            <a:off x="5743776" y="1431398"/>
+            <a:ext cx="2512490" cy="2722894"/>
+          </a:xfrm>
+          <a:prstGeom prst="rect">
+            <a:avLst/>
+          </a:prstGeom>
+        </p:spPr>
+      </p:pic>
+      <p:sp>
+        <p:nvSpPr>
+          <p:cNvPr id="6" name="Arrow: Right 5">
+            <a:extLst>
+              <a:ext uri="{FF2B5EF4-FFF2-40B4-BE49-F238E27FC236}">
+                <a16:creationId xmlns:a16="http://schemas.microsoft.com/office/drawing/2014/main" id="{2931FEA3-A857-41AF-9DAB-9589D7B5B324}"/>
+              </a:ext>
+            </a:extLst>
+          </p:cNvPr>
+          <p:cNvSpPr/>
+          <p:nvPr/>
         </p:nvSpPr>
-        <p:spPr/>
+        <p:spPr>
+          <a:xfrm>
+            <a:off x="4704016" y="2498930"/>
+            <a:ext cx="612322" cy="587829"/>
+          </a:xfrm>
+          <a:prstGeom prst="rightArrow">
+            <a:avLst/>
+          </a:prstGeom>
+        </p:spPr>
+        <p:style>
+          <a:lnRef idx="1">
+            <a:schemeClr val="accent4"/>
+          </a:lnRef>
+          <a:fillRef idx="3">
+            <a:schemeClr val="accent4"/>
+          </a:fillRef>
+          <a:effectRef idx="2">
+            <a:schemeClr val="accent4"/>
+          </a:effectRef>
+          <a:fontRef idx="minor">
+            <a:schemeClr val="lt1"/>
+          </a:fontRef>
+        </p:style>
         <p:txBody>
-          <a:bodyPr/>
+          <a:bodyPr rtlCol="0" anchor="ctr"/>
           <a:lstStyle/>
           <a:p>
+            <a:pPr algn="ctr"/>
             <a:endParaRPr lang="en-US"/>
           </a:p>
         </p:txBody>
@@ -7924,7 +7564,7 @@
     </p:spTree>
     <p:extLst>
       <p:ext uri="{BB962C8B-B14F-4D97-AF65-F5344CB8AC3E}">
-        <p14:creationId xmlns:p14="http://schemas.microsoft.com/office/powerpoint/2010/main" val="1860405798"/>
+        <p14:creationId xmlns:p14="http://schemas.microsoft.com/office/powerpoint/2010/main" val="3396610640"/>
       </p:ext>
     </p:extLst>
   </p:cSld>
@@ -8015,6 +7655,390 @@
           <p:cNvPr id="2" name="Title 1">
             <a:extLst>
               <a:ext uri="{FF2B5EF4-FFF2-40B4-BE49-F238E27FC236}">
+                <a16:creationId xmlns:a16="http://schemas.microsoft.com/office/drawing/2014/main" id="{75242ED9-550F-4CFB-9C3E-FC559B6FDFB2}"/>
+              </a:ext>
+            </a:extLst>
+          </p:cNvPr>
+          <p:cNvSpPr>
+            <a:spLocks noGrp="1"/>
+          </p:cNvSpPr>
+          <p:nvPr>
+            <p:ph type="title"/>
+          </p:nvPr>
+        </p:nvSpPr>
+        <p:spPr/>
+        <p:txBody>
+          <a:bodyPr>
+            <a:normAutofit fontScale="90000"/>
+          </a:bodyPr>
+          <a:lstStyle/>
+          <a:p>
+            <a:r>
+              <a:rPr lang="en-US" sz="2200" dirty="0">
+                <a:solidFill>
+                  <a:srgbClr val="002060"/>
+                </a:solidFill>
+              </a:rPr>
+              <a:t>Inline</a:t>
+            </a:r>
+            <a:br>
+              <a:rPr lang="en-US" dirty="0"/>
+            </a:br>
+            <a:r>
+              <a:rPr lang="en-US" dirty="0"/>
+              <a:t>Step 1: Find Function Declaration</a:t>
+            </a:r>
+          </a:p>
+        </p:txBody>
+      </p:sp>
+      <p:sp>
+        <p:nvSpPr>
+          <p:cNvPr id="3" name="Content Placeholder 2">
+            <a:extLst>
+              <a:ext uri="{FF2B5EF4-FFF2-40B4-BE49-F238E27FC236}">
+                <a16:creationId xmlns:a16="http://schemas.microsoft.com/office/drawing/2014/main" id="{DC80C796-6D02-42F5-9E01-05B2D8DD6D36}"/>
+              </a:ext>
+            </a:extLst>
+          </p:cNvPr>
+          <p:cNvSpPr>
+            <a:spLocks noGrp="1"/>
+          </p:cNvSpPr>
+          <p:nvPr>
+            <p:ph idx="1"/>
+          </p:nvPr>
+        </p:nvSpPr>
+        <p:spPr/>
+        <p:txBody>
+          <a:bodyPr/>
+          <a:lstStyle/>
+          <a:p>
+            <a:endParaRPr lang="en-US"/>
+          </a:p>
+        </p:txBody>
+      </p:sp>
+    </p:spTree>
+    <p:extLst>
+      <p:ext uri="{BB962C8B-B14F-4D97-AF65-F5344CB8AC3E}">
+        <p14:creationId xmlns:p14="http://schemas.microsoft.com/office/powerpoint/2010/main" val="649359674"/>
+      </p:ext>
+    </p:extLst>
+  </p:cSld>
+  <p:clrMapOvr>
+    <a:masterClrMapping/>
+  </p:clrMapOvr>
+</p:sld>
+</file>
+
+<file path=ppt/slides/slide21.xml><?xml version="1.0" encoding="utf-8"?>
+<p:sld xmlns:a="http://schemas.openxmlformats.org/drawingml/2006/main" xmlns:r="http://schemas.openxmlformats.org/officeDocument/2006/relationships" xmlns:p="http://schemas.openxmlformats.org/presentationml/2006/main">
+  <p:cSld>
+    <p:spTree>
+      <p:nvGrpSpPr>
+        <p:cNvPr id="1" name=""/>
+        <p:cNvGrpSpPr/>
+        <p:nvPr/>
+      </p:nvGrpSpPr>
+      <p:grpSpPr>
+        <a:xfrm>
+          <a:off x="0" y="0"/>
+          <a:ext cx="0" cy="0"/>
+          <a:chOff x="0" y="0"/>
+          <a:chExt cx="0" cy="0"/>
+        </a:xfrm>
+      </p:grpSpPr>
+      <p:sp>
+        <p:nvSpPr>
+          <p:cNvPr id="2" name="Title 1">
+            <a:extLst>
+              <a:ext uri="{FF2B5EF4-FFF2-40B4-BE49-F238E27FC236}">
+                <a16:creationId xmlns:a16="http://schemas.microsoft.com/office/drawing/2014/main" id="{DA980ABF-8158-4458-B148-CDA7476D6D5B}"/>
+              </a:ext>
+            </a:extLst>
+          </p:cNvPr>
+          <p:cNvSpPr>
+            <a:spLocks noGrp="1"/>
+          </p:cNvSpPr>
+          <p:nvPr>
+            <p:ph type="title"/>
+          </p:nvPr>
+        </p:nvSpPr>
+        <p:spPr/>
+        <p:txBody>
+          <a:bodyPr>
+            <a:normAutofit fontScale="90000"/>
+          </a:bodyPr>
+          <a:lstStyle/>
+          <a:p>
+            <a:r>
+              <a:rPr lang="en-US" sz="2200" dirty="0">
+                <a:solidFill>
+                  <a:srgbClr val="002060"/>
+                </a:solidFill>
+              </a:rPr>
+              <a:t>Inline</a:t>
+            </a:r>
+            <a:br>
+              <a:rPr lang="en-US" dirty="0"/>
+            </a:br>
+            <a:r>
+              <a:rPr lang="en-US" dirty="0"/>
+              <a:t>Step 2: Replace Call</a:t>
+            </a:r>
+          </a:p>
+        </p:txBody>
+      </p:sp>
+      <p:sp>
+        <p:nvSpPr>
+          <p:cNvPr id="3" name="Content Placeholder 2">
+            <a:extLst>
+              <a:ext uri="{FF2B5EF4-FFF2-40B4-BE49-F238E27FC236}">
+                <a16:creationId xmlns:a16="http://schemas.microsoft.com/office/drawing/2014/main" id="{ADDFD673-5B6F-4B6F-B6AD-69444052CE36}"/>
+              </a:ext>
+            </a:extLst>
+          </p:cNvPr>
+          <p:cNvSpPr>
+            <a:spLocks noGrp="1"/>
+          </p:cNvSpPr>
+          <p:nvPr>
+            <p:ph idx="1"/>
+          </p:nvPr>
+        </p:nvSpPr>
+        <p:spPr/>
+        <p:txBody>
+          <a:bodyPr/>
+          <a:lstStyle/>
+          <a:p>
+            <a:endParaRPr lang="en-US"/>
+          </a:p>
+        </p:txBody>
+      </p:sp>
+    </p:spTree>
+    <p:extLst>
+      <p:ext uri="{BB962C8B-B14F-4D97-AF65-F5344CB8AC3E}">
+        <p14:creationId xmlns:p14="http://schemas.microsoft.com/office/powerpoint/2010/main" val="2385298871"/>
+      </p:ext>
+    </p:extLst>
+  </p:cSld>
+  <p:clrMapOvr>
+    <a:masterClrMapping/>
+  </p:clrMapOvr>
+</p:sld>
+</file>
+
+<file path=ppt/slides/slide22.xml><?xml version="1.0" encoding="utf-8"?>
+<p:sld xmlns:a="http://schemas.openxmlformats.org/drawingml/2006/main" xmlns:r="http://schemas.openxmlformats.org/officeDocument/2006/relationships" xmlns:p="http://schemas.openxmlformats.org/presentationml/2006/main">
+  <p:cSld>
+    <p:spTree>
+      <p:nvGrpSpPr>
+        <p:cNvPr id="1" name=""/>
+        <p:cNvGrpSpPr/>
+        <p:nvPr/>
+      </p:nvGrpSpPr>
+      <p:grpSpPr>
+        <a:xfrm>
+          <a:off x="0" y="0"/>
+          <a:ext cx="0" cy="0"/>
+          <a:chOff x="0" y="0"/>
+          <a:chExt cx="0" cy="0"/>
+        </a:xfrm>
+      </p:grpSpPr>
+      <p:sp>
+        <p:nvSpPr>
+          <p:cNvPr id="2" name="Title 1">
+            <a:extLst>
+              <a:ext uri="{FF2B5EF4-FFF2-40B4-BE49-F238E27FC236}">
+                <a16:creationId xmlns:a16="http://schemas.microsoft.com/office/drawing/2014/main" id="{A3F3E1CF-733D-4EAA-A4A4-EFE33F6F4D1E}"/>
+              </a:ext>
+            </a:extLst>
+          </p:cNvPr>
+          <p:cNvSpPr>
+            <a:spLocks noGrp="1"/>
+          </p:cNvSpPr>
+          <p:nvPr>
+            <p:ph type="title"/>
+          </p:nvPr>
+        </p:nvSpPr>
+        <p:spPr/>
+        <p:txBody>
+          <a:bodyPr>
+            <a:normAutofit fontScale="90000"/>
+          </a:bodyPr>
+          <a:lstStyle/>
+          <a:p>
+            <a:r>
+              <a:rPr lang="en-US" sz="2200" dirty="0">
+                <a:solidFill>
+                  <a:srgbClr val="002060"/>
+                </a:solidFill>
+              </a:rPr>
+              <a:t>Inline</a:t>
+            </a:r>
+            <a:br>
+              <a:rPr lang="en-US" dirty="0"/>
+            </a:br>
+            <a:r>
+              <a:rPr lang="en-US" dirty="0"/>
+              <a:t>Step 3: Delete Declaration</a:t>
+            </a:r>
+          </a:p>
+        </p:txBody>
+      </p:sp>
+      <p:sp>
+        <p:nvSpPr>
+          <p:cNvPr id="3" name="Content Placeholder 2">
+            <a:extLst>
+              <a:ext uri="{FF2B5EF4-FFF2-40B4-BE49-F238E27FC236}">
+                <a16:creationId xmlns:a16="http://schemas.microsoft.com/office/drawing/2014/main" id="{4C47954A-2906-4D59-8585-23E7BB9A1A3B}"/>
+              </a:ext>
+            </a:extLst>
+          </p:cNvPr>
+          <p:cNvSpPr>
+            <a:spLocks noGrp="1"/>
+          </p:cNvSpPr>
+          <p:nvPr>
+            <p:ph idx="1"/>
+          </p:nvPr>
+        </p:nvSpPr>
+        <p:spPr/>
+        <p:txBody>
+          <a:bodyPr/>
+          <a:lstStyle/>
+          <a:p>
+            <a:endParaRPr lang="en-US"/>
+          </a:p>
+        </p:txBody>
+      </p:sp>
+    </p:spTree>
+    <p:extLst>
+      <p:ext uri="{BB962C8B-B14F-4D97-AF65-F5344CB8AC3E}">
+        <p14:creationId xmlns:p14="http://schemas.microsoft.com/office/powerpoint/2010/main" val="554729800"/>
+      </p:ext>
+    </p:extLst>
+  </p:cSld>
+  <p:clrMapOvr>
+    <a:masterClrMapping/>
+  </p:clrMapOvr>
+</p:sld>
+</file>
+
+<file path=ppt/slides/slide23.xml><?xml version="1.0" encoding="utf-8"?>
+<p:sld xmlns:a="http://schemas.openxmlformats.org/drawingml/2006/main" xmlns:r="http://schemas.openxmlformats.org/officeDocument/2006/relationships" xmlns:p="http://schemas.openxmlformats.org/presentationml/2006/main">
+  <p:cSld>
+    <p:spTree>
+      <p:nvGrpSpPr>
+        <p:cNvPr id="1" name=""/>
+        <p:cNvGrpSpPr/>
+        <p:nvPr/>
+      </p:nvGrpSpPr>
+      <p:grpSpPr>
+        <a:xfrm>
+          <a:off x="0" y="0"/>
+          <a:ext cx="0" cy="0"/>
+          <a:chOff x="0" y="0"/>
+          <a:chExt cx="0" cy="0"/>
+        </a:xfrm>
+      </p:grpSpPr>
+      <p:sp>
+        <p:nvSpPr>
+          <p:cNvPr id="2" name="Title 1">
+            <a:extLst>
+              <a:ext uri="{FF2B5EF4-FFF2-40B4-BE49-F238E27FC236}">
+                <a16:creationId xmlns:a16="http://schemas.microsoft.com/office/drawing/2014/main" id="{3D4EAE92-26B5-43BA-BF3C-B8A35C8C41C0}"/>
+              </a:ext>
+            </a:extLst>
+          </p:cNvPr>
+          <p:cNvSpPr>
+            <a:spLocks noGrp="1"/>
+          </p:cNvSpPr>
+          <p:nvPr>
+            <p:ph type="title"/>
+          </p:nvPr>
+        </p:nvSpPr>
+        <p:spPr/>
+        <p:txBody>
+          <a:bodyPr>
+            <a:normAutofit fontScale="90000"/>
+          </a:bodyPr>
+          <a:lstStyle/>
+          <a:p>
+            <a:r>
+              <a:rPr lang="en-US" sz="2200" dirty="0">
+                <a:solidFill>
+                  <a:srgbClr val="002060"/>
+                </a:solidFill>
+              </a:rPr>
+              <a:t>Inline</a:t>
+            </a:r>
+            <a:br>
+              <a:rPr lang="en-US" dirty="0"/>
+            </a:br>
+            <a:r>
+              <a:rPr lang="en-US" dirty="0"/>
+              <a:t>Problem: Recursive Calls</a:t>
+            </a:r>
+          </a:p>
+        </p:txBody>
+      </p:sp>
+      <p:sp>
+        <p:nvSpPr>
+          <p:cNvPr id="3" name="Content Placeholder 2">
+            <a:extLst>
+              <a:ext uri="{FF2B5EF4-FFF2-40B4-BE49-F238E27FC236}">
+                <a16:creationId xmlns:a16="http://schemas.microsoft.com/office/drawing/2014/main" id="{F244BE0B-79E0-4B2E-9ED3-06BC7CAB1F21}"/>
+              </a:ext>
+            </a:extLst>
+          </p:cNvPr>
+          <p:cNvSpPr>
+            <a:spLocks noGrp="1"/>
+          </p:cNvSpPr>
+          <p:nvPr>
+            <p:ph idx="1"/>
+          </p:nvPr>
+        </p:nvSpPr>
+        <p:spPr/>
+        <p:txBody>
+          <a:bodyPr/>
+          <a:lstStyle/>
+          <a:p>
+            <a:endParaRPr lang="en-US"/>
+          </a:p>
+        </p:txBody>
+      </p:sp>
+    </p:spTree>
+    <p:extLst>
+      <p:ext uri="{BB962C8B-B14F-4D97-AF65-F5344CB8AC3E}">
+        <p14:creationId xmlns:p14="http://schemas.microsoft.com/office/powerpoint/2010/main" val="1860405798"/>
+      </p:ext>
+    </p:extLst>
+  </p:cSld>
+  <p:clrMapOvr>
+    <a:masterClrMapping/>
+  </p:clrMapOvr>
+</p:sld>
+</file>
+
+<file path=ppt/slides/slide24.xml><?xml version="1.0" encoding="utf-8"?>
+<p:sld xmlns:a="http://schemas.openxmlformats.org/drawingml/2006/main" xmlns:r="http://schemas.openxmlformats.org/officeDocument/2006/relationships" xmlns:p="http://schemas.openxmlformats.org/presentationml/2006/main">
+  <p:cSld>
+    <p:spTree>
+      <p:nvGrpSpPr>
+        <p:cNvPr id="1" name=""/>
+        <p:cNvGrpSpPr/>
+        <p:nvPr/>
+      </p:nvGrpSpPr>
+      <p:grpSpPr>
+        <a:xfrm>
+          <a:off x="0" y="0"/>
+          <a:ext cx="0" cy="0"/>
+          <a:chOff x="0" y="0"/>
+          <a:chExt cx="0" cy="0"/>
+        </a:xfrm>
+      </p:grpSpPr>
+      <p:sp>
+        <p:nvSpPr>
+          <p:cNvPr id="2" name="Title 1">
+            <a:extLst>
+              <a:ext uri="{FF2B5EF4-FFF2-40B4-BE49-F238E27FC236}">
                 <a16:creationId xmlns:a16="http://schemas.microsoft.com/office/drawing/2014/main" id="{8FA142CC-32CA-4044-A89D-077BE90F9827}"/>
               </a:ext>
             </a:extLst>
@@ -8089,7 +8113,7 @@
 </p:sld>
 </file>
 
-<file path=ppt/slides/slide21.xml><?xml version="1.0" encoding="utf-8"?>
+<file path=ppt/slides/slide25.xml><?xml version="1.0" encoding="utf-8"?>
 <p:sld xmlns:a="http://schemas.openxmlformats.org/drawingml/2006/main" xmlns:r="http://schemas.openxmlformats.org/officeDocument/2006/relationships" xmlns:p="http://schemas.openxmlformats.org/presentationml/2006/main">
   <p:cSld>
     <p:spTree>

--- a/presentation/Misteli_Refactoring_in_Spoofax.pptx
+++ b/presentation/Misteli_Refactoring_in_Spoofax.pptx
@@ -2869,7 +2869,7 @@
           <a:p>
             <a:fld id="{DBAE3B3E-782A-9745-8E84-372F7B6771BF}" type="datetimeFigureOut">
               <a:rPr lang="en-US" smtClean="0"/>
-              <a:t>6/22/2019</a:t>
+              <a:t>6/23/2019</a:t>
             </a:fld>
             <a:endParaRPr lang="en-US" dirty="0"/>
           </a:p>
@@ -3034,7 +3034,7 @@
           <a:p>
             <a:fld id="{C726C102-7355-4784-A102-F67F03D4410F}" type="datetimeFigureOut">
               <a:rPr lang="LID4096" smtClean="0"/>
-              <a:t>06/22/2019</a:t>
+              <a:t>06/23/2019</a:t>
             </a:fld>
             <a:endParaRPr lang="LID4096"/>
           </a:p>
@@ -4999,7 +4999,7 @@
           <a:p>
             <a:fld id="{462A2416-1570-3849-86F9-07F78746E1B2}" type="datetimeFigureOut">
               <a:rPr lang="en-US" smtClean="0"/>
-              <a:t>6/22/2019</a:t>
+              <a:t>6/23/2019</a:t>
             </a:fld>
             <a:endParaRPr lang="en-US" dirty="0"/>
           </a:p>
@@ -7979,31 +7979,36 @@
           </a:p>
         </p:txBody>
       </p:sp>
-      <p:sp>
-        <p:nvSpPr>
-          <p:cNvPr id="3" name="Content Placeholder 2">
+      <p:pic>
+        <p:nvPicPr>
+          <p:cNvPr id="4" name="Picture 3">
             <a:extLst>
               <a:ext uri="{FF2B5EF4-FFF2-40B4-BE49-F238E27FC236}">
-                <a16:creationId xmlns:a16="http://schemas.microsoft.com/office/drawing/2014/main" id="{F244BE0B-79E0-4B2E-9ED3-06BC7CAB1F21}"/>
+                <a16:creationId xmlns:a16="http://schemas.microsoft.com/office/drawing/2014/main" id="{DF2D767D-C1D3-43AF-915F-DEC3887BB706}"/>
               </a:ext>
             </a:extLst>
           </p:cNvPr>
-          <p:cNvSpPr>
-            <a:spLocks noGrp="1"/>
-          </p:cNvSpPr>
-          <p:nvPr>
-            <p:ph idx="1"/>
-          </p:nvPr>
-        </p:nvSpPr>
-        <p:spPr/>
-        <p:txBody>
-          <a:bodyPr/>
-          <a:lstStyle/>
-          <a:p>
-            <a:endParaRPr lang="en-US"/>
-          </a:p>
-        </p:txBody>
-      </p:sp>
+          <p:cNvPicPr>
+            <a:picLocks noChangeAspect="1"/>
+          </p:cNvPicPr>
+          <p:nvPr/>
+        </p:nvPicPr>
+        <p:blipFill>
+          <a:blip r:embed="rId2"/>
+          <a:stretch>
+            <a:fillRect/>
+          </a:stretch>
+        </p:blipFill>
+        <p:spPr>
+          <a:xfrm>
+            <a:off x="3708462" y="1063229"/>
+            <a:ext cx="3215751" cy="3283146"/>
+          </a:xfrm>
+          <a:prstGeom prst="rect">
+            <a:avLst/>
+          </a:prstGeom>
+        </p:spPr>
+      </p:pic>
     </p:spTree>
     <p:extLst>
       <p:ext uri="{BB962C8B-B14F-4D97-AF65-F5344CB8AC3E}">
@@ -8075,31 +8080,35 @@
           </a:p>
         </p:txBody>
       </p:sp>
-      <p:sp>
-        <p:nvSpPr>
-          <p:cNvPr id="3" name="Content Placeholder 2">
+      <p:pic>
+        <p:nvPicPr>
+          <p:cNvPr id="5" name="Content Placeholder 4">
             <a:extLst>
               <a:ext uri="{FF2B5EF4-FFF2-40B4-BE49-F238E27FC236}">
-                <a16:creationId xmlns:a16="http://schemas.microsoft.com/office/drawing/2014/main" id="{70D8C59A-7D39-4580-A868-756D617C4AD3}"/>
+                <a16:creationId xmlns:a16="http://schemas.microsoft.com/office/drawing/2014/main" id="{898FC600-5783-4D61-9213-F129C316EFD4}"/>
               </a:ext>
             </a:extLst>
           </p:cNvPr>
-          <p:cNvSpPr>
-            <a:spLocks noGrp="1"/>
-          </p:cNvSpPr>
+          <p:cNvPicPr>
+            <a:picLocks noGrp="1" noChangeAspect="1"/>
+          </p:cNvPicPr>
           <p:nvPr>
             <p:ph idx="1"/>
           </p:nvPr>
-        </p:nvSpPr>
-        <p:spPr/>
-        <p:txBody>
-          <a:bodyPr/>
-          <a:lstStyle/>
-          <a:p>
-            <a:endParaRPr lang="en-US"/>
-          </a:p>
-        </p:txBody>
-      </p:sp>
+        </p:nvPicPr>
+        <p:blipFill>
+          <a:blip r:embed="rId2"/>
+          <a:stretch>
+            <a:fillRect/>
+          </a:stretch>
+        </p:blipFill>
+        <p:spPr>
+          <a:xfrm>
+            <a:off x="3017866" y="1063378"/>
+            <a:ext cx="4596943" cy="3016744"/>
+          </a:xfrm>
+        </p:spPr>
+      </p:pic>
     </p:spTree>
     <p:extLst>
       <p:ext uri="{BB962C8B-B14F-4D97-AF65-F5344CB8AC3E}">
@@ -8160,26 +8169,256 @@
       </p:sp>
       <p:sp>
         <p:nvSpPr>
-          <p:cNvPr id="3" name="Content Placeholder 2">
+          <p:cNvPr id="5" name="Rectangle: Rounded Corners 4">
             <a:extLst>
               <a:ext uri="{FF2B5EF4-FFF2-40B4-BE49-F238E27FC236}">
-                <a16:creationId xmlns:a16="http://schemas.microsoft.com/office/drawing/2014/main" id="{F2C291AE-9DAB-4A55-88EB-F6FC1A3ACAE3}"/>
+                <a16:creationId xmlns:a16="http://schemas.microsoft.com/office/drawing/2014/main" id="{74522C98-12A9-46CA-8BD9-A5CD6FB86AA9}"/>
               </a:ext>
             </a:extLst>
           </p:cNvPr>
-          <p:cNvSpPr>
-            <a:spLocks noGrp="1"/>
-          </p:cNvSpPr>
-          <p:nvPr>
-            <p:ph idx="1"/>
-          </p:nvPr>
+          <p:cNvSpPr/>
+          <p:nvPr/>
         </p:nvSpPr>
-        <p:spPr/>
+        <p:spPr>
+          <a:xfrm>
+            <a:off x="1763104" y="2571749"/>
+            <a:ext cx="3078315" cy="980185"/>
+          </a:xfrm>
+          <a:prstGeom prst="roundRect">
+            <a:avLst/>
+          </a:prstGeom>
+          <a:solidFill>
+            <a:srgbClr val="00B050"/>
+          </a:solidFill>
+          <a:effectLst/>
+        </p:spPr>
+        <p:style>
+          <a:lnRef idx="1">
+            <a:schemeClr val="accent1"/>
+          </a:lnRef>
+          <a:fillRef idx="3">
+            <a:schemeClr val="accent1"/>
+          </a:fillRef>
+          <a:effectRef idx="2">
+            <a:schemeClr val="accent1"/>
+          </a:effectRef>
+          <a:fontRef idx="minor">
+            <a:schemeClr val="lt1"/>
+          </a:fontRef>
+        </p:style>
         <p:txBody>
-          <a:bodyPr/>
+          <a:bodyPr rtlCol="0" anchor="ctr"/>
           <a:lstStyle/>
           <a:p>
-            <a:endParaRPr lang="en-US"/>
+            <a:pPr algn="ctr"/>
+            <a:r>
+              <a:rPr lang="en-US" sz="2400" dirty="0"/>
+              <a:t>Scope Graph</a:t>
+            </a:r>
+          </a:p>
+        </p:txBody>
+      </p:sp>
+      <p:sp>
+        <p:nvSpPr>
+          <p:cNvPr id="6" name="Rectangle: Rounded Corners 5">
+            <a:extLst>
+              <a:ext uri="{FF2B5EF4-FFF2-40B4-BE49-F238E27FC236}">
+                <a16:creationId xmlns:a16="http://schemas.microsoft.com/office/drawing/2014/main" id="{AE36B88C-19CA-4B3E-81B8-CB63057D4782}"/>
+              </a:ext>
+            </a:extLst>
+          </p:cNvPr>
+          <p:cNvSpPr/>
+          <p:nvPr/>
+        </p:nvSpPr>
+        <p:spPr>
+          <a:xfrm>
+            <a:off x="1763106" y="1195743"/>
+            <a:ext cx="3078315" cy="980185"/>
+          </a:xfrm>
+          <a:prstGeom prst="roundRect">
+            <a:avLst/>
+          </a:prstGeom>
+          <a:solidFill>
+            <a:srgbClr val="00B050"/>
+          </a:solidFill>
+        </p:spPr>
+        <p:style>
+          <a:lnRef idx="1">
+            <a:schemeClr val="accent1"/>
+          </a:lnRef>
+          <a:fillRef idx="3">
+            <a:schemeClr val="accent1"/>
+          </a:fillRef>
+          <a:effectRef idx="2">
+            <a:schemeClr val="accent1"/>
+          </a:effectRef>
+          <a:fontRef idx="minor">
+            <a:schemeClr val="lt1"/>
+          </a:fontRef>
+        </p:style>
+        <p:txBody>
+          <a:bodyPr rtlCol="0" anchor="ctr"/>
+          <a:lstStyle/>
+          <a:p>
+            <a:pPr algn="ctr"/>
+            <a:r>
+              <a:rPr lang="en-US" sz="2400" dirty="0" err="1"/>
+              <a:t>Stratego</a:t>
+            </a:r>
+            <a:r>
+              <a:rPr lang="en-US" sz="2400" dirty="0"/>
+              <a:t> Transformations</a:t>
+            </a:r>
+          </a:p>
+        </p:txBody>
+      </p:sp>
+      <p:sp>
+        <p:nvSpPr>
+          <p:cNvPr id="7" name="Rectangle: Rounded Corners 6">
+            <a:extLst>
+              <a:ext uri="{FF2B5EF4-FFF2-40B4-BE49-F238E27FC236}">
+                <a16:creationId xmlns:a16="http://schemas.microsoft.com/office/drawing/2014/main" id="{C6DE87A5-1A59-47A6-9042-E20849C2FA8D}"/>
+              </a:ext>
+            </a:extLst>
+          </p:cNvPr>
+          <p:cNvSpPr/>
+          <p:nvPr/>
+        </p:nvSpPr>
+        <p:spPr>
+          <a:xfrm>
+            <a:off x="5401656" y="1220236"/>
+            <a:ext cx="3078315" cy="980185"/>
+          </a:xfrm>
+          <a:prstGeom prst="roundRect">
+            <a:avLst/>
+          </a:prstGeom>
+          <a:solidFill>
+            <a:srgbClr val="FF0000"/>
+          </a:solidFill>
+        </p:spPr>
+        <p:style>
+          <a:lnRef idx="1">
+            <a:schemeClr val="accent4"/>
+          </a:lnRef>
+          <a:fillRef idx="3">
+            <a:schemeClr val="accent4"/>
+          </a:fillRef>
+          <a:effectRef idx="2">
+            <a:schemeClr val="accent4"/>
+          </a:effectRef>
+          <a:fontRef idx="minor">
+            <a:schemeClr val="lt1"/>
+          </a:fontRef>
+        </p:style>
+        <p:txBody>
+          <a:bodyPr rtlCol="0" anchor="ctr"/>
+          <a:lstStyle/>
+          <a:p>
+            <a:pPr algn="ctr"/>
+            <a:r>
+              <a:rPr lang="en-US" sz="2400" dirty="0"/>
+              <a:t>Nabl2 API</a:t>
+            </a:r>
+          </a:p>
+        </p:txBody>
+      </p:sp>
+      <p:sp>
+        <p:nvSpPr>
+          <p:cNvPr id="8" name="Rectangle: Rounded Corners 7">
+            <a:extLst>
+              <a:ext uri="{FF2B5EF4-FFF2-40B4-BE49-F238E27FC236}">
+                <a16:creationId xmlns:a16="http://schemas.microsoft.com/office/drawing/2014/main" id="{9702475F-C731-411E-A1AF-769623E3C8B7}"/>
+              </a:ext>
+            </a:extLst>
+          </p:cNvPr>
+          <p:cNvSpPr/>
+          <p:nvPr/>
+        </p:nvSpPr>
+        <p:spPr>
+          <a:xfrm>
+            <a:off x="5401655" y="2571750"/>
+            <a:ext cx="3078315" cy="980185"/>
+          </a:xfrm>
+          <a:prstGeom prst="roundRect">
+            <a:avLst/>
+          </a:prstGeom>
+          <a:solidFill>
+            <a:srgbClr val="FF0000"/>
+          </a:solidFill>
+        </p:spPr>
+        <p:style>
+          <a:lnRef idx="1">
+            <a:schemeClr val="accent4"/>
+          </a:lnRef>
+          <a:fillRef idx="3">
+            <a:schemeClr val="accent4"/>
+          </a:fillRef>
+          <a:effectRef idx="2">
+            <a:schemeClr val="accent4"/>
+          </a:effectRef>
+          <a:fontRef idx="minor">
+            <a:schemeClr val="lt1"/>
+          </a:fontRef>
+        </p:style>
+        <p:txBody>
+          <a:bodyPr rtlCol="0" anchor="ctr"/>
+          <a:lstStyle/>
+          <a:p>
+            <a:pPr algn="ctr"/>
+            <a:r>
+              <a:rPr lang="en-US" sz="2400" dirty="0"/>
+              <a:t>Eclipse UI Integration</a:t>
+            </a:r>
+          </a:p>
+        </p:txBody>
+      </p:sp>
+      <p:sp>
+        <p:nvSpPr>
+          <p:cNvPr id="9" name="Rectangle: Rounded Corners 8">
+            <a:extLst>
+              <a:ext uri="{FF2B5EF4-FFF2-40B4-BE49-F238E27FC236}">
+                <a16:creationId xmlns:a16="http://schemas.microsoft.com/office/drawing/2014/main" id="{82E51E27-B576-4E0F-9A80-D9938E13E4D5}"/>
+              </a:ext>
+            </a:extLst>
+          </p:cNvPr>
+          <p:cNvSpPr/>
+          <p:nvPr/>
+        </p:nvSpPr>
+        <p:spPr>
+          <a:xfrm>
+            <a:off x="5401654" y="3923264"/>
+            <a:ext cx="3078315" cy="980185"/>
+          </a:xfrm>
+          <a:prstGeom prst="roundRect">
+            <a:avLst/>
+          </a:prstGeom>
+          <a:solidFill>
+            <a:srgbClr val="FF0000"/>
+          </a:solidFill>
+        </p:spPr>
+        <p:style>
+          <a:lnRef idx="1">
+            <a:schemeClr val="accent4"/>
+          </a:lnRef>
+          <a:fillRef idx="3">
+            <a:schemeClr val="accent4"/>
+          </a:fillRef>
+          <a:effectRef idx="2">
+            <a:schemeClr val="accent4"/>
+          </a:effectRef>
+          <a:fontRef idx="minor">
+            <a:schemeClr val="lt1"/>
+          </a:fontRef>
+        </p:style>
+        <p:txBody>
+          <a:bodyPr rtlCol="0" anchor="ctr"/>
+          <a:lstStyle/>
+          <a:p>
+            <a:pPr algn="ctr"/>
+            <a:r>
+              <a:rPr lang="en-US" sz="2400" dirty="0"/>
+              <a:t>Transformations in SPT</a:t>
+            </a:r>
           </a:p>
         </p:txBody>
       </p:sp>

--- a/presentation/Misteli_Refactoring_in_Spoofax.pptx
+++ b/presentation/Misteli_Refactoring_in_Spoofax.pptx
@@ -6,10 +6,10 @@
     <p:sldMasterId id="2147483660" r:id="rId2"/>
   </p:sldMasterIdLst>
   <p:notesMasterIdLst>
-    <p:notesMasterId r:id="rId28"/>
+    <p:notesMasterId r:id="rId30"/>
   </p:notesMasterIdLst>
   <p:handoutMasterIdLst>
-    <p:handoutMasterId r:id="rId29"/>
+    <p:handoutMasterId r:id="rId31"/>
   </p:handoutMasterIdLst>
   <p:sldIdLst>
     <p:sldId id="256" r:id="rId3"/>
@@ -32,11 +32,13 @@
     <p:sldId id="293" r:id="rId20"/>
     <p:sldId id="294" r:id="rId21"/>
     <p:sldId id="281" r:id="rId22"/>
-    <p:sldId id="285" r:id="rId23"/>
-    <p:sldId id="286" r:id="rId24"/>
-    <p:sldId id="287" r:id="rId25"/>
-    <p:sldId id="288" r:id="rId26"/>
-    <p:sldId id="289" r:id="rId27"/>
+    <p:sldId id="296" r:id="rId23"/>
+    <p:sldId id="295" r:id="rId24"/>
+    <p:sldId id="285" r:id="rId25"/>
+    <p:sldId id="286" r:id="rId26"/>
+    <p:sldId id="287" r:id="rId27"/>
+    <p:sldId id="288" r:id="rId28"/>
+    <p:sldId id="289" r:id="rId29"/>
   </p:sldIdLst>
   <p:sldSz cx="9144000" cy="5143500" type="screen16x9"/>
   <p:notesSz cx="6858000" cy="9144000"/>
@@ -2869,7 +2871,7 @@
           <a:p>
             <a:fld id="{DBAE3B3E-782A-9745-8E84-372F7B6771BF}" type="datetimeFigureOut">
               <a:rPr lang="en-US" smtClean="0"/>
-              <a:t>6/23/2019</a:t>
+              <a:t>6/27/2019</a:t>
             </a:fld>
             <a:endParaRPr lang="en-US" dirty="0"/>
           </a:p>
@@ -3034,7 +3036,7 @@
           <a:p>
             <a:fld id="{C726C102-7355-4784-A102-F67F03D4410F}" type="datetimeFigureOut">
               <a:rPr lang="LID4096" smtClean="0"/>
-              <a:t>06/23/2019</a:t>
+              <a:t>06/26/2019</a:t>
             </a:fld>
             <a:endParaRPr lang="LID4096"/>
           </a:p>
@@ -4999,7 +5001,7 @@
           <a:p>
             <a:fld id="{462A2416-1570-3849-86F9-07F78746E1B2}" type="datetimeFigureOut">
               <a:rPr lang="en-US" smtClean="0"/>
-              <a:t>6/23/2019</a:t>
+              <a:t>6/26/2019</a:t>
             </a:fld>
             <a:endParaRPr lang="en-US" dirty="0"/>
           </a:p>
@@ -6882,10 +6884,10 @@
       </p:sp>
       <p:pic>
         <p:nvPicPr>
-          <p:cNvPr id="4" name="Picture 3">
+          <p:cNvPr id="5" name="Picture 4">
             <a:extLst>
               <a:ext uri="{FF2B5EF4-FFF2-40B4-BE49-F238E27FC236}">
-                <a16:creationId xmlns:a16="http://schemas.microsoft.com/office/drawing/2014/main" id="{D3E95A44-8B2F-4218-A71B-51E82AFCC9A5}"/>
+                <a16:creationId xmlns:a16="http://schemas.microsoft.com/office/drawing/2014/main" id="{A451C2C5-926F-46F5-BA75-B802CBEBA6A9}"/>
               </a:ext>
             </a:extLst>
           </p:cNvPr>
@@ -6903,7 +6905,7 @@
         <p:spPr>
           <a:xfrm>
             <a:off x="2847458" y="1063229"/>
-            <a:ext cx="4937760" cy="3943712"/>
+            <a:ext cx="4937760" cy="3943710"/>
           </a:xfrm>
           <a:prstGeom prst="rect">
             <a:avLst/>
@@ -7679,6 +7681,356 @@
                   <a:srgbClr val="002060"/>
                 </a:solidFill>
               </a:rPr>
+              <a:t>Inline Function</a:t>
+            </a:r>
+            <a:br>
+              <a:rPr lang="en-US" dirty="0"/>
+            </a:br>
+            <a:r>
+              <a:rPr lang="en-US" dirty="0"/>
+              <a:t>Inline Specific Call</a:t>
+            </a:r>
+          </a:p>
+        </p:txBody>
+      </p:sp>
+      <p:pic>
+        <p:nvPicPr>
+          <p:cNvPr id="4" name="Picture 3">
+            <a:extLst>
+              <a:ext uri="{FF2B5EF4-FFF2-40B4-BE49-F238E27FC236}">
+                <a16:creationId xmlns:a16="http://schemas.microsoft.com/office/drawing/2014/main" id="{70A433BC-1795-428B-AA3C-53DE7D3D47F1}"/>
+              </a:ext>
+            </a:extLst>
+          </p:cNvPr>
+          <p:cNvPicPr>
+            <a:picLocks noChangeAspect="1"/>
+          </p:cNvPicPr>
+          <p:nvPr/>
+        </p:nvPicPr>
+        <p:blipFill>
+          <a:blip r:embed="rId2"/>
+          <a:stretch>
+            <a:fillRect/>
+          </a:stretch>
+        </p:blipFill>
+        <p:spPr>
+          <a:xfrm>
+            <a:off x="1763106" y="1893511"/>
+            <a:ext cx="3040643" cy="1356478"/>
+          </a:xfrm>
+          <a:prstGeom prst="rect">
+            <a:avLst/>
+          </a:prstGeom>
+        </p:spPr>
+      </p:pic>
+      <p:pic>
+        <p:nvPicPr>
+          <p:cNvPr id="5" name="Picture 4">
+            <a:extLst>
+              <a:ext uri="{FF2B5EF4-FFF2-40B4-BE49-F238E27FC236}">
+                <a16:creationId xmlns:a16="http://schemas.microsoft.com/office/drawing/2014/main" id="{64900E0E-437D-4930-A245-F81F71C5AAA8}"/>
+              </a:ext>
+            </a:extLst>
+          </p:cNvPr>
+          <p:cNvPicPr>
+            <a:picLocks noChangeAspect="1"/>
+          </p:cNvPicPr>
+          <p:nvPr/>
+        </p:nvPicPr>
+        <p:blipFill>
+          <a:blip r:embed="rId3"/>
+          <a:stretch>
+            <a:fillRect/>
+          </a:stretch>
+        </p:blipFill>
+        <p:spPr>
+          <a:xfrm>
+            <a:off x="6351196" y="1668701"/>
+            <a:ext cx="1699407" cy="1806097"/>
+          </a:xfrm>
+          <a:prstGeom prst="rect">
+            <a:avLst/>
+          </a:prstGeom>
+        </p:spPr>
+      </p:pic>
+      <p:sp>
+        <p:nvSpPr>
+          <p:cNvPr id="6" name="Arrow: Right 5">
+            <a:extLst>
+              <a:ext uri="{FF2B5EF4-FFF2-40B4-BE49-F238E27FC236}">
+                <a16:creationId xmlns:a16="http://schemas.microsoft.com/office/drawing/2014/main" id="{5419A342-5A6F-4669-BF51-43B61C78C221}"/>
+              </a:ext>
+            </a:extLst>
+          </p:cNvPr>
+          <p:cNvSpPr/>
+          <p:nvPr/>
+        </p:nvSpPr>
+        <p:spPr>
+          <a:xfrm>
+            <a:off x="5271311" y="2205015"/>
+            <a:ext cx="612322" cy="587829"/>
+          </a:xfrm>
+          <a:prstGeom prst="rightArrow">
+            <a:avLst/>
+          </a:prstGeom>
+        </p:spPr>
+        <p:style>
+          <a:lnRef idx="1">
+            <a:schemeClr val="accent4"/>
+          </a:lnRef>
+          <a:fillRef idx="3">
+            <a:schemeClr val="accent4"/>
+          </a:fillRef>
+          <a:effectRef idx="2">
+            <a:schemeClr val="accent4"/>
+          </a:effectRef>
+          <a:fontRef idx="minor">
+            <a:schemeClr val="lt1"/>
+          </a:fontRef>
+        </p:style>
+        <p:txBody>
+          <a:bodyPr rtlCol="0" anchor="ctr"/>
+          <a:lstStyle/>
+          <a:p>
+            <a:pPr algn="ctr"/>
+            <a:endParaRPr lang="en-US"/>
+          </a:p>
+        </p:txBody>
+      </p:sp>
+    </p:spTree>
+    <p:extLst>
+      <p:ext uri="{BB962C8B-B14F-4D97-AF65-F5344CB8AC3E}">
+        <p14:creationId xmlns:p14="http://schemas.microsoft.com/office/powerpoint/2010/main" val="649359674"/>
+      </p:ext>
+    </p:extLst>
+  </p:cSld>
+  <p:clrMapOvr>
+    <a:masterClrMapping/>
+  </p:clrMapOvr>
+</p:sld>
+</file>
+
+<file path=ppt/slides/slide21.xml><?xml version="1.0" encoding="utf-8"?>
+<p:sld xmlns:a="http://schemas.openxmlformats.org/drawingml/2006/main" xmlns:r="http://schemas.openxmlformats.org/officeDocument/2006/relationships" xmlns:p="http://schemas.openxmlformats.org/presentationml/2006/main">
+  <p:cSld>
+    <p:spTree>
+      <p:nvGrpSpPr>
+        <p:cNvPr id="1" name=""/>
+        <p:cNvGrpSpPr/>
+        <p:nvPr/>
+      </p:nvGrpSpPr>
+      <p:grpSpPr>
+        <a:xfrm>
+          <a:off x="0" y="0"/>
+          <a:ext cx="0" cy="0"/>
+          <a:chOff x="0" y="0"/>
+          <a:chExt cx="0" cy="0"/>
+        </a:xfrm>
+      </p:grpSpPr>
+      <p:sp>
+        <p:nvSpPr>
+          <p:cNvPr id="2" name="Title 1">
+            <a:extLst>
+              <a:ext uri="{FF2B5EF4-FFF2-40B4-BE49-F238E27FC236}">
+                <a16:creationId xmlns:a16="http://schemas.microsoft.com/office/drawing/2014/main" id="{75242ED9-550F-4CFB-9C3E-FC559B6FDFB2}"/>
+              </a:ext>
+            </a:extLst>
+          </p:cNvPr>
+          <p:cNvSpPr>
+            <a:spLocks noGrp="1"/>
+          </p:cNvSpPr>
+          <p:nvPr>
+            <p:ph type="title"/>
+          </p:nvPr>
+        </p:nvSpPr>
+        <p:spPr/>
+        <p:txBody>
+          <a:bodyPr>
+            <a:normAutofit fontScale="90000"/>
+          </a:bodyPr>
+          <a:lstStyle/>
+          <a:p>
+            <a:r>
+              <a:rPr lang="en-US" sz="2200" dirty="0">
+                <a:solidFill>
+                  <a:srgbClr val="002060"/>
+                </a:solidFill>
+              </a:rPr>
+              <a:t>Inline Function</a:t>
+            </a:r>
+            <a:br>
+              <a:rPr lang="en-US" dirty="0"/>
+            </a:br>
+            <a:r>
+              <a:rPr lang="en-US" dirty="0"/>
+              <a:t>Inline Call and Delete Declaration</a:t>
+            </a:r>
+          </a:p>
+        </p:txBody>
+      </p:sp>
+      <p:pic>
+        <p:nvPicPr>
+          <p:cNvPr id="4" name="Picture 3">
+            <a:extLst>
+              <a:ext uri="{FF2B5EF4-FFF2-40B4-BE49-F238E27FC236}">
+                <a16:creationId xmlns:a16="http://schemas.microsoft.com/office/drawing/2014/main" id="{70A433BC-1795-428B-AA3C-53DE7D3D47F1}"/>
+              </a:ext>
+            </a:extLst>
+          </p:cNvPr>
+          <p:cNvPicPr>
+            <a:picLocks noChangeAspect="1"/>
+          </p:cNvPicPr>
+          <p:nvPr/>
+        </p:nvPicPr>
+        <p:blipFill>
+          <a:blip r:embed="rId2"/>
+          <a:stretch>
+            <a:fillRect/>
+          </a:stretch>
+        </p:blipFill>
+        <p:spPr>
+          <a:xfrm>
+            <a:off x="1763105" y="1893510"/>
+            <a:ext cx="3040643" cy="1356478"/>
+          </a:xfrm>
+          <a:prstGeom prst="rect">
+            <a:avLst/>
+          </a:prstGeom>
+        </p:spPr>
+      </p:pic>
+      <p:sp>
+        <p:nvSpPr>
+          <p:cNvPr id="6" name="Arrow: Right 5">
+            <a:extLst>
+              <a:ext uri="{FF2B5EF4-FFF2-40B4-BE49-F238E27FC236}">
+                <a16:creationId xmlns:a16="http://schemas.microsoft.com/office/drawing/2014/main" id="{5419A342-5A6F-4669-BF51-43B61C78C221}"/>
+              </a:ext>
+            </a:extLst>
+          </p:cNvPr>
+          <p:cNvSpPr/>
+          <p:nvPr/>
+        </p:nvSpPr>
+        <p:spPr>
+          <a:xfrm>
+            <a:off x="5271311" y="2205015"/>
+            <a:ext cx="612322" cy="587829"/>
+          </a:xfrm>
+          <a:prstGeom prst="rightArrow">
+            <a:avLst/>
+          </a:prstGeom>
+        </p:spPr>
+        <p:style>
+          <a:lnRef idx="1">
+            <a:schemeClr val="accent4"/>
+          </a:lnRef>
+          <a:fillRef idx="3">
+            <a:schemeClr val="accent4"/>
+          </a:fillRef>
+          <a:effectRef idx="2">
+            <a:schemeClr val="accent4"/>
+          </a:effectRef>
+          <a:fontRef idx="minor">
+            <a:schemeClr val="lt1"/>
+          </a:fontRef>
+        </p:style>
+        <p:txBody>
+          <a:bodyPr rtlCol="0" anchor="ctr"/>
+          <a:lstStyle/>
+          <a:p>
+            <a:pPr algn="ctr"/>
+            <a:endParaRPr lang="en-US"/>
+          </a:p>
+        </p:txBody>
+      </p:sp>
+      <p:pic>
+        <p:nvPicPr>
+          <p:cNvPr id="3" name="Picture 2">
+            <a:extLst>
+              <a:ext uri="{FF2B5EF4-FFF2-40B4-BE49-F238E27FC236}">
+                <a16:creationId xmlns:a16="http://schemas.microsoft.com/office/drawing/2014/main" id="{02C15AE4-0BBB-40AA-82C2-EA009AB77D47}"/>
+              </a:ext>
+            </a:extLst>
+          </p:cNvPr>
+          <p:cNvPicPr>
+            <a:picLocks noChangeAspect="1"/>
+          </p:cNvPicPr>
+          <p:nvPr/>
+        </p:nvPicPr>
+        <p:blipFill>
+          <a:blip r:embed="rId3"/>
+          <a:stretch>
+            <a:fillRect/>
+          </a:stretch>
+        </p:blipFill>
+        <p:spPr>
+          <a:xfrm>
+            <a:off x="6351196" y="1630598"/>
+            <a:ext cx="1722269" cy="1882303"/>
+          </a:xfrm>
+          <a:prstGeom prst="rect">
+            <a:avLst/>
+          </a:prstGeom>
+        </p:spPr>
+      </p:pic>
+    </p:spTree>
+    <p:extLst>
+      <p:ext uri="{BB962C8B-B14F-4D97-AF65-F5344CB8AC3E}">
+        <p14:creationId xmlns:p14="http://schemas.microsoft.com/office/powerpoint/2010/main" val="1635690435"/>
+      </p:ext>
+    </p:extLst>
+  </p:cSld>
+  <p:clrMapOvr>
+    <a:masterClrMapping/>
+  </p:clrMapOvr>
+</p:sld>
+</file>
+
+<file path=ppt/slides/slide22.xml><?xml version="1.0" encoding="utf-8"?>
+<p:sld xmlns:a="http://schemas.openxmlformats.org/drawingml/2006/main" xmlns:r="http://schemas.openxmlformats.org/officeDocument/2006/relationships" xmlns:p="http://schemas.openxmlformats.org/presentationml/2006/main">
+  <p:cSld>
+    <p:spTree>
+      <p:nvGrpSpPr>
+        <p:cNvPr id="1" name=""/>
+        <p:cNvGrpSpPr/>
+        <p:nvPr/>
+      </p:nvGrpSpPr>
+      <p:grpSpPr>
+        <a:xfrm>
+          <a:off x="0" y="0"/>
+          <a:ext cx="0" cy="0"/>
+          <a:chOff x="0" y="0"/>
+          <a:chExt cx="0" cy="0"/>
+        </a:xfrm>
+      </p:grpSpPr>
+      <p:sp>
+        <p:nvSpPr>
+          <p:cNvPr id="2" name="Title 1">
+            <a:extLst>
+              <a:ext uri="{FF2B5EF4-FFF2-40B4-BE49-F238E27FC236}">
+                <a16:creationId xmlns:a16="http://schemas.microsoft.com/office/drawing/2014/main" id="{75242ED9-550F-4CFB-9C3E-FC559B6FDFB2}"/>
+              </a:ext>
+            </a:extLst>
+          </p:cNvPr>
+          <p:cNvSpPr>
+            <a:spLocks noGrp="1"/>
+          </p:cNvSpPr>
+          <p:nvPr>
+            <p:ph type="title"/>
+          </p:nvPr>
+        </p:nvSpPr>
+        <p:spPr/>
+        <p:txBody>
+          <a:bodyPr>
+            <a:normAutofit fontScale="90000"/>
+          </a:bodyPr>
+          <a:lstStyle/>
+          <a:p>
+            <a:r>
+              <a:rPr lang="en-US" sz="2200" dirty="0">
+                <a:solidFill>
+                  <a:srgbClr val="002060"/>
+                </a:solidFill>
+              </a:rPr>
               <a:t>Inline</a:t>
             </a:r>
             <a:br>
@@ -7719,7 +8071,7 @@
     </p:spTree>
     <p:extLst>
       <p:ext uri="{BB962C8B-B14F-4D97-AF65-F5344CB8AC3E}">
-        <p14:creationId xmlns:p14="http://schemas.microsoft.com/office/powerpoint/2010/main" val="649359674"/>
+        <p14:creationId xmlns:p14="http://schemas.microsoft.com/office/powerpoint/2010/main" val="46152746"/>
       </p:ext>
     </p:extLst>
   </p:cSld>
@@ -7729,7 +8081,7 @@
 </p:sld>
 </file>
 
-<file path=ppt/slides/slide21.xml><?xml version="1.0" encoding="utf-8"?>
+<file path=ppt/slides/slide23.xml><?xml version="1.0" encoding="utf-8"?>
 <p:sld xmlns:a="http://schemas.openxmlformats.org/drawingml/2006/main" xmlns:r="http://schemas.openxmlformats.org/officeDocument/2006/relationships" xmlns:p="http://schemas.openxmlformats.org/presentationml/2006/main">
   <p:cSld>
     <p:spTree>
@@ -7825,7 +8177,7 @@
 </p:sld>
 </file>
 
-<file path=ppt/slides/slide22.xml><?xml version="1.0" encoding="utf-8"?>
+<file path=ppt/slides/slide24.xml><?xml version="1.0" encoding="utf-8"?>
 <p:sld xmlns:a="http://schemas.openxmlformats.org/drawingml/2006/main" xmlns:r="http://schemas.openxmlformats.org/officeDocument/2006/relationships" xmlns:p="http://schemas.openxmlformats.org/presentationml/2006/main">
   <p:cSld>
     <p:spTree>
@@ -7921,7 +8273,7 @@
 </p:sld>
 </file>
 
-<file path=ppt/slides/slide23.xml><?xml version="1.0" encoding="utf-8"?>
+<file path=ppt/slides/slide25.xml><?xml version="1.0" encoding="utf-8"?>
 <p:sld xmlns:a="http://schemas.openxmlformats.org/drawingml/2006/main" xmlns:r="http://schemas.openxmlformats.org/officeDocument/2006/relationships" xmlns:p="http://schemas.openxmlformats.org/presentationml/2006/main">
   <p:cSld>
     <p:spTree>
@@ -8022,7 +8374,7 @@
 </p:sld>
 </file>
 
-<file path=ppt/slides/slide24.xml><?xml version="1.0" encoding="utf-8"?>
+<file path=ppt/slides/slide26.xml><?xml version="1.0" encoding="utf-8"?>
 <p:sld xmlns:a="http://schemas.openxmlformats.org/drawingml/2006/main" xmlns:r="http://schemas.openxmlformats.org/officeDocument/2006/relationships" xmlns:p="http://schemas.openxmlformats.org/presentationml/2006/main">
   <p:cSld>
     <p:spTree>
@@ -8122,7 +8474,7 @@
 </p:sld>
 </file>
 
-<file path=ppt/slides/slide25.xml><?xml version="1.0" encoding="utf-8"?>
+<file path=ppt/slides/slide27.xml><?xml version="1.0" encoding="utf-8"?>
 <p:sld xmlns:a="http://schemas.openxmlformats.org/drawingml/2006/main" xmlns:r="http://schemas.openxmlformats.org/officeDocument/2006/relationships" xmlns:p="http://schemas.openxmlformats.org/presentationml/2006/main">
   <p:cSld>
     <p:spTree>

--- a/presentation/Misteli_Refactoring_in_Spoofax.pptx
+++ b/presentation/Misteli_Refactoring_in_Spoofax.pptx
@@ -26,18 +26,18 @@
     <p:sldId id="277" r:id="rId14"/>
     <p:sldId id="291" r:id="rId15"/>
     <p:sldId id="292" r:id="rId16"/>
-    <p:sldId id="283" r:id="rId17"/>
-    <p:sldId id="282" r:id="rId18"/>
-    <p:sldId id="284" r:id="rId19"/>
-    <p:sldId id="293" r:id="rId20"/>
-    <p:sldId id="294" r:id="rId21"/>
-    <p:sldId id="281" r:id="rId22"/>
-    <p:sldId id="296" r:id="rId23"/>
-    <p:sldId id="295" r:id="rId24"/>
-    <p:sldId id="285" r:id="rId25"/>
-    <p:sldId id="286" r:id="rId26"/>
-    <p:sldId id="287" r:id="rId27"/>
-    <p:sldId id="288" r:id="rId28"/>
+    <p:sldId id="282" r:id="rId17"/>
+    <p:sldId id="284" r:id="rId18"/>
+    <p:sldId id="293" r:id="rId19"/>
+    <p:sldId id="283" r:id="rId20"/>
+    <p:sldId id="281" r:id="rId21"/>
+    <p:sldId id="296" r:id="rId22"/>
+    <p:sldId id="295" r:id="rId23"/>
+    <p:sldId id="285" r:id="rId24"/>
+    <p:sldId id="286" r:id="rId25"/>
+    <p:sldId id="287" r:id="rId26"/>
+    <p:sldId id="288" r:id="rId27"/>
+    <p:sldId id="297" r:id="rId28"/>
     <p:sldId id="289" r:id="rId29"/>
   </p:sldIdLst>
   <p:sldSz cx="9144000" cy="5143500" type="screen16x9"/>
@@ -3036,7 +3036,7 @@
           <a:p>
             <a:fld id="{C726C102-7355-4784-A102-F67F03D4410F}" type="datetimeFigureOut">
               <a:rPr lang="LID4096" smtClean="0"/>
-              <a:t>06/26/2019</a:t>
+              <a:t>06/27/2019</a:t>
             </a:fld>
             <a:endParaRPr lang="LID4096"/>
           </a:p>
@@ -5001,7 +5001,7 @@
           <a:p>
             <a:fld id="{462A2416-1570-3849-86F9-07F78746E1B2}" type="datetimeFigureOut">
               <a:rPr lang="en-US" smtClean="0"/>
-              <a:t>6/26/2019</a:t>
+              <a:t>6/27/2019</a:t>
             </a:fld>
             <a:endParaRPr lang="en-US" dirty="0"/>
           </a:p>
@@ -6947,107 +6947,6 @@
           <p:cNvPr id="2" name="Title 1">
             <a:extLst>
               <a:ext uri="{FF2B5EF4-FFF2-40B4-BE49-F238E27FC236}">
-                <a16:creationId xmlns:a16="http://schemas.microsoft.com/office/drawing/2014/main" id="{07EC6741-6FD8-44DB-9E0C-75AA8E337F93}"/>
-              </a:ext>
-            </a:extLst>
-          </p:cNvPr>
-          <p:cNvSpPr>
-            <a:spLocks noGrp="1"/>
-          </p:cNvSpPr>
-          <p:nvPr>
-            <p:ph type="title"/>
-          </p:nvPr>
-        </p:nvSpPr>
-        <p:spPr/>
-        <p:txBody>
-          <a:bodyPr>
-            <a:normAutofit fontScale="90000"/>
-          </a:bodyPr>
-          <a:lstStyle/>
-          <a:p>
-            <a:r>
-              <a:rPr lang="en-US" sz="2400" dirty="0">
-                <a:solidFill>
-                  <a:srgbClr val="002060"/>
-                </a:solidFill>
-              </a:rPr>
-              <a:t>Renaming</a:t>
-            </a:r>
-            <a:br>
-              <a:rPr lang="en-US" dirty="0"/>
-            </a:br>
-            <a:r>
-              <a:rPr lang="en-US" dirty="0"/>
-              <a:t>The Foo Challenge DEMO</a:t>
-            </a:r>
-          </a:p>
-        </p:txBody>
-      </p:sp>
-      <p:pic>
-        <p:nvPicPr>
-          <p:cNvPr id="4" name="Picture 3">
-            <a:extLst>
-              <a:ext uri="{FF2B5EF4-FFF2-40B4-BE49-F238E27FC236}">
-                <a16:creationId xmlns:a16="http://schemas.microsoft.com/office/drawing/2014/main" id="{E6CBCB7B-661D-4B98-B3DC-18A71E7995EC}"/>
-              </a:ext>
-            </a:extLst>
-          </p:cNvPr>
-          <p:cNvPicPr>
-            <a:picLocks noChangeAspect="1"/>
-          </p:cNvPicPr>
-          <p:nvPr/>
-        </p:nvPicPr>
-        <p:blipFill>
-          <a:blip r:embed="rId2"/>
-          <a:stretch>
-            <a:fillRect/>
-          </a:stretch>
-        </p:blipFill>
-        <p:spPr>
-          <a:xfrm>
-            <a:off x="3722622" y="1358987"/>
-            <a:ext cx="3187432" cy="3143163"/>
-          </a:xfrm>
-          <a:prstGeom prst="rect">
-            <a:avLst/>
-          </a:prstGeom>
-        </p:spPr>
-      </p:pic>
-    </p:spTree>
-    <p:extLst>
-      <p:ext uri="{BB962C8B-B14F-4D97-AF65-F5344CB8AC3E}">
-        <p14:creationId xmlns:p14="http://schemas.microsoft.com/office/powerpoint/2010/main" val="3360125998"/>
-      </p:ext>
-    </p:extLst>
-  </p:cSld>
-  <p:clrMapOvr>
-    <a:masterClrMapping/>
-  </p:clrMapOvr>
-</p:sld>
-</file>
-
-<file path=ppt/slides/slide16.xml><?xml version="1.0" encoding="utf-8"?>
-<p:sld xmlns:a="http://schemas.openxmlformats.org/drawingml/2006/main" xmlns:r="http://schemas.openxmlformats.org/officeDocument/2006/relationships" xmlns:p="http://schemas.openxmlformats.org/presentationml/2006/main">
-  <p:cSld>
-    <p:spTree>
-      <p:nvGrpSpPr>
-        <p:cNvPr id="1" name=""/>
-        <p:cNvGrpSpPr/>
-        <p:nvPr/>
-      </p:nvGrpSpPr>
-      <p:grpSpPr>
-        <a:xfrm>
-          <a:off x="0" y="0"/>
-          <a:ext cx="0" cy="0"/>
-          <a:chOff x="0" y="0"/>
-          <a:chExt cx="0" cy="0"/>
-        </a:xfrm>
-      </p:grpSpPr>
-      <p:sp>
-        <p:nvSpPr>
-          <p:cNvPr id="2" name="Title 1">
-            <a:extLst>
-              <a:ext uri="{FF2B5EF4-FFF2-40B4-BE49-F238E27FC236}">
                 <a16:creationId xmlns:a16="http://schemas.microsoft.com/office/drawing/2014/main" id="{D909F41F-2DB6-48DF-BE2F-2FF7F1198D8D}"/>
               </a:ext>
             </a:extLst>
@@ -7201,7 +7100,7 @@
 </p:sld>
 </file>
 
-<file path=ppt/slides/slide17.xml><?xml version="1.0" encoding="utf-8"?>
+<file path=ppt/slides/slide16.xml><?xml version="1.0" encoding="utf-8"?>
 <p:sld xmlns:a="http://schemas.openxmlformats.org/drawingml/2006/main" xmlns:r="http://schemas.openxmlformats.org/officeDocument/2006/relationships" xmlns:p="http://schemas.openxmlformats.org/presentationml/2006/main">
   <p:cSld>
     <p:spTree>
@@ -7301,7 +7200,7 @@
 </p:sld>
 </file>
 
-<file path=ppt/slides/slide18.xml><?xml version="1.0" encoding="utf-8"?>
+<file path=ppt/slides/slide17.xml><?xml version="1.0" encoding="utf-8"?>
 <p:sld xmlns:a="http://schemas.openxmlformats.org/drawingml/2006/main" xmlns:r="http://schemas.openxmlformats.org/officeDocument/2006/relationships" xmlns:p="http://schemas.openxmlformats.org/presentationml/2006/main">
   <p:cSld>
     <p:spTree>
@@ -7401,6 +7300,107 @@
 </p:sld>
 </file>
 
+<file path=ppt/slides/slide18.xml><?xml version="1.0" encoding="utf-8"?>
+<p:sld xmlns:a="http://schemas.openxmlformats.org/drawingml/2006/main" xmlns:r="http://schemas.openxmlformats.org/officeDocument/2006/relationships" xmlns:p="http://schemas.openxmlformats.org/presentationml/2006/main">
+  <p:cSld>
+    <p:spTree>
+      <p:nvGrpSpPr>
+        <p:cNvPr id="1" name=""/>
+        <p:cNvGrpSpPr/>
+        <p:nvPr/>
+      </p:nvGrpSpPr>
+      <p:grpSpPr>
+        <a:xfrm>
+          <a:off x="0" y="0"/>
+          <a:ext cx="0" cy="0"/>
+          <a:chOff x="0" y="0"/>
+          <a:chExt cx="0" cy="0"/>
+        </a:xfrm>
+      </p:grpSpPr>
+      <p:sp>
+        <p:nvSpPr>
+          <p:cNvPr id="2" name="Title 1">
+            <a:extLst>
+              <a:ext uri="{FF2B5EF4-FFF2-40B4-BE49-F238E27FC236}">
+                <a16:creationId xmlns:a16="http://schemas.microsoft.com/office/drawing/2014/main" id="{07EC6741-6FD8-44DB-9E0C-75AA8E337F93}"/>
+              </a:ext>
+            </a:extLst>
+          </p:cNvPr>
+          <p:cNvSpPr>
+            <a:spLocks noGrp="1"/>
+          </p:cNvSpPr>
+          <p:nvPr>
+            <p:ph type="title"/>
+          </p:nvPr>
+        </p:nvSpPr>
+        <p:spPr/>
+        <p:txBody>
+          <a:bodyPr>
+            <a:normAutofit fontScale="90000"/>
+          </a:bodyPr>
+          <a:lstStyle/>
+          <a:p>
+            <a:r>
+              <a:rPr lang="en-US" sz="2400" dirty="0">
+                <a:solidFill>
+                  <a:srgbClr val="002060"/>
+                </a:solidFill>
+              </a:rPr>
+              <a:t>Renaming</a:t>
+            </a:r>
+            <a:br>
+              <a:rPr lang="en-US" dirty="0"/>
+            </a:br>
+            <a:r>
+              <a:rPr lang="en-US" dirty="0"/>
+              <a:t>DEMO</a:t>
+            </a:r>
+          </a:p>
+        </p:txBody>
+      </p:sp>
+      <p:pic>
+        <p:nvPicPr>
+          <p:cNvPr id="4" name="Picture 3">
+            <a:extLst>
+              <a:ext uri="{FF2B5EF4-FFF2-40B4-BE49-F238E27FC236}">
+                <a16:creationId xmlns:a16="http://schemas.microsoft.com/office/drawing/2014/main" id="{E6CBCB7B-661D-4B98-B3DC-18A71E7995EC}"/>
+              </a:ext>
+            </a:extLst>
+          </p:cNvPr>
+          <p:cNvPicPr>
+            <a:picLocks noChangeAspect="1"/>
+          </p:cNvPicPr>
+          <p:nvPr/>
+        </p:nvPicPr>
+        <p:blipFill>
+          <a:blip r:embed="rId2"/>
+          <a:stretch>
+            <a:fillRect/>
+          </a:stretch>
+        </p:blipFill>
+        <p:spPr>
+          <a:xfrm>
+            <a:off x="3722622" y="1358987"/>
+            <a:ext cx="3187432" cy="3143163"/>
+          </a:xfrm>
+          <a:prstGeom prst="rect">
+            <a:avLst/>
+          </a:prstGeom>
+        </p:spPr>
+      </p:pic>
+    </p:spTree>
+    <p:extLst>
+      <p:ext uri="{BB962C8B-B14F-4D97-AF65-F5344CB8AC3E}">
+        <p14:creationId xmlns:p14="http://schemas.microsoft.com/office/powerpoint/2010/main" val="3360125998"/>
+      </p:ext>
+    </p:extLst>
+  </p:cSld>
+  <p:clrMapOvr>
+    <a:masterClrMapping/>
+  </p:clrMapOvr>
+</p:sld>
+</file>
+
 <file path=ppt/slides/slide19.xml><?xml version="1.0" encoding="utf-8"?>
 <p:sld xmlns:a="http://schemas.openxmlformats.org/drawingml/2006/main" xmlns:r="http://schemas.openxmlformats.org/officeDocument/2006/relationships" xmlns:p="http://schemas.openxmlformats.org/presentationml/2006/main">
   <p:cSld>
@@ -7423,7 +7423,7 @@
           <p:cNvPr id="2" name="Title 1">
             <a:extLst>
               <a:ext uri="{FF2B5EF4-FFF2-40B4-BE49-F238E27FC236}">
-                <a16:creationId xmlns:a16="http://schemas.microsoft.com/office/drawing/2014/main" id="{D909F41F-2DB6-48DF-BE2F-2FF7F1198D8D}"/>
+                <a16:creationId xmlns:a16="http://schemas.microsoft.com/office/drawing/2014/main" id="{75242ED9-550F-4CFB-9C3E-FC559B6FDFB2}"/>
               </a:ext>
             </a:extLst>
           </p:cNvPr>
@@ -7442,19 +7442,19 @@
           <a:lstStyle/>
           <a:p>
             <a:r>
-              <a:rPr lang="en-US" sz="2400" dirty="0">
+              <a:rPr lang="en-US" sz="2200" dirty="0">
                 <a:solidFill>
                   <a:srgbClr val="002060"/>
                 </a:solidFill>
               </a:rPr>
-              <a:t>Renaming</a:t>
+              <a:t>Inline Function</a:t>
             </a:r>
             <a:br>
               <a:rPr lang="en-US" dirty="0"/>
             </a:br>
             <a:r>
               <a:rPr lang="en-US" dirty="0"/>
-              <a:t>Problem: Capture DEMO</a:t>
+              <a:t>Inline Specific Call</a:t>
             </a:r>
           </a:p>
         </p:txBody>
@@ -7464,7 +7464,7 @@
           <p:cNvPr id="4" name="Picture 3">
             <a:extLst>
               <a:ext uri="{FF2B5EF4-FFF2-40B4-BE49-F238E27FC236}">
-                <a16:creationId xmlns:a16="http://schemas.microsoft.com/office/drawing/2014/main" id="{7D721E03-F7E6-4599-8233-6BD1E28E0ABA}"/>
+                <a16:creationId xmlns:a16="http://schemas.microsoft.com/office/drawing/2014/main" id="{70A433BC-1795-428B-AA3C-53DE7D3D47F1}"/>
               </a:ext>
             </a:extLst>
           </p:cNvPr>
@@ -7481,38 +7481,8 @@
         </p:blipFill>
         <p:spPr>
           <a:xfrm>
-            <a:off x="1763106" y="1431398"/>
-            <a:ext cx="2512490" cy="2722895"/>
-          </a:xfrm>
-          <a:prstGeom prst="rect">
-            <a:avLst/>
-          </a:prstGeom>
-        </p:spPr>
-      </p:pic>
-      <p:pic>
-        <p:nvPicPr>
-          <p:cNvPr id="5" name="Picture 4">
-            <a:extLst>
-              <a:ext uri="{FF2B5EF4-FFF2-40B4-BE49-F238E27FC236}">
-                <a16:creationId xmlns:a16="http://schemas.microsoft.com/office/drawing/2014/main" id="{D6F212CD-5194-428A-929B-0E2E558C0596}"/>
-              </a:ext>
-            </a:extLst>
-          </p:cNvPr>
-          <p:cNvPicPr>
-            <a:picLocks noChangeAspect="1"/>
-          </p:cNvPicPr>
-          <p:nvPr/>
-        </p:nvPicPr>
-        <p:blipFill>
-          <a:blip r:embed="rId3"/>
-          <a:stretch>
-            <a:fillRect/>
-          </a:stretch>
-        </p:blipFill>
-        <p:spPr>
-          <a:xfrm>
-            <a:off x="5743776" y="1431398"/>
-            <a:ext cx="2512490" cy="2722894"/>
+            <a:off x="1763106" y="1893511"/>
+            <a:ext cx="3040643" cy="1356478"/>
           </a:xfrm>
           <a:prstGeom prst="rect">
             <a:avLst/>
@@ -7524,7 +7494,7 @@
           <p:cNvPr id="6" name="Arrow: Right 5">
             <a:extLst>
               <a:ext uri="{FF2B5EF4-FFF2-40B4-BE49-F238E27FC236}">
-                <a16:creationId xmlns:a16="http://schemas.microsoft.com/office/drawing/2014/main" id="{2931FEA3-A857-41AF-9DAB-9589D7B5B324}"/>
+                <a16:creationId xmlns:a16="http://schemas.microsoft.com/office/drawing/2014/main" id="{5419A342-5A6F-4669-BF51-43B61C78C221}"/>
               </a:ext>
             </a:extLst>
           </p:cNvPr>
@@ -7533,7 +7503,7 @@
         </p:nvSpPr>
         <p:spPr>
           <a:xfrm>
-            <a:off x="4704016" y="2498930"/>
+            <a:off x="4965150" y="2205015"/>
             <a:ext cx="612322" cy="587829"/>
           </a:xfrm>
           <a:prstGeom prst="rightArrow">
@@ -7563,10 +7533,40 @@
           </a:p>
         </p:txBody>
       </p:sp>
+      <p:pic>
+        <p:nvPicPr>
+          <p:cNvPr id="3" name="Picture 2">
+            <a:extLst>
+              <a:ext uri="{FF2B5EF4-FFF2-40B4-BE49-F238E27FC236}">
+                <a16:creationId xmlns:a16="http://schemas.microsoft.com/office/drawing/2014/main" id="{168B4B13-901F-4C9B-8CD9-4698DDC5C4A7}"/>
+              </a:ext>
+            </a:extLst>
+          </p:cNvPr>
+          <p:cNvPicPr>
+            <a:picLocks noChangeAspect="1"/>
+          </p:cNvPicPr>
+          <p:nvPr/>
+        </p:nvPicPr>
+        <p:blipFill>
+          <a:blip r:embed="rId3"/>
+          <a:stretch>
+            <a:fillRect/>
+          </a:stretch>
+        </p:blipFill>
+        <p:spPr>
+          <a:xfrm>
+            <a:off x="5678876" y="1419883"/>
+            <a:ext cx="2908868" cy="2368345"/>
+          </a:xfrm>
+          <a:prstGeom prst="rect">
+            <a:avLst/>
+          </a:prstGeom>
+        </p:spPr>
+      </p:pic>
     </p:spTree>
     <p:extLst>
       <p:ext uri="{BB962C8B-B14F-4D97-AF65-F5344CB8AC3E}">
-        <p14:creationId xmlns:p14="http://schemas.microsoft.com/office/powerpoint/2010/main" val="3396610640"/>
+        <p14:creationId xmlns:p14="http://schemas.microsoft.com/office/powerpoint/2010/main" val="649359674"/>
       </p:ext>
     </p:extLst>
   </p:cSld>
@@ -7688,181 +7688,6 @@
             </a:br>
             <a:r>
               <a:rPr lang="en-US" dirty="0"/>
-              <a:t>Inline Specific Call</a:t>
-            </a:r>
-          </a:p>
-        </p:txBody>
-      </p:sp>
-      <p:pic>
-        <p:nvPicPr>
-          <p:cNvPr id="4" name="Picture 3">
-            <a:extLst>
-              <a:ext uri="{FF2B5EF4-FFF2-40B4-BE49-F238E27FC236}">
-                <a16:creationId xmlns:a16="http://schemas.microsoft.com/office/drawing/2014/main" id="{70A433BC-1795-428B-AA3C-53DE7D3D47F1}"/>
-              </a:ext>
-            </a:extLst>
-          </p:cNvPr>
-          <p:cNvPicPr>
-            <a:picLocks noChangeAspect="1"/>
-          </p:cNvPicPr>
-          <p:nvPr/>
-        </p:nvPicPr>
-        <p:blipFill>
-          <a:blip r:embed="rId2"/>
-          <a:stretch>
-            <a:fillRect/>
-          </a:stretch>
-        </p:blipFill>
-        <p:spPr>
-          <a:xfrm>
-            <a:off x="1763106" y="1893511"/>
-            <a:ext cx="3040643" cy="1356478"/>
-          </a:xfrm>
-          <a:prstGeom prst="rect">
-            <a:avLst/>
-          </a:prstGeom>
-        </p:spPr>
-      </p:pic>
-      <p:pic>
-        <p:nvPicPr>
-          <p:cNvPr id="5" name="Picture 4">
-            <a:extLst>
-              <a:ext uri="{FF2B5EF4-FFF2-40B4-BE49-F238E27FC236}">
-                <a16:creationId xmlns:a16="http://schemas.microsoft.com/office/drawing/2014/main" id="{64900E0E-437D-4930-A245-F81F71C5AAA8}"/>
-              </a:ext>
-            </a:extLst>
-          </p:cNvPr>
-          <p:cNvPicPr>
-            <a:picLocks noChangeAspect="1"/>
-          </p:cNvPicPr>
-          <p:nvPr/>
-        </p:nvPicPr>
-        <p:blipFill>
-          <a:blip r:embed="rId3"/>
-          <a:stretch>
-            <a:fillRect/>
-          </a:stretch>
-        </p:blipFill>
-        <p:spPr>
-          <a:xfrm>
-            <a:off x="6351196" y="1668701"/>
-            <a:ext cx="1699407" cy="1806097"/>
-          </a:xfrm>
-          <a:prstGeom prst="rect">
-            <a:avLst/>
-          </a:prstGeom>
-        </p:spPr>
-      </p:pic>
-      <p:sp>
-        <p:nvSpPr>
-          <p:cNvPr id="6" name="Arrow: Right 5">
-            <a:extLst>
-              <a:ext uri="{FF2B5EF4-FFF2-40B4-BE49-F238E27FC236}">
-                <a16:creationId xmlns:a16="http://schemas.microsoft.com/office/drawing/2014/main" id="{5419A342-5A6F-4669-BF51-43B61C78C221}"/>
-              </a:ext>
-            </a:extLst>
-          </p:cNvPr>
-          <p:cNvSpPr/>
-          <p:nvPr/>
-        </p:nvSpPr>
-        <p:spPr>
-          <a:xfrm>
-            <a:off x="5271311" y="2205015"/>
-            <a:ext cx="612322" cy="587829"/>
-          </a:xfrm>
-          <a:prstGeom prst="rightArrow">
-            <a:avLst/>
-          </a:prstGeom>
-        </p:spPr>
-        <p:style>
-          <a:lnRef idx="1">
-            <a:schemeClr val="accent4"/>
-          </a:lnRef>
-          <a:fillRef idx="3">
-            <a:schemeClr val="accent4"/>
-          </a:fillRef>
-          <a:effectRef idx="2">
-            <a:schemeClr val="accent4"/>
-          </a:effectRef>
-          <a:fontRef idx="minor">
-            <a:schemeClr val="lt1"/>
-          </a:fontRef>
-        </p:style>
-        <p:txBody>
-          <a:bodyPr rtlCol="0" anchor="ctr"/>
-          <a:lstStyle/>
-          <a:p>
-            <a:pPr algn="ctr"/>
-            <a:endParaRPr lang="en-US"/>
-          </a:p>
-        </p:txBody>
-      </p:sp>
-    </p:spTree>
-    <p:extLst>
-      <p:ext uri="{BB962C8B-B14F-4D97-AF65-F5344CB8AC3E}">
-        <p14:creationId xmlns:p14="http://schemas.microsoft.com/office/powerpoint/2010/main" val="649359674"/>
-      </p:ext>
-    </p:extLst>
-  </p:cSld>
-  <p:clrMapOvr>
-    <a:masterClrMapping/>
-  </p:clrMapOvr>
-</p:sld>
-</file>
-
-<file path=ppt/slides/slide21.xml><?xml version="1.0" encoding="utf-8"?>
-<p:sld xmlns:a="http://schemas.openxmlformats.org/drawingml/2006/main" xmlns:r="http://schemas.openxmlformats.org/officeDocument/2006/relationships" xmlns:p="http://schemas.openxmlformats.org/presentationml/2006/main">
-  <p:cSld>
-    <p:spTree>
-      <p:nvGrpSpPr>
-        <p:cNvPr id="1" name=""/>
-        <p:cNvGrpSpPr/>
-        <p:nvPr/>
-      </p:nvGrpSpPr>
-      <p:grpSpPr>
-        <a:xfrm>
-          <a:off x="0" y="0"/>
-          <a:ext cx="0" cy="0"/>
-          <a:chOff x="0" y="0"/>
-          <a:chExt cx="0" cy="0"/>
-        </a:xfrm>
-      </p:grpSpPr>
-      <p:sp>
-        <p:nvSpPr>
-          <p:cNvPr id="2" name="Title 1">
-            <a:extLst>
-              <a:ext uri="{FF2B5EF4-FFF2-40B4-BE49-F238E27FC236}">
-                <a16:creationId xmlns:a16="http://schemas.microsoft.com/office/drawing/2014/main" id="{75242ED9-550F-4CFB-9C3E-FC559B6FDFB2}"/>
-              </a:ext>
-            </a:extLst>
-          </p:cNvPr>
-          <p:cNvSpPr>
-            <a:spLocks noGrp="1"/>
-          </p:cNvSpPr>
-          <p:nvPr>
-            <p:ph type="title"/>
-          </p:nvPr>
-        </p:nvSpPr>
-        <p:spPr/>
-        <p:txBody>
-          <a:bodyPr>
-            <a:normAutofit fontScale="90000"/>
-          </a:bodyPr>
-          <a:lstStyle/>
-          <a:p>
-            <a:r>
-              <a:rPr lang="en-US" sz="2200" dirty="0">
-                <a:solidFill>
-                  <a:srgbClr val="002060"/>
-                </a:solidFill>
-              </a:rPr>
-              <a:t>Inline Function</a:t>
-            </a:r>
-            <a:br>
-              <a:rPr lang="en-US" dirty="0"/>
-            </a:br>
-            <a:r>
-              <a:rPr lang="en-US" dirty="0"/>
               <a:t>Inline Call and Delete Declaration</a:t>
             </a:r>
           </a:p>
@@ -7985,7 +7810,7 @@
 </p:sld>
 </file>
 
-<file path=ppt/slides/slide22.xml><?xml version="1.0" encoding="utf-8"?>
+<file path=ppt/slides/slide21.xml><?xml version="1.0" encoding="utf-8"?>
 <p:sld xmlns:a="http://schemas.openxmlformats.org/drawingml/2006/main" xmlns:r="http://schemas.openxmlformats.org/officeDocument/2006/relationships" xmlns:p="http://schemas.openxmlformats.org/presentationml/2006/main">
   <p:cSld>
     <p:spTree>
@@ -8043,31 +7868,36 @@
           </a:p>
         </p:txBody>
       </p:sp>
-      <p:sp>
-        <p:nvSpPr>
-          <p:cNvPr id="3" name="Content Placeholder 2">
+      <p:pic>
+        <p:nvPicPr>
+          <p:cNvPr id="7" name="Picture 6">
             <a:extLst>
               <a:ext uri="{FF2B5EF4-FFF2-40B4-BE49-F238E27FC236}">
-                <a16:creationId xmlns:a16="http://schemas.microsoft.com/office/drawing/2014/main" id="{DC80C796-6D02-42F5-9E01-05B2D8DD6D36}"/>
+                <a16:creationId xmlns:a16="http://schemas.microsoft.com/office/drawing/2014/main" id="{36BEDE1C-8837-4A06-92ED-975D8F53A225}"/>
               </a:ext>
             </a:extLst>
           </p:cNvPr>
-          <p:cNvSpPr>
-            <a:spLocks noGrp="1"/>
-          </p:cNvSpPr>
-          <p:nvPr>
-            <p:ph idx="1"/>
-          </p:nvPr>
-        </p:nvSpPr>
-        <p:spPr/>
-        <p:txBody>
-          <a:bodyPr/>
-          <a:lstStyle/>
-          <a:p>
-            <a:endParaRPr lang="en-US"/>
-          </a:p>
-        </p:txBody>
-      </p:sp>
+          <p:cNvPicPr>
+            <a:picLocks noChangeAspect="1"/>
+          </p:cNvPicPr>
+          <p:nvPr/>
+        </p:nvPicPr>
+        <p:blipFill>
+          <a:blip r:embed="rId2"/>
+          <a:stretch>
+            <a:fillRect/>
+          </a:stretch>
+        </p:blipFill>
+        <p:spPr>
+          <a:xfrm>
+            <a:off x="3093605" y="1063229"/>
+            <a:ext cx="4445465" cy="3789759"/>
+          </a:xfrm>
+          <a:prstGeom prst="rect">
+            <a:avLst/>
+          </a:prstGeom>
+        </p:spPr>
+      </p:pic>
     </p:spTree>
     <p:extLst>
       <p:ext uri="{BB962C8B-B14F-4D97-AF65-F5344CB8AC3E}">
@@ -8081,7 +7911,7 @@
 </p:sld>
 </file>
 
-<file path=ppt/slides/slide23.xml><?xml version="1.0" encoding="utf-8"?>
+<file path=ppt/slides/slide22.xml><?xml version="1.0" encoding="utf-8"?>
 <p:sld xmlns:a="http://schemas.openxmlformats.org/drawingml/2006/main" xmlns:r="http://schemas.openxmlformats.org/officeDocument/2006/relationships" xmlns:p="http://schemas.openxmlformats.org/presentationml/2006/main">
   <p:cSld>
     <p:spTree>
@@ -8139,31 +7969,36 @@
           </a:p>
         </p:txBody>
       </p:sp>
-      <p:sp>
-        <p:nvSpPr>
-          <p:cNvPr id="3" name="Content Placeholder 2">
+      <p:pic>
+        <p:nvPicPr>
+          <p:cNvPr id="5" name="Picture 4">
             <a:extLst>
               <a:ext uri="{FF2B5EF4-FFF2-40B4-BE49-F238E27FC236}">
-                <a16:creationId xmlns:a16="http://schemas.microsoft.com/office/drawing/2014/main" id="{ADDFD673-5B6F-4B6F-B6AD-69444052CE36}"/>
+                <a16:creationId xmlns:a16="http://schemas.microsoft.com/office/drawing/2014/main" id="{8601D0C4-6F53-4D3E-9CFA-1F2D1CEFCE04}"/>
               </a:ext>
             </a:extLst>
           </p:cNvPr>
-          <p:cNvSpPr>
-            <a:spLocks noGrp="1"/>
-          </p:cNvSpPr>
-          <p:nvPr>
-            <p:ph idx="1"/>
-          </p:nvPr>
-        </p:nvSpPr>
-        <p:spPr/>
-        <p:txBody>
-          <a:bodyPr/>
-          <a:lstStyle/>
-          <a:p>
-            <a:endParaRPr lang="en-US"/>
-          </a:p>
-        </p:txBody>
-      </p:sp>
+          <p:cNvPicPr>
+            <a:picLocks noChangeAspect="1"/>
+          </p:cNvPicPr>
+          <p:nvPr/>
+        </p:nvPicPr>
+        <p:blipFill>
+          <a:blip r:embed="rId2"/>
+          <a:stretch>
+            <a:fillRect/>
+          </a:stretch>
+        </p:blipFill>
+        <p:spPr>
+          <a:xfrm>
+            <a:off x="2563586" y="877525"/>
+            <a:ext cx="4594404" cy="3841432"/>
+          </a:xfrm>
+          <a:prstGeom prst="rect">
+            <a:avLst/>
+          </a:prstGeom>
+        </p:spPr>
+      </p:pic>
     </p:spTree>
     <p:extLst>
       <p:ext uri="{BB962C8B-B14F-4D97-AF65-F5344CB8AC3E}">
@@ -8177,7 +8012,7 @@
 </p:sld>
 </file>
 
-<file path=ppt/slides/slide24.xml><?xml version="1.0" encoding="utf-8"?>
+<file path=ppt/slides/slide23.xml><?xml version="1.0" encoding="utf-8"?>
 <p:sld xmlns:a="http://schemas.openxmlformats.org/drawingml/2006/main" xmlns:r="http://schemas.openxmlformats.org/officeDocument/2006/relationships" xmlns:p="http://schemas.openxmlformats.org/presentationml/2006/main">
   <p:cSld>
     <p:spTree>
@@ -8235,31 +8070,36 @@
           </a:p>
         </p:txBody>
       </p:sp>
-      <p:sp>
-        <p:nvSpPr>
-          <p:cNvPr id="3" name="Content Placeholder 2">
+      <p:pic>
+        <p:nvPicPr>
+          <p:cNvPr id="5" name="Picture 4">
             <a:extLst>
               <a:ext uri="{FF2B5EF4-FFF2-40B4-BE49-F238E27FC236}">
-                <a16:creationId xmlns:a16="http://schemas.microsoft.com/office/drawing/2014/main" id="{4C47954A-2906-4D59-8585-23E7BB9A1A3B}"/>
+                <a16:creationId xmlns:a16="http://schemas.microsoft.com/office/drawing/2014/main" id="{2D0FBDE1-A107-4B8F-84F5-CB0C51C3CF90}"/>
               </a:ext>
             </a:extLst>
           </p:cNvPr>
-          <p:cNvSpPr>
-            <a:spLocks noGrp="1"/>
-          </p:cNvSpPr>
-          <p:nvPr>
-            <p:ph idx="1"/>
-          </p:nvPr>
-        </p:nvSpPr>
-        <p:spPr/>
-        <p:txBody>
-          <a:bodyPr/>
-          <a:lstStyle/>
-          <a:p>
-            <a:endParaRPr lang="en-US"/>
-          </a:p>
-        </p:txBody>
-      </p:sp>
+          <p:cNvPicPr>
+            <a:picLocks noChangeAspect="1"/>
+          </p:cNvPicPr>
+          <p:nvPr/>
+        </p:nvPicPr>
+        <p:blipFill>
+          <a:blip r:embed="rId2"/>
+          <a:stretch>
+            <a:fillRect/>
+          </a:stretch>
+        </p:blipFill>
+        <p:spPr>
+          <a:xfrm>
+            <a:off x="2885656" y="947057"/>
+            <a:ext cx="4033780" cy="3820886"/>
+          </a:xfrm>
+          <a:prstGeom prst="rect">
+            <a:avLst/>
+          </a:prstGeom>
+        </p:spPr>
+      </p:pic>
     </p:spTree>
     <p:extLst>
       <p:ext uri="{BB962C8B-B14F-4D97-AF65-F5344CB8AC3E}">
@@ -8273,7 +8113,7 @@
 </p:sld>
 </file>
 
-<file path=ppt/slides/slide25.xml><?xml version="1.0" encoding="utf-8"?>
+<file path=ppt/slides/slide24.xml><?xml version="1.0" encoding="utf-8"?>
 <p:sld xmlns:a="http://schemas.openxmlformats.org/drawingml/2006/main" xmlns:r="http://schemas.openxmlformats.org/officeDocument/2006/relationships" xmlns:p="http://schemas.openxmlformats.org/presentationml/2006/main">
   <p:cSld>
     <p:spTree>
@@ -8374,7 +8214,7 @@
 </p:sld>
 </file>
 
-<file path=ppt/slides/slide26.xml><?xml version="1.0" encoding="utf-8"?>
+<file path=ppt/slides/slide25.xml><?xml version="1.0" encoding="utf-8"?>
 <p:sld xmlns:a="http://schemas.openxmlformats.org/drawingml/2006/main" xmlns:r="http://schemas.openxmlformats.org/officeDocument/2006/relationships" xmlns:p="http://schemas.openxmlformats.org/presentationml/2006/main">
   <p:cSld>
     <p:spTree>
@@ -8465,6 +8305,181 @@
     <p:extLst>
       <p:ext uri="{BB962C8B-B14F-4D97-AF65-F5344CB8AC3E}">
         <p14:creationId xmlns:p14="http://schemas.microsoft.com/office/powerpoint/2010/main" val="28210673"/>
+      </p:ext>
+    </p:extLst>
+  </p:cSld>
+  <p:clrMapOvr>
+    <a:masterClrMapping/>
+  </p:clrMapOvr>
+</p:sld>
+</file>
+
+<file path=ppt/slides/slide26.xml><?xml version="1.0" encoding="utf-8"?>
+<p:sld xmlns:a="http://schemas.openxmlformats.org/drawingml/2006/main" xmlns:r="http://schemas.openxmlformats.org/officeDocument/2006/relationships" xmlns:p="http://schemas.openxmlformats.org/presentationml/2006/main">
+  <p:cSld>
+    <p:spTree>
+      <p:nvGrpSpPr>
+        <p:cNvPr id="1" name=""/>
+        <p:cNvGrpSpPr/>
+        <p:nvPr/>
+      </p:nvGrpSpPr>
+      <p:grpSpPr>
+        <a:xfrm>
+          <a:off x="0" y="0"/>
+          <a:ext cx="0" cy="0"/>
+          <a:chOff x="0" y="0"/>
+          <a:chExt cx="0" cy="0"/>
+        </a:xfrm>
+      </p:grpSpPr>
+      <p:sp>
+        <p:nvSpPr>
+          <p:cNvPr id="2" name="Title 1">
+            <a:extLst>
+              <a:ext uri="{FF2B5EF4-FFF2-40B4-BE49-F238E27FC236}">
+                <a16:creationId xmlns:a16="http://schemas.microsoft.com/office/drawing/2014/main" id="{75242ED9-550F-4CFB-9C3E-FC559B6FDFB2}"/>
+              </a:ext>
+            </a:extLst>
+          </p:cNvPr>
+          <p:cNvSpPr>
+            <a:spLocks noGrp="1"/>
+          </p:cNvSpPr>
+          <p:nvPr>
+            <p:ph type="title"/>
+          </p:nvPr>
+        </p:nvSpPr>
+        <p:spPr/>
+        <p:txBody>
+          <a:bodyPr>
+            <a:normAutofit fontScale="90000"/>
+          </a:bodyPr>
+          <a:lstStyle/>
+          <a:p>
+            <a:r>
+              <a:rPr lang="en-US" sz="2200" dirty="0">
+                <a:solidFill>
+                  <a:srgbClr val="002060"/>
+                </a:solidFill>
+              </a:rPr>
+              <a:t>Inline Function</a:t>
+            </a:r>
+            <a:br>
+              <a:rPr lang="en-US" dirty="0"/>
+            </a:br>
+            <a:r>
+              <a:rPr lang="en-US" dirty="0"/>
+              <a:t>DEMO</a:t>
+            </a:r>
+          </a:p>
+        </p:txBody>
+      </p:sp>
+      <p:pic>
+        <p:nvPicPr>
+          <p:cNvPr id="4" name="Picture 3">
+            <a:extLst>
+              <a:ext uri="{FF2B5EF4-FFF2-40B4-BE49-F238E27FC236}">
+                <a16:creationId xmlns:a16="http://schemas.microsoft.com/office/drawing/2014/main" id="{70A433BC-1795-428B-AA3C-53DE7D3D47F1}"/>
+              </a:ext>
+            </a:extLst>
+          </p:cNvPr>
+          <p:cNvPicPr>
+            <a:picLocks noChangeAspect="1"/>
+          </p:cNvPicPr>
+          <p:nvPr/>
+        </p:nvPicPr>
+        <p:blipFill>
+          <a:blip r:embed="rId2"/>
+          <a:stretch>
+            <a:fillRect/>
+          </a:stretch>
+        </p:blipFill>
+        <p:spPr>
+          <a:xfrm>
+            <a:off x="1763106" y="1893511"/>
+            <a:ext cx="3040643" cy="1356478"/>
+          </a:xfrm>
+          <a:prstGeom prst="rect">
+            <a:avLst/>
+          </a:prstGeom>
+        </p:spPr>
+      </p:pic>
+      <p:sp>
+        <p:nvSpPr>
+          <p:cNvPr id="6" name="Arrow: Right 5">
+            <a:extLst>
+              <a:ext uri="{FF2B5EF4-FFF2-40B4-BE49-F238E27FC236}">
+                <a16:creationId xmlns:a16="http://schemas.microsoft.com/office/drawing/2014/main" id="{5419A342-5A6F-4669-BF51-43B61C78C221}"/>
+              </a:ext>
+            </a:extLst>
+          </p:cNvPr>
+          <p:cNvSpPr/>
+          <p:nvPr/>
+        </p:nvSpPr>
+        <p:spPr>
+          <a:xfrm>
+            <a:off x="4965150" y="2205015"/>
+            <a:ext cx="612322" cy="587829"/>
+          </a:xfrm>
+          <a:prstGeom prst="rightArrow">
+            <a:avLst/>
+          </a:prstGeom>
+        </p:spPr>
+        <p:style>
+          <a:lnRef idx="1">
+            <a:schemeClr val="accent4"/>
+          </a:lnRef>
+          <a:fillRef idx="3">
+            <a:schemeClr val="accent4"/>
+          </a:fillRef>
+          <a:effectRef idx="2">
+            <a:schemeClr val="accent4"/>
+          </a:effectRef>
+          <a:fontRef idx="minor">
+            <a:schemeClr val="lt1"/>
+          </a:fontRef>
+        </p:style>
+        <p:txBody>
+          <a:bodyPr rtlCol="0" anchor="ctr"/>
+          <a:lstStyle/>
+          <a:p>
+            <a:pPr algn="ctr"/>
+            <a:endParaRPr lang="en-US"/>
+          </a:p>
+        </p:txBody>
+      </p:sp>
+      <p:pic>
+        <p:nvPicPr>
+          <p:cNvPr id="3" name="Picture 2">
+            <a:extLst>
+              <a:ext uri="{FF2B5EF4-FFF2-40B4-BE49-F238E27FC236}">
+                <a16:creationId xmlns:a16="http://schemas.microsoft.com/office/drawing/2014/main" id="{168B4B13-901F-4C9B-8CD9-4698DDC5C4A7}"/>
+              </a:ext>
+            </a:extLst>
+          </p:cNvPr>
+          <p:cNvPicPr>
+            <a:picLocks noChangeAspect="1"/>
+          </p:cNvPicPr>
+          <p:nvPr/>
+        </p:nvPicPr>
+        <p:blipFill>
+          <a:blip r:embed="rId3"/>
+          <a:stretch>
+            <a:fillRect/>
+          </a:stretch>
+        </p:blipFill>
+        <p:spPr>
+          <a:xfrm>
+            <a:off x="5678876" y="1419883"/>
+            <a:ext cx="2908868" cy="2368345"/>
+          </a:xfrm>
+          <a:prstGeom prst="rect">
+            <a:avLst/>
+          </a:prstGeom>
+        </p:spPr>
+      </p:pic>
+    </p:spTree>
+    <p:extLst>
+      <p:ext uri="{BB962C8B-B14F-4D97-AF65-F5344CB8AC3E}">
+        <p14:creationId xmlns:p14="http://schemas.microsoft.com/office/powerpoint/2010/main" val="1164087496"/>
       </p:ext>
     </p:extLst>
   </p:cSld>
@@ -8645,7 +8660,7 @@
             <a:avLst/>
           </a:prstGeom>
           <a:solidFill>
-            <a:srgbClr val="FF0000"/>
+            <a:srgbClr val="FFC000"/>
           </a:solidFill>
         </p:spPr>
         <p:style>

--- a/presentation/Misteli_Refactoring_in_Spoofax.pptx
+++ b/presentation/Misteli_Refactoring_in_Spoofax.pptx
@@ -6,10 +6,10 @@
     <p:sldMasterId id="2147483660" r:id="rId2"/>
   </p:sldMasterIdLst>
   <p:notesMasterIdLst>
-    <p:notesMasterId r:id="rId30"/>
+    <p:notesMasterId r:id="rId41"/>
   </p:notesMasterIdLst>
   <p:handoutMasterIdLst>
-    <p:handoutMasterId r:id="rId31"/>
+    <p:handoutMasterId r:id="rId42"/>
   </p:handoutMasterIdLst>
   <p:sldIdLst>
     <p:sldId id="256" r:id="rId3"/>
@@ -38,7 +38,18 @@
     <p:sldId id="287" r:id="rId26"/>
     <p:sldId id="288" r:id="rId27"/>
     <p:sldId id="297" r:id="rId28"/>
-    <p:sldId id="289" r:id="rId29"/>
+    <p:sldId id="299" r:id="rId29"/>
+    <p:sldId id="300" r:id="rId30"/>
+    <p:sldId id="306" r:id="rId31"/>
+    <p:sldId id="303" r:id="rId32"/>
+    <p:sldId id="304" r:id="rId33"/>
+    <p:sldId id="307" r:id="rId34"/>
+    <p:sldId id="309" r:id="rId35"/>
+    <p:sldId id="310" r:id="rId36"/>
+    <p:sldId id="305" r:id="rId37"/>
+    <p:sldId id="311" r:id="rId38"/>
+    <p:sldId id="312" r:id="rId39"/>
+    <p:sldId id="289" r:id="rId40"/>
   </p:sldIdLst>
   <p:sldSz cx="9144000" cy="5143500" type="screen16x9"/>
   <p:notesSz cx="6858000" cy="9144000"/>
@@ -2871,7 +2882,7 @@
           <a:p>
             <a:fld id="{DBAE3B3E-782A-9745-8E84-372F7B6771BF}" type="datetimeFigureOut">
               <a:rPr lang="en-US" smtClean="0"/>
-              <a:t>6/27/2019</a:t>
+              <a:t>6/28/2019</a:t>
             </a:fld>
             <a:endParaRPr lang="en-US" dirty="0"/>
           </a:p>
@@ -3036,7 +3047,7 @@
           <a:p>
             <a:fld id="{C726C102-7355-4784-A102-F67F03D4410F}" type="datetimeFigureOut">
               <a:rPr lang="LID4096" smtClean="0"/>
-              <a:t>06/27/2019</a:t>
+              <a:t>06/28/2019</a:t>
             </a:fld>
             <a:endParaRPr lang="LID4096"/>
           </a:p>
@@ -3422,6 +3433,146 @@
 </p:notes>
 </file>
 
+<file path=ppt/notesSlides/notesSlide10.xml><?xml version="1.0" encoding="utf-8"?>
+<p:notes xmlns:a="http://schemas.openxmlformats.org/drawingml/2006/main" xmlns:r="http://schemas.openxmlformats.org/officeDocument/2006/relationships" xmlns:p="http://schemas.openxmlformats.org/presentationml/2006/main">
+  <p:cSld>
+    <p:spTree>
+      <p:nvGrpSpPr>
+        <p:cNvPr id="1" name=""/>
+        <p:cNvGrpSpPr/>
+        <p:nvPr/>
+      </p:nvGrpSpPr>
+      <p:grpSpPr>
+        <a:xfrm>
+          <a:off x="0" y="0"/>
+          <a:ext cx="0" cy="0"/>
+          <a:chOff x="0" y="0"/>
+          <a:chExt cx="0" cy="0"/>
+        </a:xfrm>
+      </p:grpSpPr>
+      <p:sp>
+        <p:nvSpPr>
+          <p:cNvPr id="2" name="Slide Image Placeholder 1"/>
+          <p:cNvSpPr>
+            <a:spLocks noGrp="1" noRot="1" noChangeAspect="1"/>
+          </p:cNvSpPr>
+          <p:nvPr>
+            <p:ph type="sldImg"/>
+          </p:nvPr>
+        </p:nvSpPr>
+        <p:spPr/>
+      </p:sp>
+      <p:sp>
+        <p:nvSpPr>
+          <p:cNvPr id="3" name="Notes Placeholder 2"/>
+          <p:cNvSpPr>
+            <a:spLocks noGrp="1"/>
+          </p:cNvSpPr>
+          <p:nvPr>
+            <p:ph type="body" idx="1"/>
+          </p:nvPr>
+        </p:nvSpPr>
+        <p:spPr/>
+        <p:txBody>
+          <a:bodyPr/>
+          <a:lstStyle/>
+          <a:p>
+            <a:pPr marL="228600" indent="-228600">
+              <a:buAutoNum type="arabicPeriod"/>
+            </a:pPr>
+            <a:r>
+              <a:rPr lang="en-US" dirty="0"/>
+              <a:t>Gather all Vars in expression</a:t>
+            </a:r>
+          </a:p>
+          <a:p>
+            <a:pPr marL="228600" indent="-228600">
+              <a:buAutoNum type="arabicPeriod"/>
+            </a:pPr>
+            <a:r>
+              <a:rPr lang="en-US" dirty="0"/>
+              <a:t>Filter out vars that are declared in the expression</a:t>
+            </a:r>
+          </a:p>
+          <a:p>
+            <a:pPr marL="228600" indent="-228600">
+              <a:buAutoNum type="arabicPeriod"/>
+            </a:pPr>
+            <a:r>
+              <a:rPr lang="en-US" dirty="0"/>
+              <a:t>Turn Vars to </a:t>
+            </a:r>
+            <a:r>
+              <a:rPr lang="en-US" dirty="0" err="1"/>
+              <a:t>Fargs</a:t>
+            </a:r>
+            <a:endParaRPr lang="en-US" dirty="0"/>
+          </a:p>
+          <a:p>
+            <a:pPr marL="228600" indent="-228600">
+              <a:buAutoNum type="arabicPeriod"/>
+            </a:pPr>
+            <a:r>
+              <a:rPr lang="en-US" dirty="0"/>
+              <a:t>Check if outside variable is written to</a:t>
+            </a:r>
+          </a:p>
+          <a:p>
+            <a:pPr marL="228600" indent="-228600">
+              <a:buAutoNum type="arabicPeriod"/>
+            </a:pPr>
+            <a:r>
+              <a:rPr lang="en-US" dirty="0"/>
+              <a:t>Determine return type</a:t>
+            </a:r>
+          </a:p>
+          <a:p>
+            <a:pPr marL="228600" indent="-228600">
+              <a:buAutoNum type="arabicPeriod"/>
+            </a:pPr>
+            <a:r>
+              <a:rPr lang="en-US" dirty="0"/>
+              <a:t>Copy body</a:t>
+            </a:r>
+          </a:p>
+        </p:txBody>
+      </p:sp>
+      <p:sp>
+        <p:nvSpPr>
+          <p:cNvPr id="4" name="Slide Number Placeholder 3"/>
+          <p:cNvSpPr>
+            <a:spLocks noGrp="1"/>
+          </p:cNvSpPr>
+          <p:nvPr>
+            <p:ph type="sldNum" sz="quarter" idx="5"/>
+          </p:nvPr>
+        </p:nvSpPr>
+        <p:spPr/>
+        <p:txBody>
+          <a:bodyPr/>
+          <a:lstStyle/>
+          <a:p>
+            <a:fld id="{57469752-A353-4215-9498-7371F7601A20}" type="slidenum">
+              <a:rPr lang="LID4096" smtClean="0"/>
+              <a:t>29</a:t>
+            </a:fld>
+            <a:endParaRPr lang="LID4096"/>
+          </a:p>
+        </p:txBody>
+      </p:sp>
+    </p:spTree>
+    <p:extLst>
+      <p:ext uri="{BB962C8B-B14F-4D97-AF65-F5344CB8AC3E}">
+        <p14:creationId xmlns:p14="http://schemas.microsoft.com/office/powerpoint/2010/main" val="2173146578"/>
+      </p:ext>
+    </p:extLst>
+  </p:cSld>
+  <p:clrMapOvr>
+    <a:masterClrMapping/>
+  </p:clrMapOvr>
+</p:notes>
+</file>
+
 <file path=ppt/notesSlides/notesSlide2.xml><?xml version="1.0" encoding="utf-8"?>
 <p:notes xmlns:a="http://schemas.openxmlformats.org/drawingml/2006/main" xmlns:r="http://schemas.openxmlformats.org/officeDocument/2006/relationships" xmlns:p="http://schemas.openxmlformats.org/presentationml/2006/main">
   <p:cSld>
@@ -5001,7 +5152,7 @@
           <a:p>
             <a:fld id="{462A2416-1570-3849-86F9-07F78746E1B2}" type="datetimeFigureOut">
               <a:rPr lang="en-US" smtClean="0"/>
-              <a:t>6/27/2019</a:t>
+              <a:t>6/28/2019</a:t>
             </a:fld>
             <a:endParaRPr lang="en-US" dirty="0"/>
           </a:p>
@@ -6374,7 +6525,7 @@
                 <a:latin typeface="Arial"/>
                 <a:cs typeface="Arial"/>
               </a:rPr>
-              <a:t>Philippe Misteli </a:t>
+              <a:t>Phil Misteli </a:t>
             </a:r>
             <a:r>
               <a:rPr lang="en-US" sz="2000" dirty="0"/>
@@ -7856,7 +8007,7 @@
                   <a:srgbClr val="002060"/>
                 </a:solidFill>
               </a:rPr>
-              <a:t>Inline</a:t>
+              <a:t>Inline Function</a:t>
             </a:r>
             <a:br>
               <a:rPr lang="en-US" dirty="0"/>
@@ -7957,7 +8108,7 @@
                   <a:srgbClr val="002060"/>
                 </a:solidFill>
               </a:rPr>
-              <a:t>Inline</a:t>
+              <a:t>Inline Function</a:t>
             </a:r>
             <a:br>
               <a:rPr lang="en-US" dirty="0"/>
@@ -8058,7 +8209,7 @@
                   <a:srgbClr val="002060"/>
                 </a:solidFill>
               </a:rPr>
-              <a:t>Inline</a:t>
+              <a:t>Inline Function</a:t>
             </a:r>
             <a:br>
               <a:rPr lang="en-US" dirty="0"/>
@@ -8159,7 +8310,7 @@
                   <a:srgbClr val="002060"/>
                 </a:solidFill>
               </a:rPr>
-              <a:t>Inline</a:t>
+              <a:t>Inline Function</a:t>
             </a:r>
             <a:br>
               <a:rPr lang="en-US" dirty="0"/>
@@ -8260,7 +8411,7 @@
                   <a:srgbClr val="002060"/>
                 </a:solidFill>
               </a:rPr>
-              <a:t>Inline</a:t>
+              <a:t>Inline Function</a:t>
             </a:r>
             <a:br>
               <a:rPr lang="en-US" dirty="0"/>
@@ -8511,7 +8662,7 @@
           <p:cNvPr id="2" name="Title 1">
             <a:extLst>
               <a:ext uri="{FF2B5EF4-FFF2-40B4-BE49-F238E27FC236}">
-                <a16:creationId xmlns:a16="http://schemas.microsoft.com/office/drawing/2014/main" id="{795A6E4F-00C5-4C1D-BA8D-FEB9CF1BB993}"/>
+                <a16:creationId xmlns:a16="http://schemas.microsoft.com/office/drawing/2014/main" id="{A6DA6033-48F0-470A-9805-9C029D3A858F}"/>
               </a:ext>
             </a:extLst>
           </p:cNvPr>
@@ -8529,17 +8680,47 @@
           <a:p>
             <a:r>
               <a:rPr lang="en-US" dirty="0"/>
-              <a:t>Conclusion</a:t>
+              <a:t>Extract Function</a:t>
             </a:r>
           </a:p>
         </p:txBody>
       </p:sp>
+      <p:pic>
+        <p:nvPicPr>
+          <p:cNvPr id="4" name="Picture 3">
+            <a:extLst>
+              <a:ext uri="{FF2B5EF4-FFF2-40B4-BE49-F238E27FC236}">
+                <a16:creationId xmlns:a16="http://schemas.microsoft.com/office/drawing/2014/main" id="{30986727-EC2B-42DE-BBF4-55F9C9314867}"/>
+              </a:ext>
+            </a:extLst>
+          </p:cNvPr>
+          <p:cNvPicPr>
+            <a:picLocks noChangeAspect="1"/>
+          </p:cNvPicPr>
+          <p:nvPr/>
+        </p:nvPicPr>
+        <p:blipFill>
+          <a:blip r:embed="rId2"/>
+          <a:stretch>
+            <a:fillRect/>
+          </a:stretch>
+        </p:blipFill>
+        <p:spPr>
+          <a:xfrm>
+            <a:off x="1763106" y="1872320"/>
+            <a:ext cx="2088299" cy="1398860"/>
+          </a:xfrm>
+          <a:prstGeom prst="rect">
+            <a:avLst/>
+          </a:prstGeom>
+        </p:spPr>
+      </p:pic>
       <p:sp>
         <p:nvSpPr>
-          <p:cNvPr id="5" name="Rectangle: Rounded Corners 4">
+          <p:cNvPr id="5" name="Arrow: Right 4">
             <a:extLst>
               <a:ext uri="{FF2B5EF4-FFF2-40B4-BE49-F238E27FC236}">
-                <a16:creationId xmlns:a16="http://schemas.microsoft.com/office/drawing/2014/main" id="{74522C98-12A9-46CA-8BD9-A5CD6FB86AA9}"/>
+                <a16:creationId xmlns:a16="http://schemas.microsoft.com/office/drawing/2014/main" id="{DFCAE3CD-9945-41AE-83C1-786FE88FD7FE}"/>
               </a:ext>
             </a:extLst>
           </p:cNvPr>
@@ -8548,120 +8729,12 @@
         </p:nvSpPr>
         <p:spPr>
           <a:xfrm>
-            <a:off x="1763104" y="2571749"/>
-            <a:ext cx="3078315" cy="980185"/>
+            <a:off x="4133920" y="2277835"/>
+            <a:ext cx="612322" cy="587829"/>
           </a:xfrm>
-          <a:prstGeom prst="roundRect">
+          <a:prstGeom prst="rightArrow">
             <a:avLst/>
           </a:prstGeom>
-          <a:solidFill>
-            <a:srgbClr val="00B050"/>
-          </a:solidFill>
-          <a:effectLst/>
-        </p:spPr>
-        <p:style>
-          <a:lnRef idx="1">
-            <a:schemeClr val="accent1"/>
-          </a:lnRef>
-          <a:fillRef idx="3">
-            <a:schemeClr val="accent1"/>
-          </a:fillRef>
-          <a:effectRef idx="2">
-            <a:schemeClr val="accent1"/>
-          </a:effectRef>
-          <a:fontRef idx="minor">
-            <a:schemeClr val="lt1"/>
-          </a:fontRef>
-        </p:style>
-        <p:txBody>
-          <a:bodyPr rtlCol="0" anchor="ctr"/>
-          <a:lstStyle/>
-          <a:p>
-            <a:pPr algn="ctr"/>
-            <a:r>
-              <a:rPr lang="en-US" sz="2400" dirty="0"/>
-              <a:t>Scope Graph</a:t>
-            </a:r>
-          </a:p>
-        </p:txBody>
-      </p:sp>
-      <p:sp>
-        <p:nvSpPr>
-          <p:cNvPr id="6" name="Rectangle: Rounded Corners 5">
-            <a:extLst>
-              <a:ext uri="{FF2B5EF4-FFF2-40B4-BE49-F238E27FC236}">
-                <a16:creationId xmlns:a16="http://schemas.microsoft.com/office/drawing/2014/main" id="{AE36B88C-19CA-4B3E-81B8-CB63057D4782}"/>
-              </a:ext>
-            </a:extLst>
-          </p:cNvPr>
-          <p:cNvSpPr/>
-          <p:nvPr/>
-        </p:nvSpPr>
-        <p:spPr>
-          <a:xfrm>
-            <a:off x="1763106" y="1195743"/>
-            <a:ext cx="3078315" cy="980185"/>
-          </a:xfrm>
-          <a:prstGeom prst="roundRect">
-            <a:avLst/>
-          </a:prstGeom>
-          <a:solidFill>
-            <a:srgbClr val="00B050"/>
-          </a:solidFill>
-        </p:spPr>
-        <p:style>
-          <a:lnRef idx="1">
-            <a:schemeClr val="accent1"/>
-          </a:lnRef>
-          <a:fillRef idx="3">
-            <a:schemeClr val="accent1"/>
-          </a:fillRef>
-          <a:effectRef idx="2">
-            <a:schemeClr val="accent1"/>
-          </a:effectRef>
-          <a:fontRef idx="minor">
-            <a:schemeClr val="lt1"/>
-          </a:fontRef>
-        </p:style>
-        <p:txBody>
-          <a:bodyPr rtlCol="0" anchor="ctr"/>
-          <a:lstStyle/>
-          <a:p>
-            <a:pPr algn="ctr"/>
-            <a:r>
-              <a:rPr lang="en-US" sz="2400" dirty="0" err="1"/>
-              <a:t>Stratego</a:t>
-            </a:r>
-            <a:r>
-              <a:rPr lang="en-US" sz="2400" dirty="0"/>
-              <a:t> Transformations</a:t>
-            </a:r>
-          </a:p>
-        </p:txBody>
-      </p:sp>
-      <p:sp>
-        <p:nvSpPr>
-          <p:cNvPr id="7" name="Rectangle: Rounded Corners 6">
-            <a:extLst>
-              <a:ext uri="{FF2B5EF4-FFF2-40B4-BE49-F238E27FC236}">
-                <a16:creationId xmlns:a16="http://schemas.microsoft.com/office/drawing/2014/main" id="{C6DE87A5-1A59-47A6-9042-E20849C2FA8D}"/>
-              </a:ext>
-            </a:extLst>
-          </p:cNvPr>
-          <p:cNvSpPr/>
-          <p:nvPr/>
-        </p:nvSpPr>
-        <p:spPr>
-          <a:xfrm>
-            <a:off x="5401656" y="1220236"/>
-            <a:ext cx="3078315" cy="980185"/>
-          </a:xfrm>
-          <a:prstGeom prst="roundRect">
-            <a:avLst/>
-          </a:prstGeom>
-          <a:solidFill>
-            <a:srgbClr val="FFC000"/>
-          </a:solidFill>
         </p:spPr>
         <p:style>
           <a:lnRef idx="1">
@@ -8682,117 +8755,246 @@
           <a:lstStyle/>
           <a:p>
             <a:pPr algn="ctr"/>
-            <a:r>
-              <a:rPr lang="en-US" sz="2400" dirty="0"/>
-              <a:t>Nabl2 API</a:t>
-            </a:r>
+            <a:endParaRPr lang="en-US"/>
           </a:p>
         </p:txBody>
       </p:sp>
-      <p:sp>
-        <p:nvSpPr>
-          <p:cNvPr id="8" name="Rectangle: Rounded Corners 7">
+      <p:pic>
+        <p:nvPicPr>
+          <p:cNvPr id="6" name="Picture 5">
             <a:extLst>
               <a:ext uri="{FF2B5EF4-FFF2-40B4-BE49-F238E27FC236}">
-                <a16:creationId xmlns:a16="http://schemas.microsoft.com/office/drawing/2014/main" id="{9702475F-C731-411E-A1AF-769623E3C8B7}"/>
+                <a16:creationId xmlns:a16="http://schemas.microsoft.com/office/drawing/2014/main" id="{7DF24EFD-C678-4BD6-8EAC-B4357551010B}"/>
               </a:ext>
             </a:extLst>
           </p:cNvPr>
-          <p:cNvSpPr/>
+          <p:cNvPicPr>
+            <a:picLocks noChangeAspect="1"/>
+          </p:cNvPicPr>
           <p:nvPr/>
-        </p:nvSpPr>
+        </p:nvPicPr>
+        <p:blipFill>
+          <a:blip r:embed="rId3"/>
+          <a:stretch>
+            <a:fillRect/>
+          </a:stretch>
+        </p:blipFill>
         <p:spPr>
           <a:xfrm>
-            <a:off x="5401655" y="2571750"/>
-            <a:ext cx="3078315" cy="980185"/>
+            <a:off x="5028757" y="1603925"/>
+            <a:ext cx="3840813" cy="1935648"/>
           </a:xfrm>
-          <a:prstGeom prst="roundRect">
+          <a:prstGeom prst="rect">
             <a:avLst/>
           </a:prstGeom>
-          <a:solidFill>
-            <a:srgbClr val="FF0000"/>
-          </a:solidFill>
         </p:spPr>
-        <p:style>
-          <a:lnRef idx="1">
-            <a:schemeClr val="accent4"/>
-          </a:lnRef>
-          <a:fillRef idx="3">
-            <a:schemeClr val="accent4"/>
-          </a:fillRef>
-          <a:effectRef idx="2">
-            <a:schemeClr val="accent4"/>
-          </a:effectRef>
-          <a:fontRef idx="minor">
-            <a:schemeClr val="lt1"/>
-          </a:fontRef>
-        </p:style>
-        <p:txBody>
-          <a:bodyPr rtlCol="0" anchor="ctr"/>
-          <a:lstStyle/>
-          <a:p>
-            <a:pPr algn="ctr"/>
-            <a:r>
-              <a:rPr lang="en-US" sz="2400" dirty="0"/>
-              <a:t>Eclipse UI Integration</a:t>
-            </a:r>
-          </a:p>
-        </p:txBody>
-      </p:sp>
+      </p:pic>
+    </p:spTree>
+    <p:extLst>
+      <p:ext uri="{BB962C8B-B14F-4D97-AF65-F5344CB8AC3E}">
+        <p14:creationId xmlns:p14="http://schemas.microsoft.com/office/powerpoint/2010/main" val="2396736113"/>
+      </p:ext>
+    </p:extLst>
+  </p:cSld>
+  <p:clrMapOvr>
+    <a:masterClrMapping/>
+  </p:clrMapOvr>
+</p:sld>
+</file>
+
+<file path=ppt/slides/slide28.xml><?xml version="1.0" encoding="utf-8"?>
+<p:sld xmlns:a="http://schemas.openxmlformats.org/drawingml/2006/main" xmlns:r="http://schemas.openxmlformats.org/officeDocument/2006/relationships" xmlns:p="http://schemas.openxmlformats.org/presentationml/2006/main">
+  <p:cSld>
+    <p:spTree>
+      <p:nvGrpSpPr>
+        <p:cNvPr id="1" name=""/>
+        <p:cNvGrpSpPr/>
+        <p:nvPr/>
+      </p:nvGrpSpPr>
+      <p:grpSpPr>
+        <a:xfrm>
+          <a:off x="0" y="0"/>
+          <a:ext cx="0" cy="0"/>
+          <a:chOff x="0" y="0"/>
+          <a:chExt cx="0" cy="0"/>
+        </a:xfrm>
+      </p:grpSpPr>
       <p:sp>
         <p:nvSpPr>
-          <p:cNvPr id="9" name="Rectangle: Rounded Corners 8">
+          <p:cNvPr id="2" name="Title 1">
             <a:extLst>
               <a:ext uri="{FF2B5EF4-FFF2-40B4-BE49-F238E27FC236}">
-                <a16:creationId xmlns:a16="http://schemas.microsoft.com/office/drawing/2014/main" id="{82E51E27-B576-4E0F-9A80-D9938E13E4D5}"/>
+                <a16:creationId xmlns:a16="http://schemas.microsoft.com/office/drawing/2014/main" id="{75242ED9-550F-4CFB-9C3E-FC559B6FDFB2}"/>
               </a:ext>
             </a:extLst>
           </p:cNvPr>
-          <p:cNvSpPr/>
+          <p:cNvSpPr>
+            <a:spLocks noGrp="1"/>
+          </p:cNvSpPr>
+          <p:nvPr>
+            <p:ph type="title"/>
+          </p:nvPr>
+        </p:nvSpPr>
+        <p:spPr/>
+        <p:txBody>
+          <a:bodyPr>
+            <a:normAutofit fontScale="90000"/>
+          </a:bodyPr>
+          <a:lstStyle/>
+          <a:p>
+            <a:r>
+              <a:rPr lang="en-US" sz="2200" dirty="0">
+                <a:solidFill>
+                  <a:srgbClr val="002060"/>
+                </a:solidFill>
+              </a:rPr>
+              <a:t>Extract Function</a:t>
+            </a:r>
+            <a:br>
+              <a:rPr lang="en-US" dirty="0"/>
+            </a:br>
+            <a:r>
+              <a:rPr lang="en-US" dirty="0"/>
+              <a:t>Step 1: Check Selected Term</a:t>
+            </a:r>
+          </a:p>
+        </p:txBody>
+      </p:sp>
+      <p:pic>
+        <p:nvPicPr>
+          <p:cNvPr id="4" name="Picture 3">
+            <a:extLst>
+              <a:ext uri="{FF2B5EF4-FFF2-40B4-BE49-F238E27FC236}">
+                <a16:creationId xmlns:a16="http://schemas.microsoft.com/office/drawing/2014/main" id="{AF04FF27-DCF5-42C3-9202-9BA1F983732D}"/>
+              </a:ext>
+            </a:extLst>
+          </p:cNvPr>
+          <p:cNvPicPr>
+            <a:picLocks noChangeAspect="1"/>
+          </p:cNvPicPr>
           <p:nvPr/>
-        </p:nvSpPr>
+        </p:nvPicPr>
+        <p:blipFill>
+          <a:blip r:embed="rId2"/>
+          <a:stretch>
+            <a:fillRect/>
+          </a:stretch>
+        </p:blipFill>
         <p:spPr>
           <a:xfrm>
-            <a:off x="5401654" y="3923264"/>
-            <a:ext cx="3078315" cy="980185"/>
+            <a:off x="3259091" y="1063229"/>
+            <a:ext cx="4114493" cy="3628529"/>
           </a:xfrm>
-          <a:prstGeom prst="roundRect">
+          <a:prstGeom prst="rect">
             <a:avLst/>
           </a:prstGeom>
-          <a:solidFill>
-            <a:srgbClr val="FF0000"/>
-          </a:solidFill>
         </p:spPr>
-        <p:style>
-          <a:lnRef idx="1">
-            <a:schemeClr val="accent4"/>
-          </a:lnRef>
-          <a:fillRef idx="3">
-            <a:schemeClr val="accent4"/>
-          </a:fillRef>
-          <a:effectRef idx="2">
-            <a:schemeClr val="accent4"/>
-          </a:effectRef>
-          <a:fontRef idx="minor">
-            <a:schemeClr val="lt1"/>
-          </a:fontRef>
-        </p:style>
-        <p:txBody>
-          <a:bodyPr rtlCol="0" anchor="ctr"/>
-          <a:lstStyle/>
-          <a:p>
-            <a:pPr algn="ctr"/>
-            <a:r>
-              <a:rPr lang="en-US" sz="2400" dirty="0"/>
-              <a:t>Transformations in SPT</a:t>
-            </a:r>
-          </a:p>
-        </p:txBody>
-      </p:sp>
+      </p:pic>
     </p:spTree>
     <p:extLst>
       <p:ext uri="{BB962C8B-B14F-4D97-AF65-F5344CB8AC3E}">
-        <p14:creationId xmlns:p14="http://schemas.microsoft.com/office/powerpoint/2010/main" val="1803745701"/>
+        <p14:creationId xmlns:p14="http://schemas.microsoft.com/office/powerpoint/2010/main" val="3482495086"/>
+      </p:ext>
+    </p:extLst>
+  </p:cSld>
+  <p:clrMapOvr>
+    <a:masterClrMapping/>
+  </p:clrMapOvr>
+</p:sld>
+</file>
+
+<file path=ppt/slides/slide29.xml><?xml version="1.0" encoding="utf-8"?>
+<p:sld xmlns:a="http://schemas.openxmlformats.org/drawingml/2006/main" xmlns:r="http://schemas.openxmlformats.org/officeDocument/2006/relationships" xmlns:p="http://schemas.openxmlformats.org/presentationml/2006/main">
+  <p:cSld>
+    <p:spTree>
+      <p:nvGrpSpPr>
+        <p:cNvPr id="1" name=""/>
+        <p:cNvGrpSpPr/>
+        <p:nvPr/>
+      </p:nvGrpSpPr>
+      <p:grpSpPr>
+        <a:xfrm>
+          <a:off x="0" y="0"/>
+          <a:ext cx="0" cy="0"/>
+          <a:chOff x="0" y="0"/>
+          <a:chExt cx="0" cy="0"/>
+        </a:xfrm>
+      </p:grpSpPr>
+      <p:sp>
+        <p:nvSpPr>
+          <p:cNvPr id="2" name="Title 1">
+            <a:extLst>
+              <a:ext uri="{FF2B5EF4-FFF2-40B4-BE49-F238E27FC236}">
+                <a16:creationId xmlns:a16="http://schemas.microsoft.com/office/drawing/2014/main" id="{75242ED9-550F-4CFB-9C3E-FC559B6FDFB2}"/>
+              </a:ext>
+            </a:extLst>
+          </p:cNvPr>
+          <p:cNvSpPr>
+            <a:spLocks noGrp="1"/>
+          </p:cNvSpPr>
+          <p:nvPr>
+            <p:ph type="title"/>
+          </p:nvPr>
+        </p:nvSpPr>
+        <p:spPr/>
+        <p:txBody>
+          <a:bodyPr>
+            <a:normAutofit fontScale="90000"/>
+          </a:bodyPr>
+          <a:lstStyle/>
+          <a:p>
+            <a:r>
+              <a:rPr lang="en-US" sz="2200" dirty="0">
+                <a:solidFill>
+                  <a:srgbClr val="002060"/>
+                </a:solidFill>
+              </a:rPr>
+              <a:t>Extract Function</a:t>
+            </a:r>
+            <a:br>
+              <a:rPr lang="en-US" dirty="0"/>
+            </a:br>
+            <a:r>
+              <a:rPr lang="en-US" dirty="0"/>
+              <a:t>Step 2: Create Function Definition</a:t>
+            </a:r>
+          </a:p>
+        </p:txBody>
+      </p:sp>
+      <p:pic>
+        <p:nvPicPr>
+          <p:cNvPr id="4" name="Picture 3">
+            <a:extLst>
+              <a:ext uri="{FF2B5EF4-FFF2-40B4-BE49-F238E27FC236}">
+                <a16:creationId xmlns:a16="http://schemas.microsoft.com/office/drawing/2014/main" id="{BDD433A6-2AB2-4BC6-BE0E-3949C31C5492}"/>
+              </a:ext>
+            </a:extLst>
+          </p:cNvPr>
+          <p:cNvPicPr>
+            <a:picLocks noChangeAspect="1"/>
+          </p:cNvPicPr>
+          <p:nvPr/>
+        </p:nvPicPr>
+        <p:blipFill>
+          <a:blip r:embed="rId3"/>
+          <a:stretch>
+            <a:fillRect/>
+          </a:stretch>
+        </p:blipFill>
+        <p:spPr>
+          <a:xfrm>
+            <a:off x="2545146" y="1063229"/>
+            <a:ext cx="5542384" cy="3233058"/>
+          </a:xfrm>
+          <a:prstGeom prst="rect">
+            <a:avLst/>
+          </a:prstGeom>
+        </p:spPr>
+      </p:pic>
+    </p:spTree>
+    <p:extLst>
+      <p:ext uri="{BB962C8B-B14F-4D97-AF65-F5344CB8AC3E}">
+        <p14:creationId xmlns:p14="http://schemas.microsoft.com/office/powerpoint/2010/main" val="1063808779"/>
       </p:ext>
     </p:extLst>
   </p:cSld>
@@ -8954,6 +9156,1225 @@
     <p:extLst>
       <p:ext uri="{BB962C8B-B14F-4D97-AF65-F5344CB8AC3E}">
         <p14:creationId xmlns:p14="http://schemas.microsoft.com/office/powerpoint/2010/main" val="2474223718"/>
+      </p:ext>
+    </p:extLst>
+  </p:cSld>
+  <p:clrMapOvr>
+    <a:masterClrMapping/>
+  </p:clrMapOvr>
+</p:sld>
+</file>
+
+<file path=ppt/slides/slide30.xml><?xml version="1.0" encoding="utf-8"?>
+<p:sld xmlns:a="http://schemas.openxmlformats.org/drawingml/2006/main" xmlns:r="http://schemas.openxmlformats.org/officeDocument/2006/relationships" xmlns:p="http://schemas.openxmlformats.org/presentationml/2006/main">
+  <p:cSld>
+    <p:spTree>
+      <p:nvGrpSpPr>
+        <p:cNvPr id="1" name=""/>
+        <p:cNvGrpSpPr/>
+        <p:nvPr/>
+      </p:nvGrpSpPr>
+      <p:grpSpPr>
+        <a:xfrm>
+          <a:off x="0" y="0"/>
+          <a:ext cx="0" cy="0"/>
+          <a:chOff x="0" y="0"/>
+          <a:chExt cx="0" cy="0"/>
+        </a:xfrm>
+      </p:grpSpPr>
+      <p:sp>
+        <p:nvSpPr>
+          <p:cNvPr id="2" name="Title 1">
+            <a:extLst>
+              <a:ext uri="{FF2B5EF4-FFF2-40B4-BE49-F238E27FC236}">
+                <a16:creationId xmlns:a16="http://schemas.microsoft.com/office/drawing/2014/main" id="{75242ED9-550F-4CFB-9C3E-FC559B6FDFB2}"/>
+              </a:ext>
+            </a:extLst>
+          </p:cNvPr>
+          <p:cNvSpPr>
+            <a:spLocks noGrp="1"/>
+          </p:cNvSpPr>
+          <p:nvPr>
+            <p:ph type="title"/>
+          </p:nvPr>
+        </p:nvSpPr>
+        <p:spPr/>
+        <p:txBody>
+          <a:bodyPr>
+            <a:normAutofit fontScale="90000"/>
+          </a:bodyPr>
+          <a:lstStyle/>
+          <a:p>
+            <a:r>
+              <a:rPr lang="en-US" sz="2200" dirty="0">
+                <a:solidFill>
+                  <a:srgbClr val="002060"/>
+                </a:solidFill>
+              </a:rPr>
+              <a:t>Extract Function</a:t>
+            </a:r>
+            <a:br>
+              <a:rPr lang="en-US" dirty="0"/>
+            </a:br>
+            <a:r>
+              <a:rPr lang="en-US" dirty="0"/>
+              <a:t>Step 3: Insert Call</a:t>
+            </a:r>
+          </a:p>
+        </p:txBody>
+      </p:sp>
+      <p:pic>
+        <p:nvPicPr>
+          <p:cNvPr id="4" name="Picture 3">
+            <a:extLst>
+              <a:ext uri="{FF2B5EF4-FFF2-40B4-BE49-F238E27FC236}">
+                <a16:creationId xmlns:a16="http://schemas.microsoft.com/office/drawing/2014/main" id="{136F974A-4FF8-456D-A42B-17FF07E27728}"/>
+              </a:ext>
+            </a:extLst>
+          </p:cNvPr>
+          <p:cNvPicPr>
+            <a:picLocks noChangeAspect="1"/>
+          </p:cNvPicPr>
+          <p:nvPr/>
+        </p:nvPicPr>
+        <p:blipFill>
+          <a:blip r:embed="rId2"/>
+          <a:stretch>
+            <a:fillRect/>
+          </a:stretch>
+        </p:blipFill>
+        <p:spPr>
+          <a:xfrm>
+            <a:off x="2679088" y="1063229"/>
+            <a:ext cx="5274499" cy="3804557"/>
+          </a:xfrm>
+          <a:prstGeom prst="rect">
+            <a:avLst/>
+          </a:prstGeom>
+        </p:spPr>
+      </p:pic>
+    </p:spTree>
+    <p:extLst>
+      <p:ext uri="{BB962C8B-B14F-4D97-AF65-F5344CB8AC3E}">
+        <p14:creationId xmlns:p14="http://schemas.microsoft.com/office/powerpoint/2010/main" val="4285645850"/>
+      </p:ext>
+    </p:extLst>
+  </p:cSld>
+  <p:clrMapOvr>
+    <a:masterClrMapping/>
+  </p:clrMapOvr>
+</p:sld>
+</file>
+
+<file path=ppt/slides/slide31.xml><?xml version="1.0" encoding="utf-8"?>
+<p:sld xmlns:a="http://schemas.openxmlformats.org/drawingml/2006/main" xmlns:r="http://schemas.openxmlformats.org/officeDocument/2006/relationships" xmlns:p="http://schemas.openxmlformats.org/presentationml/2006/main">
+  <p:cSld>
+    <p:spTree>
+      <p:nvGrpSpPr>
+        <p:cNvPr id="1" name=""/>
+        <p:cNvGrpSpPr/>
+        <p:nvPr/>
+      </p:nvGrpSpPr>
+      <p:grpSpPr>
+        <a:xfrm>
+          <a:off x="0" y="0"/>
+          <a:ext cx="0" cy="0"/>
+          <a:chOff x="0" y="0"/>
+          <a:chExt cx="0" cy="0"/>
+        </a:xfrm>
+      </p:grpSpPr>
+      <p:sp>
+        <p:nvSpPr>
+          <p:cNvPr id="2" name="Title 1">
+            <a:extLst>
+              <a:ext uri="{FF2B5EF4-FFF2-40B4-BE49-F238E27FC236}">
+                <a16:creationId xmlns:a16="http://schemas.microsoft.com/office/drawing/2014/main" id="{75242ED9-550F-4CFB-9C3E-FC559B6FDFB2}"/>
+              </a:ext>
+            </a:extLst>
+          </p:cNvPr>
+          <p:cNvSpPr>
+            <a:spLocks noGrp="1"/>
+          </p:cNvSpPr>
+          <p:nvPr>
+            <p:ph type="title"/>
+          </p:nvPr>
+        </p:nvSpPr>
+        <p:spPr/>
+        <p:txBody>
+          <a:bodyPr>
+            <a:normAutofit fontScale="90000"/>
+          </a:bodyPr>
+          <a:lstStyle/>
+          <a:p>
+            <a:r>
+              <a:rPr lang="en-US" sz="2200" dirty="0">
+                <a:solidFill>
+                  <a:srgbClr val="002060"/>
+                </a:solidFill>
+              </a:rPr>
+              <a:t>Extract Function</a:t>
+            </a:r>
+            <a:br>
+              <a:rPr lang="en-US" dirty="0"/>
+            </a:br>
+            <a:r>
+              <a:rPr lang="en-US" dirty="0"/>
+              <a:t>Step 4: Delete Extracted Expression</a:t>
+            </a:r>
+          </a:p>
+        </p:txBody>
+      </p:sp>
+      <p:pic>
+        <p:nvPicPr>
+          <p:cNvPr id="4" name="Picture 3">
+            <a:extLst>
+              <a:ext uri="{FF2B5EF4-FFF2-40B4-BE49-F238E27FC236}">
+                <a16:creationId xmlns:a16="http://schemas.microsoft.com/office/drawing/2014/main" id="{359D9299-8F0F-48E0-816E-22234D7352D5}"/>
+              </a:ext>
+            </a:extLst>
+          </p:cNvPr>
+          <p:cNvPicPr>
+            <a:picLocks noChangeAspect="1"/>
+          </p:cNvPicPr>
+          <p:nvPr/>
+        </p:nvPicPr>
+        <p:blipFill>
+          <a:blip r:embed="rId2"/>
+          <a:stretch>
+            <a:fillRect/>
+          </a:stretch>
+        </p:blipFill>
+        <p:spPr>
+          <a:xfrm>
+            <a:off x="2854528" y="1063229"/>
+            <a:ext cx="4923620" cy="3551464"/>
+          </a:xfrm>
+          <a:prstGeom prst="rect">
+            <a:avLst/>
+          </a:prstGeom>
+        </p:spPr>
+      </p:pic>
+    </p:spTree>
+    <p:extLst>
+      <p:ext uri="{BB962C8B-B14F-4D97-AF65-F5344CB8AC3E}">
+        <p14:creationId xmlns:p14="http://schemas.microsoft.com/office/powerpoint/2010/main" val="824120405"/>
+      </p:ext>
+    </p:extLst>
+  </p:cSld>
+  <p:clrMapOvr>
+    <a:masterClrMapping/>
+  </p:clrMapOvr>
+</p:sld>
+</file>
+
+<file path=ppt/slides/slide32.xml><?xml version="1.0" encoding="utf-8"?>
+<p:sld xmlns:a="http://schemas.openxmlformats.org/drawingml/2006/main" xmlns:r="http://schemas.openxmlformats.org/officeDocument/2006/relationships" xmlns:p="http://schemas.openxmlformats.org/presentationml/2006/main">
+  <p:cSld>
+    <p:spTree>
+      <p:nvGrpSpPr>
+        <p:cNvPr id="1" name=""/>
+        <p:cNvGrpSpPr/>
+        <p:nvPr/>
+      </p:nvGrpSpPr>
+      <p:grpSpPr>
+        <a:xfrm>
+          <a:off x="0" y="0"/>
+          <a:ext cx="0" cy="0"/>
+          <a:chOff x="0" y="0"/>
+          <a:chExt cx="0" cy="0"/>
+        </a:xfrm>
+      </p:grpSpPr>
+      <p:sp>
+        <p:nvSpPr>
+          <p:cNvPr id="2" name="Title 1">
+            <a:extLst>
+              <a:ext uri="{FF2B5EF4-FFF2-40B4-BE49-F238E27FC236}">
+                <a16:creationId xmlns:a16="http://schemas.microsoft.com/office/drawing/2014/main" id="{52E36FE6-81C8-4B2B-9E8D-2FD5E6C3AFDE}"/>
+              </a:ext>
+            </a:extLst>
+          </p:cNvPr>
+          <p:cNvSpPr>
+            <a:spLocks noGrp="1"/>
+          </p:cNvSpPr>
+          <p:nvPr>
+            <p:ph type="title"/>
+          </p:nvPr>
+        </p:nvSpPr>
+        <p:spPr/>
+        <p:txBody>
+          <a:bodyPr>
+            <a:normAutofit fontScale="90000"/>
+          </a:bodyPr>
+          <a:lstStyle/>
+          <a:p>
+            <a:r>
+              <a:rPr lang="en-US" sz="2200" dirty="0">
+                <a:solidFill>
+                  <a:srgbClr val="002060"/>
+                </a:solidFill>
+              </a:rPr>
+              <a:t>Extract Function</a:t>
+            </a:r>
+            <a:br>
+              <a:rPr lang="en-US" dirty="0"/>
+            </a:br>
+            <a:r>
+              <a:rPr lang="en-US" dirty="0"/>
+              <a:t>Problem: Partial List Selection</a:t>
+            </a:r>
+          </a:p>
+        </p:txBody>
+      </p:sp>
+      <p:pic>
+        <p:nvPicPr>
+          <p:cNvPr id="4" name="Picture 3">
+            <a:extLst>
+              <a:ext uri="{FF2B5EF4-FFF2-40B4-BE49-F238E27FC236}">
+                <a16:creationId xmlns:a16="http://schemas.microsoft.com/office/drawing/2014/main" id="{30A8C202-429C-4421-9BBC-0014194E3D77}"/>
+              </a:ext>
+            </a:extLst>
+          </p:cNvPr>
+          <p:cNvPicPr>
+            <a:picLocks noChangeAspect="1"/>
+          </p:cNvPicPr>
+          <p:nvPr/>
+        </p:nvPicPr>
+        <p:blipFill>
+          <a:blip r:embed="rId2"/>
+          <a:stretch>
+            <a:fillRect/>
+          </a:stretch>
+        </p:blipFill>
+        <p:spPr>
+          <a:xfrm>
+            <a:off x="2887656" y="1578361"/>
+            <a:ext cx="4857364" cy="2299675"/>
+          </a:xfrm>
+          <a:prstGeom prst="rect">
+            <a:avLst/>
+          </a:prstGeom>
+        </p:spPr>
+      </p:pic>
+    </p:spTree>
+    <p:extLst>
+      <p:ext uri="{BB962C8B-B14F-4D97-AF65-F5344CB8AC3E}">
+        <p14:creationId xmlns:p14="http://schemas.microsoft.com/office/powerpoint/2010/main" val="826746755"/>
+      </p:ext>
+    </p:extLst>
+  </p:cSld>
+  <p:clrMapOvr>
+    <a:masterClrMapping/>
+  </p:clrMapOvr>
+</p:sld>
+</file>
+
+<file path=ppt/slides/slide33.xml><?xml version="1.0" encoding="utf-8"?>
+<p:sld xmlns:a="http://schemas.openxmlformats.org/drawingml/2006/main" xmlns:r="http://schemas.openxmlformats.org/officeDocument/2006/relationships" xmlns:p="http://schemas.openxmlformats.org/presentationml/2006/main">
+  <p:cSld>
+    <p:spTree>
+      <p:nvGrpSpPr>
+        <p:cNvPr id="1" name=""/>
+        <p:cNvGrpSpPr/>
+        <p:nvPr/>
+      </p:nvGrpSpPr>
+      <p:grpSpPr>
+        <a:xfrm>
+          <a:off x="0" y="0"/>
+          <a:ext cx="0" cy="0"/>
+          <a:chOff x="0" y="0"/>
+          <a:chExt cx="0" cy="0"/>
+        </a:xfrm>
+      </p:grpSpPr>
+      <p:sp>
+        <p:nvSpPr>
+          <p:cNvPr id="2" name="Title 1">
+            <a:extLst>
+              <a:ext uri="{FF2B5EF4-FFF2-40B4-BE49-F238E27FC236}">
+                <a16:creationId xmlns:a16="http://schemas.microsoft.com/office/drawing/2014/main" id="{52E36FE6-81C8-4B2B-9E8D-2FD5E6C3AFDE}"/>
+              </a:ext>
+            </a:extLst>
+          </p:cNvPr>
+          <p:cNvSpPr>
+            <a:spLocks noGrp="1"/>
+          </p:cNvSpPr>
+          <p:nvPr>
+            <p:ph type="title"/>
+          </p:nvPr>
+        </p:nvSpPr>
+        <p:spPr/>
+        <p:txBody>
+          <a:bodyPr>
+            <a:normAutofit fontScale="90000"/>
+          </a:bodyPr>
+          <a:lstStyle/>
+          <a:p>
+            <a:r>
+              <a:rPr lang="en-US" sz="2200" dirty="0">
+                <a:solidFill>
+                  <a:srgbClr val="002060"/>
+                </a:solidFill>
+              </a:rPr>
+              <a:t>Extract Function</a:t>
+            </a:r>
+            <a:br>
+              <a:rPr lang="en-US" dirty="0"/>
+            </a:br>
+            <a:r>
+              <a:rPr lang="en-US" dirty="0"/>
+              <a:t>Problem: Multiple Writes</a:t>
+            </a:r>
+          </a:p>
+        </p:txBody>
+      </p:sp>
+      <p:pic>
+        <p:nvPicPr>
+          <p:cNvPr id="3" name="Picture 2">
+            <a:extLst>
+              <a:ext uri="{FF2B5EF4-FFF2-40B4-BE49-F238E27FC236}">
+                <a16:creationId xmlns:a16="http://schemas.microsoft.com/office/drawing/2014/main" id="{37BA64F1-93A8-491A-845E-F9FFEFE3A215}"/>
+              </a:ext>
+            </a:extLst>
+          </p:cNvPr>
+          <p:cNvPicPr>
+            <a:picLocks noChangeAspect="1"/>
+          </p:cNvPicPr>
+          <p:nvPr/>
+        </p:nvPicPr>
+        <p:blipFill>
+          <a:blip r:embed="rId2"/>
+          <a:stretch>
+            <a:fillRect/>
+          </a:stretch>
+        </p:blipFill>
+        <p:spPr>
+          <a:xfrm>
+            <a:off x="3996640" y="1458081"/>
+            <a:ext cx="2183724" cy="2646500"/>
+          </a:xfrm>
+          <a:prstGeom prst="rect">
+            <a:avLst/>
+          </a:prstGeom>
+        </p:spPr>
+      </p:pic>
+    </p:spTree>
+    <p:extLst>
+      <p:ext uri="{BB962C8B-B14F-4D97-AF65-F5344CB8AC3E}">
+        <p14:creationId xmlns:p14="http://schemas.microsoft.com/office/powerpoint/2010/main" val="28758341"/>
+      </p:ext>
+    </p:extLst>
+  </p:cSld>
+  <p:clrMapOvr>
+    <a:masterClrMapping/>
+  </p:clrMapOvr>
+</p:sld>
+</file>
+
+<file path=ppt/slides/slide34.xml><?xml version="1.0" encoding="utf-8"?>
+<p:sld xmlns:a="http://schemas.openxmlformats.org/drawingml/2006/main" xmlns:r="http://schemas.openxmlformats.org/officeDocument/2006/relationships" xmlns:p="http://schemas.openxmlformats.org/presentationml/2006/main">
+  <p:cSld>
+    <p:spTree>
+      <p:nvGrpSpPr>
+        <p:cNvPr id="1" name=""/>
+        <p:cNvGrpSpPr/>
+        <p:nvPr/>
+      </p:nvGrpSpPr>
+      <p:grpSpPr>
+        <a:xfrm>
+          <a:off x="0" y="0"/>
+          <a:ext cx="0" cy="0"/>
+          <a:chOff x="0" y="0"/>
+          <a:chExt cx="0" cy="0"/>
+        </a:xfrm>
+      </p:grpSpPr>
+      <p:sp>
+        <p:nvSpPr>
+          <p:cNvPr id="2" name="Title 1">
+            <a:extLst>
+              <a:ext uri="{FF2B5EF4-FFF2-40B4-BE49-F238E27FC236}">
+                <a16:creationId xmlns:a16="http://schemas.microsoft.com/office/drawing/2014/main" id="{52E36FE6-81C8-4B2B-9E8D-2FD5E6C3AFDE}"/>
+              </a:ext>
+            </a:extLst>
+          </p:cNvPr>
+          <p:cNvSpPr>
+            <a:spLocks noGrp="1"/>
+          </p:cNvSpPr>
+          <p:nvPr>
+            <p:ph type="title"/>
+          </p:nvPr>
+        </p:nvSpPr>
+        <p:spPr/>
+        <p:txBody>
+          <a:bodyPr>
+            <a:normAutofit fontScale="90000"/>
+          </a:bodyPr>
+          <a:lstStyle/>
+          <a:p>
+            <a:r>
+              <a:rPr lang="en-US" sz="2200" dirty="0">
+                <a:solidFill>
+                  <a:srgbClr val="002060"/>
+                </a:solidFill>
+              </a:rPr>
+              <a:t>Extract Function</a:t>
+            </a:r>
+            <a:br>
+              <a:rPr lang="en-US" dirty="0"/>
+            </a:br>
+            <a:r>
+              <a:rPr lang="en-US" dirty="0"/>
+              <a:t>Problem: Internal Variables</a:t>
+            </a:r>
+          </a:p>
+        </p:txBody>
+      </p:sp>
+      <p:pic>
+        <p:nvPicPr>
+          <p:cNvPr id="4" name="Picture 3">
+            <a:extLst>
+              <a:ext uri="{FF2B5EF4-FFF2-40B4-BE49-F238E27FC236}">
+                <a16:creationId xmlns:a16="http://schemas.microsoft.com/office/drawing/2014/main" id="{3E0AF6DA-A099-4030-9DA4-5AF33F795EF5}"/>
+              </a:ext>
+            </a:extLst>
+          </p:cNvPr>
+          <p:cNvPicPr>
+            <a:picLocks noChangeAspect="1"/>
+          </p:cNvPicPr>
+          <p:nvPr/>
+        </p:nvPicPr>
+        <p:blipFill>
+          <a:blip r:embed="rId2"/>
+          <a:stretch>
+            <a:fillRect/>
+          </a:stretch>
+        </p:blipFill>
+        <p:spPr>
+          <a:xfrm>
+            <a:off x="3915303" y="1596425"/>
+            <a:ext cx="2802070" cy="2133395"/>
+          </a:xfrm>
+          <a:prstGeom prst="rect">
+            <a:avLst/>
+          </a:prstGeom>
+        </p:spPr>
+      </p:pic>
+    </p:spTree>
+    <p:extLst>
+      <p:ext uri="{BB962C8B-B14F-4D97-AF65-F5344CB8AC3E}">
+        <p14:creationId xmlns:p14="http://schemas.microsoft.com/office/powerpoint/2010/main" val="2963644601"/>
+      </p:ext>
+    </p:extLst>
+  </p:cSld>
+  <p:clrMapOvr>
+    <a:masterClrMapping/>
+  </p:clrMapOvr>
+</p:sld>
+</file>
+
+<file path=ppt/slides/slide35.xml><?xml version="1.0" encoding="utf-8"?>
+<p:sld xmlns:a="http://schemas.openxmlformats.org/drawingml/2006/main" xmlns:r="http://schemas.openxmlformats.org/officeDocument/2006/relationships" xmlns:p="http://schemas.openxmlformats.org/presentationml/2006/main">
+  <p:cSld>
+    <p:spTree>
+      <p:nvGrpSpPr>
+        <p:cNvPr id="1" name=""/>
+        <p:cNvGrpSpPr/>
+        <p:nvPr/>
+      </p:nvGrpSpPr>
+      <p:grpSpPr>
+        <a:xfrm>
+          <a:off x="0" y="0"/>
+          <a:ext cx="0" cy="0"/>
+          <a:chOff x="0" y="0"/>
+          <a:chExt cx="0" cy="0"/>
+        </a:xfrm>
+      </p:grpSpPr>
+      <p:sp>
+        <p:nvSpPr>
+          <p:cNvPr id="2" name="Title 1">
+            <a:extLst>
+              <a:ext uri="{FF2B5EF4-FFF2-40B4-BE49-F238E27FC236}">
+                <a16:creationId xmlns:a16="http://schemas.microsoft.com/office/drawing/2014/main" id="{A6DA6033-48F0-470A-9805-9C029D3A858F}"/>
+              </a:ext>
+            </a:extLst>
+          </p:cNvPr>
+          <p:cNvSpPr>
+            <a:spLocks noGrp="1"/>
+          </p:cNvSpPr>
+          <p:nvPr>
+            <p:ph type="title"/>
+          </p:nvPr>
+        </p:nvSpPr>
+        <p:spPr/>
+        <p:txBody>
+          <a:bodyPr>
+            <a:normAutofit fontScale="90000"/>
+          </a:bodyPr>
+          <a:lstStyle/>
+          <a:p>
+            <a:r>
+              <a:rPr lang="en-US" sz="2200" dirty="0">
+                <a:solidFill>
+                  <a:srgbClr val="002060"/>
+                </a:solidFill>
+              </a:rPr>
+              <a:t>Extract Function</a:t>
+            </a:r>
+            <a:br>
+              <a:rPr lang="en-US" dirty="0"/>
+            </a:br>
+            <a:r>
+              <a:rPr lang="en-US" dirty="0"/>
+              <a:t>DEMO</a:t>
+            </a:r>
+          </a:p>
+        </p:txBody>
+      </p:sp>
+      <p:pic>
+        <p:nvPicPr>
+          <p:cNvPr id="4" name="Picture 3">
+            <a:extLst>
+              <a:ext uri="{FF2B5EF4-FFF2-40B4-BE49-F238E27FC236}">
+                <a16:creationId xmlns:a16="http://schemas.microsoft.com/office/drawing/2014/main" id="{30986727-EC2B-42DE-BBF4-55F9C9314867}"/>
+              </a:ext>
+            </a:extLst>
+          </p:cNvPr>
+          <p:cNvPicPr>
+            <a:picLocks noChangeAspect="1"/>
+          </p:cNvPicPr>
+          <p:nvPr/>
+        </p:nvPicPr>
+        <p:blipFill>
+          <a:blip r:embed="rId2"/>
+          <a:stretch>
+            <a:fillRect/>
+          </a:stretch>
+        </p:blipFill>
+        <p:spPr>
+          <a:xfrm>
+            <a:off x="1763106" y="1872320"/>
+            <a:ext cx="2088299" cy="1398860"/>
+          </a:xfrm>
+          <a:prstGeom prst="rect">
+            <a:avLst/>
+          </a:prstGeom>
+        </p:spPr>
+      </p:pic>
+      <p:sp>
+        <p:nvSpPr>
+          <p:cNvPr id="5" name="Arrow: Right 4">
+            <a:extLst>
+              <a:ext uri="{FF2B5EF4-FFF2-40B4-BE49-F238E27FC236}">
+                <a16:creationId xmlns:a16="http://schemas.microsoft.com/office/drawing/2014/main" id="{DFCAE3CD-9945-41AE-83C1-786FE88FD7FE}"/>
+              </a:ext>
+            </a:extLst>
+          </p:cNvPr>
+          <p:cNvSpPr/>
+          <p:nvPr/>
+        </p:nvSpPr>
+        <p:spPr>
+          <a:xfrm>
+            <a:off x="4133920" y="2277835"/>
+            <a:ext cx="612322" cy="587829"/>
+          </a:xfrm>
+          <a:prstGeom prst="rightArrow">
+            <a:avLst/>
+          </a:prstGeom>
+        </p:spPr>
+        <p:style>
+          <a:lnRef idx="1">
+            <a:schemeClr val="accent4"/>
+          </a:lnRef>
+          <a:fillRef idx="3">
+            <a:schemeClr val="accent4"/>
+          </a:fillRef>
+          <a:effectRef idx="2">
+            <a:schemeClr val="accent4"/>
+          </a:effectRef>
+          <a:fontRef idx="minor">
+            <a:schemeClr val="lt1"/>
+          </a:fontRef>
+        </p:style>
+        <p:txBody>
+          <a:bodyPr rtlCol="0" anchor="ctr"/>
+          <a:lstStyle/>
+          <a:p>
+            <a:pPr algn="ctr"/>
+            <a:endParaRPr lang="en-US"/>
+          </a:p>
+        </p:txBody>
+      </p:sp>
+      <p:pic>
+        <p:nvPicPr>
+          <p:cNvPr id="6" name="Picture 5">
+            <a:extLst>
+              <a:ext uri="{FF2B5EF4-FFF2-40B4-BE49-F238E27FC236}">
+                <a16:creationId xmlns:a16="http://schemas.microsoft.com/office/drawing/2014/main" id="{7DF24EFD-C678-4BD6-8EAC-B4357551010B}"/>
+              </a:ext>
+            </a:extLst>
+          </p:cNvPr>
+          <p:cNvPicPr>
+            <a:picLocks noChangeAspect="1"/>
+          </p:cNvPicPr>
+          <p:nvPr/>
+        </p:nvPicPr>
+        <p:blipFill>
+          <a:blip r:embed="rId3"/>
+          <a:stretch>
+            <a:fillRect/>
+          </a:stretch>
+        </p:blipFill>
+        <p:spPr>
+          <a:xfrm>
+            <a:off x="5028757" y="1603925"/>
+            <a:ext cx="3840813" cy="1935648"/>
+          </a:xfrm>
+          <a:prstGeom prst="rect">
+            <a:avLst/>
+          </a:prstGeom>
+        </p:spPr>
+      </p:pic>
+    </p:spTree>
+    <p:extLst>
+      <p:ext uri="{BB962C8B-B14F-4D97-AF65-F5344CB8AC3E}">
+        <p14:creationId xmlns:p14="http://schemas.microsoft.com/office/powerpoint/2010/main" val="251694704"/>
+      </p:ext>
+    </p:extLst>
+  </p:cSld>
+  <p:clrMapOvr>
+    <a:masterClrMapping/>
+  </p:clrMapOvr>
+</p:sld>
+</file>
+
+<file path=ppt/slides/slide36.xml><?xml version="1.0" encoding="utf-8"?>
+<p:sld xmlns:a="http://schemas.openxmlformats.org/drawingml/2006/main" xmlns:r="http://schemas.openxmlformats.org/officeDocument/2006/relationships" xmlns:p="http://schemas.openxmlformats.org/presentationml/2006/main">
+  <p:cSld>
+    <p:spTree>
+      <p:nvGrpSpPr>
+        <p:cNvPr id="1" name=""/>
+        <p:cNvGrpSpPr/>
+        <p:nvPr/>
+      </p:nvGrpSpPr>
+      <p:grpSpPr>
+        <a:xfrm>
+          <a:off x="0" y="0"/>
+          <a:ext cx="0" cy="0"/>
+          <a:chOff x="0" y="0"/>
+          <a:chExt cx="0" cy="0"/>
+        </a:xfrm>
+      </p:grpSpPr>
+      <p:sp>
+        <p:nvSpPr>
+          <p:cNvPr id="2" name="Title 1">
+            <a:extLst>
+              <a:ext uri="{FF2B5EF4-FFF2-40B4-BE49-F238E27FC236}">
+                <a16:creationId xmlns:a16="http://schemas.microsoft.com/office/drawing/2014/main" id="{B788C8A2-56C0-459C-A36F-C8A2DF4A1A25}"/>
+              </a:ext>
+            </a:extLst>
+          </p:cNvPr>
+          <p:cNvSpPr>
+            <a:spLocks noGrp="1"/>
+          </p:cNvSpPr>
+          <p:nvPr>
+            <p:ph type="title"/>
+          </p:nvPr>
+        </p:nvSpPr>
+        <p:spPr/>
+        <p:txBody>
+          <a:bodyPr/>
+          <a:lstStyle/>
+          <a:p>
+            <a:r>
+              <a:rPr lang="en-US" dirty="0"/>
+              <a:t>Testing in SPT</a:t>
+            </a:r>
+          </a:p>
+        </p:txBody>
+      </p:sp>
+      <p:pic>
+        <p:nvPicPr>
+          <p:cNvPr id="4" name="Picture 3">
+            <a:extLst>
+              <a:ext uri="{FF2B5EF4-FFF2-40B4-BE49-F238E27FC236}">
+                <a16:creationId xmlns:a16="http://schemas.microsoft.com/office/drawing/2014/main" id="{8176A819-F27D-4641-B457-77F3B69AC9D6}"/>
+              </a:ext>
+            </a:extLst>
+          </p:cNvPr>
+          <p:cNvPicPr>
+            <a:picLocks noChangeAspect="1"/>
+          </p:cNvPicPr>
+          <p:nvPr/>
+        </p:nvPicPr>
+        <p:blipFill>
+          <a:blip r:embed="rId2"/>
+          <a:stretch>
+            <a:fillRect/>
+          </a:stretch>
+        </p:blipFill>
+        <p:spPr>
+          <a:xfrm>
+            <a:off x="3385153" y="1147636"/>
+            <a:ext cx="3862369" cy="2848227"/>
+          </a:xfrm>
+          <a:prstGeom prst="rect">
+            <a:avLst/>
+          </a:prstGeom>
+        </p:spPr>
+      </p:pic>
+    </p:spTree>
+    <p:extLst>
+      <p:ext uri="{BB962C8B-B14F-4D97-AF65-F5344CB8AC3E}">
+        <p14:creationId xmlns:p14="http://schemas.microsoft.com/office/powerpoint/2010/main" val="3100379222"/>
+      </p:ext>
+    </p:extLst>
+  </p:cSld>
+  <p:clrMapOvr>
+    <a:masterClrMapping/>
+  </p:clrMapOvr>
+</p:sld>
+</file>
+
+<file path=ppt/slides/slide37.xml><?xml version="1.0" encoding="utf-8"?>
+<p:sld xmlns:a="http://schemas.openxmlformats.org/drawingml/2006/main" xmlns:r="http://schemas.openxmlformats.org/officeDocument/2006/relationships" xmlns:p="http://schemas.openxmlformats.org/presentationml/2006/main">
+  <p:cSld>
+    <p:spTree>
+      <p:nvGrpSpPr>
+        <p:cNvPr id="1" name=""/>
+        <p:cNvGrpSpPr/>
+        <p:nvPr/>
+      </p:nvGrpSpPr>
+      <p:grpSpPr>
+        <a:xfrm>
+          <a:off x="0" y="0"/>
+          <a:ext cx="0" cy="0"/>
+          <a:chOff x="0" y="0"/>
+          <a:chExt cx="0" cy="0"/>
+        </a:xfrm>
+      </p:grpSpPr>
+      <p:sp>
+        <p:nvSpPr>
+          <p:cNvPr id="2" name="Title 1">
+            <a:extLst>
+              <a:ext uri="{FF2B5EF4-FFF2-40B4-BE49-F238E27FC236}">
+                <a16:creationId xmlns:a16="http://schemas.microsoft.com/office/drawing/2014/main" id="{73BEF835-E17A-4F81-B8FA-1CC78DE15E8E}"/>
+              </a:ext>
+            </a:extLst>
+          </p:cNvPr>
+          <p:cNvSpPr>
+            <a:spLocks noGrp="1"/>
+          </p:cNvSpPr>
+          <p:nvPr>
+            <p:ph type="title"/>
+          </p:nvPr>
+        </p:nvSpPr>
+        <p:spPr/>
+        <p:txBody>
+          <a:bodyPr/>
+          <a:lstStyle/>
+          <a:p>
+            <a:r>
+              <a:rPr lang="en-US" dirty="0"/>
+              <a:t>Testing in SPT</a:t>
+            </a:r>
+          </a:p>
+        </p:txBody>
+      </p:sp>
+      <p:pic>
+        <p:nvPicPr>
+          <p:cNvPr id="4" name="Picture 3">
+            <a:extLst>
+              <a:ext uri="{FF2B5EF4-FFF2-40B4-BE49-F238E27FC236}">
+                <a16:creationId xmlns:a16="http://schemas.microsoft.com/office/drawing/2014/main" id="{88752EE0-AEBF-4681-89E4-A2489072DE0D}"/>
+              </a:ext>
+            </a:extLst>
+          </p:cNvPr>
+          <p:cNvPicPr>
+            <a:picLocks noChangeAspect="1"/>
+          </p:cNvPicPr>
+          <p:nvPr/>
+        </p:nvPicPr>
+        <p:blipFill>
+          <a:blip r:embed="rId2"/>
+          <a:stretch>
+            <a:fillRect/>
+          </a:stretch>
+        </p:blipFill>
+        <p:spPr>
+          <a:xfrm>
+            <a:off x="2092798" y="1984959"/>
+            <a:ext cx="6447079" cy="1173582"/>
+          </a:xfrm>
+          <a:prstGeom prst="rect">
+            <a:avLst/>
+          </a:prstGeom>
+        </p:spPr>
+      </p:pic>
+    </p:spTree>
+    <p:extLst>
+      <p:ext uri="{BB962C8B-B14F-4D97-AF65-F5344CB8AC3E}">
+        <p14:creationId xmlns:p14="http://schemas.microsoft.com/office/powerpoint/2010/main" val="4225078288"/>
+      </p:ext>
+    </p:extLst>
+  </p:cSld>
+  <p:clrMapOvr>
+    <a:masterClrMapping/>
+  </p:clrMapOvr>
+</p:sld>
+</file>
+
+<file path=ppt/slides/slide38.xml><?xml version="1.0" encoding="utf-8"?>
+<p:sld xmlns:a="http://schemas.openxmlformats.org/drawingml/2006/main" xmlns:r="http://schemas.openxmlformats.org/officeDocument/2006/relationships" xmlns:p="http://schemas.openxmlformats.org/presentationml/2006/main">
+  <p:cSld>
+    <p:spTree>
+      <p:nvGrpSpPr>
+        <p:cNvPr id="1" name=""/>
+        <p:cNvGrpSpPr/>
+        <p:nvPr/>
+      </p:nvGrpSpPr>
+      <p:grpSpPr>
+        <a:xfrm>
+          <a:off x="0" y="0"/>
+          <a:ext cx="0" cy="0"/>
+          <a:chOff x="0" y="0"/>
+          <a:chExt cx="0" cy="0"/>
+        </a:xfrm>
+      </p:grpSpPr>
+      <p:sp>
+        <p:nvSpPr>
+          <p:cNvPr id="2" name="Title 1">
+            <a:extLst>
+              <a:ext uri="{FF2B5EF4-FFF2-40B4-BE49-F238E27FC236}">
+                <a16:creationId xmlns:a16="http://schemas.microsoft.com/office/drawing/2014/main" id="{795A6E4F-00C5-4C1D-BA8D-FEB9CF1BB993}"/>
+              </a:ext>
+            </a:extLst>
+          </p:cNvPr>
+          <p:cNvSpPr>
+            <a:spLocks noGrp="1"/>
+          </p:cNvSpPr>
+          <p:nvPr>
+            <p:ph type="title"/>
+          </p:nvPr>
+        </p:nvSpPr>
+        <p:spPr/>
+        <p:txBody>
+          <a:bodyPr/>
+          <a:lstStyle/>
+          <a:p>
+            <a:r>
+              <a:rPr lang="en-US" dirty="0"/>
+              <a:t>Conclusion</a:t>
+            </a:r>
+          </a:p>
+        </p:txBody>
+      </p:sp>
+      <p:sp>
+        <p:nvSpPr>
+          <p:cNvPr id="5" name="Rectangle: Rounded Corners 4">
+            <a:extLst>
+              <a:ext uri="{FF2B5EF4-FFF2-40B4-BE49-F238E27FC236}">
+                <a16:creationId xmlns:a16="http://schemas.microsoft.com/office/drawing/2014/main" id="{74522C98-12A9-46CA-8BD9-A5CD6FB86AA9}"/>
+              </a:ext>
+            </a:extLst>
+          </p:cNvPr>
+          <p:cNvSpPr/>
+          <p:nvPr/>
+        </p:nvSpPr>
+        <p:spPr>
+          <a:xfrm>
+            <a:off x="1763104" y="2571749"/>
+            <a:ext cx="3078315" cy="980185"/>
+          </a:xfrm>
+          <a:prstGeom prst="roundRect">
+            <a:avLst/>
+          </a:prstGeom>
+          <a:solidFill>
+            <a:srgbClr val="00B050"/>
+          </a:solidFill>
+          <a:effectLst/>
+        </p:spPr>
+        <p:style>
+          <a:lnRef idx="1">
+            <a:schemeClr val="accent1"/>
+          </a:lnRef>
+          <a:fillRef idx="3">
+            <a:schemeClr val="accent1"/>
+          </a:fillRef>
+          <a:effectRef idx="2">
+            <a:schemeClr val="accent1"/>
+          </a:effectRef>
+          <a:fontRef idx="minor">
+            <a:schemeClr val="lt1"/>
+          </a:fontRef>
+        </p:style>
+        <p:txBody>
+          <a:bodyPr rtlCol="0" anchor="ctr"/>
+          <a:lstStyle/>
+          <a:p>
+            <a:pPr algn="ctr"/>
+            <a:r>
+              <a:rPr lang="en-US" sz="2400" dirty="0"/>
+              <a:t>Scope Graph</a:t>
+            </a:r>
+          </a:p>
+        </p:txBody>
+      </p:sp>
+      <p:sp>
+        <p:nvSpPr>
+          <p:cNvPr id="6" name="Rectangle: Rounded Corners 5">
+            <a:extLst>
+              <a:ext uri="{FF2B5EF4-FFF2-40B4-BE49-F238E27FC236}">
+                <a16:creationId xmlns:a16="http://schemas.microsoft.com/office/drawing/2014/main" id="{AE36B88C-19CA-4B3E-81B8-CB63057D4782}"/>
+              </a:ext>
+            </a:extLst>
+          </p:cNvPr>
+          <p:cNvSpPr/>
+          <p:nvPr/>
+        </p:nvSpPr>
+        <p:spPr>
+          <a:xfrm>
+            <a:off x="1763106" y="1195743"/>
+            <a:ext cx="3078315" cy="980185"/>
+          </a:xfrm>
+          <a:prstGeom prst="roundRect">
+            <a:avLst/>
+          </a:prstGeom>
+          <a:solidFill>
+            <a:srgbClr val="00B050"/>
+          </a:solidFill>
+        </p:spPr>
+        <p:style>
+          <a:lnRef idx="1">
+            <a:schemeClr val="accent1"/>
+          </a:lnRef>
+          <a:fillRef idx="3">
+            <a:schemeClr val="accent1"/>
+          </a:fillRef>
+          <a:effectRef idx="2">
+            <a:schemeClr val="accent1"/>
+          </a:effectRef>
+          <a:fontRef idx="minor">
+            <a:schemeClr val="lt1"/>
+          </a:fontRef>
+        </p:style>
+        <p:txBody>
+          <a:bodyPr rtlCol="0" anchor="ctr"/>
+          <a:lstStyle/>
+          <a:p>
+            <a:pPr algn="ctr"/>
+            <a:r>
+              <a:rPr lang="en-US" sz="2400" dirty="0" err="1"/>
+              <a:t>Stratego</a:t>
+            </a:r>
+            <a:r>
+              <a:rPr lang="en-US" sz="2400" dirty="0"/>
+              <a:t> Transformations</a:t>
+            </a:r>
+          </a:p>
+        </p:txBody>
+      </p:sp>
+      <p:sp>
+        <p:nvSpPr>
+          <p:cNvPr id="7" name="Rectangle: Rounded Corners 6">
+            <a:extLst>
+              <a:ext uri="{FF2B5EF4-FFF2-40B4-BE49-F238E27FC236}">
+                <a16:creationId xmlns:a16="http://schemas.microsoft.com/office/drawing/2014/main" id="{C6DE87A5-1A59-47A6-9042-E20849C2FA8D}"/>
+              </a:ext>
+            </a:extLst>
+          </p:cNvPr>
+          <p:cNvSpPr/>
+          <p:nvPr/>
+        </p:nvSpPr>
+        <p:spPr>
+          <a:xfrm>
+            <a:off x="5401656" y="1220236"/>
+            <a:ext cx="3078315" cy="980185"/>
+          </a:xfrm>
+          <a:prstGeom prst="roundRect">
+            <a:avLst/>
+          </a:prstGeom>
+          <a:solidFill>
+            <a:srgbClr val="FFC000"/>
+          </a:solidFill>
+        </p:spPr>
+        <p:style>
+          <a:lnRef idx="1">
+            <a:schemeClr val="accent4"/>
+          </a:lnRef>
+          <a:fillRef idx="3">
+            <a:schemeClr val="accent4"/>
+          </a:fillRef>
+          <a:effectRef idx="2">
+            <a:schemeClr val="accent4"/>
+          </a:effectRef>
+          <a:fontRef idx="minor">
+            <a:schemeClr val="lt1"/>
+          </a:fontRef>
+        </p:style>
+        <p:txBody>
+          <a:bodyPr rtlCol="0" anchor="ctr"/>
+          <a:lstStyle/>
+          <a:p>
+            <a:pPr algn="ctr"/>
+            <a:r>
+              <a:rPr lang="en-US" sz="2400" dirty="0"/>
+              <a:t>Nabl2 API</a:t>
+            </a:r>
+          </a:p>
+        </p:txBody>
+      </p:sp>
+      <p:sp>
+        <p:nvSpPr>
+          <p:cNvPr id="8" name="Rectangle: Rounded Corners 7">
+            <a:extLst>
+              <a:ext uri="{FF2B5EF4-FFF2-40B4-BE49-F238E27FC236}">
+                <a16:creationId xmlns:a16="http://schemas.microsoft.com/office/drawing/2014/main" id="{9702475F-C731-411E-A1AF-769623E3C8B7}"/>
+              </a:ext>
+            </a:extLst>
+          </p:cNvPr>
+          <p:cNvSpPr/>
+          <p:nvPr/>
+        </p:nvSpPr>
+        <p:spPr>
+          <a:xfrm>
+            <a:off x="5401655" y="2571750"/>
+            <a:ext cx="3078315" cy="980185"/>
+          </a:xfrm>
+          <a:prstGeom prst="roundRect">
+            <a:avLst/>
+          </a:prstGeom>
+          <a:solidFill>
+            <a:srgbClr val="FF0000"/>
+          </a:solidFill>
+        </p:spPr>
+        <p:style>
+          <a:lnRef idx="1">
+            <a:schemeClr val="accent4"/>
+          </a:lnRef>
+          <a:fillRef idx="3">
+            <a:schemeClr val="accent4"/>
+          </a:fillRef>
+          <a:effectRef idx="2">
+            <a:schemeClr val="accent4"/>
+          </a:effectRef>
+          <a:fontRef idx="minor">
+            <a:schemeClr val="lt1"/>
+          </a:fontRef>
+        </p:style>
+        <p:txBody>
+          <a:bodyPr rtlCol="0" anchor="ctr"/>
+          <a:lstStyle/>
+          <a:p>
+            <a:pPr algn="ctr"/>
+            <a:r>
+              <a:rPr lang="en-US" sz="2400" dirty="0"/>
+              <a:t>Eclipse UI Integration</a:t>
+            </a:r>
+          </a:p>
+        </p:txBody>
+      </p:sp>
+      <p:sp>
+        <p:nvSpPr>
+          <p:cNvPr id="9" name="Rectangle: Rounded Corners 8">
+            <a:extLst>
+              <a:ext uri="{FF2B5EF4-FFF2-40B4-BE49-F238E27FC236}">
+                <a16:creationId xmlns:a16="http://schemas.microsoft.com/office/drawing/2014/main" id="{82E51E27-B576-4E0F-9A80-D9938E13E4D5}"/>
+              </a:ext>
+            </a:extLst>
+          </p:cNvPr>
+          <p:cNvSpPr/>
+          <p:nvPr/>
+        </p:nvSpPr>
+        <p:spPr>
+          <a:xfrm>
+            <a:off x="5401654" y="3923264"/>
+            <a:ext cx="3078315" cy="980185"/>
+          </a:xfrm>
+          <a:prstGeom prst="roundRect">
+            <a:avLst/>
+          </a:prstGeom>
+          <a:solidFill>
+            <a:srgbClr val="FF0000"/>
+          </a:solidFill>
+        </p:spPr>
+        <p:style>
+          <a:lnRef idx="1">
+            <a:schemeClr val="accent4"/>
+          </a:lnRef>
+          <a:fillRef idx="3">
+            <a:schemeClr val="accent4"/>
+          </a:fillRef>
+          <a:effectRef idx="2">
+            <a:schemeClr val="accent4"/>
+          </a:effectRef>
+          <a:fontRef idx="minor">
+            <a:schemeClr val="lt1"/>
+          </a:fontRef>
+        </p:style>
+        <p:txBody>
+          <a:bodyPr rtlCol="0" anchor="ctr"/>
+          <a:lstStyle/>
+          <a:p>
+            <a:pPr algn="ctr"/>
+            <a:r>
+              <a:rPr lang="en-US" sz="2400" dirty="0"/>
+              <a:t>Transformations in SPT</a:t>
+            </a:r>
+          </a:p>
+        </p:txBody>
+      </p:sp>
+      <p:sp>
+        <p:nvSpPr>
+          <p:cNvPr id="10" name="Rectangle: Rounded Corners 9">
+            <a:extLst>
+              <a:ext uri="{FF2B5EF4-FFF2-40B4-BE49-F238E27FC236}">
+                <a16:creationId xmlns:a16="http://schemas.microsoft.com/office/drawing/2014/main" id="{C24F81BD-9DCD-4C9A-A518-2AD910B18716}"/>
+              </a:ext>
+            </a:extLst>
+          </p:cNvPr>
+          <p:cNvSpPr/>
+          <p:nvPr/>
+        </p:nvSpPr>
+        <p:spPr>
+          <a:xfrm>
+            <a:off x="1763103" y="3923263"/>
+            <a:ext cx="3078315" cy="980185"/>
+          </a:xfrm>
+          <a:prstGeom prst="roundRect">
+            <a:avLst/>
+          </a:prstGeom>
+          <a:solidFill>
+            <a:srgbClr val="FFC000"/>
+          </a:solidFill>
+        </p:spPr>
+        <p:style>
+          <a:lnRef idx="1">
+            <a:schemeClr val="accent4"/>
+          </a:lnRef>
+          <a:fillRef idx="3">
+            <a:schemeClr val="accent4"/>
+          </a:fillRef>
+          <a:effectRef idx="2">
+            <a:schemeClr val="accent4"/>
+          </a:effectRef>
+          <a:fontRef idx="minor">
+            <a:schemeClr val="lt1"/>
+          </a:fontRef>
+        </p:style>
+        <p:txBody>
+          <a:bodyPr rtlCol="0" anchor="ctr"/>
+          <a:lstStyle/>
+          <a:p>
+            <a:pPr algn="ctr"/>
+            <a:r>
+              <a:rPr lang="en-US" sz="2400" dirty="0"/>
+              <a:t>Tricky</a:t>
+            </a:r>
+          </a:p>
+        </p:txBody>
+      </p:sp>
+    </p:spTree>
+    <p:extLst>
+      <p:ext uri="{BB962C8B-B14F-4D97-AF65-F5344CB8AC3E}">
+        <p14:creationId xmlns:p14="http://schemas.microsoft.com/office/powerpoint/2010/main" val="1803745701"/>
       </p:ext>
     </p:extLst>
   </p:cSld>
